--- a/Slides/Lesson 2.1 Contracts, Purpose Statements, and Examples.pptx
+++ b/Slides/Lesson 2.1 Contracts, Purpose Statements, and Examples.pptx
@@ -5,73 +5,74 @@
     <p:sldMasterId id="2147483648" r:id="rId1"/>
   </p:sldMasterIdLst>
   <p:notesMasterIdLst>
-    <p:notesMasterId r:id="rId26"/>
+    <p:notesMasterId r:id="rId27"/>
   </p:notesMasterIdLst>
   <p:handoutMasterIdLst>
-    <p:handoutMasterId r:id="rId27"/>
+    <p:handoutMasterId r:id="rId28"/>
   </p:handoutMasterIdLst>
   <p:sldIdLst>
     <p:sldId id="257" r:id="rId2"/>
-    <p:sldId id="325" r:id="rId3"/>
-    <p:sldId id="299" r:id="rId4"/>
-    <p:sldId id="298" r:id="rId5"/>
-    <p:sldId id="323" r:id="rId6"/>
-    <p:sldId id="314" r:id="rId7"/>
-    <p:sldId id="326" r:id="rId8"/>
-    <p:sldId id="329" r:id="rId9"/>
-    <p:sldId id="301" r:id="rId10"/>
-    <p:sldId id="316" r:id="rId11"/>
-    <p:sldId id="302" r:id="rId12"/>
-    <p:sldId id="317" r:id="rId13"/>
-    <p:sldId id="303" r:id="rId14"/>
-    <p:sldId id="324" r:id="rId15"/>
-    <p:sldId id="310" r:id="rId16"/>
-    <p:sldId id="318" r:id="rId17"/>
-    <p:sldId id="311" r:id="rId18"/>
-    <p:sldId id="312" r:id="rId19"/>
-    <p:sldId id="319" r:id="rId20"/>
-    <p:sldId id="320" r:id="rId21"/>
-    <p:sldId id="321" r:id="rId22"/>
-    <p:sldId id="322" r:id="rId23"/>
-    <p:sldId id="276" r:id="rId24"/>
-    <p:sldId id="297" r:id="rId25"/>
+    <p:sldId id="330" r:id="rId3"/>
+    <p:sldId id="325" r:id="rId4"/>
+    <p:sldId id="299" r:id="rId5"/>
+    <p:sldId id="298" r:id="rId6"/>
+    <p:sldId id="323" r:id="rId7"/>
+    <p:sldId id="314" r:id="rId8"/>
+    <p:sldId id="326" r:id="rId9"/>
+    <p:sldId id="329" r:id="rId10"/>
+    <p:sldId id="301" r:id="rId11"/>
+    <p:sldId id="316" r:id="rId12"/>
+    <p:sldId id="302" r:id="rId13"/>
+    <p:sldId id="317" r:id="rId14"/>
+    <p:sldId id="303" r:id="rId15"/>
+    <p:sldId id="324" r:id="rId16"/>
+    <p:sldId id="310" r:id="rId17"/>
+    <p:sldId id="318" r:id="rId18"/>
+    <p:sldId id="311" r:id="rId19"/>
+    <p:sldId id="312" r:id="rId20"/>
+    <p:sldId id="319" r:id="rId21"/>
+    <p:sldId id="320" r:id="rId22"/>
+    <p:sldId id="321" r:id="rId23"/>
+    <p:sldId id="322" r:id="rId24"/>
+    <p:sldId id="276" r:id="rId25"/>
+    <p:sldId id="297" r:id="rId26"/>
   </p:sldIdLst>
   <p:sldSz cx="9144000" cy="6858000" type="screen4x3"/>
   <p:notesSz cx="6858000" cy="9296400"/>
   <p:embeddedFontLst>
     <p:embeddedFont>
-      <p:font typeface="Consolas" panose="020B0609020204030204" pitchFamily="49" charset="0"/>
-      <p:regular r:id="rId28"/>
-      <p:bold r:id="rId29"/>
-      <p:italic r:id="rId30"/>
-      <p:boldItalic r:id="rId31"/>
+      <p:font typeface="CMR10" panose="020B0604020202020204"/>
+      <p:regular r:id="rId29"/>
+    </p:embeddedFont>
+    <p:embeddedFont>
+      <p:font typeface="CMSY10ORIG" panose="020B0604020202020204"/>
+      <p:regular r:id="rId30"/>
     </p:embeddedFont>
     <p:embeddedFont>
       <p:font typeface="Calibri" panose="020F0502020204030204" pitchFamily="34" charset="0"/>
-      <p:regular r:id="rId32"/>
-      <p:bold r:id="rId33"/>
-      <p:italic r:id="rId34"/>
-      <p:boldItalic r:id="rId35"/>
+      <p:regular r:id="rId31"/>
+      <p:bold r:id="rId32"/>
+      <p:italic r:id="rId33"/>
+      <p:boldItalic r:id="rId34"/>
     </p:embeddedFont>
     <p:embeddedFont>
-      <p:font typeface="Arial Unicode MS" panose="020B0604020202020204" charset="-128"/>
+      <p:font typeface="Arial Unicode MS" panose="020B0604020202020204" pitchFamily="34" charset="-128"/>
+      <p:regular r:id="rId35"/>
+    </p:embeddedFont>
+    <p:embeddedFont>
+      <p:font typeface="CMMI10" panose="020B0604020202020204"/>
       <p:regular r:id="rId36"/>
     </p:embeddedFont>
     <p:embeddedFont>
-      <p:font typeface="CMSY10ORIG" panose="020B0604020202020204"/>
+      <p:font typeface="Consolas" panose="020B0609020204030204" pitchFamily="49" charset="0"/>
       <p:regular r:id="rId37"/>
-    </p:embeddedFont>
-    <p:embeddedFont>
-      <p:font typeface="CMR10" panose="020B0604020202020204"/>
-      <p:regular r:id="rId38"/>
-    </p:embeddedFont>
-    <p:embeddedFont>
-      <p:font typeface="CMMI10" panose="020B0604020202020204"/>
-      <p:regular r:id="rId39"/>
+      <p:bold r:id="rId38"/>
+      <p:italic r:id="rId39"/>
+      <p:boldItalic r:id="rId40"/>
     </p:embeddedFont>
   </p:embeddedFontLst>
   <p:custDataLst>
-    <p:tags r:id="rId40"/>
+    <p:tags r:id="rId41"/>
   </p:custDataLst>
   <p:defaultTextStyle>
     <a:defPPr>
@@ -193,6 +194,4734 @@
 </p:cmAuthorLst>
 </file>
 
+<file path=ppt/diagrams/colors1.xml><?xml version="1.0" encoding="utf-8"?>
+<dgm:colorsDef xmlns:dgm="http://schemas.openxmlformats.org/drawingml/2006/diagram" xmlns:a="http://schemas.openxmlformats.org/drawingml/2006/main" uniqueId="urn:microsoft.com/office/officeart/2005/8/colors/accent1_2">
+  <dgm:title val=""/>
+  <dgm:desc val=""/>
+  <dgm:catLst>
+    <dgm:cat type="accent1" pri="11200"/>
+  </dgm:catLst>
+  <dgm:styleLbl name="node0">
+    <dgm:fillClrLst meth="repeat">
+      <a:schemeClr val="accent1"/>
+    </dgm:fillClrLst>
+    <dgm:linClrLst meth="repeat">
+      <a:schemeClr val="lt1"/>
+    </dgm:linClrLst>
+    <dgm:effectClrLst/>
+    <dgm:txLinClrLst/>
+    <dgm:txFillClrLst/>
+    <dgm:txEffectClrLst/>
+  </dgm:styleLbl>
+  <dgm:styleLbl name="alignNode1">
+    <dgm:fillClrLst meth="repeat">
+      <a:schemeClr val="accent1"/>
+    </dgm:fillClrLst>
+    <dgm:linClrLst meth="repeat">
+      <a:schemeClr val="accent1"/>
+    </dgm:linClrLst>
+    <dgm:effectClrLst/>
+    <dgm:txLinClrLst/>
+    <dgm:txFillClrLst/>
+    <dgm:txEffectClrLst/>
+  </dgm:styleLbl>
+  <dgm:styleLbl name="node1">
+    <dgm:fillClrLst meth="repeat">
+      <a:schemeClr val="accent1"/>
+    </dgm:fillClrLst>
+    <dgm:linClrLst meth="repeat">
+      <a:schemeClr val="lt1"/>
+    </dgm:linClrLst>
+    <dgm:effectClrLst/>
+    <dgm:txLinClrLst/>
+    <dgm:txFillClrLst/>
+    <dgm:txEffectClrLst/>
+  </dgm:styleLbl>
+  <dgm:styleLbl name="lnNode1">
+    <dgm:fillClrLst meth="repeat">
+      <a:schemeClr val="accent1"/>
+    </dgm:fillClrLst>
+    <dgm:linClrLst meth="repeat">
+      <a:schemeClr val="lt1"/>
+    </dgm:linClrLst>
+    <dgm:effectClrLst/>
+    <dgm:txLinClrLst/>
+    <dgm:txFillClrLst/>
+    <dgm:txEffectClrLst/>
+  </dgm:styleLbl>
+  <dgm:styleLbl name="vennNode1">
+    <dgm:fillClrLst meth="repeat">
+      <a:schemeClr val="accent1">
+        <a:alpha val="50000"/>
+      </a:schemeClr>
+    </dgm:fillClrLst>
+    <dgm:linClrLst meth="repeat">
+      <a:schemeClr val="lt1"/>
+    </dgm:linClrLst>
+    <dgm:effectClrLst/>
+    <dgm:txLinClrLst/>
+    <dgm:txFillClrLst/>
+    <dgm:txEffectClrLst/>
+  </dgm:styleLbl>
+  <dgm:styleLbl name="node2">
+    <dgm:fillClrLst meth="repeat">
+      <a:schemeClr val="accent1"/>
+    </dgm:fillClrLst>
+    <dgm:linClrLst meth="repeat">
+      <a:schemeClr val="lt1"/>
+    </dgm:linClrLst>
+    <dgm:effectClrLst/>
+    <dgm:txLinClrLst/>
+    <dgm:txFillClrLst/>
+    <dgm:txEffectClrLst/>
+  </dgm:styleLbl>
+  <dgm:styleLbl name="node3">
+    <dgm:fillClrLst meth="repeat">
+      <a:schemeClr val="accent1"/>
+    </dgm:fillClrLst>
+    <dgm:linClrLst meth="repeat">
+      <a:schemeClr val="lt1"/>
+    </dgm:linClrLst>
+    <dgm:effectClrLst/>
+    <dgm:txLinClrLst/>
+    <dgm:txFillClrLst/>
+    <dgm:txEffectClrLst/>
+  </dgm:styleLbl>
+  <dgm:styleLbl name="node4">
+    <dgm:fillClrLst meth="repeat">
+      <a:schemeClr val="accent1"/>
+    </dgm:fillClrLst>
+    <dgm:linClrLst meth="repeat">
+      <a:schemeClr val="lt1"/>
+    </dgm:linClrLst>
+    <dgm:effectClrLst/>
+    <dgm:txLinClrLst/>
+    <dgm:txFillClrLst/>
+    <dgm:txEffectClrLst/>
+  </dgm:styleLbl>
+  <dgm:styleLbl name="fgImgPlace1">
+    <dgm:fillClrLst meth="repeat">
+      <a:schemeClr val="accent1">
+        <a:tint val="50000"/>
+      </a:schemeClr>
+    </dgm:fillClrLst>
+    <dgm:linClrLst meth="repeat">
+      <a:schemeClr val="lt1"/>
+    </dgm:linClrLst>
+    <dgm:effectClrLst/>
+    <dgm:txLinClrLst/>
+    <dgm:txFillClrLst meth="repeat">
+      <a:schemeClr val="lt1"/>
+    </dgm:txFillClrLst>
+    <dgm:txEffectClrLst/>
+  </dgm:styleLbl>
+  <dgm:styleLbl name="alignImgPlace1">
+    <dgm:fillClrLst meth="repeat">
+      <a:schemeClr val="accent1">
+        <a:tint val="50000"/>
+      </a:schemeClr>
+    </dgm:fillClrLst>
+    <dgm:linClrLst meth="repeat">
+      <a:schemeClr val="lt1"/>
+    </dgm:linClrLst>
+    <dgm:effectClrLst/>
+    <dgm:txLinClrLst/>
+    <dgm:txFillClrLst meth="repeat">
+      <a:schemeClr val="lt1"/>
+    </dgm:txFillClrLst>
+    <dgm:txEffectClrLst/>
+  </dgm:styleLbl>
+  <dgm:styleLbl name="bgImgPlace1">
+    <dgm:fillClrLst meth="repeat">
+      <a:schemeClr val="accent1">
+        <a:tint val="50000"/>
+      </a:schemeClr>
+    </dgm:fillClrLst>
+    <dgm:linClrLst meth="repeat">
+      <a:schemeClr val="lt1"/>
+    </dgm:linClrLst>
+    <dgm:effectClrLst/>
+    <dgm:txLinClrLst/>
+    <dgm:txFillClrLst meth="repeat">
+      <a:schemeClr val="lt1"/>
+    </dgm:txFillClrLst>
+    <dgm:txEffectClrLst/>
+  </dgm:styleLbl>
+  <dgm:styleLbl name="sibTrans2D1">
+    <dgm:fillClrLst meth="repeat">
+      <a:schemeClr val="accent1">
+        <a:tint val="60000"/>
+      </a:schemeClr>
+    </dgm:fillClrLst>
+    <dgm:linClrLst meth="repeat">
+      <a:schemeClr val="accent1">
+        <a:tint val="60000"/>
+      </a:schemeClr>
+    </dgm:linClrLst>
+    <dgm:effectClrLst/>
+    <dgm:txLinClrLst/>
+    <dgm:txFillClrLst/>
+    <dgm:txEffectClrLst/>
+  </dgm:styleLbl>
+  <dgm:styleLbl name="fgSibTrans2D1">
+    <dgm:fillClrLst meth="repeat">
+      <a:schemeClr val="accent1">
+        <a:tint val="60000"/>
+      </a:schemeClr>
+    </dgm:fillClrLst>
+    <dgm:linClrLst meth="repeat">
+      <a:schemeClr val="accent1">
+        <a:tint val="60000"/>
+      </a:schemeClr>
+    </dgm:linClrLst>
+    <dgm:effectClrLst/>
+    <dgm:txLinClrLst/>
+    <dgm:txFillClrLst/>
+    <dgm:txEffectClrLst/>
+  </dgm:styleLbl>
+  <dgm:styleLbl name="bgSibTrans2D1">
+    <dgm:fillClrLst meth="repeat">
+      <a:schemeClr val="accent1">
+        <a:tint val="60000"/>
+      </a:schemeClr>
+    </dgm:fillClrLst>
+    <dgm:linClrLst meth="repeat">
+      <a:schemeClr val="accent1">
+        <a:tint val="60000"/>
+      </a:schemeClr>
+    </dgm:linClrLst>
+    <dgm:effectClrLst/>
+    <dgm:txLinClrLst/>
+    <dgm:txFillClrLst/>
+    <dgm:txEffectClrLst/>
+  </dgm:styleLbl>
+  <dgm:styleLbl name="sibTrans1D1">
+    <dgm:fillClrLst meth="repeat">
+      <a:schemeClr val="accent1"/>
+    </dgm:fillClrLst>
+    <dgm:linClrLst meth="repeat">
+      <a:schemeClr val="accent1"/>
+    </dgm:linClrLst>
+    <dgm:effectClrLst/>
+    <dgm:txLinClrLst/>
+    <dgm:txFillClrLst meth="repeat">
+      <a:schemeClr val="tx1"/>
+    </dgm:txFillClrLst>
+    <dgm:txEffectClrLst/>
+  </dgm:styleLbl>
+  <dgm:styleLbl name="callout">
+    <dgm:fillClrLst meth="repeat">
+      <a:schemeClr val="accent1"/>
+    </dgm:fillClrLst>
+    <dgm:linClrLst meth="repeat">
+      <a:schemeClr val="accent1">
+        <a:tint val="50000"/>
+      </a:schemeClr>
+    </dgm:linClrLst>
+    <dgm:effectClrLst/>
+    <dgm:txLinClrLst/>
+    <dgm:txFillClrLst meth="repeat">
+      <a:schemeClr val="tx1"/>
+    </dgm:txFillClrLst>
+    <dgm:txEffectClrLst/>
+  </dgm:styleLbl>
+  <dgm:styleLbl name="asst0">
+    <dgm:fillClrLst meth="repeat">
+      <a:schemeClr val="accent1"/>
+    </dgm:fillClrLst>
+    <dgm:linClrLst meth="repeat">
+      <a:schemeClr val="lt1"/>
+    </dgm:linClrLst>
+    <dgm:effectClrLst/>
+    <dgm:txLinClrLst/>
+    <dgm:txFillClrLst/>
+    <dgm:txEffectClrLst/>
+  </dgm:styleLbl>
+  <dgm:styleLbl name="asst1">
+    <dgm:fillClrLst meth="repeat">
+      <a:schemeClr val="accent1"/>
+    </dgm:fillClrLst>
+    <dgm:linClrLst meth="repeat">
+      <a:schemeClr val="lt1"/>
+    </dgm:linClrLst>
+    <dgm:effectClrLst/>
+    <dgm:txLinClrLst/>
+    <dgm:txFillClrLst/>
+    <dgm:txEffectClrLst/>
+  </dgm:styleLbl>
+  <dgm:styleLbl name="asst2">
+    <dgm:fillClrLst meth="repeat">
+      <a:schemeClr val="accent1"/>
+    </dgm:fillClrLst>
+    <dgm:linClrLst meth="repeat">
+      <a:schemeClr val="lt1"/>
+    </dgm:linClrLst>
+    <dgm:effectClrLst/>
+    <dgm:txLinClrLst/>
+    <dgm:txFillClrLst/>
+    <dgm:txEffectClrLst/>
+  </dgm:styleLbl>
+  <dgm:styleLbl name="asst3">
+    <dgm:fillClrLst meth="repeat">
+      <a:schemeClr val="accent1"/>
+    </dgm:fillClrLst>
+    <dgm:linClrLst meth="repeat">
+      <a:schemeClr val="lt1"/>
+    </dgm:linClrLst>
+    <dgm:effectClrLst/>
+    <dgm:txLinClrLst/>
+    <dgm:txFillClrLst/>
+    <dgm:txEffectClrLst/>
+  </dgm:styleLbl>
+  <dgm:styleLbl name="asst4">
+    <dgm:fillClrLst meth="repeat">
+      <a:schemeClr val="accent1"/>
+    </dgm:fillClrLst>
+    <dgm:linClrLst meth="repeat">
+      <a:schemeClr val="lt1"/>
+    </dgm:linClrLst>
+    <dgm:effectClrLst/>
+    <dgm:txLinClrLst/>
+    <dgm:txFillClrLst/>
+    <dgm:txEffectClrLst/>
+  </dgm:styleLbl>
+  <dgm:styleLbl name="parChTrans2D1">
+    <dgm:fillClrLst meth="repeat">
+      <a:schemeClr val="accent1">
+        <a:tint val="60000"/>
+      </a:schemeClr>
+    </dgm:fillClrLst>
+    <dgm:linClrLst meth="repeat">
+      <a:schemeClr val="accent1">
+        <a:tint val="60000"/>
+      </a:schemeClr>
+    </dgm:linClrLst>
+    <dgm:effectClrLst/>
+    <dgm:txLinClrLst/>
+    <dgm:txFillClrLst meth="repeat">
+      <a:schemeClr val="lt1"/>
+    </dgm:txFillClrLst>
+    <dgm:txEffectClrLst/>
+  </dgm:styleLbl>
+  <dgm:styleLbl name="parChTrans2D2">
+    <dgm:fillClrLst meth="repeat">
+      <a:schemeClr val="accent1"/>
+    </dgm:fillClrLst>
+    <dgm:linClrLst meth="repeat">
+      <a:schemeClr val="accent1"/>
+    </dgm:linClrLst>
+    <dgm:effectClrLst/>
+    <dgm:txLinClrLst/>
+    <dgm:txFillClrLst meth="repeat">
+      <a:schemeClr val="lt1"/>
+    </dgm:txFillClrLst>
+    <dgm:txEffectClrLst/>
+  </dgm:styleLbl>
+  <dgm:styleLbl name="parChTrans2D3">
+    <dgm:fillClrLst meth="repeat">
+      <a:schemeClr val="accent1"/>
+    </dgm:fillClrLst>
+    <dgm:linClrLst meth="repeat">
+      <a:schemeClr val="accent1"/>
+    </dgm:linClrLst>
+    <dgm:effectClrLst/>
+    <dgm:txLinClrLst/>
+    <dgm:txFillClrLst meth="repeat">
+      <a:schemeClr val="lt1"/>
+    </dgm:txFillClrLst>
+    <dgm:txEffectClrLst/>
+  </dgm:styleLbl>
+  <dgm:styleLbl name="parChTrans2D4">
+    <dgm:fillClrLst meth="repeat">
+      <a:schemeClr val="accent1"/>
+    </dgm:fillClrLst>
+    <dgm:linClrLst meth="repeat">
+      <a:schemeClr val="accent1"/>
+    </dgm:linClrLst>
+    <dgm:effectClrLst/>
+    <dgm:txLinClrLst/>
+    <dgm:txFillClrLst meth="repeat">
+      <a:schemeClr val="lt1"/>
+    </dgm:txFillClrLst>
+    <dgm:txEffectClrLst/>
+  </dgm:styleLbl>
+  <dgm:styleLbl name="parChTrans1D1">
+    <dgm:fillClrLst meth="repeat">
+      <a:schemeClr val="accent1"/>
+    </dgm:fillClrLst>
+    <dgm:linClrLst meth="repeat">
+      <a:schemeClr val="accent1">
+        <a:shade val="60000"/>
+      </a:schemeClr>
+    </dgm:linClrLst>
+    <dgm:effectClrLst/>
+    <dgm:txLinClrLst/>
+    <dgm:txFillClrLst meth="repeat">
+      <a:schemeClr val="tx1"/>
+    </dgm:txFillClrLst>
+    <dgm:txEffectClrLst/>
+  </dgm:styleLbl>
+  <dgm:styleLbl name="parChTrans1D2">
+    <dgm:fillClrLst meth="repeat">
+      <a:schemeClr val="accent1"/>
+    </dgm:fillClrLst>
+    <dgm:linClrLst meth="repeat">
+      <a:schemeClr val="accent1">
+        <a:shade val="60000"/>
+      </a:schemeClr>
+    </dgm:linClrLst>
+    <dgm:effectClrLst/>
+    <dgm:txLinClrLst/>
+    <dgm:txFillClrLst meth="repeat">
+      <a:schemeClr val="tx1"/>
+    </dgm:txFillClrLst>
+    <dgm:txEffectClrLst/>
+  </dgm:styleLbl>
+  <dgm:styleLbl name="parChTrans1D3">
+    <dgm:fillClrLst meth="repeat">
+      <a:schemeClr val="accent1"/>
+    </dgm:fillClrLst>
+    <dgm:linClrLst meth="repeat">
+      <a:schemeClr val="accent1">
+        <a:shade val="80000"/>
+      </a:schemeClr>
+    </dgm:linClrLst>
+    <dgm:effectClrLst/>
+    <dgm:txLinClrLst/>
+    <dgm:txFillClrLst meth="repeat">
+      <a:schemeClr val="tx1"/>
+    </dgm:txFillClrLst>
+    <dgm:txEffectClrLst/>
+  </dgm:styleLbl>
+  <dgm:styleLbl name="parChTrans1D4">
+    <dgm:fillClrLst meth="repeat">
+      <a:schemeClr val="accent1"/>
+    </dgm:fillClrLst>
+    <dgm:linClrLst meth="repeat">
+      <a:schemeClr val="accent1">
+        <a:shade val="80000"/>
+      </a:schemeClr>
+    </dgm:linClrLst>
+    <dgm:effectClrLst/>
+    <dgm:txLinClrLst/>
+    <dgm:txFillClrLst meth="repeat">
+      <a:schemeClr val="tx1"/>
+    </dgm:txFillClrLst>
+    <dgm:txEffectClrLst/>
+  </dgm:styleLbl>
+  <dgm:styleLbl name="fgAcc1">
+    <dgm:fillClrLst meth="repeat">
+      <a:schemeClr val="lt1">
+        <a:alpha val="90000"/>
+      </a:schemeClr>
+    </dgm:fillClrLst>
+    <dgm:linClrLst meth="repeat">
+      <a:schemeClr val="accent1"/>
+    </dgm:linClrLst>
+    <dgm:effectClrLst/>
+    <dgm:txLinClrLst/>
+    <dgm:txFillClrLst meth="repeat">
+      <a:schemeClr val="dk1"/>
+    </dgm:txFillClrLst>
+    <dgm:txEffectClrLst/>
+  </dgm:styleLbl>
+  <dgm:styleLbl name="conFgAcc1">
+    <dgm:fillClrLst meth="repeat">
+      <a:schemeClr val="lt1">
+        <a:alpha val="90000"/>
+      </a:schemeClr>
+    </dgm:fillClrLst>
+    <dgm:linClrLst meth="repeat">
+      <a:schemeClr val="accent1"/>
+    </dgm:linClrLst>
+    <dgm:effectClrLst/>
+    <dgm:txLinClrLst/>
+    <dgm:txFillClrLst meth="repeat">
+      <a:schemeClr val="dk1"/>
+    </dgm:txFillClrLst>
+    <dgm:txEffectClrLst/>
+  </dgm:styleLbl>
+  <dgm:styleLbl name="alignAcc1">
+    <dgm:fillClrLst meth="repeat">
+      <a:schemeClr val="lt1">
+        <a:alpha val="90000"/>
+      </a:schemeClr>
+    </dgm:fillClrLst>
+    <dgm:linClrLst meth="repeat">
+      <a:schemeClr val="accent1"/>
+    </dgm:linClrLst>
+    <dgm:effectClrLst/>
+    <dgm:txLinClrLst/>
+    <dgm:txFillClrLst meth="repeat">
+      <a:schemeClr val="dk1"/>
+    </dgm:txFillClrLst>
+    <dgm:txEffectClrLst/>
+  </dgm:styleLbl>
+  <dgm:styleLbl name="trAlignAcc1">
+    <dgm:fillClrLst meth="repeat">
+      <a:schemeClr val="lt1">
+        <a:alpha val="40000"/>
+      </a:schemeClr>
+    </dgm:fillClrLst>
+    <dgm:linClrLst meth="repeat">
+      <a:schemeClr val="accent1"/>
+    </dgm:linClrLst>
+    <dgm:effectClrLst/>
+    <dgm:txLinClrLst/>
+    <dgm:txFillClrLst meth="repeat">
+      <a:schemeClr val="dk1"/>
+    </dgm:txFillClrLst>
+    <dgm:txEffectClrLst/>
+  </dgm:styleLbl>
+  <dgm:styleLbl name="bgAcc1">
+    <dgm:fillClrLst meth="repeat">
+      <a:schemeClr val="lt1">
+        <a:alpha val="90000"/>
+      </a:schemeClr>
+    </dgm:fillClrLst>
+    <dgm:linClrLst meth="repeat">
+      <a:schemeClr val="accent1"/>
+    </dgm:linClrLst>
+    <dgm:effectClrLst/>
+    <dgm:txLinClrLst/>
+    <dgm:txFillClrLst meth="repeat">
+      <a:schemeClr val="dk1"/>
+    </dgm:txFillClrLst>
+    <dgm:txEffectClrLst/>
+  </dgm:styleLbl>
+  <dgm:styleLbl name="solidFgAcc1">
+    <dgm:fillClrLst meth="repeat">
+      <a:schemeClr val="lt1"/>
+    </dgm:fillClrLst>
+    <dgm:linClrLst meth="repeat">
+      <a:schemeClr val="accent1"/>
+    </dgm:linClrLst>
+    <dgm:effectClrLst/>
+    <dgm:txLinClrLst/>
+    <dgm:txFillClrLst meth="repeat">
+      <a:schemeClr val="dk1"/>
+    </dgm:txFillClrLst>
+    <dgm:txEffectClrLst/>
+  </dgm:styleLbl>
+  <dgm:styleLbl name="solidAlignAcc1">
+    <dgm:fillClrLst meth="repeat">
+      <a:schemeClr val="lt1"/>
+    </dgm:fillClrLst>
+    <dgm:linClrLst meth="repeat">
+      <a:schemeClr val="accent1"/>
+    </dgm:linClrLst>
+    <dgm:effectClrLst/>
+    <dgm:txLinClrLst/>
+    <dgm:txFillClrLst meth="repeat">
+      <a:schemeClr val="dk1"/>
+    </dgm:txFillClrLst>
+    <dgm:txEffectClrLst/>
+  </dgm:styleLbl>
+  <dgm:styleLbl name="solidBgAcc1">
+    <dgm:fillClrLst meth="repeat">
+      <a:schemeClr val="lt1"/>
+    </dgm:fillClrLst>
+    <dgm:linClrLst meth="repeat">
+      <a:schemeClr val="accent1"/>
+    </dgm:linClrLst>
+    <dgm:effectClrLst/>
+    <dgm:txLinClrLst/>
+    <dgm:txFillClrLst meth="repeat">
+      <a:schemeClr val="dk1"/>
+    </dgm:txFillClrLst>
+    <dgm:txEffectClrLst/>
+  </dgm:styleLbl>
+  <dgm:styleLbl name="fgAccFollowNode1">
+    <dgm:fillClrLst meth="repeat">
+      <a:schemeClr val="accent1">
+        <a:alpha val="90000"/>
+        <a:tint val="40000"/>
+      </a:schemeClr>
+    </dgm:fillClrLst>
+    <dgm:linClrLst meth="repeat">
+      <a:schemeClr val="accent1">
+        <a:alpha val="90000"/>
+        <a:tint val="40000"/>
+      </a:schemeClr>
+    </dgm:linClrLst>
+    <dgm:effectClrLst/>
+    <dgm:txLinClrLst/>
+    <dgm:txFillClrLst meth="repeat">
+      <a:schemeClr val="dk1"/>
+    </dgm:txFillClrLst>
+    <dgm:txEffectClrLst/>
+  </dgm:styleLbl>
+  <dgm:styleLbl name="alignAccFollowNode1">
+    <dgm:fillClrLst meth="repeat">
+      <a:schemeClr val="accent1">
+        <a:alpha val="90000"/>
+        <a:tint val="40000"/>
+      </a:schemeClr>
+    </dgm:fillClrLst>
+    <dgm:linClrLst meth="repeat">
+      <a:schemeClr val="accent1">
+        <a:alpha val="90000"/>
+        <a:tint val="40000"/>
+      </a:schemeClr>
+    </dgm:linClrLst>
+    <dgm:effectClrLst/>
+    <dgm:txLinClrLst/>
+    <dgm:txFillClrLst meth="repeat">
+      <a:schemeClr val="dk1"/>
+    </dgm:txFillClrLst>
+    <dgm:txEffectClrLst/>
+  </dgm:styleLbl>
+  <dgm:styleLbl name="bgAccFollowNode1">
+    <dgm:fillClrLst meth="repeat">
+      <a:schemeClr val="accent1">
+        <a:alpha val="90000"/>
+        <a:tint val="40000"/>
+      </a:schemeClr>
+    </dgm:fillClrLst>
+    <dgm:linClrLst meth="repeat">
+      <a:schemeClr val="accent1">
+        <a:alpha val="90000"/>
+        <a:tint val="40000"/>
+      </a:schemeClr>
+    </dgm:linClrLst>
+    <dgm:effectClrLst/>
+    <dgm:txLinClrLst/>
+    <dgm:txFillClrLst meth="repeat">
+      <a:schemeClr val="dk1"/>
+    </dgm:txFillClrLst>
+    <dgm:txEffectClrLst/>
+  </dgm:styleLbl>
+  <dgm:styleLbl name="fgAcc0">
+    <dgm:fillClrLst meth="repeat">
+      <a:schemeClr val="lt1">
+        <a:alpha val="90000"/>
+      </a:schemeClr>
+    </dgm:fillClrLst>
+    <dgm:linClrLst meth="repeat">
+      <a:schemeClr val="accent1"/>
+    </dgm:linClrLst>
+    <dgm:effectClrLst/>
+    <dgm:txLinClrLst/>
+    <dgm:txFillClrLst meth="repeat">
+      <a:schemeClr val="dk1"/>
+    </dgm:txFillClrLst>
+    <dgm:txEffectClrLst/>
+  </dgm:styleLbl>
+  <dgm:styleLbl name="fgAcc2">
+    <dgm:fillClrLst meth="repeat">
+      <a:schemeClr val="lt1">
+        <a:alpha val="90000"/>
+      </a:schemeClr>
+    </dgm:fillClrLst>
+    <dgm:linClrLst meth="repeat">
+      <a:schemeClr val="accent1"/>
+    </dgm:linClrLst>
+    <dgm:effectClrLst/>
+    <dgm:txLinClrLst/>
+    <dgm:txFillClrLst meth="repeat">
+      <a:schemeClr val="dk1"/>
+    </dgm:txFillClrLst>
+    <dgm:txEffectClrLst/>
+  </dgm:styleLbl>
+  <dgm:styleLbl name="fgAcc3">
+    <dgm:fillClrLst meth="repeat">
+      <a:schemeClr val="lt1">
+        <a:alpha val="90000"/>
+      </a:schemeClr>
+    </dgm:fillClrLst>
+    <dgm:linClrLst meth="repeat">
+      <a:schemeClr val="accent1"/>
+    </dgm:linClrLst>
+    <dgm:effectClrLst/>
+    <dgm:txLinClrLst/>
+    <dgm:txFillClrLst meth="repeat">
+      <a:schemeClr val="dk1"/>
+    </dgm:txFillClrLst>
+    <dgm:txEffectClrLst/>
+  </dgm:styleLbl>
+  <dgm:styleLbl name="fgAcc4">
+    <dgm:fillClrLst meth="repeat">
+      <a:schemeClr val="lt1">
+        <a:alpha val="90000"/>
+      </a:schemeClr>
+    </dgm:fillClrLst>
+    <dgm:linClrLst meth="repeat">
+      <a:schemeClr val="accent1"/>
+    </dgm:linClrLst>
+    <dgm:effectClrLst/>
+    <dgm:txLinClrLst/>
+    <dgm:txFillClrLst meth="repeat">
+      <a:schemeClr val="dk1"/>
+    </dgm:txFillClrLst>
+    <dgm:txEffectClrLst/>
+  </dgm:styleLbl>
+  <dgm:styleLbl name="bgShp">
+    <dgm:fillClrLst meth="repeat">
+      <a:schemeClr val="accent1">
+        <a:tint val="40000"/>
+      </a:schemeClr>
+    </dgm:fillClrLst>
+    <dgm:linClrLst meth="repeat">
+      <a:schemeClr val="accent1"/>
+    </dgm:linClrLst>
+    <dgm:effectClrLst/>
+    <dgm:txLinClrLst/>
+    <dgm:txFillClrLst meth="repeat">
+      <a:schemeClr val="dk1"/>
+    </dgm:txFillClrLst>
+    <dgm:txEffectClrLst/>
+  </dgm:styleLbl>
+  <dgm:styleLbl name="dkBgShp">
+    <dgm:fillClrLst meth="repeat">
+      <a:schemeClr val="accent1">
+        <a:shade val="80000"/>
+      </a:schemeClr>
+    </dgm:fillClrLst>
+    <dgm:linClrLst meth="repeat">
+      <a:schemeClr val="accent1"/>
+    </dgm:linClrLst>
+    <dgm:effectClrLst/>
+    <dgm:txLinClrLst/>
+    <dgm:txFillClrLst meth="repeat">
+      <a:schemeClr val="lt1"/>
+    </dgm:txFillClrLst>
+    <dgm:txEffectClrLst/>
+  </dgm:styleLbl>
+  <dgm:styleLbl name="trBgShp">
+    <dgm:fillClrLst meth="repeat">
+      <a:schemeClr val="accent1">
+        <a:tint val="50000"/>
+        <a:alpha val="40000"/>
+      </a:schemeClr>
+    </dgm:fillClrLst>
+    <dgm:linClrLst meth="repeat">
+      <a:schemeClr val="accent1"/>
+    </dgm:linClrLst>
+    <dgm:effectClrLst/>
+    <dgm:txLinClrLst/>
+    <dgm:txFillClrLst meth="repeat">
+      <a:schemeClr val="lt1"/>
+    </dgm:txFillClrLst>
+    <dgm:txEffectClrLst/>
+  </dgm:styleLbl>
+  <dgm:styleLbl name="fgShp">
+    <dgm:fillClrLst meth="repeat">
+      <a:schemeClr val="accent1">
+        <a:tint val="60000"/>
+      </a:schemeClr>
+    </dgm:fillClrLst>
+    <dgm:linClrLst meth="repeat">
+      <a:schemeClr val="lt1"/>
+    </dgm:linClrLst>
+    <dgm:effectClrLst/>
+    <dgm:txLinClrLst/>
+    <dgm:txFillClrLst meth="repeat">
+      <a:schemeClr val="dk1"/>
+    </dgm:txFillClrLst>
+    <dgm:txEffectClrLst/>
+  </dgm:styleLbl>
+  <dgm:styleLbl name="revTx">
+    <dgm:fillClrLst meth="repeat">
+      <a:schemeClr val="lt1">
+        <a:alpha val="0"/>
+      </a:schemeClr>
+    </dgm:fillClrLst>
+    <dgm:linClrLst meth="repeat">
+      <a:schemeClr val="dk1">
+        <a:alpha val="0"/>
+      </a:schemeClr>
+    </dgm:linClrLst>
+    <dgm:effectClrLst/>
+    <dgm:txLinClrLst/>
+    <dgm:txFillClrLst meth="repeat">
+      <a:schemeClr val="tx1"/>
+    </dgm:txFillClrLst>
+    <dgm:txEffectClrLst/>
+  </dgm:styleLbl>
+</dgm:colorsDef>
+</file>
+
+<file path=ppt/diagrams/data1.xml><?xml version="1.0" encoding="utf-8"?>
+<dgm:dataModel xmlns:dgm="http://schemas.openxmlformats.org/drawingml/2006/diagram" xmlns:a="http://schemas.openxmlformats.org/drawingml/2006/main">
+  <dgm:ptLst>
+    <dgm:pt modelId="{D4ADF4FB-6626-4BAA-8170-1AB86830E7EB}" type="doc">
+      <dgm:prSet loTypeId="urn:microsoft.com/office/officeart/2005/8/layout/hierarchy3" loCatId="hierarchy" qsTypeId="urn:microsoft.com/office/officeart/2005/8/quickstyle/simple1" qsCatId="simple" csTypeId="urn:microsoft.com/office/officeart/2005/8/colors/accent1_2" csCatId="accent1" phldr="1"/>
+      <dgm:spPr/>
+      <dgm:t>
+        <a:bodyPr/>
+        <a:lstStyle/>
+        <a:p>
+          <a:endParaRPr lang="en-US"/>
+        </a:p>
+      </dgm:t>
+    </dgm:pt>
+    <dgm:pt modelId="{ED0B78BF-E006-4732-B48C-2ADC9E2EF39A}">
+      <dgm:prSet phldrT="[Text]"/>
+      <dgm:spPr/>
+      <dgm:t>
+        <a:bodyPr/>
+        <a:lstStyle/>
+        <a:p>
+          <a:r>
+            <a:rPr lang="en-US" dirty="0"/>
+            <a:t>Tools and Techniques</a:t>
+          </a:r>
+        </a:p>
+      </dgm:t>
+    </dgm:pt>
+    <dgm:pt modelId="{28816F29-4038-473E-B49B-94074EA0A51E}" type="parTrans" cxnId="{A1A3BCB4-83BF-4A79-B53F-5F8A606BDE54}">
+      <dgm:prSet/>
+      <dgm:spPr/>
+      <dgm:t>
+        <a:bodyPr/>
+        <a:lstStyle/>
+        <a:p>
+          <a:endParaRPr lang="en-US"/>
+        </a:p>
+      </dgm:t>
+    </dgm:pt>
+    <dgm:pt modelId="{23CFA8B8-2A05-4928-AEB3-72448E3A79E3}" type="sibTrans" cxnId="{A1A3BCB4-83BF-4A79-B53F-5F8A606BDE54}">
+      <dgm:prSet/>
+      <dgm:spPr/>
+      <dgm:t>
+        <a:bodyPr/>
+        <a:lstStyle/>
+        <a:p>
+          <a:endParaRPr lang="en-US"/>
+        </a:p>
+      </dgm:t>
+    </dgm:pt>
+    <dgm:pt modelId="{5D17C516-2319-40FE-8748-E184C6D71444}">
+      <dgm:prSet phldrT="[Text]"/>
+      <dgm:spPr/>
+      <dgm:t>
+        <a:bodyPr/>
+        <a:lstStyle/>
+        <a:p>
+          <a:r>
+            <a:rPr lang="en-US" dirty="0"/>
+            <a:t>Object-Oriented Programming</a:t>
+          </a:r>
+        </a:p>
+      </dgm:t>
+    </dgm:pt>
+    <dgm:pt modelId="{EA441DC7-A30D-47EC-A5C8-C50834D06E30}" type="parTrans" cxnId="{F9A2BA9E-B30D-4948-A3E9-A634F6BE47FD}">
+      <dgm:prSet/>
+      <dgm:spPr/>
+      <dgm:t>
+        <a:bodyPr/>
+        <a:lstStyle/>
+        <a:p>
+          <a:endParaRPr lang="en-US"/>
+        </a:p>
+      </dgm:t>
+    </dgm:pt>
+    <dgm:pt modelId="{636B54D7-340F-4600-82E5-F2E670443C91}" type="sibTrans" cxnId="{F9A2BA9E-B30D-4948-A3E9-A634F6BE47FD}">
+      <dgm:prSet/>
+      <dgm:spPr/>
+      <dgm:t>
+        <a:bodyPr/>
+        <a:lstStyle/>
+        <a:p>
+          <a:endParaRPr lang="en-US"/>
+        </a:p>
+      </dgm:t>
+    </dgm:pt>
+    <dgm:pt modelId="{DDB8B436-9528-434E-BD0F-6EB4D2ACB929}">
+      <dgm:prSet phldrT="[Text]" custT="1">
+        <dgm:style>
+          <a:lnRef idx="0">
+            <a:scrgbClr r="0" g="0" b="0"/>
+          </a:lnRef>
+          <a:fillRef idx="0">
+            <a:scrgbClr r="0" g="0" b="0"/>
+          </a:fillRef>
+          <a:effectRef idx="0">
+            <a:scrgbClr r="0" g="0" b="0"/>
+          </a:effectRef>
+          <a:fontRef idx="minor">
+            <a:schemeClr val="lt1"/>
+          </a:fontRef>
+        </dgm:style>
+      </dgm:prSet>
+      <dgm:spPr>
+        <a:solidFill>
+          <a:prstClr val="white">
+            <a:alpha val="90000"/>
+            <a:hueOff val="0"/>
+            <a:satOff val="0"/>
+            <a:lumOff val="0"/>
+            <a:alphaOff val="0"/>
+          </a:prstClr>
+        </a:solidFill>
+        <a:ln w="25400" cap="flat" cmpd="sng" algn="ctr">
+          <a:solidFill>
+            <a:srgbClr val="4F81BD">
+              <a:hueOff val="0"/>
+              <a:satOff val="0"/>
+              <a:lumOff val="0"/>
+              <a:alphaOff val="0"/>
+            </a:srgbClr>
+          </a:solidFill>
+          <a:prstDash val="solid"/>
+        </a:ln>
+        <a:effectLst/>
+      </dgm:spPr>
+      <dgm:t>
+        <a:bodyPr spcFirstLastPara="0" vert="horz" wrap="square" lIns="28575" tIns="19050" rIns="28575" bIns="19050" numCol="1" spcCol="1270" anchor="ctr" anchorCtr="0"/>
+        <a:lstStyle/>
+        <a:p>
+          <a:r>
+            <a:rPr lang="en-US" sz="1500" kern="1200" dirty="0">
+              <a:solidFill>
+                <a:prstClr val="black">
+                  <a:hueOff val="0"/>
+                  <a:satOff val="0"/>
+                  <a:lumOff val="0"/>
+                  <a:alphaOff val="0"/>
+                </a:prstClr>
+              </a:solidFill>
+              <a:latin typeface="Calibri"/>
+              <a:ea typeface="+mn-ea"/>
+              <a:cs typeface="+mn-cs"/>
+            </a:rPr>
+            <a:t>Designing</a:t>
+          </a:r>
+          <a:r>
+            <a:rPr lang="en-US" sz="1500" kern="1200" dirty="0"/>
+            <a:t> Data</a:t>
+          </a:r>
+        </a:p>
+      </dgm:t>
+    </dgm:pt>
+    <dgm:pt modelId="{9E647244-45B2-496C-B687-01576FEABEC4}" type="parTrans" cxnId="{05392EDD-3032-43C3-BA79-A1347D6D727C}">
+      <dgm:prSet/>
+      <dgm:spPr/>
+      <dgm:t>
+        <a:bodyPr/>
+        <a:lstStyle/>
+        <a:p>
+          <a:endParaRPr lang="en-US"/>
+        </a:p>
+      </dgm:t>
+    </dgm:pt>
+    <dgm:pt modelId="{EE60868F-7BA4-434D-84FC-89FFDDF05FC3}" type="sibTrans" cxnId="{05392EDD-3032-43C3-BA79-A1347D6D727C}">
+      <dgm:prSet/>
+      <dgm:spPr/>
+      <dgm:t>
+        <a:bodyPr/>
+        <a:lstStyle/>
+        <a:p>
+          <a:endParaRPr lang="en-US"/>
+        </a:p>
+      </dgm:t>
+    </dgm:pt>
+    <dgm:pt modelId="{F221EA58-7488-4550-B7A5-965344CA7EAE}">
+      <dgm:prSet phldrT="[Text]">
+        <dgm:style>
+          <a:lnRef idx="0">
+            <a:scrgbClr r="0" g="0" b="0"/>
+          </a:lnRef>
+          <a:fillRef idx="0">
+            <a:scrgbClr r="0" g="0" b="0"/>
+          </a:fillRef>
+          <a:effectRef idx="0">
+            <a:scrgbClr r="0" g="0" b="0"/>
+          </a:effectRef>
+          <a:fontRef idx="minor">
+            <a:schemeClr val="lt1"/>
+          </a:fontRef>
+        </dgm:style>
+      </dgm:prSet>
+      <dgm:spPr>
+        <a:solidFill>
+          <a:schemeClr val="accent2">
+            <a:alpha val="50000"/>
+          </a:schemeClr>
+        </a:solidFill>
+        <a:ln>
+          <a:noFill/>
+        </a:ln>
+      </dgm:spPr>
+      <dgm:t>
+        <a:bodyPr/>
+        <a:lstStyle/>
+        <a:p>
+          <a:r>
+            <a:rPr lang="en-US" dirty="0"/>
+            <a:t>Designing Functions</a:t>
+          </a:r>
+        </a:p>
+      </dgm:t>
+    </dgm:pt>
+    <dgm:pt modelId="{03056A9D-BCBF-4181-B8D6-7E4ECCBD4D9E}" type="parTrans" cxnId="{F8F3D917-317B-4A80-B606-277A7F6170C2}">
+      <dgm:prSet/>
+      <dgm:spPr/>
+      <dgm:t>
+        <a:bodyPr/>
+        <a:lstStyle/>
+        <a:p>
+          <a:endParaRPr lang="en-US"/>
+        </a:p>
+      </dgm:t>
+    </dgm:pt>
+    <dgm:pt modelId="{50012D0E-39A9-4FB4-832D-C4D74BE598A6}" type="sibTrans" cxnId="{F8F3D917-317B-4A80-B606-277A7F6170C2}">
+      <dgm:prSet/>
+      <dgm:spPr/>
+      <dgm:t>
+        <a:bodyPr/>
+        <a:lstStyle/>
+        <a:p>
+          <a:endParaRPr lang="en-US"/>
+        </a:p>
+      </dgm:t>
+    </dgm:pt>
+    <dgm:pt modelId="{B1CEE35E-20B6-4A0B-B1E8-D4F40E3162E1}">
+      <dgm:prSet phldrT="[Text]"/>
+      <dgm:spPr/>
+      <dgm:t>
+        <a:bodyPr/>
+        <a:lstStyle/>
+        <a:p>
+          <a:r>
+            <a:rPr lang="en-US" dirty="0"/>
+            <a:t>Designing Systems</a:t>
+          </a:r>
+        </a:p>
+      </dgm:t>
+    </dgm:pt>
+    <dgm:pt modelId="{08AACE21-5FAD-4460-B120-67387C8F0F32}" type="parTrans" cxnId="{47968857-87E3-481A-908A-A468E51372C1}">
+      <dgm:prSet/>
+      <dgm:spPr/>
+      <dgm:t>
+        <a:bodyPr/>
+        <a:lstStyle/>
+        <a:p>
+          <a:endParaRPr lang="en-US"/>
+        </a:p>
+      </dgm:t>
+    </dgm:pt>
+    <dgm:pt modelId="{4A08DEA0-C75B-4713-B280-420C60C372D9}" type="sibTrans" cxnId="{47968857-87E3-481A-908A-A468E51372C1}">
+      <dgm:prSet/>
+      <dgm:spPr/>
+      <dgm:t>
+        <a:bodyPr/>
+        <a:lstStyle/>
+        <a:p>
+          <a:endParaRPr lang="en-US"/>
+        </a:p>
+      </dgm:t>
+    </dgm:pt>
+    <dgm:pt modelId="{1CBBDDB5-026A-42BF-8805-ACAC57AA5DC3}">
+      <dgm:prSet phldrT="[Text]"/>
+      <dgm:spPr/>
+      <dgm:t>
+        <a:bodyPr/>
+        <a:lstStyle/>
+        <a:p>
+          <a:r>
+            <a:rPr lang="en-US" dirty="0"/>
+            <a:t>Computing with Lists</a:t>
+          </a:r>
+        </a:p>
+      </dgm:t>
+    </dgm:pt>
+    <dgm:pt modelId="{1EC30C20-D36E-4265-85EE-C210CE02F892}" type="parTrans" cxnId="{9662958D-3400-409A-ADC7-BEB605777B1F}">
+      <dgm:prSet/>
+      <dgm:spPr/>
+      <dgm:t>
+        <a:bodyPr/>
+        <a:lstStyle/>
+        <a:p>
+          <a:endParaRPr lang="en-US"/>
+        </a:p>
+      </dgm:t>
+    </dgm:pt>
+    <dgm:pt modelId="{D37EB34B-12D7-42C6-A433-F33F271349CA}" type="sibTrans" cxnId="{9662958D-3400-409A-ADC7-BEB605777B1F}">
+      <dgm:prSet/>
+      <dgm:spPr/>
+      <dgm:t>
+        <a:bodyPr/>
+        <a:lstStyle/>
+        <a:p>
+          <a:endParaRPr lang="en-US"/>
+        </a:p>
+      </dgm:t>
+    </dgm:pt>
+    <dgm:pt modelId="{A7945ECA-2D01-4C03-9AED-9E3EEAAF0F2C}">
+      <dgm:prSet phldrT="[Text]"/>
+      <dgm:spPr/>
+      <dgm:t>
+        <a:bodyPr/>
+        <a:lstStyle/>
+        <a:p>
+          <a:r>
+            <a:rPr lang="en-US" dirty="0"/>
+            <a:t>Computing with Trees and Graphs</a:t>
+          </a:r>
+        </a:p>
+      </dgm:t>
+    </dgm:pt>
+    <dgm:pt modelId="{D39C6496-6307-4FC4-9D55-DB6DA94D051F}" type="parTrans" cxnId="{372E1130-8A4A-4006-A020-34030B0410C9}">
+      <dgm:prSet/>
+      <dgm:spPr/>
+      <dgm:t>
+        <a:bodyPr/>
+        <a:lstStyle/>
+        <a:p>
+          <a:endParaRPr lang="en-US"/>
+        </a:p>
+      </dgm:t>
+    </dgm:pt>
+    <dgm:pt modelId="{4FF7D82F-ECB8-4560-8324-4D22393C300C}" type="sibTrans" cxnId="{372E1130-8A4A-4006-A020-34030B0410C9}">
+      <dgm:prSet/>
+      <dgm:spPr/>
+      <dgm:t>
+        <a:bodyPr/>
+        <a:lstStyle/>
+        <a:p>
+          <a:endParaRPr lang="en-US"/>
+        </a:p>
+      </dgm:t>
+    </dgm:pt>
+    <dgm:pt modelId="{B0B0FACC-C24A-4552-82AB-C8FE8246DEF8}">
+      <dgm:prSet phldrT="[Text]"/>
+      <dgm:spPr/>
+      <dgm:t>
+        <a:bodyPr/>
+        <a:lstStyle/>
+        <a:p>
+          <a:r>
+            <a:rPr lang="en-US" dirty="0"/>
+            <a:t>Designing with Invariants</a:t>
+          </a:r>
+        </a:p>
+      </dgm:t>
+    </dgm:pt>
+    <dgm:pt modelId="{FD74BA91-6D78-44B3-BF01-4D49723F4718}" type="parTrans" cxnId="{FCD83CF7-A1CD-455F-A466-CFFA01A2A6C9}">
+      <dgm:prSet/>
+      <dgm:spPr/>
+      <dgm:t>
+        <a:bodyPr/>
+        <a:lstStyle/>
+        <a:p>
+          <a:endParaRPr lang="en-US"/>
+        </a:p>
+      </dgm:t>
+    </dgm:pt>
+    <dgm:pt modelId="{E6264341-6F1C-4A60-9081-A5335333D714}" type="sibTrans" cxnId="{FCD83CF7-A1CD-455F-A466-CFFA01A2A6C9}">
+      <dgm:prSet/>
+      <dgm:spPr/>
+      <dgm:t>
+        <a:bodyPr/>
+        <a:lstStyle/>
+        <a:p>
+          <a:endParaRPr lang="en-US"/>
+        </a:p>
+      </dgm:t>
+    </dgm:pt>
+    <dgm:pt modelId="{3C02419B-DA6A-4FDB-972F-4F8DC3AD08E3}">
+      <dgm:prSet phldrT="[Text]"/>
+      <dgm:spPr/>
+      <dgm:t>
+        <a:bodyPr/>
+        <a:lstStyle/>
+        <a:p>
+          <a:r>
+            <a:rPr lang="en-US" dirty="0"/>
+            <a:t>Thinking about Efficiency</a:t>
+          </a:r>
+        </a:p>
+      </dgm:t>
+    </dgm:pt>
+    <dgm:pt modelId="{FA010E1E-46BF-40DE-B386-14C19C329E38}" type="parTrans" cxnId="{B2581BA3-7711-4B4F-895A-5C4A1A23D07A}">
+      <dgm:prSet/>
+      <dgm:spPr/>
+      <dgm:t>
+        <a:bodyPr/>
+        <a:lstStyle/>
+        <a:p>
+          <a:endParaRPr lang="en-US"/>
+        </a:p>
+      </dgm:t>
+    </dgm:pt>
+    <dgm:pt modelId="{ABE6B4B2-8044-42FC-8EBA-A2B2927B372D}" type="sibTrans" cxnId="{B2581BA3-7711-4B4F-895A-5C4A1A23D07A}">
+      <dgm:prSet/>
+      <dgm:spPr/>
+      <dgm:t>
+        <a:bodyPr/>
+        <a:lstStyle/>
+        <a:p>
+          <a:endParaRPr lang="en-US"/>
+        </a:p>
+      </dgm:t>
+    </dgm:pt>
+    <dgm:pt modelId="{C217CF6C-69F6-4F1F-BFEF-F03F51825445}">
+      <dgm:prSet phldrT="[Text]"/>
+      <dgm:spPr/>
+      <dgm:t>
+        <a:bodyPr/>
+        <a:lstStyle/>
+        <a:p>
+          <a:r>
+            <a:rPr lang="en-US" dirty="0"/>
+            <a:t>Interfaces and Classes</a:t>
+          </a:r>
+        </a:p>
+      </dgm:t>
+    </dgm:pt>
+    <dgm:pt modelId="{109F41A6-1D40-4F81-903A-8B0CB1E442DB}" type="parTrans" cxnId="{B7B8BE25-1D3D-41C1-B2BB-252CA3FFFABF}">
+      <dgm:prSet/>
+      <dgm:spPr/>
+      <dgm:t>
+        <a:bodyPr/>
+        <a:lstStyle/>
+        <a:p>
+          <a:endParaRPr lang="en-US"/>
+        </a:p>
+      </dgm:t>
+    </dgm:pt>
+    <dgm:pt modelId="{727D2815-3763-49AC-8FA5-B78975C6E255}" type="sibTrans" cxnId="{B7B8BE25-1D3D-41C1-B2BB-252CA3FFFABF}">
+      <dgm:prSet/>
+      <dgm:spPr/>
+      <dgm:t>
+        <a:bodyPr/>
+        <a:lstStyle/>
+        <a:p>
+          <a:endParaRPr lang="en-US"/>
+        </a:p>
+      </dgm:t>
+    </dgm:pt>
+    <dgm:pt modelId="{D6553791-8532-4952-AC46-957A80E6F455}">
+      <dgm:prSet phldrT="[Text]"/>
+      <dgm:spPr/>
+      <dgm:t>
+        <a:bodyPr/>
+        <a:lstStyle/>
+        <a:p>
+          <a:r>
+            <a:rPr lang="en-US" dirty="0"/>
+            <a:t>Inheritance</a:t>
+          </a:r>
+        </a:p>
+      </dgm:t>
+    </dgm:pt>
+    <dgm:pt modelId="{4B64BF35-F3DD-46FA-A74B-C8F1391BB234}" type="parTrans" cxnId="{E630B7D1-EF42-4E29-A586-EDEEAFD22353}">
+      <dgm:prSet/>
+      <dgm:spPr/>
+      <dgm:t>
+        <a:bodyPr/>
+        <a:lstStyle/>
+        <a:p>
+          <a:endParaRPr lang="en-US"/>
+        </a:p>
+      </dgm:t>
+    </dgm:pt>
+    <dgm:pt modelId="{C19A1F15-CCAA-4226-B7DD-F2CD4049A9B3}" type="sibTrans" cxnId="{E630B7D1-EF42-4E29-A586-EDEEAFD22353}">
+      <dgm:prSet/>
+      <dgm:spPr/>
+      <dgm:t>
+        <a:bodyPr/>
+        <a:lstStyle/>
+        <a:p>
+          <a:endParaRPr lang="en-US"/>
+        </a:p>
+      </dgm:t>
+    </dgm:pt>
+    <dgm:pt modelId="{23FBFCAF-D268-4C4D-8359-092F33A19BD5}">
+      <dgm:prSet phldrT="[Text]"/>
+      <dgm:spPr/>
+      <dgm:t>
+        <a:bodyPr/>
+        <a:lstStyle/>
+        <a:p>
+          <a:r>
+            <a:rPr lang="en-US" dirty="0"/>
+            <a:t>Objects with Mutable State</a:t>
+          </a:r>
+        </a:p>
+      </dgm:t>
+    </dgm:pt>
+    <dgm:pt modelId="{E8807DF0-38BE-4236-AFC9-03DFA18007AA}" type="parTrans" cxnId="{C679C12F-0D37-4771-853C-9B6A72F3F8AB}">
+      <dgm:prSet/>
+      <dgm:spPr/>
+      <dgm:t>
+        <a:bodyPr/>
+        <a:lstStyle/>
+        <a:p>
+          <a:endParaRPr lang="en-US"/>
+        </a:p>
+      </dgm:t>
+    </dgm:pt>
+    <dgm:pt modelId="{49424D88-7251-4F7F-9D61-B03F29AB2536}" type="sibTrans" cxnId="{C679C12F-0D37-4771-853C-9B6A72F3F8AB}">
+      <dgm:prSet/>
+      <dgm:spPr/>
+      <dgm:t>
+        <a:bodyPr/>
+        <a:lstStyle/>
+        <a:p>
+          <a:endParaRPr lang="en-US"/>
+        </a:p>
+      </dgm:t>
+    </dgm:pt>
+    <dgm:pt modelId="{BE7D634C-5542-4AE8-B044-37802A6A19BF}">
+      <dgm:prSet phldrT="[Text]"/>
+      <dgm:spPr/>
+      <dgm:t>
+        <a:bodyPr/>
+        <a:lstStyle/>
+        <a:p>
+          <a:r>
+            <a:rPr lang="en-US" dirty="0"/>
+            <a:t>Efficiency, Part 2</a:t>
+          </a:r>
+        </a:p>
+      </dgm:t>
+    </dgm:pt>
+    <dgm:pt modelId="{E61F56D0-9360-46BF-8251-561CA9F726E8}" type="parTrans" cxnId="{B7404AC6-1631-4D80-950E-A28F1FE44D7F}">
+      <dgm:prSet/>
+      <dgm:spPr/>
+      <dgm:t>
+        <a:bodyPr/>
+        <a:lstStyle/>
+        <a:p>
+          <a:endParaRPr lang="en-US"/>
+        </a:p>
+      </dgm:t>
+    </dgm:pt>
+    <dgm:pt modelId="{F057A6F2-F3CD-40BE-A001-82BB25F47711}" type="sibTrans" cxnId="{B7404AC6-1631-4D80-950E-A28F1FE44D7F}">
+      <dgm:prSet/>
+      <dgm:spPr/>
+      <dgm:t>
+        <a:bodyPr/>
+        <a:lstStyle/>
+        <a:p>
+          <a:endParaRPr lang="en-US"/>
+        </a:p>
+      </dgm:t>
+    </dgm:pt>
+    <dgm:pt modelId="{9AAB3432-E203-4861-9A1F-5A18DE81A0E0}">
+      <dgm:prSet phldrT="[Text]"/>
+      <dgm:spPr/>
+      <dgm:t>
+        <a:bodyPr/>
+        <a:lstStyle/>
+        <a:p>
+          <a:r>
+            <a:rPr lang="en-US" dirty="0"/>
+            <a:t>Basic Principles</a:t>
+          </a:r>
+        </a:p>
+      </dgm:t>
+    </dgm:pt>
+    <dgm:pt modelId="{6A4E30F2-4DB5-4E70-B35C-3B1843570C40}" type="sibTrans" cxnId="{F5F6D4BB-2DFC-4FC1-ABCD-FF03786BFFE0}">
+      <dgm:prSet/>
+      <dgm:spPr/>
+      <dgm:t>
+        <a:bodyPr/>
+        <a:lstStyle/>
+        <a:p>
+          <a:endParaRPr lang="en-US"/>
+        </a:p>
+      </dgm:t>
+    </dgm:pt>
+    <dgm:pt modelId="{A67FC2F0-CFC7-4D0E-AB12-FC8B412EC38C}" type="parTrans" cxnId="{F5F6D4BB-2DFC-4FC1-ABCD-FF03786BFFE0}">
+      <dgm:prSet/>
+      <dgm:spPr/>
+      <dgm:t>
+        <a:bodyPr/>
+        <a:lstStyle/>
+        <a:p>
+          <a:endParaRPr lang="en-US"/>
+        </a:p>
+      </dgm:t>
+    </dgm:pt>
+    <dgm:pt modelId="{5EAC0F1C-8135-499C-A050-8951C4D4D68B}" type="pres">
+      <dgm:prSet presAssocID="{D4ADF4FB-6626-4BAA-8170-1AB86830E7EB}" presName="diagram" presStyleCnt="0">
+        <dgm:presLayoutVars>
+          <dgm:chPref val="1"/>
+          <dgm:dir/>
+          <dgm:animOne val="branch"/>
+          <dgm:animLvl val="lvl"/>
+          <dgm:resizeHandles/>
+        </dgm:presLayoutVars>
+      </dgm:prSet>
+      <dgm:spPr/>
+    </dgm:pt>
+    <dgm:pt modelId="{E9A360F5-905C-4B1F-87BD-8099DBD7826B}" type="pres">
+      <dgm:prSet presAssocID="{9AAB3432-E203-4861-9A1F-5A18DE81A0E0}" presName="root" presStyleCnt="0"/>
+      <dgm:spPr/>
+    </dgm:pt>
+    <dgm:pt modelId="{770F0FD6-A664-4D0A-A016-FBEA3DBC5EF2}" type="pres">
+      <dgm:prSet presAssocID="{9AAB3432-E203-4861-9A1F-5A18DE81A0E0}" presName="rootComposite" presStyleCnt="0"/>
+      <dgm:spPr/>
+    </dgm:pt>
+    <dgm:pt modelId="{D42C5353-2F91-4910-9E62-259C884C47C8}" type="pres">
+      <dgm:prSet presAssocID="{9AAB3432-E203-4861-9A1F-5A18DE81A0E0}" presName="rootText" presStyleLbl="node1" presStyleIdx="0" presStyleCnt="3"/>
+      <dgm:spPr/>
+    </dgm:pt>
+    <dgm:pt modelId="{D5FEF17D-A657-4E90-83A6-FFBD9375BEE2}" type="pres">
+      <dgm:prSet presAssocID="{9AAB3432-E203-4861-9A1F-5A18DE81A0E0}" presName="rootConnector" presStyleLbl="node1" presStyleIdx="0" presStyleCnt="3"/>
+      <dgm:spPr/>
+    </dgm:pt>
+    <dgm:pt modelId="{ED254901-973D-4D91-AABF-EBA39BDAC603}" type="pres">
+      <dgm:prSet presAssocID="{9AAB3432-E203-4861-9A1F-5A18DE81A0E0}" presName="childShape" presStyleCnt="0"/>
+      <dgm:spPr/>
+    </dgm:pt>
+    <dgm:pt modelId="{360B229B-0F55-45E5-A55A-DDDBDBD1C921}" type="pres">
+      <dgm:prSet presAssocID="{9E647244-45B2-496C-B687-01576FEABEC4}" presName="Name13" presStyleLbl="parChTrans1D2" presStyleIdx="0" presStyleCnt="11"/>
+      <dgm:spPr/>
+    </dgm:pt>
+    <dgm:pt modelId="{7E3D7089-292B-46E8-B4F0-ADC3733C52BD}" type="pres">
+      <dgm:prSet presAssocID="{DDB8B436-9528-434E-BD0F-6EB4D2ACB929}" presName="childText" presStyleLbl="bgAcc1" presStyleIdx="0" presStyleCnt="11">
+        <dgm:presLayoutVars>
+          <dgm:bulletEnabled val="1"/>
+        </dgm:presLayoutVars>
+      </dgm:prSet>
+      <dgm:spPr>
+        <a:xfrm>
+          <a:off x="817289" y="899728"/>
+          <a:ext cx="1151334" cy="719583"/>
+        </a:xfrm>
+        <a:prstGeom prst="roundRect">
+          <a:avLst>
+            <a:gd name="adj" fmla="val 10000"/>
+          </a:avLst>
+        </a:prstGeom>
+      </dgm:spPr>
+    </dgm:pt>
+    <dgm:pt modelId="{BC1B1EA4-129C-44F6-935B-BA646A7A2AA3}" type="pres">
+      <dgm:prSet presAssocID="{03056A9D-BCBF-4181-B8D6-7E4ECCBD4D9E}" presName="Name13" presStyleLbl="parChTrans1D2" presStyleIdx="1" presStyleCnt="11"/>
+      <dgm:spPr/>
+    </dgm:pt>
+    <dgm:pt modelId="{CF0B1CD2-0FC3-49A4-A520-B01A6C3CCB95}" type="pres">
+      <dgm:prSet presAssocID="{F221EA58-7488-4550-B7A5-965344CA7EAE}" presName="childText" presStyleLbl="bgAcc1" presStyleIdx="1" presStyleCnt="11">
+        <dgm:presLayoutVars>
+          <dgm:bulletEnabled val="1"/>
+        </dgm:presLayoutVars>
+      </dgm:prSet>
+      <dgm:spPr/>
+    </dgm:pt>
+    <dgm:pt modelId="{F5AE7053-0C33-481C-8BFB-D2DAFB4C4294}" type="pres">
+      <dgm:prSet presAssocID="{08AACE21-5FAD-4460-B120-67387C8F0F32}" presName="Name13" presStyleLbl="parChTrans1D2" presStyleIdx="2" presStyleCnt="11"/>
+      <dgm:spPr/>
+    </dgm:pt>
+    <dgm:pt modelId="{C5878689-67F2-4E3D-8C9B-392F50C32024}" type="pres">
+      <dgm:prSet presAssocID="{B1CEE35E-20B6-4A0B-B1E8-D4F40E3162E1}" presName="childText" presStyleLbl="bgAcc1" presStyleIdx="2" presStyleCnt="11">
+        <dgm:presLayoutVars>
+          <dgm:bulletEnabled val="1"/>
+        </dgm:presLayoutVars>
+      </dgm:prSet>
+      <dgm:spPr/>
+    </dgm:pt>
+    <dgm:pt modelId="{78204B86-F48E-424E-B9F0-F61E8700D86E}" type="pres">
+      <dgm:prSet presAssocID="{ED0B78BF-E006-4732-B48C-2ADC9E2EF39A}" presName="root" presStyleCnt="0"/>
+      <dgm:spPr/>
+    </dgm:pt>
+    <dgm:pt modelId="{612CABF1-DDE5-41D1-9036-25B4BE7589BE}" type="pres">
+      <dgm:prSet presAssocID="{ED0B78BF-E006-4732-B48C-2ADC9E2EF39A}" presName="rootComposite" presStyleCnt="0"/>
+      <dgm:spPr/>
+    </dgm:pt>
+    <dgm:pt modelId="{F1C18E15-3E91-476D-8B13-25AD56BC4B13}" type="pres">
+      <dgm:prSet presAssocID="{ED0B78BF-E006-4732-B48C-2ADC9E2EF39A}" presName="rootText" presStyleLbl="node1" presStyleIdx="1" presStyleCnt="3"/>
+      <dgm:spPr/>
+    </dgm:pt>
+    <dgm:pt modelId="{8FA2ECE2-9D66-4FD1-89DE-3231691A8283}" type="pres">
+      <dgm:prSet presAssocID="{ED0B78BF-E006-4732-B48C-2ADC9E2EF39A}" presName="rootConnector" presStyleLbl="node1" presStyleIdx="1" presStyleCnt="3"/>
+      <dgm:spPr/>
+    </dgm:pt>
+    <dgm:pt modelId="{5E7F2D45-2508-495B-A708-02E0FD5F2314}" type="pres">
+      <dgm:prSet presAssocID="{ED0B78BF-E006-4732-B48C-2ADC9E2EF39A}" presName="childShape" presStyleCnt="0"/>
+      <dgm:spPr/>
+    </dgm:pt>
+    <dgm:pt modelId="{2564A6E5-875B-4BC6-B983-AA12C064A019}" type="pres">
+      <dgm:prSet presAssocID="{1EC30C20-D36E-4265-85EE-C210CE02F892}" presName="Name13" presStyleLbl="parChTrans1D2" presStyleIdx="3" presStyleCnt="11"/>
+      <dgm:spPr/>
+    </dgm:pt>
+    <dgm:pt modelId="{3B0CF9DF-CC55-47FF-BECE-903E70F9D2DE}" type="pres">
+      <dgm:prSet presAssocID="{1CBBDDB5-026A-42BF-8805-ACAC57AA5DC3}" presName="childText" presStyleLbl="bgAcc1" presStyleIdx="3" presStyleCnt="11">
+        <dgm:presLayoutVars>
+          <dgm:bulletEnabled val="1"/>
+        </dgm:presLayoutVars>
+      </dgm:prSet>
+      <dgm:spPr/>
+    </dgm:pt>
+    <dgm:pt modelId="{7DFA9A08-1F84-4CF2-9E63-7F6E7C219F76}" type="pres">
+      <dgm:prSet presAssocID="{D39C6496-6307-4FC4-9D55-DB6DA94D051F}" presName="Name13" presStyleLbl="parChTrans1D2" presStyleIdx="4" presStyleCnt="11"/>
+      <dgm:spPr/>
+    </dgm:pt>
+    <dgm:pt modelId="{9C3E65C4-9266-43CB-B08F-79811ABF047A}" type="pres">
+      <dgm:prSet presAssocID="{A7945ECA-2D01-4C03-9AED-9E3EEAAF0F2C}" presName="childText" presStyleLbl="bgAcc1" presStyleIdx="4" presStyleCnt="11">
+        <dgm:presLayoutVars>
+          <dgm:bulletEnabled val="1"/>
+        </dgm:presLayoutVars>
+      </dgm:prSet>
+      <dgm:spPr/>
+    </dgm:pt>
+    <dgm:pt modelId="{16CFAB30-3E6A-44D7-A45D-E3066E142053}" type="pres">
+      <dgm:prSet presAssocID="{FD74BA91-6D78-44B3-BF01-4D49723F4718}" presName="Name13" presStyleLbl="parChTrans1D2" presStyleIdx="5" presStyleCnt="11"/>
+      <dgm:spPr/>
+    </dgm:pt>
+    <dgm:pt modelId="{5F9726AA-E8AD-4C5C-A0CA-2350C4F8CAFA}" type="pres">
+      <dgm:prSet presAssocID="{B0B0FACC-C24A-4552-82AB-C8FE8246DEF8}" presName="childText" presStyleLbl="bgAcc1" presStyleIdx="5" presStyleCnt="11">
+        <dgm:presLayoutVars>
+          <dgm:bulletEnabled val="1"/>
+        </dgm:presLayoutVars>
+      </dgm:prSet>
+      <dgm:spPr/>
+    </dgm:pt>
+    <dgm:pt modelId="{0ECF28DA-9925-4B5B-97B1-BDA459502114}" type="pres">
+      <dgm:prSet presAssocID="{FA010E1E-46BF-40DE-B386-14C19C329E38}" presName="Name13" presStyleLbl="parChTrans1D2" presStyleIdx="6" presStyleCnt="11"/>
+      <dgm:spPr/>
+    </dgm:pt>
+    <dgm:pt modelId="{5A2BB121-DDEE-46A8-AC09-18496F773E62}" type="pres">
+      <dgm:prSet presAssocID="{3C02419B-DA6A-4FDB-972F-4F8DC3AD08E3}" presName="childText" presStyleLbl="bgAcc1" presStyleIdx="6" presStyleCnt="11">
+        <dgm:presLayoutVars>
+          <dgm:bulletEnabled val="1"/>
+        </dgm:presLayoutVars>
+      </dgm:prSet>
+      <dgm:spPr/>
+    </dgm:pt>
+    <dgm:pt modelId="{59FB6EFF-035B-4901-8C84-3BDEA8130465}" type="pres">
+      <dgm:prSet presAssocID="{5D17C516-2319-40FE-8748-E184C6D71444}" presName="root" presStyleCnt="0"/>
+      <dgm:spPr/>
+    </dgm:pt>
+    <dgm:pt modelId="{DFAAFD62-220C-47EA-B1FF-1D698C1D9D0C}" type="pres">
+      <dgm:prSet presAssocID="{5D17C516-2319-40FE-8748-E184C6D71444}" presName="rootComposite" presStyleCnt="0"/>
+      <dgm:spPr/>
+    </dgm:pt>
+    <dgm:pt modelId="{3DB7ADFA-DCAB-4034-9F43-B860EBE864E8}" type="pres">
+      <dgm:prSet presAssocID="{5D17C516-2319-40FE-8748-E184C6D71444}" presName="rootText" presStyleLbl="node1" presStyleIdx="2" presStyleCnt="3"/>
+      <dgm:spPr/>
+    </dgm:pt>
+    <dgm:pt modelId="{A1EB1FFF-29EC-48BF-990F-29DA82114C59}" type="pres">
+      <dgm:prSet presAssocID="{5D17C516-2319-40FE-8748-E184C6D71444}" presName="rootConnector" presStyleLbl="node1" presStyleIdx="2" presStyleCnt="3"/>
+      <dgm:spPr/>
+    </dgm:pt>
+    <dgm:pt modelId="{C961EBF4-10A8-458E-973D-7ED2EFFC972F}" type="pres">
+      <dgm:prSet presAssocID="{5D17C516-2319-40FE-8748-E184C6D71444}" presName="childShape" presStyleCnt="0"/>
+      <dgm:spPr/>
+    </dgm:pt>
+    <dgm:pt modelId="{278D3975-9588-4A95-85BD-D062BB0AE1A4}" type="pres">
+      <dgm:prSet presAssocID="{109F41A6-1D40-4F81-903A-8B0CB1E442DB}" presName="Name13" presStyleLbl="parChTrans1D2" presStyleIdx="7" presStyleCnt="11"/>
+      <dgm:spPr/>
+    </dgm:pt>
+    <dgm:pt modelId="{EDB6085A-8F2B-4B84-887D-9DD4BEC6E4E1}" type="pres">
+      <dgm:prSet presAssocID="{C217CF6C-69F6-4F1F-BFEF-F03F51825445}" presName="childText" presStyleLbl="bgAcc1" presStyleIdx="7" presStyleCnt="11">
+        <dgm:presLayoutVars>
+          <dgm:bulletEnabled val="1"/>
+        </dgm:presLayoutVars>
+      </dgm:prSet>
+      <dgm:spPr/>
+    </dgm:pt>
+    <dgm:pt modelId="{FF100697-267A-4BC5-8DA9-B1F7321DFE84}" type="pres">
+      <dgm:prSet presAssocID="{4B64BF35-F3DD-46FA-A74B-C8F1391BB234}" presName="Name13" presStyleLbl="parChTrans1D2" presStyleIdx="8" presStyleCnt="11"/>
+      <dgm:spPr/>
+    </dgm:pt>
+    <dgm:pt modelId="{291D5A65-BA4D-4BF4-8D0F-050F9D81FBB6}" type="pres">
+      <dgm:prSet presAssocID="{D6553791-8532-4952-AC46-957A80E6F455}" presName="childText" presStyleLbl="bgAcc1" presStyleIdx="8" presStyleCnt="11">
+        <dgm:presLayoutVars>
+          <dgm:bulletEnabled val="1"/>
+        </dgm:presLayoutVars>
+      </dgm:prSet>
+      <dgm:spPr/>
+    </dgm:pt>
+    <dgm:pt modelId="{6B27DFF3-3021-4E99-BF73-829A6255425D}" type="pres">
+      <dgm:prSet presAssocID="{E8807DF0-38BE-4236-AFC9-03DFA18007AA}" presName="Name13" presStyleLbl="parChTrans1D2" presStyleIdx="9" presStyleCnt="11"/>
+      <dgm:spPr/>
+    </dgm:pt>
+    <dgm:pt modelId="{88C17E61-7A2A-46D7-AC95-5E562286A33E}" type="pres">
+      <dgm:prSet presAssocID="{23FBFCAF-D268-4C4D-8359-092F33A19BD5}" presName="childText" presStyleLbl="bgAcc1" presStyleIdx="9" presStyleCnt="11">
+        <dgm:presLayoutVars>
+          <dgm:bulletEnabled val="1"/>
+        </dgm:presLayoutVars>
+      </dgm:prSet>
+      <dgm:spPr/>
+    </dgm:pt>
+    <dgm:pt modelId="{E8A2D34D-9B35-4804-BD08-DC4453907292}" type="pres">
+      <dgm:prSet presAssocID="{E61F56D0-9360-46BF-8251-561CA9F726E8}" presName="Name13" presStyleLbl="parChTrans1D2" presStyleIdx="10" presStyleCnt="11"/>
+      <dgm:spPr/>
+    </dgm:pt>
+    <dgm:pt modelId="{1B267FF2-7D4F-4C45-AA7C-4EA638A9F1C5}" type="pres">
+      <dgm:prSet presAssocID="{BE7D634C-5542-4AE8-B044-37802A6A19BF}" presName="childText" presStyleLbl="bgAcc1" presStyleIdx="10" presStyleCnt="11">
+        <dgm:presLayoutVars>
+          <dgm:bulletEnabled val="1"/>
+        </dgm:presLayoutVars>
+      </dgm:prSet>
+      <dgm:spPr/>
+    </dgm:pt>
+  </dgm:ptLst>
+  <dgm:cxnLst>
+    <dgm:cxn modelId="{F8F3D917-317B-4A80-B606-277A7F6170C2}" srcId="{9AAB3432-E203-4861-9A1F-5A18DE81A0E0}" destId="{F221EA58-7488-4550-B7A5-965344CA7EAE}" srcOrd="1" destOrd="0" parTransId="{03056A9D-BCBF-4181-B8D6-7E4ECCBD4D9E}" sibTransId="{50012D0E-39A9-4FB4-832D-C4D74BE598A6}"/>
+    <dgm:cxn modelId="{B7B8BE25-1D3D-41C1-B2BB-252CA3FFFABF}" srcId="{5D17C516-2319-40FE-8748-E184C6D71444}" destId="{C217CF6C-69F6-4F1F-BFEF-F03F51825445}" srcOrd="0" destOrd="0" parTransId="{109F41A6-1D40-4F81-903A-8B0CB1E442DB}" sibTransId="{727D2815-3763-49AC-8FA5-B78975C6E255}"/>
+    <dgm:cxn modelId="{918F4E28-6C57-4EFF-80BA-F57AC436CDC9}" type="presOf" srcId="{08AACE21-5FAD-4460-B120-67387C8F0F32}" destId="{F5AE7053-0C33-481C-8BFB-D2DAFB4C4294}" srcOrd="0" destOrd="0" presId="urn:microsoft.com/office/officeart/2005/8/layout/hierarchy3"/>
+    <dgm:cxn modelId="{C679C12F-0D37-4771-853C-9B6A72F3F8AB}" srcId="{5D17C516-2319-40FE-8748-E184C6D71444}" destId="{23FBFCAF-D268-4C4D-8359-092F33A19BD5}" srcOrd="2" destOrd="0" parTransId="{E8807DF0-38BE-4236-AFC9-03DFA18007AA}" sibTransId="{49424D88-7251-4F7F-9D61-B03F29AB2536}"/>
+    <dgm:cxn modelId="{372E1130-8A4A-4006-A020-34030B0410C9}" srcId="{ED0B78BF-E006-4732-B48C-2ADC9E2EF39A}" destId="{A7945ECA-2D01-4C03-9AED-9E3EEAAF0F2C}" srcOrd="1" destOrd="0" parTransId="{D39C6496-6307-4FC4-9D55-DB6DA94D051F}" sibTransId="{4FF7D82F-ECB8-4560-8324-4D22393C300C}"/>
+    <dgm:cxn modelId="{7156E032-39F7-4DCF-A095-E4906170ABD1}" type="presOf" srcId="{C217CF6C-69F6-4F1F-BFEF-F03F51825445}" destId="{EDB6085A-8F2B-4B84-887D-9DD4BEC6E4E1}" srcOrd="0" destOrd="0" presId="urn:microsoft.com/office/officeart/2005/8/layout/hierarchy3"/>
+    <dgm:cxn modelId="{77C2803F-5DCB-40EC-8837-BEA44757C328}" type="presOf" srcId="{B1CEE35E-20B6-4A0B-B1E8-D4F40E3162E1}" destId="{C5878689-67F2-4E3D-8C9B-392F50C32024}" srcOrd="0" destOrd="0" presId="urn:microsoft.com/office/officeart/2005/8/layout/hierarchy3"/>
+    <dgm:cxn modelId="{3C31933F-6B34-49D4-B2D3-FA6BA454BF0B}" type="presOf" srcId="{3C02419B-DA6A-4FDB-972F-4F8DC3AD08E3}" destId="{5A2BB121-DDEE-46A8-AC09-18496F773E62}" srcOrd="0" destOrd="0" presId="urn:microsoft.com/office/officeart/2005/8/layout/hierarchy3"/>
+    <dgm:cxn modelId="{C906736A-EECE-4919-9DAA-28FE9DCB5675}" type="presOf" srcId="{5D17C516-2319-40FE-8748-E184C6D71444}" destId="{3DB7ADFA-DCAB-4034-9F43-B860EBE864E8}" srcOrd="0" destOrd="0" presId="urn:microsoft.com/office/officeart/2005/8/layout/hierarchy3"/>
+    <dgm:cxn modelId="{0DEC854C-4194-43A5-8929-DF87D63D4D63}" type="presOf" srcId="{E61F56D0-9360-46BF-8251-561CA9F726E8}" destId="{E8A2D34D-9B35-4804-BD08-DC4453907292}" srcOrd="0" destOrd="0" presId="urn:microsoft.com/office/officeart/2005/8/layout/hierarchy3"/>
+    <dgm:cxn modelId="{658D4F50-D710-4AB9-8265-F6A1451ABDAD}" type="presOf" srcId="{E8807DF0-38BE-4236-AFC9-03DFA18007AA}" destId="{6B27DFF3-3021-4E99-BF73-829A6255425D}" srcOrd="0" destOrd="0" presId="urn:microsoft.com/office/officeart/2005/8/layout/hierarchy3"/>
+    <dgm:cxn modelId="{1A587271-F11A-4E3E-97F5-0C80881E7856}" type="presOf" srcId="{4B64BF35-F3DD-46FA-A74B-C8F1391BB234}" destId="{FF100697-267A-4BC5-8DA9-B1F7321DFE84}" srcOrd="0" destOrd="0" presId="urn:microsoft.com/office/officeart/2005/8/layout/hierarchy3"/>
+    <dgm:cxn modelId="{C6045752-28A9-4F08-8DE2-ADC62AB18265}" type="presOf" srcId="{109F41A6-1D40-4F81-903A-8B0CB1E442DB}" destId="{278D3975-9588-4A95-85BD-D062BB0AE1A4}" srcOrd="0" destOrd="0" presId="urn:microsoft.com/office/officeart/2005/8/layout/hierarchy3"/>
+    <dgm:cxn modelId="{A598A554-6FB3-42AA-BB2F-C4DBF408EC24}" type="presOf" srcId="{A7945ECA-2D01-4C03-9AED-9E3EEAAF0F2C}" destId="{9C3E65C4-9266-43CB-B08F-79811ABF047A}" srcOrd="0" destOrd="0" presId="urn:microsoft.com/office/officeart/2005/8/layout/hierarchy3"/>
+    <dgm:cxn modelId="{47968857-87E3-481A-908A-A468E51372C1}" srcId="{9AAB3432-E203-4861-9A1F-5A18DE81A0E0}" destId="{B1CEE35E-20B6-4A0B-B1E8-D4F40E3162E1}" srcOrd="2" destOrd="0" parTransId="{08AACE21-5FAD-4460-B120-67387C8F0F32}" sibTransId="{4A08DEA0-C75B-4713-B280-420C60C372D9}"/>
+    <dgm:cxn modelId="{A3550B88-A4A2-4C55-8EEF-D8696D63FDCA}" type="presOf" srcId="{23FBFCAF-D268-4C4D-8359-092F33A19BD5}" destId="{88C17E61-7A2A-46D7-AC95-5E562286A33E}" srcOrd="0" destOrd="0" presId="urn:microsoft.com/office/officeart/2005/8/layout/hierarchy3"/>
+    <dgm:cxn modelId="{22964D88-0DC4-4B3C-A8CE-48EA0783D709}" type="presOf" srcId="{9AAB3432-E203-4861-9A1F-5A18DE81A0E0}" destId="{D5FEF17D-A657-4E90-83A6-FFBD9375BEE2}" srcOrd="1" destOrd="0" presId="urn:microsoft.com/office/officeart/2005/8/layout/hierarchy3"/>
+    <dgm:cxn modelId="{9662958D-3400-409A-ADC7-BEB605777B1F}" srcId="{ED0B78BF-E006-4732-B48C-2ADC9E2EF39A}" destId="{1CBBDDB5-026A-42BF-8805-ACAC57AA5DC3}" srcOrd="0" destOrd="0" parTransId="{1EC30C20-D36E-4265-85EE-C210CE02F892}" sibTransId="{D37EB34B-12D7-42C6-A433-F33F271349CA}"/>
+    <dgm:cxn modelId="{94F0CB90-DE88-47E8-9D0B-FD6D9A03A22C}" type="presOf" srcId="{1EC30C20-D36E-4265-85EE-C210CE02F892}" destId="{2564A6E5-875B-4BC6-B983-AA12C064A019}" srcOrd="0" destOrd="0" presId="urn:microsoft.com/office/officeart/2005/8/layout/hierarchy3"/>
+    <dgm:cxn modelId="{D1FEA694-B081-4B51-851E-3914507C3230}" type="presOf" srcId="{FD74BA91-6D78-44B3-BF01-4D49723F4718}" destId="{16CFAB30-3E6A-44D7-A45D-E3066E142053}" srcOrd="0" destOrd="0" presId="urn:microsoft.com/office/officeart/2005/8/layout/hierarchy3"/>
+    <dgm:cxn modelId="{FAC6949B-B633-43AF-9BCB-483138B18D3F}" type="presOf" srcId="{FA010E1E-46BF-40DE-B386-14C19C329E38}" destId="{0ECF28DA-9925-4B5B-97B1-BDA459502114}" srcOrd="0" destOrd="0" presId="urn:microsoft.com/office/officeart/2005/8/layout/hierarchy3"/>
+    <dgm:cxn modelId="{8B495D9D-5B75-4B97-8FE7-54F24CED5860}" type="presOf" srcId="{1CBBDDB5-026A-42BF-8805-ACAC57AA5DC3}" destId="{3B0CF9DF-CC55-47FF-BECE-903E70F9D2DE}" srcOrd="0" destOrd="0" presId="urn:microsoft.com/office/officeart/2005/8/layout/hierarchy3"/>
+    <dgm:cxn modelId="{F9A2BA9E-B30D-4948-A3E9-A634F6BE47FD}" srcId="{D4ADF4FB-6626-4BAA-8170-1AB86830E7EB}" destId="{5D17C516-2319-40FE-8748-E184C6D71444}" srcOrd="2" destOrd="0" parTransId="{EA441DC7-A30D-47EC-A5C8-C50834D06E30}" sibTransId="{636B54D7-340F-4600-82E5-F2E670443C91}"/>
+    <dgm:cxn modelId="{B2581BA3-7711-4B4F-895A-5C4A1A23D07A}" srcId="{ED0B78BF-E006-4732-B48C-2ADC9E2EF39A}" destId="{3C02419B-DA6A-4FDB-972F-4F8DC3AD08E3}" srcOrd="3" destOrd="0" parTransId="{FA010E1E-46BF-40DE-B386-14C19C329E38}" sibTransId="{ABE6B4B2-8044-42FC-8EBA-A2B2927B372D}"/>
+    <dgm:cxn modelId="{17D275A3-9BBB-4EF7-8582-F13F0E98BB5D}" type="presOf" srcId="{ED0B78BF-E006-4732-B48C-2ADC9E2EF39A}" destId="{F1C18E15-3E91-476D-8B13-25AD56BC4B13}" srcOrd="0" destOrd="0" presId="urn:microsoft.com/office/officeart/2005/8/layout/hierarchy3"/>
+    <dgm:cxn modelId="{29461AA4-85D3-4C91-9D68-226BD6D7500F}" type="presOf" srcId="{DDB8B436-9528-434E-BD0F-6EB4D2ACB929}" destId="{7E3D7089-292B-46E8-B4F0-ADC3733C52BD}" srcOrd="0" destOrd="0" presId="urn:microsoft.com/office/officeart/2005/8/layout/hierarchy3"/>
+    <dgm:cxn modelId="{6F0A8CA4-3728-4E60-8471-7CAB7A834900}" type="presOf" srcId="{F221EA58-7488-4550-B7A5-965344CA7EAE}" destId="{CF0B1CD2-0FC3-49A4-A520-B01A6C3CCB95}" srcOrd="0" destOrd="0" presId="urn:microsoft.com/office/officeart/2005/8/layout/hierarchy3"/>
+    <dgm:cxn modelId="{57CCC0A4-E34E-4C62-A9CF-DD81EEE3866B}" type="presOf" srcId="{ED0B78BF-E006-4732-B48C-2ADC9E2EF39A}" destId="{8FA2ECE2-9D66-4FD1-89DE-3231691A8283}" srcOrd="1" destOrd="0" presId="urn:microsoft.com/office/officeart/2005/8/layout/hierarchy3"/>
+    <dgm:cxn modelId="{B9BF7AAF-65F6-4C3F-A447-D4308C54C183}" type="presOf" srcId="{03056A9D-BCBF-4181-B8D6-7E4ECCBD4D9E}" destId="{BC1B1EA4-129C-44F6-935B-BA646A7A2AA3}" srcOrd="0" destOrd="0" presId="urn:microsoft.com/office/officeart/2005/8/layout/hierarchy3"/>
+    <dgm:cxn modelId="{9A9D42B1-F32F-4577-8983-B9A3F16912EF}" type="presOf" srcId="{5D17C516-2319-40FE-8748-E184C6D71444}" destId="{A1EB1FFF-29EC-48BF-990F-29DA82114C59}" srcOrd="1" destOrd="0" presId="urn:microsoft.com/office/officeart/2005/8/layout/hierarchy3"/>
+    <dgm:cxn modelId="{89C78CB1-6741-4CF3-94C6-75218CA722F2}" type="presOf" srcId="{9E647244-45B2-496C-B687-01576FEABEC4}" destId="{360B229B-0F55-45E5-A55A-DDDBDBD1C921}" srcOrd="0" destOrd="0" presId="urn:microsoft.com/office/officeart/2005/8/layout/hierarchy3"/>
+    <dgm:cxn modelId="{A1A3BCB4-83BF-4A79-B53F-5F8A606BDE54}" srcId="{D4ADF4FB-6626-4BAA-8170-1AB86830E7EB}" destId="{ED0B78BF-E006-4732-B48C-2ADC9E2EF39A}" srcOrd="1" destOrd="0" parTransId="{28816F29-4038-473E-B49B-94074EA0A51E}" sibTransId="{23CFA8B8-2A05-4928-AEB3-72448E3A79E3}"/>
+    <dgm:cxn modelId="{05A31FBA-4386-4C52-B511-34CACCBA2A2F}" type="presOf" srcId="{D6553791-8532-4952-AC46-957A80E6F455}" destId="{291D5A65-BA4D-4BF4-8D0F-050F9D81FBB6}" srcOrd="0" destOrd="0" presId="urn:microsoft.com/office/officeart/2005/8/layout/hierarchy3"/>
+    <dgm:cxn modelId="{D3B30ABB-789A-496A-BE80-A66E542511F0}" type="presOf" srcId="{B0B0FACC-C24A-4552-82AB-C8FE8246DEF8}" destId="{5F9726AA-E8AD-4C5C-A0CA-2350C4F8CAFA}" srcOrd="0" destOrd="0" presId="urn:microsoft.com/office/officeart/2005/8/layout/hierarchy3"/>
+    <dgm:cxn modelId="{F5F6D4BB-2DFC-4FC1-ABCD-FF03786BFFE0}" srcId="{D4ADF4FB-6626-4BAA-8170-1AB86830E7EB}" destId="{9AAB3432-E203-4861-9A1F-5A18DE81A0E0}" srcOrd="0" destOrd="0" parTransId="{A67FC2F0-CFC7-4D0E-AB12-FC8B412EC38C}" sibTransId="{6A4E30F2-4DB5-4E70-B35C-3B1843570C40}"/>
+    <dgm:cxn modelId="{F089AEBC-BE1B-4B2B-AE04-A2DE441E9900}" type="presOf" srcId="{BE7D634C-5542-4AE8-B044-37802A6A19BF}" destId="{1B267FF2-7D4F-4C45-AA7C-4EA638A9F1C5}" srcOrd="0" destOrd="0" presId="urn:microsoft.com/office/officeart/2005/8/layout/hierarchy3"/>
+    <dgm:cxn modelId="{B7404AC6-1631-4D80-950E-A28F1FE44D7F}" srcId="{5D17C516-2319-40FE-8748-E184C6D71444}" destId="{BE7D634C-5542-4AE8-B044-37802A6A19BF}" srcOrd="3" destOrd="0" parTransId="{E61F56D0-9360-46BF-8251-561CA9F726E8}" sibTransId="{F057A6F2-F3CD-40BE-A001-82BB25F47711}"/>
+    <dgm:cxn modelId="{CF5086CE-64BD-4DFC-A4A2-5A3B8EB678D2}" type="presOf" srcId="{D39C6496-6307-4FC4-9D55-DB6DA94D051F}" destId="{7DFA9A08-1F84-4CF2-9E63-7F6E7C219F76}" srcOrd="0" destOrd="0" presId="urn:microsoft.com/office/officeart/2005/8/layout/hierarchy3"/>
+    <dgm:cxn modelId="{E630B7D1-EF42-4E29-A586-EDEEAFD22353}" srcId="{5D17C516-2319-40FE-8748-E184C6D71444}" destId="{D6553791-8532-4952-AC46-957A80E6F455}" srcOrd="1" destOrd="0" parTransId="{4B64BF35-F3DD-46FA-A74B-C8F1391BB234}" sibTransId="{C19A1F15-CCAA-4226-B7DD-F2CD4049A9B3}"/>
+    <dgm:cxn modelId="{B80BDAD5-1DB9-4ED8-AD7A-F59F92E4D26B}" type="presOf" srcId="{D4ADF4FB-6626-4BAA-8170-1AB86830E7EB}" destId="{5EAC0F1C-8135-499C-A050-8951C4D4D68B}" srcOrd="0" destOrd="0" presId="urn:microsoft.com/office/officeart/2005/8/layout/hierarchy3"/>
+    <dgm:cxn modelId="{05392EDD-3032-43C3-BA79-A1347D6D727C}" srcId="{9AAB3432-E203-4861-9A1F-5A18DE81A0E0}" destId="{DDB8B436-9528-434E-BD0F-6EB4D2ACB929}" srcOrd="0" destOrd="0" parTransId="{9E647244-45B2-496C-B687-01576FEABEC4}" sibTransId="{EE60868F-7BA4-434D-84FC-89FFDDF05FC3}"/>
+    <dgm:cxn modelId="{13013BF6-3A96-443E-9540-BE81022B503E}" type="presOf" srcId="{9AAB3432-E203-4861-9A1F-5A18DE81A0E0}" destId="{D42C5353-2F91-4910-9E62-259C884C47C8}" srcOrd="0" destOrd="0" presId="urn:microsoft.com/office/officeart/2005/8/layout/hierarchy3"/>
+    <dgm:cxn modelId="{FCD83CF7-A1CD-455F-A466-CFFA01A2A6C9}" srcId="{ED0B78BF-E006-4732-B48C-2ADC9E2EF39A}" destId="{B0B0FACC-C24A-4552-82AB-C8FE8246DEF8}" srcOrd="2" destOrd="0" parTransId="{FD74BA91-6D78-44B3-BF01-4D49723F4718}" sibTransId="{E6264341-6F1C-4A60-9081-A5335333D714}"/>
+    <dgm:cxn modelId="{D1AD12C1-70FD-4640-8165-4E8A414F3C3C}" type="presParOf" srcId="{5EAC0F1C-8135-499C-A050-8951C4D4D68B}" destId="{E9A360F5-905C-4B1F-87BD-8099DBD7826B}" srcOrd="0" destOrd="0" presId="urn:microsoft.com/office/officeart/2005/8/layout/hierarchy3"/>
+    <dgm:cxn modelId="{EA767C94-0C36-4B1E-B0CE-249521D515D9}" type="presParOf" srcId="{E9A360F5-905C-4B1F-87BD-8099DBD7826B}" destId="{770F0FD6-A664-4D0A-A016-FBEA3DBC5EF2}" srcOrd="0" destOrd="0" presId="urn:microsoft.com/office/officeart/2005/8/layout/hierarchy3"/>
+    <dgm:cxn modelId="{99E9EA2F-D216-4B5B-BB7F-3561383CB3E9}" type="presParOf" srcId="{770F0FD6-A664-4D0A-A016-FBEA3DBC5EF2}" destId="{D42C5353-2F91-4910-9E62-259C884C47C8}" srcOrd="0" destOrd="0" presId="urn:microsoft.com/office/officeart/2005/8/layout/hierarchy3"/>
+    <dgm:cxn modelId="{68651435-D41E-41DA-A714-AA24CA135D34}" type="presParOf" srcId="{770F0FD6-A664-4D0A-A016-FBEA3DBC5EF2}" destId="{D5FEF17D-A657-4E90-83A6-FFBD9375BEE2}" srcOrd="1" destOrd="0" presId="urn:microsoft.com/office/officeart/2005/8/layout/hierarchy3"/>
+    <dgm:cxn modelId="{4F96940D-AB8F-483B-8E33-09350038BE5F}" type="presParOf" srcId="{E9A360F5-905C-4B1F-87BD-8099DBD7826B}" destId="{ED254901-973D-4D91-AABF-EBA39BDAC603}" srcOrd="1" destOrd="0" presId="urn:microsoft.com/office/officeart/2005/8/layout/hierarchy3"/>
+    <dgm:cxn modelId="{EFCBF1C7-F098-4081-A971-DBD264293E1B}" type="presParOf" srcId="{ED254901-973D-4D91-AABF-EBA39BDAC603}" destId="{360B229B-0F55-45E5-A55A-DDDBDBD1C921}" srcOrd="0" destOrd="0" presId="urn:microsoft.com/office/officeart/2005/8/layout/hierarchy3"/>
+    <dgm:cxn modelId="{11514D88-7BDE-4B06-BABF-48FD2C185D66}" type="presParOf" srcId="{ED254901-973D-4D91-AABF-EBA39BDAC603}" destId="{7E3D7089-292B-46E8-B4F0-ADC3733C52BD}" srcOrd="1" destOrd="0" presId="urn:microsoft.com/office/officeart/2005/8/layout/hierarchy3"/>
+    <dgm:cxn modelId="{7065C4CB-4AB6-45D8-B5BA-CD814B7462FF}" type="presParOf" srcId="{ED254901-973D-4D91-AABF-EBA39BDAC603}" destId="{BC1B1EA4-129C-44F6-935B-BA646A7A2AA3}" srcOrd="2" destOrd="0" presId="urn:microsoft.com/office/officeart/2005/8/layout/hierarchy3"/>
+    <dgm:cxn modelId="{C3F9E7A4-75B1-4B7E-A1E5-4987D8B78D37}" type="presParOf" srcId="{ED254901-973D-4D91-AABF-EBA39BDAC603}" destId="{CF0B1CD2-0FC3-49A4-A520-B01A6C3CCB95}" srcOrd="3" destOrd="0" presId="urn:microsoft.com/office/officeart/2005/8/layout/hierarchy3"/>
+    <dgm:cxn modelId="{FB9B22F7-2413-495F-B229-6C18B49466FC}" type="presParOf" srcId="{ED254901-973D-4D91-AABF-EBA39BDAC603}" destId="{F5AE7053-0C33-481C-8BFB-D2DAFB4C4294}" srcOrd="4" destOrd="0" presId="urn:microsoft.com/office/officeart/2005/8/layout/hierarchy3"/>
+    <dgm:cxn modelId="{C16A5564-59F3-412A-B4EB-B65B63053508}" type="presParOf" srcId="{ED254901-973D-4D91-AABF-EBA39BDAC603}" destId="{C5878689-67F2-4E3D-8C9B-392F50C32024}" srcOrd="5" destOrd="0" presId="urn:microsoft.com/office/officeart/2005/8/layout/hierarchy3"/>
+    <dgm:cxn modelId="{09181F9B-E167-4B75-B6B6-F9E14D694D89}" type="presParOf" srcId="{5EAC0F1C-8135-499C-A050-8951C4D4D68B}" destId="{78204B86-F48E-424E-B9F0-F61E8700D86E}" srcOrd="1" destOrd="0" presId="urn:microsoft.com/office/officeart/2005/8/layout/hierarchy3"/>
+    <dgm:cxn modelId="{DBC2B5BC-DFDC-474C-A838-26BB04DE679E}" type="presParOf" srcId="{78204B86-F48E-424E-B9F0-F61E8700D86E}" destId="{612CABF1-DDE5-41D1-9036-25B4BE7589BE}" srcOrd="0" destOrd="0" presId="urn:microsoft.com/office/officeart/2005/8/layout/hierarchy3"/>
+    <dgm:cxn modelId="{28B003FA-10B3-4B59-9252-9741DA196AD4}" type="presParOf" srcId="{612CABF1-DDE5-41D1-9036-25B4BE7589BE}" destId="{F1C18E15-3E91-476D-8B13-25AD56BC4B13}" srcOrd="0" destOrd="0" presId="urn:microsoft.com/office/officeart/2005/8/layout/hierarchy3"/>
+    <dgm:cxn modelId="{3CDADAA2-FDA6-4600-957E-40993F510D7B}" type="presParOf" srcId="{612CABF1-DDE5-41D1-9036-25B4BE7589BE}" destId="{8FA2ECE2-9D66-4FD1-89DE-3231691A8283}" srcOrd="1" destOrd="0" presId="urn:microsoft.com/office/officeart/2005/8/layout/hierarchy3"/>
+    <dgm:cxn modelId="{D333763B-8A35-4756-B2BA-39040A45CB48}" type="presParOf" srcId="{78204B86-F48E-424E-B9F0-F61E8700D86E}" destId="{5E7F2D45-2508-495B-A708-02E0FD5F2314}" srcOrd="1" destOrd="0" presId="urn:microsoft.com/office/officeart/2005/8/layout/hierarchy3"/>
+    <dgm:cxn modelId="{259421E8-95D2-4D14-8B2B-86B19D729340}" type="presParOf" srcId="{5E7F2D45-2508-495B-A708-02E0FD5F2314}" destId="{2564A6E5-875B-4BC6-B983-AA12C064A019}" srcOrd="0" destOrd="0" presId="urn:microsoft.com/office/officeart/2005/8/layout/hierarchy3"/>
+    <dgm:cxn modelId="{8BDD8554-2C29-4FFE-BD1A-F208CC31C2A1}" type="presParOf" srcId="{5E7F2D45-2508-495B-A708-02E0FD5F2314}" destId="{3B0CF9DF-CC55-47FF-BECE-903E70F9D2DE}" srcOrd="1" destOrd="0" presId="urn:microsoft.com/office/officeart/2005/8/layout/hierarchy3"/>
+    <dgm:cxn modelId="{875A6F76-A845-47E2-9FD3-19114F777D75}" type="presParOf" srcId="{5E7F2D45-2508-495B-A708-02E0FD5F2314}" destId="{7DFA9A08-1F84-4CF2-9E63-7F6E7C219F76}" srcOrd="2" destOrd="0" presId="urn:microsoft.com/office/officeart/2005/8/layout/hierarchy3"/>
+    <dgm:cxn modelId="{D1011F87-5E28-4D3F-8118-4BA6A4FEA06E}" type="presParOf" srcId="{5E7F2D45-2508-495B-A708-02E0FD5F2314}" destId="{9C3E65C4-9266-43CB-B08F-79811ABF047A}" srcOrd="3" destOrd="0" presId="urn:microsoft.com/office/officeart/2005/8/layout/hierarchy3"/>
+    <dgm:cxn modelId="{B64B3C35-7E92-47FF-A43C-7E75EABB7DE0}" type="presParOf" srcId="{5E7F2D45-2508-495B-A708-02E0FD5F2314}" destId="{16CFAB30-3E6A-44D7-A45D-E3066E142053}" srcOrd="4" destOrd="0" presId="urn:microsoft.com/office/officeart/2005/8/layout/hierarchy3"/>
+    <dgm:cxn modelId="{86D49351-D3C9-48A1-88EA-44A93353F587}" type="presParOf" srcId="{5E7F2D45-2508-495B-A708-02E0FD5F2314}" destId="{5F9726AA-E8AD-4C5C-A0CA-2350C4F8CAFA}" srcOrd="5" destOrd="0" presId="urn:microsoft.com/office/officeart/2005/8/layout/hierarchy3"/>
+    <dgm:cxn modelId="{91C1DB7D-DADE-48E1-9C3F-D33F6FC84386}" type="presParOf" srcId="{5E7F2D45-2508-495B-A708-02E0FD5F2314}" destId="{0ECF28DA-9925-4B5B-97B1-BDA459502114}" srcOrd="6" destOrd="0" presId="urn:microsoft.com/office/officeart/2005/8/layout/hierarchy3"/>
+    <dgm:cxn modelId="{7A09BA7C-9EDC-496E-8A6D-4B0744B8C88D}" type="presParOf" srcId="{5E7F2D45-2508-495B-A708-02E0FD5F2314}" destId="{5A2BB121-DDEE-46A8-AC09-18496F773E62}" srcOrd="7" destOrd="0" presId="urn:microsoft.com/office/officeart/2005/8/layout/hierarchy3"/>
+    <dgm:cxn modelId="{F5B8C0DF-97A3-423B-9A5D-53FC91FEE07D}" type="presParOf" srcId="{5EAC0F1C-8135-499C-A050-8951C4D4D68B}" destId="{59FB6EFF-035B-4901-8C84-3BDEA8130465}" srcOrd="2" destOrd="0" presId="urn:microsoft.com/office/officeart/2005/8/layout/hierarchy3"/>
+    <dgm:cxn modelId="{2C3BEA50-80F2-41C7-A82B-5C3E16FC0BD9}" type="presParOf" srcId="{59FB6EFF-035B-4901-8C84-3BDEA8130465}" destId="{DFAAFD62-220C-47EA-B1FF-1D698C1D9D0C}" srcOrd="0" destOrd="0" presId="urn:microsoft.com/office/officeart/2005/8/layout/hierarchy3"/>
+    <dgm:cxn modelId="{5783CD70-7213-4FC1-AF68-237D5BC3062A}" type="presParOf" srcId="{DFAAFD62-220C-47EA-B1FF-1D698C1D9D0C}" destId="{3DB7ADFA-DCAB-4034-9F43-B860EBE864E8}" srcOrd="0" destOrd="0" presId="urn:microsoft.com/office/officeart/2005/8/layout/hierarchy3"/>
+    <dgm:cxn modelId="{B7E1F160-A178-462E-868C-EC6564C42610}" type="presParOf" srcId="{DFAAFD62-220C-47EA-B1FF-1D698C1D9D0C}" destId="{A1EB1FFF-29EC-48BF-990F-29DA82114C59}" srcOrd="1" destOrd="0" presId="urn:microsoft.com/office/officeart/2005/8/layout/hierarchy3"/>
+    <dgm:cxn modelId="{9FF94B33-0113-4A76-8701-4BFCEEDBDE89}" type="presParOf" srcId="{59FB6EFF-035B-4901-8C84-3BDEA8130465}" destId="{C961EBF4-10A8-458E-973D-7ED2EFFC972F}" srcOrd="1" destOrd="0" presId="urn:microsoft.com/office/officeart/2005/8/layout/hierarchy3"/>
+    <dgm:cxn modelId="{E16B69EF-6960-4FF6-974E-0243612C50A9}" type="presParOf" srcId="{C961EBF4-10A8-458E-973D-7ED2EFFC972F}" destId="{278D3975-9588-4A95-85BD-D062BB0AE1A4}" srcOrd="0" destOrd="0" presId="urn:microsoft.com/office/officeart/2005/8/layout/hierarchy3"/>
+    <dgm:cxn modelId="{EDC0758A-BCB5-4E73-BE7E-8D1A992568A9}" type="presParOf" srcId="{C961EBF4-10A8-458E-973D-7ED2EFFC972F}" destId="{EDB6085A-8F2B-4B84-887D-9DD4BEC6E4E1}" srcOrd="1" destOrd="0" presId="urn:microsoft.com/office/officeart/2005/8/layout/hierarchy3"/>
+    <dgm:cxn modelId="{B9702EBF-28A6-4C56-BB02-8A38776C1F90}" type="presParOf" srcId="{C961EBF4-10A8-458E-973D-7ED2EFFC972F}" destId="{FF100697-267A-4BC5-8DA9-B1F7321DFE84}" srcOrd="2" destOrd="0" presId="urn:microsoft.com/office/officeart/2005/8/layout/hierarchy3"/>
+    <dgm:cxn modelId="{46AAE45F-BF7E-4CDB-A15F-802EEF0A52A0}" type="presParOf" srcId="{C961EBF4-10A8-458E-973D-7ED2EFFC972F}" destId="{291D5A65-BA4D-4BF4-8D0F-050F9D81FBB6}" srcOrd="3" destOrd="0" presId="urn:microsoft.com/office/officeart/2005/8/layout/hierarchy3"/>
+    <dgm:cxn modelId="{0137D627-1B4F-47DB-ADA7-B3A9FCF6DA00}" type="presParOf" srcId="{C961EBF4-10A8-458E-973D-7ED2EFFC972F}" destId="{6B27DFF3-3021-4E99-BF73-829A6255425D}" srcOrd="4" destOrd="0" presId="urn:microsoft.com/office/officeart/2005/8/layout/hierarchy3"/>
+    <dgm:cxn modelId="{2DDA2A2E-7EBF-42D3-8E45-3269864CBAA4}" type="presParOf" srcId="{C961EBF4-10A8-458E-973D-7ED2EFFC972F}" destId="{88C17E61-7A2A-46D7-AC95-5E562286A33E}" srcOrd="5" destOrd="0" presId="urn:microsoft.com/office/officeart/2005/8/layout/hierarchy3"/>
+    <dgm:cxn modelId="{7CD2E438-91AB-49C8-BEFA-398ACCFFD7BD}" type="presParOf" srcId="{C961EBF4-10A8-458E-973D-7ED2EFFC972F}" destId="{E8A2D34D-9B35-4804-BD08-DC4453907292}" srcOrd="6" destOrd="0" presId="urn:microsoft.com/office/officeart/2005/8/layout/hierarchy3"/>
+    <dgm:cxn modelId="{1534A217-6ECD-4474-80F2-71CA6833E5EF}" type="presParOf" srcId="{C961EBF4-10A8-458E-973D-7ED2EFFC972F}" destId="{1B267FF2-7D4F-4C45-AA7C-4EA638A9F1C5}" srcOrd="7" destOrd="0" presId="urn:microsoft.com/office/officeart/2005/8/layout/hierarchy3"/>
+  </dgm:cxnLst>
+  <dgm:bg/>
+  <dgm:whole/>
+  <dgm:extLst>
+    <a:ext uri="http://schemas.microsoft.com/office/drawing/2008/diagram">
+      <dsp:dataModelExt xmlns:dsp="http://schemas.microsoft.com/office/drawing/2008/diagram" relId="rId6" minVer="http://schemas.openxmlformats.org/drawingml/2006/diagram"/>
+    </a:ext>
+  </dgm:extLst>
+</dgm:dataModel>
+</file>
+
+<file path=ppt/diagrams/drawing1.xml><?xml version="1.0" encoding="utf-8"?>
+<dsp:drawing xmlns:dgm="http://schemas.openxmlformats.org/drawingml/2006/diagram" xmlns:dsp="http://schemas.microsoft.com/office/drawing/2008/diagram" xmlns:a="http://schemas.openxmlformats.org/drawingml/2006/main">
+  <dsp:spTree>
+    <dsp:nvGrpSpPr>
+      <dsp:cNvPr id="0" name=""/>
+      <dsp:cNvGrpSpPr/>
+    </dsp:nvGrpSpPr>
+    <dsp:grpSpPr/>
+    <dsp:sp modelId="{D42C5353-2F91-4910-9E62-259C884C47C8}">
+      <dsp:nvSpPr>
+        <dsp:cNvPr id="0" name=""/>
+        <dsp:cNvSpPr/>
+      </dsp:nvSpPr>
+      <dsp:spPr>
+        <a:xfrm>
+          <a:off x="529456" y="248"/>
+          <a:ext cx="1439167" cy="719583"/>
+        </a:xfrm>
+        <a:prstGeom prst="roundRect">
+          <a:avLst>
+            <a:gd name="adj" fmla="val 10000"/>
+          </a:avLst>
+        </a:prstGeom>
+        <a:solidFill>
+          <a:schemeClr val="accent1">
+            <a:hueOff val="0"/>
+            <a:satOff val="0"/>
+            <a:lumOff val="0"/>
+            <a:alphaOff val="0"/>
+          </a:schemeClr>
+        </a:solidFill>
+        <a:ln w="25400" cap="flat" cmpd="sng" algn="ctr">
+          <a:solidFill>
+            <a:schemeClr val="lt1">
+              <a:hueOff val="0"/>
+              <a:satOff val="0"/>
+              <a:lumOff val="0"/>
+              <a:alphaOff val="0"/>
+            </a:schemeClr>
+          </a:solidFill>
+          <a:prstDash val="solid"/>
+        </a:ln>
+        <a:effectLst/>
+      </dsp:spPr>
+      <dsp:style>
+        <a:lnRef idx="2">
+          <a:scrgbClr r="0" g="0" b="0"/>
+        </a:lnRef>
+        <a:fillRef idx="1">
+          <a:scrgbClr r="0" g="0" b="0"/>
+        </a:fillRef>
+        <a:effectRef idx="0">
+          <a:scrgbClr r="0" g="0" b="0"/>
+        </a:effectRef>
+        <a:fontRef idx="minor">
+          <a:schemeClr val="lt1"/>
+        </a:fontRef>
+      </dsp:style>
+      <dsp:txBody>
+        <a:bodyPr spcFirstLastPara="0" vert="horz" wrap="square" lIns="28575" tIns="19050" rIns="28575" bIns="19050" numCol="1" spcCol="1270" anchor="ctr" anchorCtr="0">
+          <a:noAutofit/>
+        </a:bodyPr>
+        <a:lstStyle/>
+        <a:p>
+          <a:pPr marL="0" lvl="0" indent="0" algn="ctr" defTabSz="666750">
+            <a:lnSpc>
+              <a:spcPct val="90000"/>
+            </a:lnSpc>
+            <a:spcBef>
+              <a:spcPct val="0"/>
+            </a:spcBef>
+            <a:spcAft>
+              <a:spcPct val="35000"/>
+            </a:spcAft>
+            <a:buNone/>
+          </a:pPr>
+          <a:r>
+            <a:rPr lang="en-US" sz="1500" kern="1200" dirty="0"/>
+            <a:t>Basic Principles</a:t>
+          </a:r>
+        </a:p>
+      </dsp:txBody>
+      <dsp:txXfrm>
+        <a:off x="550532" y="21324"/>
+        <a:ext cx="1397015" cy="677431"/>
+      </dsp:txXfrm>
+    </dsp:sp>
+    <dsp:sp modelId="{360B229B-0F55-45E5-A55A-DDDBDBD1C921}">
+      <dsp:nvSpPr>
+        <dsp:cNvPr id="0" name=""/>
+        <dsp:cNvSpPr/>
+      </dsp:nvSpPr>
+      <dsp:spPr>
+        <a:xfrm>
+          <a:off x="673372" y="719832"/>
+          <a:ext cx="143916" cy="539687"/>
+        </a:xfrm>
+        <a:custGeom>
+          <a:avLst/>
+          <a:gdLst/>
+          <a:ahLst/>
+          <a:cxnLst/>
+          <a:rect l="0" t="0" r="0" b="0"/>
+          <a:pathLst>
+            <a:path>
+              <a:moveTo>
+                <a:pt x="0" y="0"/>
+              </a:moveTo>
+              <a:lnTo>
+                <a:pt x="0" y="539687"/>
+              </a:lnTo>
+              <a:lnTo>
+                <a:pt x="143916" y="539687"/>
+              </a:lnTo>
+            </a:path>
+          </a:pathLst>
+        </a:custGeom>
+        <a:noFill/>
+        <a:ln w="25400" cap="flat" cmpd="sng" algn="ctr">
+          <a:solidFill>
+            <a:schemeClr val="accent1">
+              <a:shade val="60000"/>
+              <a:hueOff val="0"/>
+              <a:satOff val="0"/>
+              <a:lumOff val="0"/>
+              <a:alphaOff val="0"/>
+            </a:schemeClr>
+          </a:solidFill>
+          <a:prstDash val="solid"/>
+        </a:ln>
+        <a:effectLst/>
+      </dsp:spPr>
+      <dsp:style>
+        <a:lnRef idx="2">
+          <a:scrgbClr r="0" g="0" b="0"/>
+        </a:lnRef>
+        <a:fillRef idx="0">
+          <a:scrgbClr r="0" g="0" b="0"/>
+        </a:fillRef>
+        <a:effectRef idx="0">
+          <a:scrgbClr r="0" g="0" b="0"/>
+        </a:effectRef>
+        <a:fontRef idx="minor"/>
+      </dsp:style>
+    </dsp:sp>
+    <dsp:sp modelId="{7E3D7089-292B-46E8-B4F0-ADC3733C52BD}">
+      <dsp:nvSpPr>
+        <dsp:cNvPr id="0" name=""/>
+        <dsp:cNvSpPr/>
+      </dsp:nvSpPr>
+      <dsp:spPr>
+        <a:xfrm>
+          <a:off x="817289" y="899728"/>
+          <a:ext cx="1151334" cy="719583"/>
+        </a:xfrm>
+        <a:prstGeom prst="roundRect">
+          <a:avLst>
+            <a:gd name="adj" fmla="val 10000"/>
+          </a:avLst>
+        </a:prstGeom>
+        <a:solidFill>
+          <a:prstClr val="white">
+            <a:alpha val="90000"/>
+            <a:hueOff val="0"/>
+            <a:satOff val="0"/>
+            <a:lumOff val="0"/>
+            <a:alphaOff val="0"/>
+          </a:prstClr>
+        </a:solidFill>
+        <a:ln w="25400" cap="flat" cmpd="sng" algn="ctr">
+          <a:solidFill>
+            <a:srgbClr val="4F81BD">
+              <a:hueOff val="0"/>
+              <a:satOff val="0"/>
+              <a:lumOff val="0"/>
+              <a:alphaOff val="0"/>
+            </a:srgbClr>
+          </a:solidFill>
+          <a:prstDash val="solid"/>
+        </a:ln>
+        <a:effectLst/>
+      </dsp:spPr>
+      <dsp:style>
+        <a:lnRef idx="0">
+          <a:scrgbClr r="0" g="0" b="0"/>
+        </a:lnRef>
+        <a:fillRef idx="0">
+          <a:scrgbClr r="0" g="0" b="0"/>
+        </a:fillRef>
+        <a:effectRef idx="0">
+          <a:scrgbClr r="0" g="0" b="0"/>
+        </a:effectRef>
+        <a:fontRef idx="minor">
+          <a:schemeClr val="lt1"/>
+        </a:fontRef>
+      </dsp:style>
+      <dsp:txBody>
+        <a:bodyPr spcFirstLastPara="0" vert="horz" wrap="square" lIns="28575" tIns="19050" rIns="28575" bIns="19050" numCol="1" spcCol="1270" anchor="ctr" anchorCtr="0">
+          <a:noAutofit/>
+        </a:bodyPr>
+        <a:lstStyle/>
+        <a:p>
+          <a:pPr marL="0" lvl="0" indent="0" algn="ctr" defTabSz="666750">
+            <a:lnSpc>
+              <a:spcPct val="90000"/>
+            </a:lnSpc>
+            <a:spcBef>
+              <a:spcPct val="0"/>
+            </a:spcBef>
+            <a:spcAft>
+              <a:spcPct val="35000"/>
+            </a:spcAft>
+            <a:buNone/>
+          </a:pPr>
+          <a:r>
+            <a:rPr lang="en-US" sz="1500" kern="1200" dirty="0">
+              <a:solidFill>
+                <a:prstClr val="black">
+                  <a:hueOff val="0"/>
+                  <a:satOff val="0"/>
+                  <a:lumOff val="0"/>
+                  <a:alphaOff val="0"/>
+                </a:prstClr>
+              </a:solidFill>
+              <a:latin typeface="Calibri"/>
+              <a:ea typeface="+mn-ea"/>
+              <a:cs typeface="+mn-cs"/>
+            </a:rPr>
+            <a:t>Designing</a:t>
+          </a:r>
+          <a:r>
+            <a:rPr lang="en-US" sz="1500" kern="1200" dirty="0"/>
+            <a:t> Data</a:t>
+          </a:r>
+        </a:p>
+      </dsp:txBody>
+      <dsp:txXfrm>
+        <a:off x="838365" y="920804"/>
+        <a:ext cx="1109182" cy="677431"/>
+      </dsp:txXfrm>
+    </dsp:sp>
+    <dsp:sp modelId="{BC1B1EA4-129C-44F6-935B-BA646A7A2AA3}">
+      <dsp:nvSpPr>
+        <dsp:cNvPr id="0" name=""/>
+        <dsp:cNvSpPr/>
+      </dsp:nvSpPr>
+      <dsp:spPr>
+        <a:xfrm>
+          <a:off x="673372" y="719832"/>
+          <a:ext cx="143916" cy="1439167"/>
+        </a:xfrm>
+        <a:custGeom>
+          <a:avLst/>
+          <a:gdLst/>
+          <a:ahLst/>
+          <a:cxnLst/>
+          <a:rect l="0" t="0" r="0" b="0"/>
+          <a:pathLst>
+            <a:path>
+              <a:moveTo>
+                <a:pt x="0" y="0"/>
+              </a:moveTo>
+              <a:lnTo>
+                <a:pt x="0" y="1439167"/>
+              </a:lnTo>
+              <a:lnTo>
+                <a:pt x="143916" y="1439167"/>
+              </a:lnTo>
+            </a:path>
+          </a:pathLst>
+        </a:custGeom>
+        <a:noFill/>
+        <a:ln w="25400" cap="flat" cmpd="sng" algn="ctr">
+          <a:solidFill>
+            <a:schemeClr val="accent1">
+              <a:shade val="60000"/>
+              <a:hueOff val="0"/>
+              <a:satOff val="0"/>
+              <a:lumOff val="0"/>
+              <a:alphaOff val="0"/>
+            </a:schemeClr>
+          </a:solidFill>
+          <a:prstDash val="solid"/>
+        </a:ln>
+        <a:effectLst/>
+      </dsp:spPr>
+      <dsp:style>
+        <a:lnRef idx="2">
+          <a:scrgbClr r="0" g="0" b="0"/>
+        </a:lnRef>
+        <a:fillRef idx="0">
+          <a:scrgbClr r="0" g="0" b="0"/>
+        </a:fillRef>
+        <a:effectRef idx="0">
+          <a:scrgbClr r="0" g="0" b="0"/>
+        </a:effectRef>
+        <a:fontRef idx="minor"/>
+      </dsp:style>
+    </dsp:sp>
+    <dsp:sp modelId="{CF0B1CD2-0FC3-49A4-A520-B01A6C3CCB95}">
+      <dsp:nvSpPr>
+        <dsp:cNvPr id="0" name=""/>
+        <dsp:cNvSpPr/>
+      </dsp:nvSpPr>
+      <dsp:spPr>
+        <a:xfrm>
+          <a:off x="817289" y="1799208"/>
+          <a:ext cx="1151334" cy="719583"/>
+        </a:xfrm>
+        <a:prstGeom prst="roundRect">
+          <a:avLst>
+            <a:gd name="adj" fmla="val 10000"/>
+          </a:avLst>
+        </a:prstGeom>
+        <a:solidFill>
+          <a:schemeClr val="accent2">
+            <a:alpha val="50000"/>
+          </a:schemeClr>
+        </a:solidFill>
+        <a:ln>
+          <a:noFill/>
+        </a:ln>
+        <a:effectLst/>
+      </dsp:spPr>
+      <dsp:style>
+        <a:lnRef idx="0">
+          <a:scrgbClr r="0" g="0" b="0"/>
+        </a:lnRef>
+        <a:fillRef idx="0">
+          <a:scrgbClr r="0" g="0" b="0"/>
+        </a:fillRef>
+        <a:effectRef idx="0">
+          <a:scrgbClr r="0" g="0" b="0"/>
+        </a:effectRef>
+        <a:fontRef idx="minor">
+          <a:schemeClr val="lt1"/>
+        </a:fontRef>
+      </dsp:style>
+      <dsp:txBody>
+        <a:bodyPr spcFirstLastPara="0" vert="horz" wrap="square" lIns="28575" tIns="19050" rIns="28575" bIns="19050" numCol="1" spcCol="1270" anchor="ctr" anchorCtr="0">
+          <a:noAutofit/>
+        </a:bodyPr>
+        <a:lstStyle/>
+        <a:p>
+          <a:pPr marL="0" lvl="0" indent="0" algn="ctr" defTabSz="666750">
+            <a:lnSpc>
+              <a:spcPct val="90000"/>
+            </a:lnSpc>
+            <a:spcBef>
+              <a:spcPct val="0"/>
+            </a:spcBef>
+            <a:spcAft>
+              <a:spcPct val="35000"/>
+            </a:spcAft>
+            <a:buNone/>
+          </a:pPr>
+          <a:r>
+            <a:rPr lang="en-US" sz="1500" kern="1200" dirty="0"/>
+            <a:t>Designing Functions</a:t>
+          </a:r>
+        </a:p>
+      </dsp:txBody>
+      <dsp:txXfrm>
+        <a:off x="838365" y="1820284"/>
+        <a:ext cx="1109182" cy="677431"/>
+      </dsp:txXfrm>
+    </dsp:sp>
+    <dsp:sp modelId="{F5AE7053-0C33-481C-8BFB-D2DAFB4C4294}">
+      <dsp:nvSpPr>
+        <dsp:cNvPr id="0" name=""/>
+        <dsp:cNvSpPr/>
+      </dsp:nvSpPr>
+      <dsp:spPr>
+        <a:xfrm>
+          <a:off x="673372" y="719832"/>
+          <a:ext cx="143916" cy="2338647"/>
+        </a:xfrm>
+        <a:custGeom>
+          <a:avLst/>
+          <a:gdLst/>
+          <a:ahLst/>
+          <a:cxnLst/>
+          <a:rect l="0" t="0" r="0" b="0"/>
+          <a:pathLst>
+            <a:path>
+              <a:moveTo>
+                <a:pt x="0" y="0"/>
+              </a:moveTo>
+              <a:lnTo>
+                <a:pt x="0" y="2338647"/>
+              </a:lnTo>
+              <a:lnTo>
+                <a:pt x="143916" y="2338647"/>
+              </a:lnTo>
+            </a:path>
+          </a:pathLst>
+        </a:custGeom>
+        <a:noFill/>
+        <a:ln w="25400" cap="flat" cmpd="sng" algn="ctr">
+          <a:solidFill>
+            <a:schemeClr val="accent1">
+              <a:shade val="60000"/>
+              <a:hueOff val="0"/>
+              <a:satOff val="0"/>
+              <a:lumOff val="0"/>
+              <a:alphaOff val="0"/>
+            </a:schemeClr>
+          </a:solidFill>
+          <a:prstDash val="solid"/>
+        </a:ln>
+        <a:effectLst/>
+      </dsp:spPr>
+      <dsp:style>
+        <a:lnRef idx="2">
+          <a:scrgbClr r="0" g="0" b="0"/>
+        </a:lnRef>
+        <a:fillRef idx="0">
+          <a:scrgbClr r="0" g="0" b="0"/>
+        </a:fillRef>
+        <a:effectRef idx="0">
+          <a:scrgbClr r="0" g="0" b="0"/>
+        </a:effectRef>
+        <a:fontRef idx="minor"/>
+      </dsp:style>
+    </dsp:sp>
+    <dsp:sp modelId="{C5878689-67F2-4E3D-8C9B-392F50C32024}">
+      <dsp:nvSpPr>
+        <dsp:cNvPr id="0" name=""/>
+        <dsp:cNvSpPr/>
+      </dsp:nvSpPr>
+      <dsp:spPr>
+        <a:xfrm>
+          <a:off x="817289" y="2698687"/>
+          <a:ext cx="1151334" cy="719583"/>
+        </a:xfrm>
+        <a:prstGeom prst="roundRect">
+          <a:avLst>
+            <a:gd name="adj" fmla="val 10000"/>
+          </a:avLst>
+        </a:prstGeom>
+        <a:solidFill>
+          <a:schemeClr val="lt1">
+            <a:alpha val="90000"/>
+            <a:hueOff val="0"/>
+            <a:satOff val="0"/>
+            <a:lumOff val="0"/>
+            <a:alphaOff val="0"/>
+          </a:schemeClr>
+        </a:solidFill>
+        <a:ln w="25400" cap="flat" cmpd="sng" algn="ctr">
+          <a:solidFill>
+            <a:schemeClr val="accent1">
+              <a:hueOff val="0"/>
+              <a:satOff val="0"/>
+              <a:lumOff val="0"/>
+              <a:alphaOff val="0"/>
+            </a:schemeClr>
+          </a:solidFill>
+          <a:prstDash val="solid"/>
+        </a:ln>
+        <a:effectLst/>
+      </dsp:spPr>
+      <dsp:style>
+        <a:lnRef idx="2">
+          <a:scrgbClr r="0" g="0" b="0"/>
+        </a:lnRef>
+        <a:fillRef idx="1">
+          <a:scrgbClr r="0" g="0" b="0"/>
+        </a:fillRef>
+        <a:effectRef idx="0">
+          <a:scrgbClr r="0" g="0" b="0"/>
+        </a:effectRef>
+        <a:fontRef idx="minor"/>
+      </dsp:style>
+      <dsp:txBody>
+        <a:bodyPr spcFirstLastPara="0" vert="horz" wrap="square" lIns="28575" tIns="19050" rIns="28575" bIns="19050" numCol="1" spcCol="1270" anchor="ctr" anchorCtr="0">
+          <a:noAutofit/>
+        </a:bodyPr>
+        <a:lstStyle/>
+        <a:p>
+          <a:pPr marL="0" lvl="0" indent="0" algn="ctr" defTabSz="666750">
+            <a:lnSpc>
+              <a:spcPct val="90000"/>
+            </a:lnSpc>
+            <a:spcBef>
+              <a:spcPct val="0"/>
+            </a:spcBef>
+            <a:spcAft>
+              <a:spcPct val="35000"/>
+            </a:spcAft>
+            <a:buNone/>
+          </a:pPr>
+          <a:r>
+            <a:rPr lang="en-US" sz="1500" kern="1200" dirty="0"/>
+            <a:t>Designing Systems</a:t>
+          </a:r>
+        </a:p>
+      </dsp:txBody>
+      <dsp:txXfrm>
+        <a:off x="838365" y="2719763"/>
+        <a:ext cx="1109182" cy="677431"/>
+      </dsp:txXfrm>
+    </dsp:sp>
+    <dsp:sp modelId="{F1C18E15-3E91-476D-8B13-25AD56BC4B13}">
+      <dsp:nvSpPr>
+        <dsp:cNvPr id="0" name=""/>
+        <dsp:cNvSpPr/>
+      </dsp:nvSpPr>
+      <dsp:spPr>
+        <a:xfrm>
+          <a:off x="2328416" y="248"/>
+          <a:ext cx="1439167" cy="719583"/>
+        </a:xfrm>
+        <a:prstGeom prst="roundRect">
+          <a:avLst>
+            <a:gd name="adj" fmla="val 10000"/>
+          </a:avLst>
+        </a:prstGeom>
+        <a:solidFill>
+          <a:schemeClr val="accent1">
+            <a:hueOff val="0"/>
+            <a:satOff val="0"/>
+            <a:lumOff val="0"/>
+            <a:alphaOff val="0"/>
+          </a:schemeClr>
+        </a:solidFill>
+        <a:ln w="25400" cap="flat" cmpd="sng" algn="ctr">
+          <a:solidFill>
+            <a:schemeClr val="lt1">
+              <a:hueOff val="0"/>
+              <a:satOff val="0"/>
+              <a:lumOff val="0"/>
+              <a:alphaOff val="0"/>
+            </a:schemeClr>
+          </a:solidFill>
+          <a:prstDash val="solid"/>
+        </a:ln>
+        <a:effectLst/>
+      </dsp:spPr>
+      <dsp:style>
+        <a:lnRef idx="2">
+          <a:scrgbClr r="0" g="0" b="0"/>
+        </a:lnRef>
+        <a:fillRef idx="1">
+          <a:scrgbClr r="0" g="0" b="0"/>
+        </a:fillRef>
+        <a:effectRef idx="0">
+          <a:scrgbClr r="0" g="0" b="0"/>
+        </a:effectRef>
+        <a:fontRef idx="minor">
+          <a:schemeClr val="lt1"/>
+        </a:fontRef>
+      </dsp:style>
+      <dsp:txBody>
+        <a:bodyPr spcFirstLastPara="0" vert="horz" wrap="square" lIns="28575" tIns="19050" rIns="28575" bIns="19050" numCol="1" spcCol="1270" anchor="ctr" anchorCtr="0">
+          <a:noAutofit/>
+        </a:bodyPr>
+        <a:lstStyle/>
+        <a:p>
+          <a:pPr marL="0" lvl="0" indent="0" algn="ctr" defTabSz="666750">
+            <a:lnSpc>
+              <a:spcPct val="90000"/>
+            </a:lnSpc>
+            <a:spcBef>
+              <a:spcPct val="0"/>
+            </a:spcBef>
+            <a:spcAft>
+              <a:spcPct val="35000"/>
+            </a:spcAft>
+            <a:buNone/>
+          </a:pPr>
+          <a:r>
+            <a:rPr lang="en-US" sz="1500" kern="1200" dirty="0"/>
+            <a:t>Tools and Techniques</a:t>
+          </a:r>
+        </a:p>
+      </dsp:txBody>
+      <dsp:txXfrm>
+        <a:off x="2349492" y="21324"/>
+        <a:ext cx="1397015" cy="677431"/>
+      </dsp:txXfrm>
+    </dsp:sp>
+    <dsp:sp modelId="{2564A6E5-875B-4BC6-B983-AA12C064A019}">
+      <dsp:nvSpPr>
+        <dsp:cNvPr id="0" name=""/>
+        <dsp:cNvSpPr/>
+      </dsp:nvSpPr>
+      <dsp:spPr>
+        <a:xfrm>
+          <a:off x="2472332" y="719832"/>
+          <a:ext cx="143916" cy="539687"/>
+        </a:xfrm>
+        <a:custGeom>
+          <a:avLst/>
+          <a:gdLst/>
+          <a:ahLst/>
+          <a:cxnLst/>
+          <a:rect l="0" t="0" r="0" b="0"/>
+          <a:pathLst>
+            <a:path>
+              <a:moveTo>
+                <a:pt x="0" y="0"/>
+              </a:moveTo>
+              <a:lnTo>
+                <a:pt x="0" y="539687"/>
+              </a:lnTo>
+              <a:lnTo>
+                <a:pt x="143916" y="539687"/>
+              </a:lnTo>
+            </a:path>
+          </a:pathLst>
+        </a:custGeom>
+        <a:noFill/>
+        <a:ln w="25400" cap="flat" cmpd="sng" algn="ctr">
+          <a:solidFill>
+            <a:schemeClr val="accent1">
+              <a:shade val="60000"/>
+              <a:hueOff val="0"/>
+              <a:satOff val="0"/>
+              <a:lumOff val="0"/>
+              <a:alphaOff val="0"/>
+            </a:schemeClr>
+          </a:solidFill>
+          <a:prstDash val="solid"/>
+        </a:ln>
+        <a:effectLst/>
+      </dsp:spPr>
+      <dsp:style>
+        <a:lnRef idx="2">
+          <a:scrgbClr r="0" g="0" b="0"/>
+        </a:lnRef>
+        <a:fillRef idx="0">
+          <a:scrgbClr r="0" g="0" b="0"/>
+        </a:fillRef>
+        <a:effectRef idx="0">
+          <a:scrgbClr r="0" g="0" b="0"/>
+        </a:effectRef>
+        <a:fontRef idx="minor"/>
+      </dsp:style>
+    </dsp:sp>
+    <dsp:sp modelId="{3B0CF9DF-CC55-47FF-BECE-903E70F9D2DE}">
+      <dsp:nvSpPr>
+        <dsp:cNvPr id="0" name=""/>
+        <dsp:cNvSpPr/>
+      </dsp:nvSpPr>
+      <dsp:spPr>
+        <a:xfrm>
+          <a:off x="2616249" y="899728"/>
+          <a:ext cx="1151334" cy="719583"/>
+        </a:xfrm>
+        <a:prstGeom prst="roundRect">
+          <a:avLst>
+            <a:gd name="adj" fmla="val 10000"/>
+          </a:avLst>
+        </a:prstGeom>
+        <a:solidFill>
+          <a:schemeClr val="lt1">
+            <a:alpha val="90000"/>
+            <a:hueOff val="0"/>
+            <a:satOff val="0"/>
+            <a:lumOff val="0"/>
+            <a:alphaOff val="0"/>
+          </a:schemeClr>
+        </a:solidFill>
+        <a:ln w="25400" cap="flat" cmpd="sng" algn="ctr">
+          <a:solidFill>
+            <a:schemeClr val="accent1">
+              <a:hueOff val="0"/>
+              <a:satOff val="0"/>
+              <a:lumOff val="0"/>
+              <a:alphaOff val="0"/>
+            </a:schemeClr>
+          </a:solidFill>
+          <a:prstDash val="solid"/>
+        </a:ln>
+        <a:effectLst/>
+      </dsp:spPr>
+      <dsp:style>
+        <a:lnRef idx="2">
+          <a:scrgbClr r="0" g="0" b="0"/>
+        </a:lnRef>
+        <a:fillRef idx="1">
+          <a:scrgbClr r="0" g="0" b="0"/>
+        </a:fillRef>
+        <a:effectRef idx="0">
+          <a:scrgbClr r="0" g="0" b="0"/>
+        </a:effectRef>
+        <a:fontRef idx="minor"/>
+      </dsp:style>
+      <dsp:txBody>
+        <a:bodyPr spcFirstLastPara="0" vert="horz" wrap="square" lIns="28575" tIns="19050" rIns="28575" bIns="19050" numCol="1" spcCol="1270" anchor="ctr" anchorCtr="0">
+          <a:noAutofit/>
+        </a:bodyPr>
+        <a:lstStyle/>
+        <a:p>
+          <a:pPr marL="0" lvl="0" indent="0" algn="ctr" defTabSz="666750">
+            <a:lnSpc>
+              <a:spcPct val="90000"/>
+            </a:lnSpc>
+            <a:spcBef>
+              <a:spcPct val="0"/>
+            </a:spcBef>
+            <a:spcAft>
+              <a:spcPct val="35000"/>
+            </a:spcAft>
+            <a:buNone/>
+          </a:pPr>
+          <a:r>
+            <a:rPr lang="en-US" sz="1500" kern="1200" dirty="0"/>
+            <a:t>Computing with Lists</a:t>
+          </a:r>
+        </a:p>
+      </dsp:txBody>
+      <dsp:txXfrm>
+        <a:off x="2637325" y="920804"/>
+        <a:ext cx="1109182" cy="677431"/>
+      </dsp:txXfrm>
+    </dsp:sp>
+    <dsp:sp modelId="{7DFA9A08-1F84-4CF2-9E63-7F6E7C219F76}">
+      <dsp:nvSpPr>
+        <dsp:cNvPr id="0" name=""/>
+        <dsp:cNvSpPr/>
+      </dsp:nvSpPr>
+      <dsp:spPr>
+        <a:xfrm>
+          <a:off x="2472332" y="719832"/>
+          <a:ext cx="143916" cy="1439167"/>
+        </a:xfrm>
+        <a:custGeom>
+          <a:avLst/>
+          <a:gdLst/>
+          <a:ahLst/>
+          <a:cxnLst/>
+          <a:rect l="0" t="0" r="0" b="0"/>
+          <a:pathLst>
+            <a:path>
+              <a:moveTo>
+                <a:pt x="0" y="0"/>
+              </a:moveTo>
+              <a:lnTo>
+                <a:pt x="0" y="1439167"/>
+              </a:lnTo>
+              <a:lnTo>
+                <a:pt x="143916" y="1439167"/>
+              </a:lnTo>
+            </a:path>
+          </a:pathLst>
+        </a:custGeom>
+        <a:noFill/>
+        <a:ln w="25400" cap="flat" cmpd="sng" algn="ctr">
+          <a:solidFill>
+            <a:schemeClr val="accent1">
+              <a:shade val="60000"/>
+              <a:hueOff val="0"/>
+              <a:satOff val="0"/>
+              <a:lumOff val="0"/>
+              <a:alphaOff val="0"/>
+            </a:schemeClr>
+          </a:solidFill>
+          <a:prstDash val="solid"/>
+        </a:ln>
+        <a:effectLst/>
+      </dsp:spPr>
+      <dsp:style>
+        <a:lnRef idx="2">
+          <a:scrgbClr r="0" g="0" b="0"/>
+        </a:lnRef>
+        <a:fillRef idx="0">
+          <a:scrgbClr r="0" g="0" b="0"/>
+        </a:fillRef>
+        <a:effectRef idx="0">
+          <a:scrgbClr r="0" g="0" b="0"/>
+        </a:effectRef>
+        <a:fontRef idx="minor"/>
+      </dsp:style>
+    </dsp:sp>
+    <dsp:sp modelId="{9C3E65C4-9266-43CB-B08F-79811ABF047A}">
+      <dsp:nvSpPr>
+        <dsp:cNvPr id="0" name=""/>
+        <dsp:cNvSpPr/>
+      </dsp:nvSpPr>
+      <dsp:spPr>
+        <a:xfrm>
+          <a:off x="2616249" y="1799208"/>
+          <a:ext cx="1151334" cy="719583"/>
+        </a:xfrm>
+        <a:prstGeom prst="roundRect">
+          <a:avLst>
+            <a:gd name="adj" fmla="val 10000"/>
+          </a:avLst>
+        </a:prstGeom>
+        <a:solidFill>
+          <a:schemeClr val="lt1">
+            <a:alpha val="90000"/>
+            <a:hueOff val="0"/>
+            <a:satOff val="0"/>
+            <a:lumOff val="0"/>
+            <a:alphaOff val="0"/>
+          </a:schemeClr>
+        </a:solidFill>
+        <a:ln w="25400" cap="flat" cmpd="sng" algn="ctr">
+          <a:solidFill>
+            <a:schemeClr val="accent1">
+              <a:hueOff val="0"/>
+              <a:satOff val="0"/>
+              <a:lumOff val="0"/>
+              <a:alphaOff val="0"/>
+            </a:schemeClr>
+          </a:solidFill>
+          <a:prstDash val="solid"/>
+        </a:ln>
+        <a:effectLst/>
+      </dsp:spPr>
+      <dsp:style>
+        <a:lnRef idx="2">
+          <a:scrgbClr r="0" g="0" b="0"/>
+        </a:lnRef>
+        <a:fillRef idx="1">
+          <a:scrgbClr r="0" g="0" b="0"/>
+        </a:fillRef>
+        <a:effectRef idx="0">
+          <a:scrgbClr r="0" g="0" b="0"/>
+        </a:effectRef>
+        <a:fontRef idx="minor"/>
+      </dsp:style>
+      <dsp:txBody>
+        <a:bodyPr spcFirstLastPara="0" vert="horz" wrap="square" lIns="28575" tIns="19050" rIns="28575" bIns="19050" numCol="1" spcCol="1270" anchor="ctr" anchorCtr="0">
+          <a:noAutofit/>
+        </a:bodyPr>
+        <a:lstStyle/>
+        <a:p>
+          <a:pPr marL="0" lvl="0" indent="0" algn="ctr" defTabSz="666750">
+            <a:lnSpc>
+              <a:spcPct val="90000"/>
+            </a:lnSpc>
+            <a:spcBef>
+              <a:spcPct val="0"/>
+            </a:spcBef>
+            <a:spcAft>
+              <a:spcPct val="35000"/>
+            </a:spcAft>
+            <a:buNone/>
+          </a:pPr>
+          <a:r>
+            <a:rPr lang="en-US" sz="1500" kern="1200" dirty="0"/>
+            <a:t>Computing with Trees and Graphs</a:t>
+          </a:r>
+        </a:p>
+      </dsp:txBody>
+      <dsp:txXfrm>
+        <a:off x="2637325" y="1820284"/>
+        <a:ext cx="1109182" cy="677431"/>
+      </dsp:txXfrm>
+    </dsp:sp>
+    <dsp:sp modelId="{16CFAB30-3E6A-44D7-A45D-E3066E142053}">
+      <dsp:nvSpPr>
+        <dsp:cNvPr id="0" name=""/>
+        <dsp:cNvSpPr/>
+      </dsp:nvSpPr>
+      <dsp:spPr>
+        <a:xfrm>
+          <a:off x="2472332" y="719832"/>
+          <a:ext cx="143916" cy="2338647"/>
+        </a:xfrm>
+        <a:custGeom>
+          <a:avLst/>
+          <a:gdLst/>
+          <a:ahLst/>
+          <a:cxnLst/>
+          <a:rect l="0" t="0" r="0" b="0"/>
+          <a:pathLst>
+            <a:path>
+              <a:moveTo>
+                <a:pt x="0" y="0"/>
+              </a:moveTo>
+              <a:lnTo>
+                <a:pt x="0" y="2338647"/>
+              </a:lnTo>
+              <a:lnTo>
+                <a:pt x="143916" y="2338647"/>
+              </a:lnTo>
+            </a:path>
+          </a:pathLst>
+        </a:custGeom>
+        <a:noFill/>
+        <a:ln w="25400" cap="flat" cmpd="sng" algn="ctr">
+          <a:solidFill>
+            <a:schemeClr val="accent1">
+              <a:shade val="60000"/>
+              <a:hueOff val="0"/>
+              <a:satOff val="0"/>
+              <a:lumOff val="0"/>
+              <a:alphaOff val="0"/>
+            </a:schemeClr>
+          </a:solidFill>
+          <a:prstDash val="solid"/>
+        </a:ln>
+        <a:effectLst/>
+      </dsp:spPr>
+      <dsp:style>
+        <a:lnRef idx="2">
+          <a:scrgbClr r="0" g="0" b="0"/>
+        </a:lnRef>
+        <a:fillRef idx="0">
+          <a:scrgbClr r="0" g="0" b="0"/>
+        </a:fillRef>
+        <a:effectRef idx="0">
+          <a:scrgbClr r="0" g="0" b="0"/>
+        </a:effectRef>
+        <a:fontRef idx="minor"/>
+      </dsp:style>
+    </dsp:sp>
+    <dsp:sp modelId="{5F9726AA-E8AD-4C5C-A0CA-2350C4F8CAFA}">
+      <dsp:nvSpPr>
+        <dsp:cNvPr id="0" name=""/>
+        <dsp:cNvSpPr/>
+      </dsp:nvSpPr>
+      <dsp:spPr>
+        <a:xfrm>
+          <a:off x="2616249" y="2698687"/>
+          <a:ext cx="1151334" cy="719583"/>
+        </a:xfrm>
+        <a:prstGeom prst="roundRect">
+          <a:avLst>
+            <a:gd name="adj" fmla="val 10000"/>
+          </a:avLst>
+        </a:prstGeom>
+        <a:solidFill>
+          <a:schemeClr val="lt1">
+            <a:alpha val="90000"/>
+            <a:hueOff val="0"/>
+            <a:satOff val="0"/>
+            <a:lumOff val="0"/>
+            <a:alphaOff val="0"/>
+          </a:schemeClr>
+        </a:solidFill>
+        <a:ln w="25400" cap="flat" cmpd="sng" algn="ctr">
+          <a:solidFill>
+            <a:schemeClr val="accent1">
+              <a:hueOff val="0"/>
+              <a:satOff val="0"/>
+              <a:lumOff val="0"/>
+              <a:alphaOff val="0"/>
+            </a:schemeClr>
+          </a:solidFill>
+          <a:prstDash val="solid"/>
+        </a:ln>
+        <a:effectLst/>
+      </dsp:spPr>
+      <dsp:style>
+        <a:lnRef idx="2">
+          <a:scrgbClr r="0" g="0" b="0"/>
+        </a:lnRef>
+        <a:fillRef idx="1">
+          <a:scrgbClr r="0" g="0" b="0"/>
+        </a:fillRef>
+        <a:effectRef idx="0">
+          <a:scrgbClr r="0" g="0" b="0"/>
+        </a:effectRef>
+        <a:fontRef idx="minor"/>
+      </dsp:style>
+      <dsp:txBody>
+        <a:bodyPr spcFirstLastPara="0" vert="horz" wrap="square" lIns="28575" tIns="19050" rIns="28575" bIns="19050" numCol="1" spcCol="1270" anchor="ctr" anchorCtr="0">
+          <a:noAutofit/>
+        </a:bodyPr>
+        <a:lstStyle/>
+        <a:p>
+          <a:pPr marL="0" lvl="0" indent="0" algn="ctr" defTabSz="666750">
+            <a:lnSpc>
+              <a:spcPct val="90000"/>
+            </a:lnSpc>
+            <a:spcBef>
+              <a:spcPct val="0"/>
+            </a:spcBef>
+            <a:spcAft>
+              <a:spcPct val="35000"/>
+            </a:spcAft>
+            <a:buNone/>
+          </a:pPr>
+          <a:r>
+            <a:rPr lang="en-US" sz="1500" kern="1200" dirty="0"/>
+            <a:t>Designing with Invariants</a:t>
+          </a:r>
+        </a:p>
+      </dsp:txBody>
+      <dsp:txXfrm>
+        <a:off x="2637325" y="2719763"/>
+        <a:ext cx="1109182" cy="677431"/>
+      </dsp:txXfrm>
+    </dsp:sp>
+    <dsp:sp modelId="{0ECF28DA-9925-4B5B-97B1-BDA459502114}">
+      <dsp:nvSpPr>
+        <dsp:cNvPr id="0" name=""/>
+        <dsp:cNvSpPr/>
+      </dsp:nvSpPr>
+      <dsp:spPr>
+        <a:xfrm>
+          <a:off x="2472332" y="719832"/>
+          <a:ext cx="143916" cy="3238127"/>
+        </a:xfrm>
+        <a:custGeom>
+          <a:avLst/>
+          <a:gdLst/>
+          <a:ahLst/>
+          <a:cxnLst/>
+          <a:rect l="0" t="0" r="0" b="0"/>
+          <a:pathLst>
+            <a:path>
+              <a:moveTo>
+                <a:pt x="0" y="0"/>
+              </a:moveTo>
+              <a:lnTo>
+                <a:pt x="0" y="3238127"/>
+              </a:lnTo>
+              <a:lnTo>
+                <a:pt x="143916" y="3238127"/>
+              </a:lnTo>
+            </a:path>
+          </a:pathLst>
+        </a:custGeom>
+        <a:noFill/>
+        <a:ln w="25400" cap="flat" cmpd="sng" algn="ctr">
+          <a:solidFill>
+            <a:schemeClr val="accent1">
+              <a:shade val="60000"/>
+              <a:hueOff val="0"/>
+              <a:satOff val="0"/>
+              <a:lumOff val="0"/>
+              <a:alphaOff val="0"/>
+            </a:schemeClr>
+          </a:solidFill>
+          <a:prstDash val="solid"/>
+        </a:ln>
+        <a:effectLst/>
+      </dsp:spPr>
+      <dsp:style>
+        <a:lnRef idx="2">
+          <a:scrgbClr r="0" g="0" b="0"/>
+        </a:lnRef>
+        <a:fillRef idx="0">
+          <a:scrgbClr r="0" g="0" b="0"/>
+        </a:fillRef>
+        <a:effectRef idx="0">
+          <a:scrgbClr r="0" g="0" b="0"/>
+        </a:effectRef>
+        <a:fontRef idx="minor"/>
+      </dsp:style>
+    </dsp:sp>
+    <dsp:sp modelId="{5A2BB121-DDEE-46A8-AC09-18496F773E62}">
+      <dsp:nvSpPr>
+        <dsp:cNvPr id="0" name=""/>
+        <dsp:cNvSpPr/>
+      </dsp:nvSpPr>
+      <dsp:spPr>
+        <a:xfrm>
+          <a:off x="2616249" y="3598167"/>
+          <a:ext cx="1151334" cy="719583"/>
+        </a:xfrm>
+        <a:prstGeom prst="roundRect">
+          <a:avLst>
+            <a:gd name="adj" fmla="val 10000"/>
+          </a:avLst>
+        </a:prstGeom>
+        <a:solidFill>
+          <a:schemeClr val="lt1">
+            <a:alpha val="90000"/>
+            <a:hueOff val="0"/>
+            <a:satOff val="0"/>
+            <a:lumOff val="0"/>
+            <a:alphaOff val="0"/>
+          </a:schemeClr>
+        </a:solidFill>
+        <a:ln w="25400" cap="flat" cmpd="sng" algn="ctr">
+          <a:solidFill>
+            <a:schemeClr val="accent1">
+              <a:hueOff val="0"/>
+              <a:satOff val="0"/>
+              <a:lumOff val="0"/>
+              <a:alphaOff val="0"/>
+            </a:schemeClr>
+          </a:solidFill>
+          <a:prstDash val="solid"/>
+        </a:ln>
+        <a:effectLst/>
+      </dsp:spPr>
+      <dsp:style>
+        <a:lnRef idx="2">
+          <a:scrgbClr r="0" g="0" b="0"/>
+        </a:lnRef>
+        <a:fillRef idx="1">
+          <a:scrgbClr r="0" g="0" b="0"/>
+        </a:fillRef>
+        <a:effectRef idx="0">
+          <a:scrgbClr r="0" g="0" b="0"/>
+        </a:effectRef>
+        <a:fontRef idx="minor"/>
+      </dsp:style>
+      <dsp:txBody>
+        <a:bodyPr spcFirstLastPara="0" vert="horz" wrap="square" lIns="28575" tIns="19050" rIns="28575" bIns="19050" numCol="1" spcCol="1270" anchor="ctr" anchorCtr="0">
+          <a:noAutofit/>
+        </a:bodyPr>
+        <a:lstStyle/>
+        <a:p>
+          <a:pPr marL="0" lvl="0" indent="0" algn="ctr" defTabSz="666750">
+            <a:lnSpc>
+              <a:spcPct val="90000"/>
+            </a:lnSpc>
+            <a:spcBef>
+              <a:spcPct val="0"/>
+            </a:spcBef>
+            <a:spcAft>
+              <a:spcPct val="35000"/>
+            </a:spcAft>
+            <a:buNone/>
+          </a:pPr>
+          <a:r>
+            <a:rPr lang="en-US" sz="1500" kern="1200" dirty="0"/>
+            <a:t>Thinking about Efficiency</a:t>
+          </a:r>
+        </a:p>
+      </dsp:txBody>
+      <dsp:txXfrm>
+        <a:off x="2637325" y="3619243"/>
+        <a:ext cx="1109182" cy="677431"/>
+      </dsp:txXfrm>
+    </dsp:sp>
+    <dsp:sp modelId="{3DB7ADFA-DCAB-4034-9F43-B860EBE864E8}">
+      <dsp:nvSpPr>
+        <dsp:cNvPr id="0" name=""/>
+        <dsp:cNvSpPr/>
+      </dsp:nvSpPr>
+      <dsp:spPr>
+        <a:xfrm>
+          <a:off x="4127375" y="248"/>
+          <a:ext cx="1439167" cy="719583"/>
+        </a:xfrm>
+        <a:prstGeom prst="roundRect">
+          <a:avLst>
+            <a:gd name="adj" fmla="val 10000"/>
+          </a:avLst>
+        </a:prstGeom>
+        <a:solidFill>
+          <a:schemeClr val="accent1">
+            <a:hueOff val="0"/>
+            <a:satOff val="0"/>
+            <a:lumOff val="0"/>
+            <a:alphaOff val="0"/>
+          </a:schemeClr>
+        </a:solidFill>
+        <a:ln w="25400" cap="flat" cmpd="sng" algn="ctr">
+          <a:solidFill>
+            <a:schemeClr val="lt1">
+              <a:hueOff val="0"/>
+              <a:satOff val="0"/>
+              <a:lumOff val="0"/>
+              <a:alphaOff val="0"/>
+            </a:schemeClr>
+          </a:solidFill>
+          <a:prstDash val="solid"/>
+        </a:ln>
+        <a:effectLst/>
+      </dsp:spPr>
+      <dsp:style>
+        <a:lnRef idx="2">
+          <a:scrgbClr r="0" g="0" b="0"/>
+        </a:lnRef>
+        <a:fillRef idx="1">
+          <a:scrgbClr r="0" g="0" b="0"/>
+        </a:fillRef>
+        <a:effectRef idx="0">
+          <a:scrgbClr r="0" g="0" b="0"/>
+        </a:effectRef>
+        <a:fontRef idx="minor">
+          <a:schemeClr val="lt1"/>
+        </a:fontRef>
+      </dsp:style>
+      <dsp:txBody>
+        <a:bodyPr spcFirstLastPara="0" vert="horz" wrap="square" lIns="28575" tIns="19050" rIns="28575" bIns="19050" numCol="1" spcCol="1270" anchor="ctr" anchorCtr="0">
+          <a:noAutofit/>
+        </a:bodyPr>
+        <a:lstStyle/>
+        <a:p>
+          <a:pPr marL="0" lvl="0" indent="0" algn="ctr" defTabSz="666750">
+            <a:lnSpc>
+              <a:spcPct val="90000"/>
+            </a:lnSpc>
+            <a:spcBef>
+              <a:spcPct val="0"/>
+            </a:spcBef>
+            <a:spcAft>
+              <a:spcPct val="35000"/>
+            </a:spcAft>
+            <a:buNone/>
+          </a:pPr>
+          <a:r>
+            <a:rPr lang="en-US" sz="1500" kern="1200" dirty="0"/>
+            <a:t>Object-Oriented Programming</a:t>
+          </a:r>
+        </a:p>
+      </dsp:txBody>
+      <dsp:txXfrm>
+        <a:off x="4148451" y="21324"/>
+        <a:ext cx="1397015" cy="677431"/>
+      </dsp:txXfrm>
+    </dsp:sp>
+    <dsp:sp modelId="{278D3975-9588-4A95-85BD-D062BB0AE1A4}">
+      <dsp:nvSpPr>
+        <dsp:cNvPr id="0" name=""/>
+        <dsp:cNvSpPr/>
+      </dsp:nvSpPr>
+      <dsp:spPr>
+        <a:xfrm>
+          <a:off x="4271292" y="719832"/>
+          <a:ext cx="143916" cy="539687"/>
+        </a:xfrm>
+        <a:custGeom>
+          <a:avLst/>
+          <a:gdLst/>
+          <a:ahLst/>
+          <a:cxnLst/>
+          <a:rect l="0" t="0" r="0" b="0"/>
+          <a:pathLst>
+            <a:path>
+              <a:moveTo>
+                <a:pt x="0" y="0"/>
+              </a:moveTo>
+              <a:lnTo>
+                <a:pt x="0" y="539687"/>
+              </a:lnTo>
+              <a:lnTo>
+                <a:pt x="143916" y="539687"/>
+              </a:lnTo>
+            </a:path>
+          </a:pathLst>
+        </a:custGeom>
+        <a:noFill/>
+        <a:ln w="25400" cap="flat" cmpd="sng" algn="ctr">
+          <a:solidFill>
+            <a:schemeClr val="accent1">
+              <a:shade val="60000"/>
+              <a:hueOff val="0"/>
+              <a:satOff val="0"/>
+              <a:lumOff val="0"/>
+              <a:alphaOff val="0"/>
+            </a:schemeClr>
+          </a:solidFill>
+          <a:prstDash val="solid"/>
+        </a:ln>
+        <a:effectLst/>
+      </dsp:spPr>
+      <dsp:style>
+        <a:lnRef idx="2">
+          <a:scrgbClr r="0" g="0" b="0"/>
+        </a:lnRef>
+        <a:fillRef idx="0">
+          <a:scrgbClr r="0" g="0" b="0"/>
+        </a:fillRef>
+        <a:effectRef idx="0">
+          <a:scrgbClr r="0" g="0" b="0"/>
+        </a:effectRef>
+        <a:fontRef idx="minor"/>
+      </dsp:style>
+    </dsp:sp>
+    <dsp:sp modelId="{EDB6085A-8F2B-4B84-887D-9DD4BEC6E4E1}">
+      <dsp:nvSpPr>
+        <dsp:cNvPr id="0" name=""/>
+        <dsp:cNvSpPr/>
+      </dsp:nvSpPr>
+      <dsp:spPr>
+        <a:xfrm>
+          <a:off x="4415209" y="899728"/>
+          <a:ext cx="1151334" cy="719583"/>
+        </a:xfrm>
+        <a:prstGeom prst="roundRect">
+          <a:avLst>
+            <a:gd name="adj" fmla="val 10000"/>
+          </a:avLst>
+        </a:prstGeom>
+        <a:solidFill>
+          <a:schemeClr val="lt1">
+            <a:alpha val="90000"/>
+            <a:hueOff val="0"/>
+            <a:satOff val="0"/>
+            <a:lumOff val="0"/>
+            <a:alphaOff val="0"/>
+          </a:schemeClr>
+        </a:solidFill>
+        <a:ln w="25400" cap="flat" cmpd="sng" algn="ctr">
+          <a:solidFill>
+            <a:schemeClr val="accent1">
+              <a:hueOff val="0"/>
+              <a:satOff val="0"/>
+              <a:lumOff val="0"/>
+              <a:alphaOff val="0"/>
+            </a:schemeClr>
+          </a:solidFill>
+          <a:prstDash val="solid"/>
+        </a:ln>
+        <a:effectLst/>
+      </dsp:spPr>
+      <dsp:style>
+        <a:lnRef idx="2">
+          <a:scrgbClr r="0" g="0" b="0"/>
+        </a:lnRef>
+        <a:fillRef idx="1">
+          <a:scrgbClr r="0" g="0" b="0"/>
+        </a:fillRef>
+        <a:effectRef idx="0">
+          <a:scrgbClr r="0" g="0" b="0"/>
+        </a:effectRef>
+        <a:fontRef idx="minor"/>
+      </dsp:style>
+      <dsp:txBody>
+        <a:bodyPr spcFirstLastPara="0" vert="horz" wrap="square" lIns="28575" tIns="19050" rIns="28575" bIns="19050" numCol="1" spcCol="1270" anchor="ctr" anchorCtr="0">
+          <a:noAutofit/>
+        </a:bodyPr>
+        <a:lstStyle/>
+        <a:p>
+          <a:pPr marL="0" lvl="0" indent="0" algn="ctr" defTabSz="666750">
+            <a:lnSpc>
+              <a:spcPct val="90000"/>
+            </a:lnSpc>
+            <a:spcBef>
+              <a:spcPct val="0"/>
+            </a:spcBef>
+            <a:spcAft>
+              <a:spcPct val="35000"/>
+            </a:spcAft>
+            <a:buNone/>
+          </a:pPr>
+          <a:r>
+            <a:rPr lang="en-US" sz="1500" kern="1200" dirty="0"/>
+            <a:t>Interfaces and Classes</a:t>
+          </a:r>
+        </a:p>
+      </dsp:txBody>
+      <dsp:txXfrm>
+        <a:off x="4436285" y="920804"/>
+        <a:ext cx="1109182" cy="677431"/>
+      </dsp:txXfrm>
+    </dsp:sp>
+    <dsp:sp modelId="{FF100697-267A-4BC5-8DA9-B1F7321DFE84}">
+      <dsp:nvSpPr>
+        <dsp:cNvPr id="0" name=""/>
+        <dsp:cNvSpPr/>
+      </dsp:nvSpPr>
+      <dsp:spPr>
+        <a:xfrm>
+          <a:off x="4271292" y="719832"/>
+          <a:ext cx="143916" cy="1439167"/>
+        </a:xfrm>
+        <a:custGeom>
+          <a:avLst/>
+          <a:gdLst/>
+          <a:ahLst/>
+          <a:cxnLst/>
+          <a:rect l="0" t="0" r="0" b="0"/>
+          <a:pathLst>
+            <a:path>
+              <a:moveTo>
+                <a:pt x="0" y="0"/>
+              </a:moveTo>
+              <a:lnTo>
+                <a:pt x="0" y="1439167"/>
+              </a:lnTo>
+              <a:lnTo>
+                <a:pt x="143916" y="1439167"/>
+              </a:lnTo>
+            </a:path>
+          </a:pathLst>
+        </a:custGeom>
+        <a:noFill/>
+        <a:ln w="25400" cap="flat" cmpd="sng" algn="ctr">
+          <a:solidFill>
+            <a:schemeClr val="accent1">
+              <a:shade val="60000"/>
+              <a:hueOff val="0"/>
+              <a:satOff val="0"/>
+              <a:lumOff val="0"/>
+              <a:alphaOff val="0"/>
+            </a:schemeClr>
+          </a:solidFill>
+          <a:prstDash val="solid"/>
+        </a:ln>
+        <a:effectLst/>
+      </dsp:spPr>
+      <dsp:style>
+        <a:lnRef idx="2">
+          <a:scrgbClr r="0" g="0" b="0"/>
+        </a:lnRef>
+        <a:fillRef idx="0">
+          <a:scrgbClr r="0" g="0" b="0"/>
+        </a:fillRef>
+        <a:effectRef idx="0">
+          <a:scrgbClr r="0" g="0" b="0"/>
+        </a:effectRef>
+        <a:fontRef idx="minor"/>
+      </dsp:style>
+    </dsp:sp>
+    <dsp:sp modelId="{291D5A65-BA4D-4BF4-8D0F-050F9D81FBB6}">
+      <dsp:nvSpPr>
+        <dsp:cNvPr id="0" name=""/>
+        <dsp:cNvSpPr/>
+      </dsp:nvSpPr>
+      <dsp:spPr>
+        <a:xfrm>
+          <a:off x="4415209" y="1799208"/>
+          <a:ext cx="1151334" cy="719583"/>
+        </a:xfrm>
+        <a:prstGeom prst="roundRect">
+          <a:avLst>
+            <a:gd name="adj" fmla="val 10000"/>
+          </a:avLst>
+        </a:prstGeom>
+        <a:solidFill>
+          <a:schemeClr val="lt1">
+            <a:alpha val="90000"/>
+            <a:hueOff val="0"/>
+            <a:satOff val="0"/>
+            <a:lumOff val="0"/>
+            <a:alphaOff val="0"/>
+          </a:schemeClr>
+        </a:solidFill>
+        <a:ln w="25400" cap="flat" cmpd="sng" algn="ctr">
+          <a:solidFill>
+            <a:schemeClr val="accent1">
+              <a:hueOff val="0"/>
+              <a:satOff val="0"/>
+              <a:lumOff val="0"/>
+              <a:alphaOff val="0"/>
+            </a:schemeClr>
+          </a:solidFill>
+          <a:prstDash val="solid"/>
+        </a:ln>
+        <a:effectLst/>
+      </dsp:spPr>
+      <dsp:style>
+        <a:lnRef idx="2">
+          <a:scrgbClr r="0" g="0" b="0"/>
+        </a:lnRef>
+        <a:fillRef idx="1">
+          <a:scrgbClr r="0" g="0" b="0"/>
+        </a:fillRef>
+        <a:effectRef idx="0">
+          <a:scrgbClr r="0" g="0" b="0"/>
+        </a:effectRef>
+        <a:fontRef idx="minor"/>
+      </dsp:style>
+      <dsp:txBody>
+        <a:bodyPr spcFirstLastPara="0" vert="horz" wrap="square" lIns="28575" tIns="19050" rIns="28575" bIns="19050" numCol="1" spcCol="1270" anchor="ctr" anchorCtr="0">
+          <a:noAutofit/>
+        </a:bodyPr>
+        <a:lstStyle/>
+        <a:p>
+          <a:pPr marL="0" lvl="0" indent="0" algn="ctr" defTabSz="666750">
+            <a:lnSpc>
+              <a:spcPct val="90000"/>
+            </a:lnSpc>
+            <a:spcBef>
+              <a:spcPct val="0"/>
+            </a:spcBef>
+            <a:spcAft>
+              <a:spcPct val="35000"/>
+            </a:spcAft>
+            <a:buNone/>
+          </a:pPr>
+          <a:r>
+            <a:rPr lang="en-US" sz="1500" kern="1200" dirty="0"/>
+            <a:t>Inheritance</a:t>
+          </a:r>
+        </a:p>
+      </dsp:txBody>
+      <dsp:txXfrm>
+        <a:off x="4436285" y="1820284"/>
+        <a:ext cx="1109182" cy="677431"/>
+      </dsp:txXfrm>
+    </dsp:sp>
+    <dsp:sp modelId="{6B27DFF3-3021-4E99-BF73-829A6255425D}">
+      <dsp:nvSpPr>
+        <dsp:cNvPr id="0" name=""/>
+        <dsp:cNvSpPr/>
+      </dsp:nvSpPr>
+      <dsp:spPr>
+        <a:xfrm>
+          <a:off x="4271292" y="719832"/>
+          <a:ext cx="143916" cy="2338647"/>
+        </a:xfrm>
+        <a:custGeom>
+          <a:avLst/>
+          <a:gdLst/>
+          <a:ahLst/>
+          <a:cxnLst/>
+          <a:rect l="0" t="0" r="0" b="0"/>
+          <a:pathLst>
+            <a:path>
+              <a:moveTo>
+                <a:pt x="0" y="0"/>
+              </a:moveTo>
+              <a:lnTo>
+                <a:pt x="0" y="2338647"/>
+              </a:lnTo>
+              <a:lnTo>
+                <a:pt x="143916" y="2338647"/>
+              </a:lnTo>
+            </a:path>
+          </a:pathLst>
+        </a:custGeom>
+        <a:noFill/>
+        <a:ln w="25400" cap="flat" cmpd="sng" algn="ctr">
+          <a:solidFill>
+            <a:schemeClr val="accent1">
+              <a:shade val="60000"/>
+              <a:hueOff val="0"/>
+              <a:satOff val="0"/>
+              <a:lumOff val="0"/>
+              <a:alphaOff val="0"/>
+            </a:schemeClr>
+          </a:solidFill>
+          <a:prstDash val="solid"/>
+        </a:ln>
+        <a:effectLst/>
+      </dsp:spPr>
+      <dsp:style>
+        <a:lnRef idx="2">
+          <a:scrgbClr r="0" g="0" b="0"/>
+        </a:lnRef>
+        <a:fillRef idx="0">
+          <a:scrgbClr r="0" g="0" b="0"/>
+        </a:fillRef>
+        <a:effectRef idx="0">
+          <a:scrgbClr r="0" g="0" b="0"/>
+        </a:effectRef>
+        <a:fontRef idx="minor"/>
+      </dsp:style>
+    </dsp:sp>
+    <dsp:sp modelId="{88C17E61-7A2A-46D7-AC95-5E562286A33E}">
+      <dsp:nvSpPr>
+        <dsp:cNvPr id="0" name=""/>
+        <dsp:cNvSpPr/>
+      </dsp:nvSpPr>
+      <dsp:spPr>
+        <a:xfrm>
+          <a:off x="4415209" y="2698687"/>
+          <a:ext cx="1151334" cy="719583"/>
+        </a:xfrm>
+        <a:prstGeom prst="roundRect">
+          <a:avLst>
+            <a:gd name="adj" fmla="val 10000"/>
+          </a:avLst>
+        </a:prstGeom>
+        <a:solidFill>
+          <a:schemeClr val="lt1">
+            <a:alpha val="90000"/>
+            <a:hueOff val="0"/>
+            <a:satOff val="0"/>
+            <a:lumOff val="0"/>
+            <a:alphaOff val="0"/>
+          </a:schemeClr>
+        </a:solidFill>
+        <a:ln w="25400" cap="flat" cmpd="sng" algn="ctr">
+          <a:solidFill>
+            <a:schemeClr val="accent1">
+              <a:hueOff val="0"/>
+              <a:satOff val="0"/>
+              <a:lumOff val="0"/>
+              <a:alphaOff val="0"/>
+            </a:schemeClr>
+          </a:solidFill>
+          <a:prstDash val="solid"/>
+        </a:ln>
+        <a:effectLst/>
+      </dsp:spPr>
+      <dsp:style>
+        <a:lnRef idx="2">
+          <a:scrgbClr r="0" g="0" b="0"/>
+        </a:lnRef>
+        <a:fillRef idx="1">
+          <a:scrgbClr r="0" g="0" b="0"/>
+        </a:fillRef>
+        <a:effectRef idx="0">
+          <a:scrgbClr r="0" g="0" b="0"/>
+        </a:effectRef>
+        <a:fontRef idx="minor"/>
+      </dsp:style>
+      <dsp:txBody>
+        <a:bodyPr spcFirstLastPara="0" vert="horz" wrap="square" lIns="28575" tIns="19050" rIns="28575" bIns="19050" numCol="1" spcCol="1270" anchor="ctr" anchorCtr="0">
+          <a:noAutofit/>
+        </a:bodyPr>
+        <a:lstStyle/>
+        <a:p>
+          <a:pPr marL="0" lvl="0" indent="0" algn="ctr" defTabSz="666750">
+            <a:lnSpc>
+              <a:spcPct val="90000"/>
+            </a:lnSpc>
+            <a:spcBef>
+              <a:spcPct val="0"/>
+            </a:spcBef>
+            <a:spcAft>
+              <a:spcPct val="35000"/>
+            </a:spcAft>
+            <a:buNone/>
+          </a:pPr>
+          <a:r>
+            <a:rPr lang="en-US" sz="1500" kern="1200" dirty="0"/>
+            <a:t>Objects with Mutable State</a:t>
+          </a:r>
+        </a:p>
+      </dsp:txBody>
+      <dsp:txXfrm>
+        <a:off x="4436285" y="2719763"/>
+        <a:ext cx="1109182" cy="677431"/>
+      </dsp:txXfrm>
+    </dsp:sp>
+    <dsp:sp modelId="{E8A2D34D-9B35-4804-BD08-DC4453907292}">
+      <dsp:nvSpPr>
+        <dsp:cNvPr id="0" name=""/>
+        <dsp:cNvSpPr/>
+      </dsp:nvSpPr>
+      <dsp:spPr>
+        <a:xfrm>
+          <a:off x="4271292" y="719832"/>
+          <a:ext cx="143916" cy="3238127"/>
+        </a:xfrm>
+        <a:custGeom>
+          <a:avLst/>
+          <a:gdLst/>
+          <a:ahLst/>
+          <a:cxnLst/>
+          <a:rect l="0" t="0" r="0" b="0"/>
+          <a:pathLst>
+            <a:path>
+              <a:moveTo>
+                <a:pt x="0" y="0"/>
+              </a:moveTo>
+              <a:lnTo>
+                <a:pt x="0" y="3238127"/>
+              </a:lnTo>
+              <a:lnTo>
+                <a:pt x="143916" y="3238127"/>
+              </a:lnTo>
+            </a:path>
+          </a:pathLst>
+        </a:custGeom>
+        <a:noFill/>
+        <a:ln w="25400" cap="flat" cmpd="sng" algn="ctr">
+          <a:solidFill>
+            <a:schemeClr val="accent1">
+              <a:shade val="60000"/>
+              <a:hueOff val="0"/>
+              <a:satOff val="0"/>
+              <a:lumOff val="0"/>
+              <a:alphaOff val="0"/>
+            </a:schemeClr>
+          </a:solidFill>
+          <a:prstDash val="solid"/>
+        </a:ln>
+        <a:effectLst/>
+      </dsp:spPr>
+      <dsp:style>
+        <a:lnRef idx="2">
+          <a:scrgbClr r="0" g="0" b="0"/>
+        </a:lnRef>
+        <a:fillRef idx="0">
+          <a:scrgbClr r="0" g="0" b="0"/>
+        </a:fillRef>
+        <a:effectRef idx="0">
+          <a:scrgbClr r="0" g="0" b="0"/>
+        </a:effectRef>
+        <a:fontRef idx="minor"/>
+      </dsp:style>
+    </dsp:sp>
+    <dsp:sp modelId="{1B267FF2-7D4F-4C45-AA7C-4EA638A9F1C5}">
+      <dsp:nvSpPr>
+        <dsp:cNvPr id="0" name=""/>
+        <dsp:cNvSpPr/>
+      </dsp:nvSpPr>
+      <dsp:spPr>
+        <a:xfrm>
+          <a:off x="4415209" y="3598167"/>
+          <a:ext cx="1151334" cy="719583"/>
+        </a:xfrm>
+        <a:prstGeom prst="roundRect">
+          <a:avLst>
+            <a:gd name="adj" fmla="val 10000"/>
+          </a:avLst>
+        </a:prstGeom>
+        <a:solidFill>
+          <a:schemeClr val="lt1">
+            <a:alpha val="90000"/>
+            <a:hueOff val="0"/>
+            <a:satOff val="0"/>
+            <a:lumOff val="0"/>
+            <a:alphaOff val="0"/>
+          </a:schemeClr>
+        </a:solidFill>
+        <a:ln w="25400" cap="flat" cmpd="sng" algn="ctr">
+          <a:solidFill>
+            <a:schemeClr val="accent1">
+              <a:hueOff val="0"/>
+              <a:satOff val="0"/>
+              <a:lumOff val="0"/>
+              <a:alphaOff val="0"/>
+            </a:schemeClr>
+          </a:solidFill>
+          <a:prstDash val="solid"/>
+        </a:ln>
+        <a:effectLst/>
+      </dsp:spPr>
+      <dsp:style>
+        <a:lnRef idx="2">
+          <a:scrgbClr r="0" g="0" b="0"/>
+        </a:lnRef>
+        <a:fillRef idx="1">
+          <a:scrgbClr r="0" g="0" b="0"/>
+        </a:fillRef>
+        <a:effectRef idx="0">
+          <a:scrgbClr r="0" g="0" b="0"/>
+        </a:effectRef>
+        <a:fontRef idx="minor"/>
+      </dsp:style>
+      <dsp:txBody>
+        <a:bodyPr spcFirstLastPara="0" vert="horz" wrap="square" lIns="28575" tIns="19050" rIns="28575" bIns="19050" numCol="1" spcCol="1270" anchor="ctr" anchorCtr="0">
+          <a:noAutofit/>
+        </a:bodyPr>
+        <a:lstStyle/>
+        <a:p>
+          <a:pPr marL="0" lvl="0" indent="0" algn="ctr" defTabSz="666750">
+            <a:lnSpc>
+              <a:spcPct val="90000"/>
+            </a:lnSpc>
+            <a:spcBef>
+              <a:spcPct val="0"/>
+            </a:spcBef>
+            <a:spcAft>
+              <a:spcPct val="35000"/>
+            </a:spcAft>
+            <a:buNone/>
+          </a:pPr>
+          <a:r>
+            <a:rPr lang="en-US" sz="1500" kern="1200" dirty="0"/>
+            <a:t>Efficiency, Part 2</a:t>
+          </a:r>
+        </a:p>
+      </dsp:txBody>
+      <dsp:txXfrm>
+        <a:off x="4436285" y="3619243"/>
+        <a:ext cx="1109182" cy="677431"/>
+      </dsp:txXfrm>
+    </dsp:sp>
+  </dsp:spTree>
+</dsp:drawing>
+</file>
+
+<file path=ppt/diagrams/layout1.xml><?xml version="1.0" encoding="utf-8"?>
+<dgm:layoutDef xmlns:dgm="http://schemas.openxmlformats.org/drawingml/2006/diagram" xmlns:a="http://schemas.openxmlformats.org/drawingml/2006/main" uniqueId="urn:microsoft.com/office/officeart/2005/8/layout/hierarchy3">
+  <dgm:title val=""/>
+  <dgm:desc val=""/>
+  <dgm:catLst>
+    <dgm:cat type="hierarchy" pri="7000"/>
+    <dgm:cat type="list" pri="23000"/>
+    <dgm:cat type="relationship" pri="15000"/>
+    <dgm:cat type="convert" pri="7000"/>
+  </dgm:catLst>
+  <dgm:sampData>
+    <dgm:dataModel>
+      <dgm:ptLst>
+        <dgm:pt modelId="0" type="doc"/>
+        <dgm:pt modelId="1">
+          <dgm:prSet phldr="1"/>
+        </dgm:pt>
+        <dgm:pt modelId="11">
+          <dgm:prSet phldr="1"/>
+        </dgm:pt>
+        <dgm:pt modelId="12">
+          <dgm:prSet phldr="1"/>
+        </dgm:pt>
+        <dgm:pt modelId="2">
+          <dgm:prSet phldr="1"/>
+        </dgm:pt>
+        <dgm:pt modelId="21">
+          <dgm:prSet phldr="1"/>
+        </dgm:pt>
+        <dgm:pt modelId="22">
+          <dgm:prSet phldr="1"/>
+        </dgm:pt>
+      </dgm:ptLst>
+      <dgm:cxnLst>
+        <dgm:cxn modelId="4" srcId="0" destId="1" srcOrd="0" destOrd="0"/>
+        <dgm:cxn modelId="5" srcId="1" destId="11" srcOrd="0" destOrd="0"/>
+        <dgm:cxn modelId="6" srcId="1" destId="12" srcOrd="1" destOrd="0"/>
+        <dgm:cxn modelId="7" srcId="0" destId="2" srcOrd="1" destOrd="0"/>
+        <dgm:cxn modelId="8" srcId="2" destId="21" srcOrd="0" destOrd="0"/>
+        <dgm:cxn modelId="9" srcId="2" destId="22" srcOrd="1" destOrd="0"/>
+      </dgm:cxnLst>
+      <dgm:bg/>
+      <dgm:whole/>
+    </dgm:dataModel>
+  </dgm:sampData>
+  <dgm:styleData>
+    <dgm:dataModel>
+      <dgm:ptLst>
+        <dgm:pt modelId="0" type="doc"/>
+        <dgm:pt modelId="1"/>
+        <dgm:pt modelId="11"/>
+        <dgm:pt modelId="2"/>
+        <dgm:pt modelId="21"/>
+      </dgm:ptLst>
+      <dgm:cxnLst>
+        <dgm:cxn modelId="4" srcId="0" destId="1" srcOrd="0" destOrd="0"/>
+        <dgm:cxn modelId="5" srcId="0" destId="2" srcOrd="1" destOrd="0"/>
+        <dgm:cxn modelId="13" srcId="1" destId="11" srcOrd="0" destOrd="0"/>
+        <dgm:cxn modelId="23" srcId="2" destId="21" srcOrd="0" destOrd="0"/>
+      </dgm:cxnLst>
+      <dgm:bg/>
+      <dgm:whole/>
+    </dgm:dataModel>
+  </dgm:styleData>
+  <dgm:clrData>
+    <dgm:dataModel>
+      <dgm:ptLst>
+        <dgm:pt modelId="0" type="doc"/>
+        <dgm:pt modelId="1"/>
+        <dgm:pt modelId="11"/>
+        <dgm:pt modelId="2"/>
+        <dgm:pt modelId="21"/>
+        <dgm:pt modelId="3"/>
+        <dgm:pt modelId="31"/>
+        <dgm:pt modelId="4"/>
+        <dgm:pt modelId="41"/>
+      </dgm:ptLst>
+      <dgm:cxnLst>
+        <dgm:cxn modelId="5" srcId="0" destId="1" srcOrd="0" destOrd="0"/>
+        <dgm:cxn modelId="6" srcId="0" destId="2" srcOrd="1" destOrd="0"/>
+        <dgm:cxn modelId="7" srcId="0" destId="3" srcOrd="2" destOrd="0"/>
+        <dgm:cxn modelId="8" srcId="0" destId="4" srcOrd="3" destOrd="0"/>
+        <dgm:cxn modelId="13" srcId="1" destId="11" srcOrd="0" destOrd="0"/>
+        <dgm:cxn modelId="23" srcId="2" destId="21" srcOrd="0" destOrd="0"/>
+        <dgm:cxn modelId="33" srcId="3" destId="31" srcOrd="0" destOrd="0"/>
+        <dgm:cxn modelId="43" srcId="4" destId="41" srcOrd="0" destOrd="0"/>
+      </dgm:cxnLst>
+      <dgm:bg/>
+      <dgm:whole/>
+    </dgm:dataModel>
+  </dgm:clrData>
+  <dgm:layoutNode name="diagram">
+    <dgm:varLst>
+      <dgm:chPref val="1"/>
+      <dgm:dir/>
+      <dgm:animOne val="branch"/>
+      <dgm:animLvl val="lvl"/>
+      <dgm:resizeHandles/>
+    </dgm:varLst>
+    <dgm:choose name="Name0">
+      <dgm:if name="Name1" func="var" arg="dir" op="equ" val="norm">
+        <dgm:alg type="hierChild">
+          <dgm:param type="linDir" val="fromL"/>
+        </dgm:alg>
+      </dgm:if>
+      <dgm:else name="Name2">
+        <dgm:alg type="hierChild">
+          <dgm:param type="linDir" val="fromR"/>
+        </dgm:alg>
+      </dgm:else>
+    </dgm:choose>
+    <dgm:shape xmlns:r="http://schemas.openxmlformats.org/officeDocument/2006/relationships" r:blip="">
+      <dgm:adjLst/>
+    </dgm:shape>
+    <dgm:presOf/>
+    <dgm:constrLst>
+      <dgm:constr type="primFontSz" for="des" forName="rootText" op="equ" val="65"/>
+      <dgm:constr type="primFontSz" for="des" forName="childText" op="equ" val="65"/>
+      <dgm:constr type="w" for="des" forName="rootComposite" refType="w"/>
+      <dgm:constr type="h" for="des" forName="rootComposite" refType="w" fact="0.5"/>
+      <dgm:constr type="w" for="des" forName="childText" refType="w" refFor="des" refForName="rootComposite" fact="0.8"/>
+      <dgm:constr type="h" for="des" forName="childText" refType="h" refFor="des" refForName="rootComposite"/>
+      <dgm:constr type="sibSp" refType="w" refFor="des" refForName="rootComposite" fact="0.25"/>
+      <dgm:constr type="sibSp" for="des" forName="childShape" refType="h" refFor="des" refForName="childText" fact="0.25"/>
+      <dgm:constr type="sp" for="des" forName="root" refType="h" refFor="des" refForName="childText" fact="0.25"/>
+    </dgm:constrLst>
+    <dgm:ruleLst/>
+    <dgm:forEach name="Name3" axis="ch">
+      <dgm:forEach name="Name4" axis="self" ptType="node" cnt="1">
+        <dgm:layoutNode name="root">
+          <dgm:choose name="Name5">
+            <dgm:if name="Name6" func="var" arg="dir" op="equ" val="norm">
+              <dgm:alg type="hierRoot">
+                <dgm:param type="hierAlign" val="tL"/>
+              </dgm:alg>
+            </dgm:if>
+            <dgm:else name="Name7">
+              <dgm:alg type="hierRoot">
+                <dgm:param type="hierAlign" val="tR"/>
+              </dgm:alg>
+            </dgm:else>
+          </dgm:choose>
+          <dgm:shape xmlns:r="http://schemas.openxmlformats.org/officeDocument/2006/relationships" r:blip="">
+            <dgm:adjLst/>
+          </dgm:shape>
+          <dgm:presOf/>
+          <dgm:constrLst>
+            <dgm:constr type="alignOff" val="0.2"/>
+          </dgm:constrLst>
+          <dgm:ruleLst/>
+          <dgm:layoutNode name="rootComposite">
+            <dgm:alg type="composite"/>
+            <dgm:shape xmlns:r="http://schemas.openxmlformats.org/officeDocument/2006/relationships" r:blip="">
+              <dgm:adjLst/>
+            </dgm:shape>
+            <dgm:presOf axis="self" ptType="node" cnt="1"/>
+            <dgm:choose name="Name8">
+              <dgm:if name="Name9" func="var" arg="dir" op="equ" val="norm">
+                <dgm:constrLst>
+                  <dgm:constr type="l" for="ch" forName="rootText"/>
+                  <dgm:constr type="t" for="ch" forName="rootText"/>
+                  <dgm:constr type="w" for="ch" forName="rootText" refType="w"/>
+                  <dgm:constr type="h" for="ch" forName="rootText" refType="h"/>
+                  <dgm:constr type="l" for="ch" forName="rootConnector"/>
+                  <dgm:constr type="t" for="ch" forName="rootConnector"/>
+                  <dgm:constr type="w" for="ch" forName="rootConnector" refType="w" refFor="ch" refForName="rootText" fact="0.2"/>
+                  <dgm:constr type="h" for="ch" forName="rootConnector" refType="h" refFor="ch" refForName="rootText"/>
+                </dgm:constrLst>
+              </dgm:if>
+              <dgm:else name="Name10">
+                <dgm:constrLst>
+                  <dgm:constr type="l" for="ch" forName="rootText"/>
+                  <dgm:constr type="t" for="ch" forName="rootText"/>
+                  <dgm:constr type="w" for="ch" forName="rootText" refType="w"/>
+                  <dgm:constr type="h" for="ch" forName="rootText" refType="h"/>
+                  <dgm:constr type="r" for="ch" forName="rootConnector" refType="w"/>
+                  <dgm:constr type="t" for="ch" forName="rootConnector"/>
+                  <dgm:constr type="w" for="ch" forName="rootConnector" refType="w" refFor="ch" refForName="rootText" fact="0.2"/>
+                  <dgm:constr type="h" for="ch" forName="rootConnector" refType="h" refFor="ch" refForName="rootText"/>
+                </dgm:constrLst>
+              </dgm:else>
+            </dgm:choose>
+            <dgm:ruleLst/>
+            <dgm:layoutNode name="rootText" styleLbl="node1">
+              <dgm:alg type="tx"/>
+              <dgm:shape xmlns:r="http://schemas.openxmlformats.org/officeDocument/2006/relationships" type="roundRect" r:blip="">
+                <dgm:adjLst>
+                  <dgm:adj idx="1" val="0.1"/>
+                </dgm:adjLst>
+              </dgm:shape>
+              <dgm:presOf axis="self" ptType="node" cnt="1"/>
+              <dgm:constrLst>
+                <dgm:constr type="tMarg" refType="primFontSz" fact="0.1"/>
+                <dgm:constr type="bMarg" refType="primFontSz" fact="0.1"/>
+                <dgm:constr type="lMarg" refType="primFontSz" fact="0.15"/>
+                <dgm:constr type="rMarg" refType="primFontSz" fact="0.15"/>
+              </dgm:constrLst>
+              <dgm:ruleLst>
+                <dgm:rule type="primFontSz" val="5" fact="NaN" max="NaN"/>
+              </dgm:ruleLst>
+            </dgm:layoutNode>
+            <dgm:layoutNode name="rootConnector" moveWith="rootText">
+              <dgm:alg type="sp"/>
+              <dgm:shape xmlns:r="http://schemas.openxmlformats.org/officeDocument/2006/relationships" type="roundRect" r:blip="" hideGeom="1">
+                <dgm:adjLst>
+                  <dgm:adj idx="1" val="0.1"/>
+                </dgm:adjLst>
+              </dgm:shape>
+              <dgm:presOf axis="self" ptType="node" cnt="1"/>
+              <dgm:constrLst/>
+              <dgm:ruleLst/>
+            </dgm:layoutNode>
+          </dgm:layoutNode>
+          <dgm:layoutNode name="childShape">
+            <dgm:alg type="hierChild">
+              <dgm:param type="chAlign" val="l"/>
+              <dgm:param type="linDir" val="fromT"/>
+            </dgm:alg>
+            <dgm:shape xmlns:r="http://schemas.openxmlformats.org/officeDocument/2006/relationships" r:blip="">
+              <dgm:adjLst/>
+            </dgm:shape>
+            <dgm:presOf/>
+            <dgm:constrLst/>
+            <dgm:ruleLst/>
+            <dgm:forEach name="Name11" axis="ch">
+              <dgm:forEach name="Name12" axis="self" ptType="parTrans" cnt="1">
+                <dgm:layoutNode name="Name13">
+                  <dgm:choose name="Name14">
+                    <dgm:if name="Name15" func="var" arg="dir" op="equ" val="norm">
+                      <dgm:alg type="conn">
+                        <dgm:param type="dim" val="1D"/>
+                        <dgm:param type="endSty" val="noArr"/>
+                        <dgm:param type="connRout" val="bend"/>
+                        <dgm:param type="srcNode" val="rootConnector"/>
+                        <dgm:param type="begPts" val="bCtr"/>
+                        <dgm:param type="endPts" val="midL"/>
+                      </dgm:alg>
+                    </dgm:if>
+                    <dgm:else name="Name16">
+                      <dgm:alg type="conn">
+                        <dgm:param type="dim" val="1D"/>
+                        <dgm:param type="endSty" val="noArr"/>
+                        <dgm:param type="connRout" val="bend"/>
+                        <dgm:param type="srcNode" val="rootConnector"/>
+                        <dgm:param type="begPts" val="bCtr"/>
+                        <dgm:param type="endPts" val="midR"/>
+                      </dgm:alg>
+                    </dgm:else>
+                  </dgm:choose>
+                  <dgm:shape xmlns:r="http://schemas.openxmlformats.org/officeDocument/2006/relationships" type="conn" r:blip="">
+                    <dgm:adjLst/>
+                  </dgm:shape>
+                  <dgm:presOf axis="self"/>
+                  <dgm:constrLst>
+                    <dgm:constr type="begPad"/>
+                    <dgm:constr type="endPad"/>
+                  </dgm:constrLst>
+                  <dgm:ruleLst/>
+                </dgm:layoutNode>
+              </dgm:forEach>
+              <dgm:forEach name="Name17" axis="self" ptType="node">
+                <dgm:layoutNode name="childText" styleLbl="bgAcc1">
+                  <dgm:varLst>
+                    <dgm:bulletEnabled val="1"/>
+                  </dgm:varLst>
+                  <dgm:alg type="tx"/>
+                  <dgm:shape xmlns:r="http://schemas.openxmlformats.org/officeDocument/2006/relationships" type="roundRect" r:blip="">
+                    <dgm:adjLst>
+                      <dgm:adj idx="1" val="0.1"/>
+                    </dgm:adjLst>
+                  </dgm:shape>
+                  <dgm:presOf axis="self desOrSelf" ptType="node node" st="1 1" cnt="1 0"/>
+                  <dgm:constrLst>
+                    <dgm:constr type="tMarg" refType="primFontSz" fact="0.1"/>
+                    <dgm:constr type="bMarg" refType="primFontSz" fact="0.1"/>
+                    <dgm:constr type="lMarg" refType="primFontSz" fact="0.15"/>
+                    <dgm:constr type="rMarg" refType="primFontSz" fact="0.15"/>
+                  </dgm:constrLst>
+                  <dgm:ruleLst>
+                    <dgm:rule type="primFontSz" val="5" fact="NaN" max="NaN"/>
+                  </dgm:ruleLst>
+                </dgm:layoutNode>
+              </dgm:forEach>
+            </dgm:forEach>
+          </dgm:layoutNode>
+        </dgm:layoutNode>
+      </dgm:forEach>
+    </dgm:forEach>
+  </dgm:layoutNode>
+</dgm:layoutDef>
+</file>
+
+<file path=ppt/diagrams/quickStyle1.xml><?xml version="1.0" encoding="utf-8"?>
+<dgm:styleDef xmlns:dgm="http://schemas.openxmlformats.org/drawingml/2006/diagram" xmlns:a="http://schemas.openxmlformats.org/drawingml/2006/main" uniqueId="urn:microsoft.com/office/officeart/2005/8/quickstyle/simple1">
+  <dgm:title val=""/>
+  <dgm:desc val=""/>
+  <dgm:catLst>
+    <dgm:cat type="simple" pri="10100"/>
+  </dgm:catLst>
+  <dgm:scene3d>
+    <a:camera prst="orthographicFront"/>
+    <a:lightRig rig="threePt" dir="t"/>
+  </dgm:scene3d>
+  <dgm:styleLbl name="node0">
+    <dgm:scene3d>
+      <a:camera prst="orthographicFront"/>
+      <a:lightRig rig="threePt" dir="t"/>
+    </dgm:scene3d>
+    <dgm:sp3d/>
+    <dgm:txPr/>
+    <dgm:style>
+      <a:lnRef idx="2">
+        <a:scrgbClr r="0" g="0" b="0"/>
+      </a:lnRef>
+      <a:fillRef idx="1">
+        <a:scrgbClr r="0" g="0" b="0"/>
+      </a:fillRef>
+      <a:effectRef idx="0">
+        <a:scrgbClr r="0" g="0" b="0"/>
+      </a:effectRef>
+      <a:fontRef idx="minor">
+        <a:schemeClr val="lt1"/>
+      </a:fontRef>
+    </dgm:style>
+  </dgm:styleLbl>
+  <dgm:styleLbl name="lnNode1">
+    <dgm:scene3d>
+      <a:camera prst="orthographicFront"/>
+      <a:lightRig rig="threePt" dir="t"/>
+    </dgm:scene3d>
+    <dgm:sp3d/>
+    <dgm:txPr/>
+    <dgm:style>
+      <a:lnRef idx="2">
+        <a:scrgbClr r="0" g="0" b="0"/>
+      </a:lnRef>
+      <a:fillRef idx="1">
+        <a:scrgbClr r="0" g="0" b="0"/>
+      </a:fillRef>
+      <a:effectRef idx="0">
+        <a:scrgbClr r="0" g="0" b="0"/>
+      </a:effectRef>
+      <a:fontRef idx="minor">
+        <a:schemeClr val="lt1"/>
+      </a:fontRef>
+    </dgm:style>
+  </dgm:styleLbl>
+  <dgm:styleLbl name="vennNode1">
+    <dgm:scene3d>
+      <a:camera prst="orthographicFront"/>
+      <a:lightRig rig="threePt" dir="t"/>
+    </dgm:scene3d>
+    <dgm:sp3d/>
+    <dgm:txPr/>
+    <dgm:style>
+      <a:lnRef idx="2">
+        <a:scrgbClr r="0" g="0" b="0"/>
+      </a:lnRef>
+      <a:fillRef idx="1">
+        <a:scrgbClr r="0" g="0" b="0"/>
+      </a:fillRef>
+      <a:effectRef idx="0">
+        <a:scrgbClr r="0" g="0" b="0"/>
+      </a:effectRef>
+      <a:fontRef idx="minor">
+        <a:schemeClr val="tx1"/>
+      </a:fontRef>
+    </dgm:style>
+  </dgm:styleLbl>
+  <dgm:styleLbl name="alignNode1">
+    <dgm:scene3d>
+      <a:camera prst="orthographicFront"/>
+      <a:lightRig rig="threePt" dir="t"/>
+    </dgm:scene3d>
+    <dgm:sp3d/>
+    <dgm:txPr/>
+    <dgm:style>
+      <a:lnRef idx="2">
+        <a:scrgbClr r="0" g="0" b="0"/>
+      </a:lnRef>
+      <a:fillRef idx="1">
+        <a:scrgbClr r="0" g="0" b="0"/>
+      </a:fillRef>
+      <a:effectRef idx="0">
+        <a:scrgbClr r="0" g="0" b="0"/>
+      </a:effectRef>
+      <a:fontRef idx="minor">
+        <a:schemeClr val="lt1"/>
+      </a:fontRef>
+    </dgm:style>
+  </dgm:styleLbl>
+  <dgm:styleLbl name="node1">
+    <dgm:scene3d>
+      <a:camera prst="orthographicFront"/>
+      <a:lightRig rig="threePt" dir="t"/>
+    </dgm:scene3d>
+    <dgm:sp3d/>
+    <dgm:txPr/>
+    <dgm:style>
+      <a:lnRef idx="2">
+        <a:scrgbClr r="0" g="0" b="0"/>
+      </a:lnRef>
+      <a:fillRef idx="1">
+        <a:scrgbClr r="0" g="0" b="0"/>
+      </a:fillRef>
+      <a:effectRef idx="0">
+        <a:scrgbClr r="0" g="0" b="0"/>
+      </a:effectRef>
+      <a:fontRef idx="minor">
+        <a:schemeClr val="lt1"/>
+      </a:fontRef>
+    </dgm:style>
+  </dgm:styleLbl>
+  <dgm:styleLbl name="node2">
+    <dgm:scene3d>
+      <a:camera prst="orthographicFront"/>
+      <a:lightRig rig="threePt" dir="t"/>
+    </dgm:scene3d>
+    <dgm:sp3d/>
+    <dgm:txPr/>
+    <dgm:style>
+      <a:lnRef idx="2">
+        <a:scrgbClr r="0" g="0" b="0"/>
+      </a:lnRef>
+      <a:fillRef idx="1">
+        <a:scrgbClr r="0" g="0" b="0"/>
+      </a:fillRef>
+      <a:effectRef idx="0">
+        <a:scrgbClr r="0" g="0" b="0"/>
+      </a:effectRef>
+      <a:fontRef idx="minor">
+        <a:schemeClr val="lt1"/>
+      </a:fontRef>
+    </dgm:style>
+  </dgm:styleLbl>
+  <dgm:styleLbl name="node3">
+    <dgm:scene3d>
+      <a:camera prst="orthographicFront"/>
+      <a:lightRig rig="threePt" dir="t"/>
+    </dgm:scene3d>
+    <dgm:sp3d/>
+    <dgm:txPr/>
+    <dgm:style>
+      <a:lnRef idx="2">
+        <a:scrgbClr r="0" g="0" b="0"/>
+      </a:lnRef>
+      <a:fillRef idx="1">
+        <a:scrgbClr r="0" g="0" b="0"/>
+      </a:fillRef>
+      <a:effectRef idx="0">
+        <a:scrgbClr r="0" g="0" b="0"/>
+      </a:effectRef>
+      <a:fontRef idx="minor">
+        <a:schemeClr val="lt1"/>
+      </a:fontRef>
+    </dgm:style>
+  </dgm:styleLbl>
+  <dgm:styleLbl name="node4">
+    <dgm:scene3d>
+      <a:camera prst="orthographicFront"/>
+      <a:lightRig rig="threePt" dir="t"/>
+    </dgm:scene3d>
+    <dgm:sp3d/>
+    <dgm:txPr/>
+    <dgm:style>
+      <a:lnRef idx="2">
+        <a:scrgbClr r="0" g="0" b="0"/>
+      </a:lnRef>
+      <a:fillRef idx="1">
+        <a:scrgbClr r="0" g="0" b="0"/>
+      </a:fillRef>
+      <a:effectRef idx="0">
+        <a:scrgbClr r="0" g="0" b="0"/>
+      </a:effectRef>
+      <a:fontRef idx="minor">
+        <a:schemeClr val="lt1"/>
+      </a:fontRef>
+    </dgm:style>
+  </dgm:styleLbl>
+  <dgm:styleLbl name="fgImgPlace1">
+    <dgm:scene3d>
+      <a:camera prst="orthographicFront"/>
+      <a:lightRig rig="threePt" dir="t"/>
+    </dgm:scene3d>
+    <dgm:sp3d/>
+    <dgm:txPr/>
+    <dgm:style>
+      <a:lnRef idx="2">
+        <a:scrgbClr r="0" g="0" b="0"/>
+      </a:lnRef>
+      <a:fillRef idx="1">
+        <a:scrgbClr r="0" g="0" b="0"/>
+      </a:fillRef>
+      <a:effectRef idx="0">
+        <a:scrgbClr r="0" g="0" b="0"/>
+      </a:effectRef>
+      <a:fontRef idx="minor"/>
+    </dgm:style>
+  </dgm:styleLbl>
+  <dgm:styleLbl name="alignImgPlace1">
+    <dgm:scene3d>
+      <a:camera prst="orthographicFront"/>
+      <a:lightRig rig="threePt" dir="t"/>
+    </dgm:scene3d>
+    <dgm:sp3d/>
+    <dgm:txPr/>
+    <dgm:style>
+      <a:lnRef idx="2">
+        <a:scrgbClr r="0" g="0" b="0"/>
+      </a:lnRef>
+      <a:fillRef idx="1">
+        <a:scrgbClr r="0" g="0" b="0"/>
+      </a:fillRef>
+      <a:effectRef idx="0">
+        <a:scrgbClr r="0" g="0" b="0"/>
+      </a:effectRef>
+      <a:fontRef idx="minor"/>
+    </dgm:style>
+  </dgm:styleLbl>
+  <dgm:styleLbl name="bgImgPlace1">
+    <dgm:scene3d>
+      <a:camera prst="orthographicFront"/>
+      <a:lightRig rig="threePt" dir="t"/>
+    </dgm:scene3d>
+    <dgm:sp3d/>
+    <dgm:txPr/>
+    <dgm:style>
+      <a:lnRef idx="2">
+        <a:scrgbClr r="0" g="0" b="0"/>
+      </a:lnRef>
+      <a:fillRef idx="1">
+        <a:scrgbClr r="0" g="0" b="0"/>
+      </a:fillRef>
+      <a:effectRef idx="0">
+        <a:scrgbClr r="0" g="0" b="0"/>
+      </a:effectRef>
+      <a:fontRef idx="minor"/>
+    </dgm:style>
+  </dgm:styleLbl>
+  <dgm:styleLbl name="sibTrans2D1">
+    <dgm:scene3d>
+      <a:camera prst="orthographicFront"/>
+      <a:lightRig rig="threePt" dir="t"/>
+    </dgm:scene3d>
+    <dgm:sp3d/>
+    <dgm:txPr/>
+    <dgm:style>
+      <a:lnRef idx="0">
+        <a:scrgbClr r="0" g="0" b="0"/>
+      </a:lnRef>
+      <a:fillRef idx="1">
+        <a:scrgbClr r="0" g="0" b="0"/>
+      </a:fillRef>
+      <a:effectRef idx="0">
+        <a:scrgbClr r="0" g="0" b="0"/>
+      </a:effectRef>
+      <a:fontRef idx="minor">
+        <a:schemeClr val="lt1"/>
+      </a:fontRef>
+    </dgm:style>
+  </dgm:styleLbl>
+  <dgm:styleLbl name="fgSibTrans2D1">
+    <dgm:scene3d>
+      <a:camera prst="orthographicFront"/>
+      <a:lightRig rig="threePt" dir="t"/>
+    </dgm:scene3d>
+    <dgm:sp3d/>
+    <dgm:txPr/>
+    <dgm:style>
+      <a:lnRef idx="0">
+        <a:scrgbClr r="0" g="0" b="0"/>
+      </a:lnRef>
+      <a:fillRef idx="1">
+        <a:scrgbClr r="0" g="0" b="0"/>
+      </a:fillRef>
+      <a:effectRef idx="0">
+        <a:scrgbClr r="0" g="0" b="0"/>
+      </a:effectRef>
+      <a:fontRef idx="minor">
+        <a:schemeClr val="lt1"/>
+      </a:fontRef>
+    </dgm:style>
+  </dgm:styleLbl>
+  <dgm:styleLbl name="bgSibTrans2D1">
+    <dgm:scene3d>
+      <a:camera prst="orthographicFront"/>
+      <a:lightRig rig="threePt" dir="t"/>
+    </dgm:scene3d>
+    <dgm:sp3d/>
+    <dgm:txPr/>
+    <dgm:style>
+      <a:lnRef idx="0">
+        <a:scrgbClr r="0" g="0" b="0"/>
+      </a:lnRef>
+      <a:fillRef idx="1">
+        <a:scrgbClr r="0" g="0" b="0"/>
+      </a:fillRef>
+      <a:effectRef idx="0">
+        <a:scrgbClr r="0" g="0" b="0"/>
+      </a:effectRef>
+      <a:fontRef idx="minor">
+        <a:schemeClr val="lt1"/>
+      </a:fontRef>
+    </dgm:style>
+  </dgm:styleLbl>
+  <dgm:styleLbl name="sibTrans1D1">
+    <dgm:scene3d>
+      <a:camera prst="orthographicFront"/>
+      <a:lightRig rig="threePt" dir="t"/>
+    </dgm:scene3d>
+    <dgm:sp3d/>
+    <dgm:txPr/>
+    <dgm:style>
+      <a:lnRef idx="1">
+        <a:scrgbClr r="0" g="0" b="0"/>
+      </a:lnRef>
+      <a:fillRef idx="0">
+        <a:scrgbClr r="0" g="0" b="0"/>
+      </a:fillRef>
+      <a:effectRef idx="0">
+        <a:scrgbClr r="0" g="0" b="0"/>
+      </a:effectRef>
+      <a:fontRef idx="minor"/>
+    </dgm:style>
+  </dgm:styleLbl>
+  <dgm:styleLbl name="callout">
+    <dgm:scene3d>
+      <a:camera prst="orthographicFront"/>
+      <a:lightRig rig="threePt" dir="t"/>
+    </dgm:scene3d>
+    <dgm:sp3d/>
+    <dgm:txPr/>
+    <dgm:style>
+      <a:lnRef idx="2">
+        <a:scrgbClr r="0" g="0" b="0"/>
+      </a:lnRef>
+      <a:fillRef idx="1">
+        <a:scrgbClr r="0" g="0" b="0"/>
+      </a:fillRef>
+      <a:effectRef idx="0">
+        <a:scrgbClr r="0" g="0" b="0"/>
+      </a:effectRef>
+      <a:fontRef idx="minor"/>
+    </dgm:style>
+  </dgm:styleLbl>
+  <dgm:styleLbl name="asst0">
+    <dgm:scene3d>
+      <a:camera prst="orthographicFront"/>
+      <a:lightRig rig="threePt" dir="t"/>
+    </dgm:scene3d>
+    <dgm:sp3d/>
+    <dgm:txPr/>
+    <dgm:style>
+      <a:lnRef idx="2">
+        <a:scrgbClr r="0" g="0" b="0"/>
+      </a:lnRef>
+      <a:fillRef idx="1">
+        <a:scrgbClr r="0" g="0" b="0"/>
+      </a:fillRef>
+      <a:effectRef idx="0">
+        <a:scrgbClr r="0" g="0" b="0"/>
+      </a:effectRef>
+      <a:fontRef idx="minor">
+        <a:schemeClr val="lt1"/>
+      </a:fontRef>
+    </dgm:style>
+  </dgm:styleLbl>
+  <dgm:styleLbl name="asst1">
+    <dgm:scene3d>
+      <a:camera prst="orthographicFront"/>
+      <a:lightRig rig="threePt" dir="t"/>
+    </dgm:scene3d>
+    <dgm:sp3d/>
+    <dgm:txPr/>
+    <dgm:style>
+      <a:lnRef idx="2">
+        <a:scrgbClr r="0" g="0" b="0"/>
+      </a:lnRef>
+      <a:fillRef idx="1">
+        <a:scrgbClr r="0" g="0" b="0"/>
+      </a:fillRef>
+      <a:effectRef idx="0">
+        <a:scrgbClr r="0" g="0" b="0"/>
+      </a:effectRef>
+      <a:fontRef idx="minor">
+        <a:schemeClr val="lt1"/>
+      </a:fontRef>
+    </dgm:style>
+  </dgm:styleLbl>
+  <dgm:styleLbl name="asst2">
+    <dgm:scene3d>
+      <a:camera prst="orthographicFront"/>
+      <a:lightRig rig="threePt" dir="t"/>
+    </dgm:scene3d>
+    <dgm:sp3d/>
+    <dgm:txPr/>
+    <dgm:style>
+      <a:lnRef idx="2">
+        <a:scrgbClr r="0" g="0" b="0"/>
+      </a:lnRef>
+      <a:fillRef idx="1">
+        <a:scrgbClr r="0" g="0" b="0"/>
+      </a:fillRef>
+      <a:effectRef idx="0">
+        <a:scrgbClr r="0" g="0" b="0"/>
+      </a:effectRef>
+      <a:fontRef idx="minor">
+        <a:schemeClr val="lt1"/>
+      </a:fontRef>
+    </dgm:style>
+  </dgm:styleLbl>
+  <dgm:styleLbl name="asst3">
+    <dgm:scene3d>
+      <a:camera prst="orthographicFront"/>
+      <a:lightRig rig="threePt" dir="t"/>
+    </dgm:scene3d>
+    <dgm:sp3d/>
+    <dgm:txPr/>
+    <dgm:style>
+      <a:lnRef idx="2">
+        <a:scrgbClr r="0" g="0" b="0"/>
+      </a:lnRef>
+      <a:fillRef idx="1">
+        <a:scrgbClr r="0" g="0" b="0"/>
+      </a:fillRef>
+      <a:effectRef idx="0">
+        <a:scrgbClr r="0" g="0" b="0"/>
+      </a:effectRef>
+      <a:fontRef idx="minor">
+        <a:schemeClr val="lt1"/>
+      </a:fontRef>
+    </dgm:style>
+  </dgm:styleLbl>
+  <dgm:styleLbl name="asst4">
+    <dgm:scene3d>
+      <a:camera prst="orthographicFront"/>
+      <a:lightRig rig="threePt" dir="t"/>
+    </dgm:scene3d>
+    <dgm:sp3d/>
+    <dgm:txPr/>
+    <dgm:style>
+      <a:lnRef idx="2">
+        <a:scrgbClr r="0" g="0" b="0"/>
+      </a:lnRef>
+      <a:fillRef idx="1">
+        <a:scrgbClr r="0" g="0" b="0"/>
+      </a:fillRef>
+      <a:effectRef idx="0">
+        <a:scrgbClr r="0" g="0" b="0"/>
+      </a:effectRef>
+      <a:fontRef idx="minor">
+        <a:schemeClr val="lt1"/>
+      </a:fontRef>
+    </dgm:style>
+  </dgm:styleLbl>
+  <dgm:styleLbl name="parChTrans2D1">
+    <dgm:scene3d>
+      <a:camera prst="orthographicFront"/>
+      <a:lightRig rig="threePt" dir="t"/>
+    </dgm:scene3d>
+    <dgm:sp3d/>
+    <dgm:txPr/>
+    <dgm:style>
+      <a:lnRef idx="2">
+        <a:scrgbClr r="0" g="0" b="0"/>
+      </a:lnRef>
+      <a:fillRef idx="1">
+        <a:scrgbClr r="0" g="0" b="0"/>
+      </a:fillRef>
+      <a:effectRef idx="0">
+        <a:scrgbClr r="0" g="0" b="0"/>
+      </a:effectRef>
+      <a:fontRef idx="minor">
+        <a:schemeClr val="lt1"/>
+      </a:fontRef>
+    </dgm:style>
+  </dgm:styleLbl>
+  <dgm:styleLbl name="parChTrans2D2">
+    <dgm:scene3d>
+      <a:camera prst="orthographicFront"/>
+      <a:lightRig rig="threePt" dir="t"/>
+    </dgm:scene3d>
+    <dgm:sp3d/>
+    <dgm:txPr/>
+    <dgm:style>
+      <a:lnRef idx="2">
+        <a:scrgbClr r="0" g="0" b="0"/>
+      </a:lnRef>
+      <a:fillRef idx="1">
+        <a:scrgbClr r="0" g="0" b="0"/>
+      </a:fillRef>
+      <a:effectRef idx="0">
+        <a:scrgbClr r="0" g="0" b="0"/>
+      </a:effectRef>
+      <a:fontRef idx="minor">
+        <a:schemeClr val="lt1"/>
+      </a:fontRef>
+    </dgm:style>
+  </dgm:styleLbl>
+  <dgm:styleLbl name="parChTrans2D3">
+    <dgm:scene3d>
+      <a:camera prst="orthographicFront"/>
+      <a:lightRig rig="threePt" dir="t"/>
+    </dgm:scene3d>
+    <dgm:sp3d/>
+    <dgm:txPr/>
+    <dgm:style>
+      <a:lnRef idx="2">
+        <a:scrgbClr r="0" g="0" b="0"/>
+      </a:lnRef>
+      <a:fillRef idx="1">
+        <a:scrgbClr r="0" g="0" b="0"/>
+      </a:fillRef>
+      <a:effectRef idx="0">
+        <a:scrgbClr r="0" g="0" b="0"/>
+      </a:effectRef>
+      <a:fontRef idx="minor">
+        <a:schemeClr val="lt1"/>
+      </a:fontRef>
+    </dgm:style>
+  </dgm:styleLbl>
+  <dgm:styleLbl name="parChTrans2D4">
+    <dgm:scene3d>
+      <a:camera prst="orthographicFront"/>
+      <a:lightRig rig="threePt" dir="t"/>
+    </dgm:scene3d>
+    <dgm:sp3d/>
+    <dgm:txPr/>
+    <dgm:style>
+      <a:lnRef idx="2">
+        <a:scrgbClr r="0" g="0" b="0"/>
+      </a:lnRef>
+      <a:fillRef idx="1">
+        <a:scrgbClr r="0" g="0" b="0"/>
+      </a:fillRef>
+      <a:effectRef idx="0">
+        <a:scrgbClr r="0" g="0" b="0"/>
+      </a:effectRef>
+      <a:fontRef idx="minor">
+        <a:schemeClr val="lt1"/>
+      </a:fontRef>
+    </dgm:style>
+  </dgm:styleLbl>
+  <dgm:styleLbl name="parChTrans1D1">
+    <dgm:scene3d>
+      <a:camera prst="orthographicFront"/>
+      <a:lightRig rig="threePt" dir="t"/>
+    </dgm:scene3d>
+    <dgm:sp3d/>
+    <dgm:txPr/>
+    <dgm:style>
+      <a:lnRef idx="2">
+        <a:scrgbClr r="0" g="0" b="0"/>
+      </a:lnRef>
+      <a:fillRef idx="0">
+        <a:scrgbClr r="0" g="0" b="0"/>
+      </a:fillRef>
+      <a:effectRef idx="0">
+        <a:scrgbClr r="0" g="0" b="0"/>
+      </a:effectRef>
+      <a:fontRef idx="minor"/>
+    </dgm:style>
+  </dgm:styleLbl>
+  <dgm:styleLbl name="parChTrans1D2">
+    <dgm:scene3d>
+      <a:camera prst="orthographicFront"/>
+      <a:lightRig rig="threePt" dir="t"/>
+    </dgm:scene3d>
+    <dgm:sp3d/>
+    <dgm:txPr/>
+    <dgm:style>
+      <a:lnRef idx="2">
+        <a:scrgbClr r="0" g="0" b="0"/>
+      </a:lnRef>
+      <a:fillRef idx="0">
+        <a:scrgbClr r="0" g="0" b="0"/>
+      </a:fillRef>
+      <a:effectRef idx="0">
+        <a:scrgbClr r="0" g="0" b="0"/>
+      </a:effectRef>
+      <a:fontRef idx="minor"/>
+    </dgm:style>
+  </dgm:styleLbl>
+  <dgm:styleLbl name="parChTrans1D3">
+    <dgm:scene3d>
+      <a:camera prst="orthographicFront"/>
+      <a:lightRig rig="threePt" dir="t"/>
+    </dgm:scene3d>
+    <dgm:sp3d/>
+    <dgm:txPr/>
+    <dgm:style>
+      <a:lnRef idx="2">
+        <a:scrgbClr r="0" g="0" b="0"/>
+      </a:lnRef>
+      <a:fillRef idx="0">
+        <a:scrgbClr r="0" g="0" b="0"/>
+      </a:fillRef>
+      <a:effectRef idx="0">
+        <a:scrgbClr r="0" g="0" b="0"/>
+      </a:effectRef>
+      <a:fontRef idx="minor"/>
+    </dgm:style>
+  </dgm:styleLbl>
+  <dgm:styleLbl name="parChTrans1D4">
+    <dgm:scene3d>
+      <a:camera prst="orthographicFront"/>
+      <a:lightRig rig="threePt" dir="t"/>
+    </dgm:scene3d>
+    <dgm:sp3d/>
+    <dgm:txPr/>
+    <dgm:style>
+      <a:lnRef idx="2">
+        <a:scrgbClr r="0" g="0" b="0"/>
+      </a:lnRef>
+      <a:fillRef idx="0">
+        <a:scrgbClr r="0" g="0" b="0"/>
+      </a:fillRef>
+      <a:effectRef idx="0">
+        <a:scrgbClr r="0" g="0" b="0"/>
+      </a:effectRef>
+      <a:fontRef idx="minor"/>
+    </dgm:style>
+  </dgm:styleLbl>
+  <dgm:styleLbl name="fgAcc1">
+    <dgm:scene3d>
+      <a:camera prst="orthographicFront"/>
+      <a:lightRig rig="threePt" dir="t"/>
+    </dgm:scene3d>
+    <dgm:sp3d/>
+    <dgm:txPr/>
+    <dgm:style>
+      <a:lnRef idx="2">
+        <a:scrgbClr r="0" g="0" b="0"/>
+      </a:lnRef>
+      <a:fillRef idx="1">
+        <a:scrgbClr r="0" g="0" b="0"/>
+      </a:fillRef>
+      <a:effectRef idx="0">
+        <a:scrgbClr r="0" g="0" b="0"/>
+      </a:effectRef>
+      <a:fontRef idx="minor"/>
+    </dgm:style>
+  </dgm:styleLbl>
+  <dgm:styleLbl name="conFgAcc1">
+    <dgm:scene3d>
+      <a:camera prst="orthographicFront"/>
+      <a:lightRig rig="threePt" dir="t"/>
+    </dgm:scene3d>
+    <dgm:sp3d/>
+    <dgm:txPr/>
+    <dgm:style>
+      <a:lnRef idx="2">
+        <a:scrgbClr r="0" g="0" b="0"/>
+      </a:lnRef>
+      <a:fillRef idx="1">
+        <a:scrgbClr r="0" g="0" b="0"/>
+      </a:fillRef>
+      <a:effectRef idx="0">
+        <a:scrgbClr r="0" g="0" b="0"/>
+      </a:effectRef>
+      <a:fontRef idx="minor"/>
+    </dgm:style>
+  </dgm:styleLbl>
+  <dgm:styleLbl name="alignAcc1">
+    <dgm:scene3d>
+      <a:camera prst="orthographicFront"/>
+      <a:lightRig rig="threePt" dir="t"/>
+    </dgm:scene3d>
+    <dgm:sp3d/>
+    <dgm:txPr/>
+    <dgm:style>
+      <a:lnRef idx="2">
+        <a:scrgbClr r="0" g="0" b="0"/>
+      </a:lnRef>
+      <a:fillRef idx="1">
+        <a:scrgbClr r="0" g="0" b="0"/>
+      </a:fillRef>
+      <a:effectRef idx="0">
+        <a:scrgbClr r="0" g="0" b="0"/>
+      </a:effectRef>
+      <a:fontRef idx="minor"/>
+    </dgm:style>
+  </dgm:styleLbl>
+  <dgm:styleLbl name="trAlignAcc1">
+    <dgm:scene3d>
+      <a:camera prst="orthographicFront"/>
+      <a:lightRig rig="threePt" dir="t"/>
+    </dgm:scene3d>
+    <dgm:sp3d/>
+    <dgm:txPr/>
+    <dgm:style>
+      <a:lnRef idx="1">
+        <a:scrgbClr r="0" g="0" b="0"/>
+      </a:lnRef>
+      <a:fillRef idx="1">
+        <a:scrgbClr r="0" g="0" b="0"/>
+      </a:fillRef>
+      <a:effectRef idx="0">
+        <a:scrgbClr r="0" g="0" b="0"/>
+      </a:effectRef>
+      <a:fontRef idx="minor"/>
+    </dgm:style>
+  </dgm:styleLbl>
+  <dgm:styleLbl name="bgAcc1">
+    <dgm:scene3d>
+      <a:camera prst="orthographicFront"/>
+      <a:lightRig rig="threePt" dir="t"/>
+    </dgm:scene3d>
+    <dgm:sp3d/>
+    <dgm:txPr/>
+    <dgm:style>
+      <a:lnRef idx="2">
+        <a:scrgbClr r="0" g="0" b="0"/>
+      </a:lnRef>
+      <a:fillRef idx="1">
+        <a:scrgbClr r="0" g="0" b="0"/>
+      </a:fillRef>
+      <a:effectRef idx="0">
+        <a:scrgbClr r="0" g="0" b="0"/>
+      </a:effectRef>
+      <a:fontRef idx="minor"/>
+    </dgm:style>
+  </dgm:styleLbl>
+  <dgm:styleLbl name="solidFgAcc1">
+    <dgm:scene3d>
+      <a:camera prst="orthographicFront"/>
+      <a:lightRig rig="threePt" dir="t"/>
+    </dgm:scene3d>
+    <dgm:sp3d/>
+    <dgm:txPr/>
+    <dgm:style>
+      <a:lnRef idx="2">
+        <a:scrgbClr r="0" g="0" b="0"/>
+      </a:lnRef>
+      <a:fillRef idx="1">
+        <a:scrgbClr r="0" g="0" b="0"/>
+      </a:fillRef>
+      <a:effectRef idx="0">
+        <a:scrgbClr r="0" g="0" b="0"/>
+      </a:effectRef>
+      <a:fontRef idx="minor"/>
+    </dgm:style>
+  </dgm:styleLbl>
+  <dgm:styleLbl name="solidAlignAcc1">
+    <dgm:scene3d>
+      <a:camera prst="orthographicFront"/>
+      <a:lightRig rig="threePt" dir="t"/>
+    </dgm:scene3d>
+    <dgm:sp3d/>
+    <dgm:txPr/>
+    <dgm:style>
+      <a:lnRef idx="2">
+        <a:scrgbClr r="0" g="0" b="0"/>
+      </a:lnRef>
+      <a:fillRef idx="1">
+        <a:scrgbClr r="0" g="0" b="0"/>
+      </a:fillRef>
+      <a:effectRef idx="0">
+        <a:scrgbClr r="0" g="0" b="0"/>
+      </a:effectRef>
+      <a:fontRef idx="minor"/>
+    </dgm:style>
+  </dgm:styleLbl>
+  <dgm:styleLbl name="solidBgAcc1">
+    <dgm:scene3d>
+      <a:camera prst="orthographicFront"/>
+      <a:lightRig rig="threePt" dir="t"/>
+    </dgm:scene3d>
+    <dgm:sp3d/>
+    <dgm:txPr/>
+    <dgm:style>
+      <a:lnRef idx="2">
+        <a:scrgbClr r="0" g="0" b="0"/>
+      </a:lnRef>
+      <a:fillRef idx="1">
+        <a:scrgbClr r="0" g="0" b="0"/>
+      </a:fillRef>
+      <a:effectRef idx="0">
+        <a:scrgbClr r="0" g="0" b="0"/>
+      </a:effectRef>
+      <a:fontRef idx="minor"/>
+    </dgm:style>
+  </dgm:styleLbl>
+  <dgm:styleLbl name="fgAccFollowNode1">
+    <dgm:scene3d>
+      <a:camera prst="orthographicFront"/>
+      <a:lightRig rig="threePt" dir="t"/>
+    </dgm:scene3d>
+    <dgm:sp3d/>
+    <dgm:txPr/>
+    <dgm:style>
+      <a:lnRef idx="2">
+        <a:scrgbClr r="0" g="0" b="0"/>
+      </a:lnRef>
+      <a:fillRef idx="1">
+        <a:scrgbClr r="0" g="0" b="0"/>
+      </a:fillRef>
+      <a:effectRef idx="0">
+        <a:scrgbClr r="0" g="0" b="0"/>
+      </a:effectRef>
+      <a:fontRef idx="minor"/>
+    </dgm:style>
+  </dgm:styleLbl>
+  <dgm:styleLbl name="alignAccFollowNode1">
+    <dgm:scene3d>
+      <a:camera prst="orthographicFront"/>
+      <a:lightRig rig="threePt" dir="t"/>
+    </dgm:scene3d>
+    <dgm:sp3d/>
+    <dgm:txPr/>
+    <dgm:style>
+      <a:lnRef idx="2">
+        <a:scrgbClr r="0" g="0" b="0"/>
+      </a:lnRef>
+      <a:fillRef idx="1">
+        <a:scrgbClr r="0" g="0" b="0"/>
+      </a:fillRef>
+      <a:effectRef idx="0">
+        <a:scrgbClr r="0" g="0" b="0"/>
+      </a:effectRef>
+      <a:fontRef idx="minor"/>
+    </dgm:style>
+  </dgm:styleLbl>
+  <dgm:styleLbl name="bgAccFollowNode1">
+    <dgm:scene3d>
+      <a:camera prst="orthographicFront"/>
+      <a:lightRig rig="threePt" dir="t"/>
+    </dgm:scene3d>
+    <dgm:sp3d/>
+    <dgm:txPr/>
+    <dgm:style>
+      <a:lnRef idx="2">
+        <a:scrgbClr r="0" g="0" b="0"/>
+      </a:lnRef>
+      <a:fillRef idx="1">
+        <a:scrgbClr r="0" g="0" b="0"/>
+      </a:fillRef>
+      <a:effectRef idx="0">
+        <a:scrgbClr r="0" g="0" b="0"/>
+      </a:effectRef>
+      <a:fontRef idx="minor"/>
+    </dgm:style>
+  </dgm:styleLbl>
+  <dgm:styleLbl name="fgAcc0">
+    <dgm:scene3d>
+      <a:camera prst="orthographicFront"/>
+      <a:lightRig rig="threePt" dir="t"/>
+    </dgm:scene3d>
+    <dgm:sp3d/>
+    <dgm:txPr/>
+    <dgm:style>
+      <a:lnRef idx="2">
+        <a:scrgbClr r="0" g="0" b="0"/>
+      </a:lnRef>
+      <a:fillRef idx="1">
+        <a:scrgbClr r="0" g="0" b="0"/>
+      </a:fillRef>
+      <a:effectRef idx="0">
+        <a:scrgbClr r="0" g="0" b="0"/>
+      </a:effectRef>
+      <a:fontRef idx="minor"/>
+    </dgm:style>
+  </dgm:styleLbl>
+  <dgm:styleLbl name="fgAcc2">
+    <dgm:scene3d>
+      <a:camera prst="orthographicFront"/>
+      <a:lightRig rig="threePt" dir="t"/>
+    </dgm:scene3d>
+    <dgm:sp3d/>
+    <dgm:txPr/>
+    <dgm:style>
+      <a:lnRef idx="2">
+        <a:scrgbClr r="0" g="0" b="0"/>
+      </a:lnRef>
+      <a:fillRef idx="1">
+        <a:scrgbClr r="0" g="0" b="0"/>
+      </a:fillRef>
+      <a:effectRef idx="0">
+        <a:scrgbClr r="0" g="0" b="0"/>
+      </a:effectRef>
+      <a:fontRef idx="minor"/>
+    </dgm:style>
+  </dgm:styleLbl>
+  <dgm:styleLbl name="fgAcc3">
+    <dgm:scene3d>
+      <a:camera prst="orthographicFront"/>
+      <a:lightRig rig="threePt" dir="t"/>
+    </dgm:scene3d>
+    <dgm:sp3d/>
+    <dgm:txPr/>
+    <dgm:style>
+      <a:lnRef idx="2">
+        <a:scrgbClr r="0" g="0" b="0"/>
+      </a:lnRef>
+      <a:fillRef idx="1">
+        <a:scrgbClr r="0" g="0" b="0"/>
+      </a:fillRef>
+      <a:effectRef idx="0">
+        <a:scrgbClr r="0" g="0" b="0"/>
+      </a:effectRef>
+      <a:fontRef idx="minor"/>
+    </dgm:style>
+  </dgm:styleLbl>
+  <dgm:styleLbl name="fgAcc4">
+    <dgm:scene3d>
+      <a:camera prst="orthographicFront"/>
+      <a:lightRig rig="threePt" dir="t"/>
+    </dgm:scene3d>
+    <dgm:sp3d/>
+    <dgm:txPr/>
+    <dgm:style>
+      <a:lnRef idx="2">
+        <a:scrgbClr r="0" g="0" b="0"/>
+      </a:lnRef>
+      <a:fillRef idx="1">
+        <a:scrgbClr r="0" g="0" b="0"/>
+      </a:fillRef>
+      <a:effectRef idx="0">
+        <a:scrgbClr r="0" g="0" b="0"/>
+      </a:effectRef>
+      <a:fontRef idx="minor"/>
+    </dgm:style>
+  </dgm:styleLbl>
+  <dgm:styleLbl name="bgShp">
+    <dgm:scene3d>
+      <a:camera prst="orthographicFront"/>
+      <a:lightRig rig="threePt" dir="t"/>
+    </dgm:scene3d>
+    <dgm:sp3d/>
+    <dgm:txPr/>
+    <dgm:style>
+      <a:lnRef idx="0">
+        <a:scrgbClr r="0" g="0" b="0"/>
+      </a:lnRef>
+      <a:fillRef idx="1">
+        <a:scrgbClr r="0" g="0" b="0"/>
+      </a:fillRef>
+      <a:effectRef idx="0">
+        <a:scrgbClr r="0" g="0" b="0"/>
+      </a:effectRef>
+      <a:fontRef idx="minor"/>
+    </dgm:style>
+  </dgm:styleLbl>
+  <dgm:styleLbl name="dkBgShp">
+    <dgm:scene3d>
+      <a:camera prst="orthographicFront"/>
+      <a:lightRig rig="threePt" dir="t"/>
+    </dgm:scene3d>
+    <dgm:sp3d/>
+    <dgm:txPr/>
+    <dgm:style>
+      <a:lnRef idx="0">
+        <a:scrgbClr r="0" g="0" b="0"/>
+      </a:lnRef>
+      <a:fillRef idx="1">
+        <a:scrgbClr r="0" g="0" b="0"/>
+      </a:fillRef>
+      <a:effectRef idx="0">
+        <a:scrgbClr r="0" g="0" b="0"/>
+      </a:effectRef>
+      <a:fontRef idx="minor"/>
+    </dgm:style>
+  </dgm:styleLbl>
+  <dgm:styleLbl name="trBgShp">
+    <dgm:scene3d>
+      <a:camera prst="orthographicFront"/>
+      <a:lightRig rig="threePt" dir="t"/>
+    </dgm:scene3d>
+    <dgm:sp3d/>
+    <dgm:txPr/>
+    <dgm:style>
+      <a:lnRef idx="0">
+        <a:scrgbClr r="0" g="0" b="0"/>
+      </a:lnRef>
+      <a:fillRef idx="1">
+        <a:scrgbClr r="0" g="0" b="0"/>
+      </a:fillRef>
+      <a:effectRef idx="0">
+        <a:scrgbClr r="0" g="0" b="0"/>
+      </a:effectRef>
+      <a:fontRef idx="minor"/>
+    </dgm:style>
+  </dgm:styleLbl>
+  <dgm:styleLbl name="fgShp">
+    <dgm:scene3d>
+      <a:camera prst="orthographicFront"/>
+      <a:lightRig rig="threePt" dir="t"/>
+    </dgm:scene3d>
+    <dgm:sp3d/>
+    <dgm:txPr/>
+    <dgm:style>
+      <a:lnRef idx="2">
+        <a:scrgbClr r="0" g="0" b="0"/>
+      </a:lnRef>
+      <a:fillRef idx="1">
+        <a:scrgbClr r="0" g="0" b="0"/>
+      </a:fillRef>
+      <a:effectRef idx="0">
+        <a:scrgbClr r="0" g="0" b="0"/>
+      </a:effectRef>
+      <a:fontRef idx="minor"/>
+    </dgm:style>
+  </dgm:styleLbl>
+  <dgm:styleLbl name="revTx">
+    <dgm:scene3d>
+      <a:camera prst="orthographicFront"/>
+      <a:lightRig rig="threePt" dir="t"/>
+    </dgm:scene3d>
+    <dgm:sp3d/>
+    <dgm:txPr/>
+    <dgm:style>
+      <a:lnRef idx="0">
+        <a:scrgbClr r="0" g="0" b="0"/>
+      </a:lnRef>
+      <a:fillRef idx="0">
+        <a:scrgbClr r="0" g="0" b="0"/>
+      </a:fillRef>
+      <a:effectRef idx="0">
+        <a:scrgbClr r="0" g="0" b="0"/>
+      </a:effectRef>
+      <a:fontRef idx="minor"/>
+    </dgm:style>
+  </dgm:styleLbl>
+</dgm:styleDef>
+</file>
+
 <file path=ppt/handoutMasters/handoutMaster1.xml><?xml version="1.0" encoding="utf-8"?>
 <p:handoutMaster xmlns:a="http://schemas.openxmlformats.org/drawingml/2006/main" xmlns:r="http://schemas.openxmlformats.org/officeDocument/2006/relationships" xmlns:p="http://schemas.openxmlformats.org/presentationml/2006/main">
   <p:cSld>
@@ -276,7 +5005,7 @@
             <a:fld id="{F428509D-A83E-4130-9123-C9B4F5E9EE37}" type="datetimeFigureOut">
               <a:rPr lang="en-US" smtClean="0"/>
               <a:pPr/>
-              <a:t>7/24/2017</a:t>
+              <a:t>7/25/2017</a:t>
             </a:fld>
             <a:endParaRPr lang="en-US"/>
           </a:p>
@@ -443,7 +5172,7 @@
             <a:fld id="{ACC16E80-119B-43B5-8043-B652C91D44CD}" type="datetimeFigureOut">
               <a:rPr lang="en-US" smtClean="0"/>
               <a:pPr/>
-              <a:t>7/24/2017</a:t>
+              <a:t>7/25/2017</a:t>
             </a:fld>
             <a:endParaRPr lang="en-US"/>
           </a:p>
@@ -877,7 +5606,7 @@
             <a:fld id="{2579440B-E791-2640-8935-69975A005A8A}" type="slidenum">
               <a:rPr lang="en-US" smtClean="0"/>
               <a:pPr/>
-              <a:t>12</a:t>
+              <a:t>13</a:t>
             </a:fld>
             <a:endParaRPr lang="en-US"/>
           </a:p>
@@ -978,7 +5707,7 @@
             <a:fld id="{2579440B-E791-2640-8935-69975A005A8A}" type="slidenum">
               <a:rPr lang="en-US" smtClean="0"/>
               <a:pPr/>
-              <a:t>13</a:t>
+              <a:t>14</a:t>
             </a:fld>
             <a:endParaRPr lang="en-US"/>
           </a:p>
@@ -1065,7 +5794,7 @@
             <a:fld id="{6048B3DE-E9CD-4720-84B6-E24D30E64DE7}" type="slidenum">
               <a:rPr lang="en-US" smtClean="0"/>
               <a:pPr/>
-              <a:t>15</a:t>
+              <a:t>16</a:t>
             </a:fld>
             <a:endParaRPr lang="en-US"/>
           </a:p>
@@ -1175,7 +5904,7 @@
             <a:fld id="{1CF7D140-6FCE-4FBB-90AA-86886D6C58C9}" type="slidenum">
               <a:rPr lang="en-US" smtClean="0"/>
               <a:pPr/>
-              <a:t>17</a:t>
+              <a:t>18</a:t>
             </a:fld>
             <a:endParaRPr lang="en-US"/>
           </a:p>
@@ -1285,7 +6014,7 @@
             <a:fld id="{1CF7D140-6FCE-4FBB-90AA-86886D6C58C9}" type="slidenum">
               <a:rPr lang="en-US" smtClean="0"/>
               <a:pPr/>
-              <a:t>18</a:t>
+              <a:t>19</a:t>
             </a:fld>
             <a:endParaRPr lang="en-US"/>
           </a:p>
@@ -1372,7 +6101,7 @@
             <a:fld id="{6048B3DE-E9CD-4720-84B6-E24D30E64DE7}" type="slidenum">
               <a:rPr lang="en-US" smtClean="0"/>
               <a:pPr/>
-              <a:t>23</a:t>
+              <a:t>24</a:t>
             </a:fld>
             <a:endParaRPr lang="en-US"/>
           </a:p>
@@ -1457,7 +6186,7 @@
             <a:fld id="{2579440B-E791-2640-8935-69975A005A8A}" type="slidenum">
               <a:rPr lang="en-US" smtClean="0"/>
               <a:pPr/>
-              <a:t>3</a:t>
+              <a:t>4</a:t>
             </a:fld>
             <a:endParaRPr lang="en-US"/>
           </a:p>
@@ -1545,7 +6274,7 @@
             <a:fld id="{2579440B-E791-2640-8935-69975A005A8A}" type="slidenum">
               <a:rPr lang="en-US" smtClean="0"/>
               <a:pPr/>
-              <a:t>4</a:t>
+              <a:t>5</a:t>
             </a:fld>
             <a:endParaRPr lang="en-US"/>
           </a:p>
@@ -1633,7 +6362,7 @@
             <a:fld id="{6048B3DE-E9CD-4720-84B6-E24D30E64DE7}" type="slidenum">
               <a:rPr lang="en-US" smtClean="0"/>
               <a:pPr/>
-              <a:t>5</a:t>
+              <a:t>6</a:t>
             </a:fld>
             <a:endParaRPr lang="en-US"/>
           </a:p>
@@ -1720,7 +6449,7 @@
             <a:fld id="{6048B3DE-E9CD-4720-84B6-E24D30E64DE7}" type="slidenum">
               <a:rPr lang="en-US" smtClean="0"/>
               <a:pPr/>
-              <a:t>6</a:t>
+              <a:t>7</a:t>
             </a:fld>
             <a:endParaRPr lang="en-US"/>
           </a:p>
@@ -1807,7 +6536,7 @@
             <a:fld id="{6048B3DE-E9CD-4720-84B6-E24D30E64DE7}" type="slidenum">
               <a:rPr lang="en-US" smtClean="0"/>
               <a:pPr/>
-              <a:t>7</a:t>
+              <a:t>8</a:t>
             </a:fld>
             <a:endParaRPr lang="en-US"/>
           </a:p>
@@ -1894,7 +6623,7 @@
             <a:fld id="{6048B3DE-E9CD-4720-84B6-E24D30E64DE7}" type="slidenum">
               <a:rPr lang="en-US" smtClean="0"/>
               <a:pPr/>
-              <a:t>8</a:t>
+              <a:t>9</a:t>
             </a:fld>
             <a:endParaRPr lang="en-US"/>
           </a:p>
@@ -1979,7 +6708,7 @@
             <a:fld id="{1CF7D140-6FCE-4FBB-90AA-86886D6C58C9}" type="slidenum">
               <a:rPr lang="en-US" smtClean="0"/>
               <a:pPr/>
-              <a:t>9</a:t>
+              <a:t>10</a:t>
             </a:fld>
             <a:endParaRPr lang="en-US"/>
           </a:p>
@@ -2072,7 +6801,7 @@
             <a:fld id="{2579440B-E791-2640-8935-69975A005A8A}" type="slidenum">
               <a:rPr lang="en-US" smtClean="0"/>
               <a:pPr/>
-              <a:t>11</a:t>
+              <a:t>12</a:t>
             </a:fld>
             <a:endParaRPr lang="en-US"/>
           </a:p>
@@ -2271,7 +7000,7 @@
             <a:fld id="{995A3EAA-2ADF-4730-8F37-D322F0FCA6F7}" type="datetime1">
               <a:rPr lang="en-US" smtClean="0"/>
               <a:pPr/>
-              <a:t>7/24/2017</a:t>
+              <a:t>7/25/2017</a:t>
             </a:fld>
             <a:endParaRPr lang="en-US"/>
           </a:p>
@@ -2520,7 +7249,7 @@
             <a:fld id="{9A46249C-EA92-4608-8FCA-65260396BA27}" type="datetime1">
               <a:rPr lang="en-US" smtClean="0"/>
               <a:pPr/>
-              <a:t>7/24/2017</a:t>
+              <a:t>7/25/2017</a:t>
             </a:fld>
             <a:endParaRPr lang="en-US"/>
           </a:p>
@@ -2685,7 +7414,7 @@
             <a:fld id="{E98573EB-F81F-45A8-8502-B7F241F6310C}" type="datetime1">
               <a:rPr lang="en-US" smtClean="0"/>
               <a:pPr/>
-              <a:t>7/24/2017</a:t>
+              <a:t>7/25/2017</a:t>
             </a:fld>
             <a:endParaRPr lang="en-US"/>
           </a:p>
@@ -2860,7 +7589,7 @@
             <a:fld id="{D3B68F27-4D23-4B43-9126-090EEA2632D9}" type="datetime1">
               <a:rPr lang="en-US" smtClean="0"/>
               <a:pPr/>
-              <a:t>7/24/2017</a:t>
+              <a:t>7/25/2017</a:t>
             </a:fld>
             <a:endParaRPr lang="en-US"/>
           </a:p>
@@ -3037,7 +7766,7 @@
             <a:fld id="{AF79D0BF-EDA9-4C0D-B5C1-D01FE3C9392D}" type="datetime1">
               <a:rPr lang="en-US" smtClean="0"/>
               <a:pPr/>
-              <a:t>7/24/2017</a:t>
+              <a:t>7/25/2017</a:t>
             </a:fld>
             <a:endParaRPr lang="en-US"/>
           </a:p>
@@ -3229,7 +7958,7 @@
             <a:fld id="{AF79D0BF-EDA9-4C0D-B5C1-D01FE3C9392D}" type="datetime1">
               <a:rPr lang="en-US" smtClean="0"/>
               <a:pPr/>
-              <a:t>7/24/2017</a:t>
+              <a:t>7/25/2017</a:t>
             </a:fld>
             <a:endParaRPr lang="en-US"/>
           </a:p>
@@ -3476,7 +8205,7 @@
             <a:fld id="{D69015D0-49B0-4059-80BB-AF092C6CC282}" type="datetime1">
               <a:rPr lang="en-US" smtClean="0"/>
               <a:pPr/>
-              <a:t>7/24/2017</a:t>
+              <a:t>7/25/2017</a:t>
             </a:fld>
             <a:endParaRPr lang="en-US"/>
           </a:p>
@@ -3758,7 +8487,7 @@
             <a:fld id="{6CFAE174-28EF-4C23-BFDE-B69E139D8EE0}" type="datetime1">
               <a:rPr lang="en-US" smtClean="0"/>
               <a:pPr/>
-              <a:t>7/24/2017</a:t>
+              <a:t>7/25/2017</a:t>
             </a:fld>
             <a:endParaRPr lang="en-US"/>
           </a:p>
@@ -4189,7 +8918,7 @@
             <a:fld id="{3C4735FC-F3F4-4930-AD2E-C703D7636E65}" type="datetime1">
               <a:rPr lang="en-US" smtClean="0"/>
               <a:pPr/>
-              <a:t>7/24/2017</a:t>
+              <a:t>7/25/2017</a:t>
             </a:fld>
             <a:endParaRPr lang="en-US"/>
           </a:p>
@@ -4322,7 +9051,7 @@
             <a:fld id="{37087D82-BB00-4296-AA4E-C167745A82DE}" type="datetime1">
               <a:rPr lang="en-US" smtClean="0"/>
               <a:pPr/>
-              <a:t>7/24/2017</a:t>
+              <a:t>7/25/2017</a:t>
             </a:fld>
             <a:endParaRPr lang="en-US"/>
           </a:p>
@@ -4414,7 +9143,7 @@
             <a:fld id="{E416393F-B669-482B-BFD6-501DDE1069A2}" type="datetime1">
               <a:rPr lang="en-US" smtClean="0"/>
               <a:pPr/>
-              <a:t>7/24/2017</a:t>
+              <a:t>7/25/2017</a:t>
             </a:fld>
             <a:endParaRPr lang="en-US"/>
           </a:p>
@@ -4686,7 +9415,7 @@
             <a:fld id="{8FFF435E-64AB-44BA-AD31-EDF4E3683DDC}" type="datetime1">
               <a:rPr lang="en-US" smtClean="0"/>
               <a:pPr/>
-              <a:t>7/24/2017</a:t>
+              <a:t>7/25/2017</a:t>
             </a:fld>
             <a:endParaRPr lang="en-US"/>
           </a:p>
@@ -4894,7 +9623,7 @@
             <a:fld id="{9FD4D3D6-E918-4CCA-AF93-9744A928CB26}" type="datetime1">
               <a:rPr lang="en-US" smtClean="0"/>
               <a:pPr/>
-              <a:t>7/24/2017</a:t>
+              <a:t>7/25/2017</a:t>
             </a:fld>
             <a:endParaRPr lang="en-US"/>
           </a:p>
@@ -5559,6 +10288,30 @@
       </p:grpSpPr>
       <p:sp>
         <p:nvSpPr>
+          <p:cNvPr id="2" name="Title 1"/>
+          <p:cNvSpPr>
+            <a:spLocks noGrp="1"/>
+          </p:cNvSpPr>
+          <p:nvPr>
+            <p:ph type="title"/>
+          </p:nvPr>
+        </p:nvSpPr>
+        <p:spPr/>
+        <p:txBody>
+          <a:bodyPr>
+            <a:normAutofit fontScale="90000"/>
+          </a:bodyPr>
+          <a:lstStyle/>
+          <a:p>
+            <a:r>
+              <a:rPr lang="en-US" dirty="0"/>
+              <a:t>What makes a good purpose statement?</a:t>
+            </a:r>
+          </a:p>
+        </p:txBody>
+      </p:sp>
+      <p:sp>
+        <p:nvSpPr>
           <p:cNvPr id="3" name="Content Placeholder 2"/>
           <p:cNvSpPr>
             <a:spLocks noGrp="1"/>
@@ -5576,129 +10329,113 @@
           <a:p>
             <a:r>
               <a:rPr lang="en-US" dirty="0"/>
-              <a:t>A good choice of function name is important. </a:t>
-            </a:r>
-          </a:p>
-          <a:p>
-            <a:r>
-              <a:rPr lang="en-US" dirty="0"/>
-              <a:t>When a function is used in some other piece of code, the reader should be able to tell roughly what a function computes just by looking at its name. </a:t>
-            </a:r>
-          </a:p>
-          <a:p>
-            <a:r>
-              <a:rPr lang="en-US" dirty="0"/>
-              <a:t>If further detail is needed, then the reader can refer to the purpose statement of the function.</a:t>
-            </a:r>
-          </a:p>
-          <a:p>
-            <a:r>
-              <a:rPr lang="en-US" dirty="0"/>
-              <a:t>If the function name is chosen well and the purpose statement is written well, the reader should rarely, if ever, need to refer to the function definition.</a:t>
-            </a:r>
-          </a:p>
-          <a:p>
-            <a:endParaRPr lang="en-US" dirty="0"/>
-          </a:p>
-          <a:p>
-            <a:endParaRPr lang="en-US" dirty="0"/>
-          </a:p>
-        </p:txBody>
-      </p:sp>
-      <p:sp>
-        <p:nvSpPr>
-          <p:cNvPr id="2" name="Title 1"/>
-          <p:cNvSpPr>
-            <a:spLocks noGrp="1"/>
-          </p:cNvSpPr>
-          <p:nvPr>
-            <p:ph type="title"/>
-          </p:nvPr>
-        </p:nvSpPr>
-        <p:spPr/>
-        <p:txBody>
-          <a:bodyPr>
-            <a:normAutofit fontScale="90000"/>
-          </a:bodyPr>
-          <a:lstStyle/>
-          <a:p>
-            <a:r>
-              <a:rPr lang="en-US" dirty="0"/>
-              <a:t>Good Function Names are Important</a:t>
-            </a:r>
-          </a:p>
-        </p:txBody>
-      </p:sp>
-      <p:sp>
-        <p:nvSpPr>
-          <p:cNvPr id="4" name="Slide Number Placeholder 3"/>
-          <p:cNvSpPr>
-            <a:spLocks noGrp="1"/>
-          </p:cNvSpPr>
-          <p:nvPr>
-            <p:ph type="sldNum" sz="quarter" idx="12"/>
-          </p:nvPr>
-        </p:nvSpPr>
-        <p:spPr/>
-        <p:txBody>
-          <a:bodyPr/>
-          <a:lstStyle/>
-          <a:p>
-            <a:fld id="{AB376464-0CAE-48CA-94A1-62F8E9374B4C}" type="slidenum">
-              <a:rPr lang="en-US" smtClean="0"/>
-              <a:pPr/>
-              <a:t>10</a:t>
-            </a:fld>
-            <a:endParaRPr lang="en-US"/>
-          </a:p>
-        </p:txBody>
-      </p:sp>
-      <p:sp>
-        <p:nvSpPr>
-          <p:cNvPr id="5" name="TextBox 4"/>
-          <p:cNvSpPr txBox="1"/>
-          <p:nvPr/>
-        </p:nvSpPr>
-        <p:spPr>
-          <a:xfrm flipH="1">
-            <a:off x="4953000" y="5825758"/>
-            <a:ext cx="2971800" cy="276999"/>
-          </a:xfrm>
-          <a:prstGeom prst="rect">
-            <a:avLst/>
-          </a:prstGeom>
-          <a:noFill/>
-          <a:ln>
-            <a:solidFill>
-              <a:schemeClr val="tx1"/>
-            </a:solidFill>
-          </a:ln>
-        </p:spPr>
-        <p:txBody>
-          <a:bodyPr wrap="square" rtlCol="0">
-            <a:spAutoFit/>
-          </a:bodyPr>
-          <a:lstStyle/>
-          <a:p>
-            <a:pPr algn="ctr"/>
-            <a:r>
-              <a:rPr lang="en-US" sz="1200" dirty="0"/>
-              <a:t>For more discussion, see </a:t>
-            </a:r>
-            <a:r>
-              <a:rPr lang="en-US" sz="1200" dirty="0">
-                <a:hlinkClick r:id="rId2"/>
+              <a:t>It gives more information than just the contract.  For example</a:t>
+            </a:r>
+          </a:p>
+          <a:p>
+            <a:pPr marL="800100" lvl="2" indent="0">
+              <a:buNone/>
+            </a:pPr>
+            <a:r>
+              <a:rPr lang="en-US" sz="2000" b="1" dirty="0">
+                <a:latin typeface="Consolas" pitchFamily="49" charset="0"/>
+                <a:cs typeface="Consolas" pitchFamily="49" charset="0"/>
               </a:rPr>
-              <a:t>What's in a Name?</a:t>
-            </a:r>
-            <a:endParaRPr lang="en-US" sz="1200" dirty="0"/>
+              <a:t>GIVEN: an Integer and a Boolean</a:t>
+            </a:r>
+          </a:p>
+          <a:p>
+            <a:pPr marL="800100" lvl="2" indent="0">
+              <a:buNone/>
+            </a:pPr>
+            <a:r>
+              <a:rPr lang="en-US" sz="2000" b="1" dirty="0">
+                <a:latin typeface="Consolas" pitchFamily="49" charset="0"/>
+                <a:cs typeface="Consolas" pitchFamily="49" charset="0"/>
+              </a:rPr>
+              <a:t>RETURNS: an Integer</a:t>
+            </a:r>
+          </a:p>
+          <a:p>
+            <a:pPr marL="400050" lvl="1" indent="0">
+              <a:buNone/>
+            </a:pPr>
+            <a:r>
+              <a:rPr lang="en-US" dirty="0">
+                <a:cs typeface="Consolas" pitchFamily="49" charset="0"/>
+              </a:rPr>
+              <a:t>is </a:t>
+            </a:r>
+            <a:r>
+              <a:rPr lang="en-US" dirty="0">
+                <a:solidFill>
+                  <a:srgbClr val="FF0000"/>
+                </a:solidFill>
+                <a:cs typeface="Consolas" pitchFamily="49" charset="0"/>
+              </a:rPr>
+              <a:t>not</a:t>
+            </a:r>
+            <a:r>
+              <a:rPr lang="en-US" dirty="0">
+                <a:cs typeface="Consolas" pitchFamily="49" charset="0"/>
+              </a:rPr>
+              <a:t> a good purpose statement</a:t>
+            </a:r>
+          </a:p>
+          <a:p>
+            <a:pPr marL="457200" indent="-457200"/>
+            <a:r>
+              <a:rPr lang="en-US" dirty="0">
+                <a:cs typeface="Consolas" pitchFamily="49" charset="0"/>
+              </a:rPr>
+              <a:t>It is </a:t>
+            </a:r>
+            <a:r>
+              <a:rPr lang="en-US" i="1" dirty="0">
+                <a:solidFill>
+                  <a:srgbClr val="FF0000"/>
+                </a:solidFill>
+                <a:cs typeface="Consolas" pitchFamily="49" charset="0"/>
+              </a:rPr>
+              <a:t>specific</a:t>
+            </a:r>
+            <a:r>
+              <a:rPr lang="en-US" i="1" dirty="0">
+                <a:cs typeface="Consolas" pitchFamily="49" charset="0"/>
+              </a:rPr>
+              <a:t>. </a:t>
+            </a:r>
+            <a:r>
+              <a:rPr lang="en-US" dirty="0">
+                <a:cs typeface="Consolas" pitchFamily="49" charset="0"/>
+              </a:rPr>
+              <a:t>Ideally, a reader should be able to figure out what a function returns just by reading the purpose statement</a:t>
+            </a:r>
+          </a:p>
+          <a:p>
+            <a:pPr marL="857250" lvl="1" indent="-457200"/>
+            <a:r>
+              <a:rPr lang="en-US" dirty="0">
+                <a:cs typeface="Consolas" pitchFamily="49" charset="0"/>
+              </a:rPr>
+              <a:t>perhaps along with examples, other documentation, etc.</a:t>
+            </a:r>
+          </a:p>
+          <a:p>
+            <a:pPr marL="857250" lvl="1" indent="-457200"/>
+            <a:r>
+              <a:rPr lang="en-US" dirty="0">
+                <a:cs typeface="Consolas" pitchFamily="49" charset="0"/>
+              </a:rPr>
+              <a:t>but WITHOUT reading the code!</a:t>
+            </a:r>
           </a:p>
         </p:txBody>
       </p:sp>
     </p:spTree>
     <p:extLst>
       <p:ext uri="{BB962C8B-B14F-4D97-AF65-F5344CB8AC3E}">
-        <p14:creationId xmlns:p14="http://schemas.microsoft.com/office/powerpoint/2010/main" val="2971889572"/>
+        <p14:creationId xmlns:p14="http://schemas.microsoft.com/office/powerpoint/2010/main" val="2836450553"/>
       </p:ext>
     </p:extLst>
   </p:cSld>
@@ -5727,6 +10464,54 @@
       </p:grpSpPr>
       <p:sp>
         <p:nvSpPr>
+          <p:cNvPr id="3" name="Content Placeholder 2"/>
+          <p:cNvSpPr>
+            <a:spLocks noGrp="1"/>
+          </p:cNvSpPr>
+          <p:nvPr>
+            <p:ph idx="1"/>
+          </p:nvPr>
+        </p:nvSpPr>
+        <p:spPr/>
+        <p:txBody>
+          <a:bodyPr>
+            <a:normAutofit fontScale="92500" lnSpcReduction="20000"/>
+          </a:bodyPr>
+          <a:lstStyle/>
+          <a:p>
+            <a:r>
+              <a:rPr lang="en-US" dirty="0"/>
+              <a:t>A good choice of function name is important. </a:t>
+            </a:r>
+          </a:p>
+          <a:p>
+            <a:r>
+              <a:rPr lang="en-US" dirty="0"/>
+              <a:t>When a function is used in some other piece of code, the reader should be able to tell roughly what a function computes just by looking at its name. </a:t>
+            </a:r>
+          </a:p>
+          <a:p>
+            <a:r>
+              <a:rPr lang="en-US" dirty="0"/>
+              <a:t>If further detail is needed, then the reader can refer to the purpose statement of the function.</a:t>
+            </a:r>
+          </a:p>
+          <a:p>
+            <a:r>
+              <a:rPr lang="en-US" dirty="0"/>
+              <a:t>If the function name is chosen well and the purpose statement is written well, the reader should rarely, if ever, need to refer to the function definition.</a:t>
+            </a:r>
+          </a:p>
+          <a:p>
+            <a:endParaRPr lang="en-US" dirty="0"/>
+          </a:p>
+          <a:p>
+            <a:endParaRPr lang="en-US" dirty="0"/>
+          </a:p>
+        </p:txBody>
+      </p:sp>
+      <p:sp>
+        <p:nvSpPr>
           <p:cNvPr id="2" name="Title 1"/>
           <p:cNvSpPr>
             <a:spLocks noGrp="1"/>
@@ -5744,180 +10529,81 @@
           <a:p>
             <a:r>
               <a:rPr lang="en-US" dirty="0"/>
-              <a:t>Conventions for Good Function Names</a:t>
-            </a:r>
-          </a:p>
-        </p:txBody>
-      </p:sp>
-      <p:sp>
-        <p:nvSpPr>
-          <p:cNvPr id="3" name="Content Placeholder 2"/>
-          <p:cNvSpPr>
-            <a:spLocks noGrp="1"/>
-          </p:cNvSpPr>
-          <p:nvPr>
-            <p:ph idx="1"/>
-          </p:nvPr>
+              <a:t>Good Function Names are Important</a:t>
+            </a:r>
+          </a:p>
+        </p:txBody>
+      </p:sp>
+      <p:sp>
+        <p:nvSpPr>
+          <p:cNvPr id="4" name="Slide Number Placeholder 3"/>
+          <p:cNvSpPr>
+            <a:spLocks noGrp="1"/>
+          </p:cNvSpPr>
+          <p:nvPr>
+            <p:ph type="sldNum" sz="quarter" idx="12"/>
+          </p:nvPr>
+        </p:nvSpPr>
+        <p:spPr/>
+        <p:txBody>
+          <a:bodyPr/>
+          <a:lstStyle/>
+          <a:p>
+            <a:fld id="{AB376464-0CAE-48CA-94A1-62F8E9374B4C}" type="slidenum">
+              <a:rPr lang="en-US" smtClean="0"/>
+              <a:pPr/>
+              <a:t>11</a:t>
+            </a:fld>
+            <a:endParaRPr lang="en-US"/>
+          </a:p>
+        </p:txBody>
+      </p:sp>
+      <p:sp>
+        <p:nvSpPr>
+          <p:cNvPr id="5" name="TextBox 4"/>
+          <p:cNvSpPr txBox="1"/>
+          <p:nvPr/>
         </p:nvSpPr>
         <p:spPr>
-          <a:xfrm>
-            <a:off x="513384" y="1600200"/>
-            <a:ext cx="8229600" cy="4525963"/>
+          <a:xfrm flipH="1">
+            <a:off x="4953000" y="5825758"/>
+            <a:ext cx="2971800" cy="276999"/>
           </a:xfrm>
+          <a:prstGeom prst="rect">
+            <a:avLst/>
+          </a:prstGeom>
+          <a:noFill/>
+          <a:ln>
+            <a:solidFill>
+              <a:schemeClr val="tx1"/>
+            </a:solidFill>
+          </a:ln>
         </p:spPr>
         <p:txBody>
-          <a:bodyPr>
-            <a:normAutofit fontScale="92500"/>
+          <a:bodyPr wrap="square" rtlCol="0">
+            <a:spAutoFit/>
           </a:bodyPr>
           <a:lstStyle/>
           <a:p>
-            <a:r>
-              <a:rPr lang="en-US" dirty="0"/>
-              <a:t>Function names should almost always be nouns </a:t>
-            </a:r>
-          </a:p>
-          <a:p>
-            <a:r>
-              <a:rPr lang="en-US" dirty="0"/>
-              <a:t>Should describe the result of the function </a:t>
-            </a:r>
-          </a:p>
-          <a:p>
-            <a:pPr lvl="1"/>
-            <a:r>
-              <a:rPr lang="en-US" dirty="0">
-                <a:latin typeface="Calibri" pitchFamily="34" charset="0"/>
-                <a:cs typeface="Calibri" pitchFamily="34" charset="0"/>
+            <a:pPr algn="ctr"/>
+            <a:r>
+              <a:rPr lang="en-US" sz="1200" dirty="0"/>
+              <a:t>For more discussion, see </a:t>
+            </a:r>
+            <a:r>
+              <a:rPr lang="en-US" sz="1200" dirty="0">
+                <a:hlinkClick r:id="rId2"/>
               </a:rPr>
-              <a:t>e.g.</a:t>
-            </a:r>
-            <a:r>
-              <a:rPr lang="en-US" dirty="0">
-                <a:latin typeface="Consolas"/>
-                <a:cs typeface="Consolas"/>
-              </a:rPr>
-              <a:t> </a:t>
-            </a:r>
-            <a:r>
-              <a:rPr lang="en-US" b="1" dirty="0">
-                <a:latin typeface="Consolas"/>
-                <a:cs typeface="Consolas"/>
-              </a:rPr>
-              <a:t>area</a:t>
-            </a:r>
-            <a:r>
-              <a:rPr lang="en-US" dirty="0">
-                <a:latin typeface="Consolas"/>
-                <a:cs typeface="Consolas"/>
-              </a:rPr>
-              <a:t>, </a:t>
-            </a:r>
-            <a:r>
-              <a:rPr lang="en-US" dirty="0">
-                <a:latin typeface="Calibri" pitchFamily="34" charset="0"/>
-                <a:cs typeface="Calibri" pitchFamily="34" charset="0"/>
-              </a:rPr>
-              <a:t>not</a:t>
-            </a:r>
-            <a:r>
-              <a:rPr lang="en-US" dirty="0">
-                <a:latin typeface="Consolas"/>
-                <a:cs typeface="Consolas"/>
-              </a:rPr>
-              <a:t> </a:t>
-            </a:r>
-            <a:r>
-              <a:rPr lang="en-US" b="1" dirty="0">
-                <a:latin typeface="Consolas"/>
-                <a:cs typeface="Consolas"/>
-              </a:rPr>
-              <a:t>compute-area</a:t>
-            </a:r>
-          </a:p>
-          <a:p>
-            <a:r>
-              <a:rPr lang="en-US" dirty="0">
-                <a:cs typeface="Consolas"/>
-              </a:rPr>
-              <a:t>Predicates should end in </a:t>
-            </a:r>
-            <a:r>
-              <a:rPr lang="en-US" b="1" dirty="0">
-                <a:latin typeface="Consolas" pitchFamily="49" charset="0"/>
-                <a:cs typeface="Consolas" pitchFamily="49" charset="0"/>
-              </a:rPr>
-              <a:t>?</a:t>
-            </a:r>
-            <a:r>
-              <a:rPr lang="en-US" dirty="0">
-                <a:cs typeface="Consolas"/>
-              </a:rPr>
-              <a:t> : e.g., </a:t>
-            </a:r>
-            <a:r>
-              <a:rPr lang="en-US" b="1" dirty="0">
-                <a:latin typeface="Consolas" pitchFamily="49" charset="0"/>
-                <a:cs typeface="Consolas" pitchFamily="49" charset="0"/>
-              </a:rPr>
-              <a:t>square?</a:t>
-            </a:r>
-          </a:p>
-          <a:p>
-            <a:pPr marL="857250" lvl="2" indent="0">
-              <a:buNone/>
-            </a:pPr>
-            <a:r>
-              <a:rPr lang="en-US" dirty="0"/>
-              <a:t>(pronounced "huh?", as in "square-huh?")</a:t>
-            </a:r>
-            <a:endParaRPr lang="en-US" dirty="0">
-              <a:cs typeface="Consolas"/>
-            </a:endParaRPr>
-          </a:p>
-          <a:p>
-            <a:r>
-              <a:rPr lang="en-US" dirty="0">
-                <a:cs typeface="Consolas"/>
-              </a:rPr>
-              <a:t>Use first component of the name to distinguish similar functions with different arguments, e.g.:</a:t>
-            </a:r>
-            <a:endParaRPr lang="en-US" b="1" dirty="0">
-              <a:latin typeface="Consolas"/>
-              <a:cs typeface="Consolas"/>
-            </a:endParaRPr>
-          </a:p>
-          <a:p>
-            <a:pPr lvl="1"/>
-            <a:r>
-              <a:rPr lang="en-US" b="1" dirty="0">
-                <a:latin typeface="Consolas"/>
-                <a:cs typeface="Consolas"/>
-              </a:rPr>
-              <a:t>circle-area, ring-area </a:t>
-            </a:r>
-          </a:p>
-          <a:p>
-            <a:pPr lvl="1"/>
-            <a:r>
-              <a:rPr lang="en-US" b="1" dirty="0">
-                <a:latin typeface="Consolas"/>
-                <a:cs typeface="Consolas"/>
-              </a:rPr>
-              <a:t>book-price, total-order-price</a:t>
-            </a:r>
-          </a:p>
-          <a:p>
-            <a:endParaRPr lang="en-US" dirty="0">
-              <a:latin typeface="Consolas"/>
-              <a:cs typeface="Consolas"/>
-            </a:endParaRPr>
+              <a:t>What's in a Name?</a:t>
+            </a:r>
+            <a:endParaRPr lang="en-US" sz="1200" dirty="0"/>
           </a:p>
         </p:txBody>
       </p:sp>
     </p:spTree>
     <p:extLst>
       <p:ext uri="{BB962C8B-B14F-4D97-AF65-F5344CB8AC3E}">
-        <p14:creationId xmlns:p14="http://schemas.microsoft.com/office/powerpoint/2010/main" val="1799892499"/>
+        <p14:creationId xmlns:p14="http://schemas.microsoft.com/office/powerpoint/2010/main" val="2971889572"/>
       </p:ext>
     </p:extLst>
   </p:cSld>
@@ -5957,13 +10643,13 @@
         <p:spPr/>
         <p:txBody>
           <a:bodyPr>
-            <a:normAutofit/>
+            <a:normAutofit fontScale="90000"/>
           </a:bodyPr>
           <a:lstStyle/>
           <a:p>
             <a:r>
               <a:rPr lang="en-US" dirty="0"/>
-              <a:t>Conventions for Good Names</a:t>
+              <a:t>Conventions for Good Function Names</a:t>
             </a:r>
           </a:p>
         </p:txBody>
@@ -5986,57 +10672,92 @@
         </p:spPr>
         <p:txBody>
           <a:bodyPr>
-            <a:normAutofit lnSpcReduction="10000"/>
+            <a:normAutofit fontScale="92500"/>
           </a:bodyPr>
           <a:lstStyle/>
           <a:p>
-            <a:pPr marL="342900" lvl="1" indent="-342900">
-              <a:buFont typeface="Arial" pitchFamily="34" charset="0"/>
-              <a:buChar char="•"/>
-            </a:pPr>
-            <a:r>
-              <a:rPr lang="en-US" sz="3200" dirty="0">
-                <a:cs typeface="Consolas"/>
+            <a:r>
+              <a:rPr lang="en-US" dirty="0"/>
+              <a:t>Function names should almost always be nouns </a:t>
+            </a:r>
+          </a:p>
+          <a:p>
+            <a:r>
+              <a:rPr lang="en-US" dirty="0"/>
+              <a:t>Should describe the result of the function </a:t>
+            </a:r>
+          </a:p>
+          <a:p>
+            <a:pPr lvl="1"/>
+            <a:r>
+              <a:rPr lang="en-US" dirty="0">
+                <a:latin typeface="Calibri" pitchFamily="34" charset="0"/>
+                <a:cs typeface="Calibri" pitchFamily="34" charset="0"/>
               </a:rPr>
-              <a:t>In Racket, "-" and "?" are legal characters that may occur in names.</a:t>
-            </a:r>
-          </a:p>
-          <a:p>
-            <a:pPr marL="342900" lvl="1" indent="-342900">
-              <a:buFont typeface="Arial" pitchFamily="34" charset="0"/>
-              <a:buChar char="•"/>
-            </a:pPr>
-            <a:r>
-              <a:rPr lang="en-US" sz="3200" dirty="0"/>
-              <a:t>Use the minus sign to separate components of a name, e.g. </a:t>
-            </a:r>
-            <a:r>
-              <a:rPr lang="en-US" sz="3200" b="1" dirty="0">
+              <a:t>e.g.</a:t>
+            </a:r>
+            <a:r>
+              <a:rPr lang="en-US" dirty="0">
                 <a:latin typeface="Consolas"/>
                 <a:cs typeface="Consolas"/>
               </a:rPr>
-              <a:t>total-order-price</a:t>
-            </a:r>
-            <a:endParaRPr lang="en-US" sz="3200" dirty="0"/>
+              <a:t> </a:t>
+            </a:r>
+            <a:r>
+              <a:rPr lang="en-US" b="1" dirty="0">
+                <a:latin typeface="Consolas"/>
+                <a:cs typeface="Consolas"/>
+              </a:rPr>
+              <a:t>area</a:t>
+            </a:r>
+            <a:r>
+              <a:rPr lang="en-US" dirty="0">
+                <a:latin typeface="Consolas"/>
+                <a:cs typeface="Consolas"/>
+              </a:rPr>
+              <a:t>, </a:t>
+            </a:r>
+            <a:r>
+              <a:rPr lang="en-US" dirty="0">
+                <a:latin typeface="Calibri" pitchFamily="34" charset="0"/>
+                <a:cs typeface="Calibri" pitchFamily="34" charset="0"/>
+              </a:rPr>
+              <a:t>not</a:t>
+            </a:r>
+            <a:r>
+              <a:rPr lang="en-US" dirty="0">
+                <a:latin typeface="Consolas"/>
+                <a:cs typeface="Consolas"/>
+              </a:rPr>
+              <a:t> </a:t>
+            </a:r>
+            <a:r>
+              <a:rPr lang="en-US" b="1" dirty="0">
+                <a:latin typeface="Consolas"/>
+                <a:cs typeface="Consolas"/>
+              </a:rPr>
+              <a:t>compute-area</a:t>
+            </a:r>
           </a:p>
           <a:p>
             <a:r>
               <a:rPr lang="en-US" dirty="0">
                 <a:cs typeface="Consolas"/>
               </a:rPr>
-              <a:t>Use the question mark to name predicates: </a:t>
-            </a:r>
-            <a:r>
-              <a:rPr lang="en-US" dirty="0" err="1">
-                <a:cs typeface="Consolas"/>
+              <a:t>Predicates should end in </a:t>
+            </a:r>
+            <a:r>
+              <a:rPr lang="en-US" b="1" dirty="0">
+                <a:latin typeface="Consolas" pitchFamily="49" charset="0"/>
+                <a:cs typeface="Consolas" pitchFamily="49" charset="0"/>
               </a:rPr>
-              <a:t>eg</a:t>
+              <a:t>?</a:t>
             </a:r>
             <a:r>
               <a:rPr lang="en-US" dirty="0">
                 <a:cs typeface="Consolas"/>
               </a:rPr>
-              <a:t>, </a:t>
+              <a:t> : e.g., </a:t>
             </a:r>
             <a:r>
               <a:rPr lang="en-US" b="1" dirty="0">
@@ -6045,25 +10766,50 @@
               </a:rPr>
               <a:t>square?</a:t>
             </a:r>
+          </a:p>
+          <a:p>
+            <a:pPr marL="857250" lvl="2" indent="0">
+              <a:buNone/>
+            </a:pPr>
+            <a:r>
+              <a:rPr lang="en-US" dirty="0"/>
+              <a:t>(pronounced "huh?", as in "square-huh?")</a:t>
+            </a:r>
+            <a:endParaRPr lang="en-US" dirty="0">
+              <a:cs typeface="Consolas"/>
+            </a:endParaRPr>
+          </a:p>
+          <a:p>
             <a:r>
               <a:rPr lang="en-US" dirty="0">
                 <a:cs typeface="Consolas"/>
               </a:rPr>
-              <a:t> .</a:t>
-            </a:r>
-          </a:p>
-          <a:p>
-            <a:r>
-              <a:rPr lang="en-US" dirty="0">
+              <a:t>Use first component of the name to distinguish similar functions with different arguments, e.g.:</a:t>
+            </a:r>
+            <a:endParaRPr lang="en-US" b="1" dirty="0">
+              <a:latin typeface="Consolas"/>
+              <a:cs typeface="Consolas"/>
+            </a:endParaRPr>
+          </a:p>
+          <a:p>
+            <a:pPr lvl="1"/>
+            <a:r>
+              <a:rPr lang="en-US" b="1" dirty="0">
+                <a:latin typeface="Consolas"/>
                 <a:cs typeface="Consolas"/>
               </a:rPr>
-              <a:t>These are our conventions.  Other languages have other conventions; you should follow them.</a:t>
-            </a:r>
-          </a:p>
-          <a:p>
-            <a:endParaRPr lang="en-US" dirty="0">
-              <a:cs typeface="Consolas"/>
-            </a:endParaRPr>
+              <a:t>circle-area, ring-area </a:t>
+            </a:r>
+          </a:p>
+          <a:p>
+            <a:pPr lvl="1"/>
+            <a:r>
+              <a:rPr lang="en-US" b="1" dirty="0">
+                <a:latin typeface="Consolas"/>
+                <a:cs typeface="Consolas"/>
+              </a:rPr>
+              <a:t>book-price, total-order-price</a:t>
+            </a:r>
           </a:p>
           <a:p>
             <a:endParaRPr lang="en-US" dirty="0">
@@ -6076,7 +10822,7 @@
     </p:spTree>
     <p:extLst>
       <p:ext uri="{BB962C8B-B14F-4D97-AF65-F5344CB8AC3E}">
-        <p14:creationId xmlns:p14="http://schemas.microsoft.com/office/powerpoint/2010/main" val="4203782027"/>
+        <p14:creationId xmlns:p14="http://schemas.microsoft.com/office/powerpoint/2010/main" val="1799892499"/>
       </p:ext>
     </p:extLst>
   </p:cSld>
@@ -6115,148 +10861,119 @@
         </p:nvSpPr>
         <p:spPr/>
         <p:txBody>
-          <a:bodyPr/>
-          <a:lstStyle/>
-          <a:p>
-            <a:r>
-              <a:rPr lang="en-US" dirty="0"/>
-              <a:t>Argument Names</a:t>
-            </a:r>
-          </a:p>
-        </p:txBody>
-      </p:sp>
-      <p:sp>
-        <p:nvSpPr>
-          <p:cNvPr id="3" name="Content Placeholder 2"/>
-          <p:cNvSpPr>
-            <a:spLocks noGrp="1"/>
-          </p:cNvSpPr>
-          <p:nvPr>
-            <p:ph idx="1"/>
-          </p:nvPr>
-        </p:nvSpPr>
-        <p:spPr/>
-        <p:txBody>
           <a:bodyPr>
-            <a:normAutofit fontScale="85000" lnSpcReduction="20000"/>
+            <a:normAutofit/>
           </a:bodyPr>
           <a:lstStyle/>
           <a:p>
             <a:r>
               <a:rPr lang="en-US" dirty="0"/>
-              <a:t>We use short names for arguments:</a:t>
-            </a:r>
-          </a:p>
-          <a:p>
-            <a:pPr lvl="1"/>
+              <a:t>Conventions for Good Names</a:t>
+            </a:r>
+          </a:p>
+        </p:txBody>
+      </p:sp>
+      <p:sp>
+        <p:nvSpPr>
+          <p:cNvPr id="3" name="Content Placeholder 2"/>
+          <p:cNvSpPr>
+            <a:spLocks noGrp="1"/>
+          </p:cNvSpPr>
+          <p:nvPr>
+            <p:ph idx="1"/>
+          </p:nvPr>
+        </p:nvSpPr>
+        <p:spPr>
+          <a:xfrm>
+            <a:off x="513384" y="1600200"/>
+            <a:ext cx="8229600" cy="4525963"/>
+          </a:xfrm>
+        </p:spPr>
+        <p:txBody>
+          <a:bodyPr>
+            <a:normAutofit lnSpcReduction="10000"/>
+          </a:bodyPr>
+          <a:lstStyle/>
+          <a:p>
+            <a:pPr marL="342900" lvl="1" indent="-342900">
+              <a:buFont typeface="Arial" pitchFamily="34" charset="0"/>
+              <a:buChar char="•"/>
+            </a:pPr>
+            <a:r>
+              <a:rPr lang="en-US" sz="3200" dirty="0">
+                <a:cs typeface="Consolas"/>
+              </a:rPr>
+              <a:t>In Racket, "-" and "?" are legal characters that may occur in names.</a:t>
+            </a:r>
+          </a:p>
+          <a:p>
+            <a:pPr marL="342900" lvl="1" indent="-342900">
+              <a:buFont typeface="Arial" pitchFamily="34" charset="0"/>
+              <a:buChar char="•"/>
+            </a:pPr>
+            <a:r>
+              <a:rPr lang="en-US" sz="3200" dirty="0"/>
+              <a:t>Use the minus sign to separate components of a name, e.g. </a:t>
+            </a:r>
+            <a:r>
+              <a:rPr lang="en-US" sz="3200" b="1" dirty="0">
+                <a:latin typeface="Consolas"/>
+                <a:cs typeface="Consolas"/>
+              </a:rPr>
+              <a:t>total-order-price</a:t>
+            </a:r>
+            <a:endParaRPr lang="en-US" sz="3200" dirty="0"/>
+          </a:p>
+          <a:p>
+            <a:r>
+              <a:rPr lang="en-US" dirty="0">
+                <a:cs typeface="Consolas"/>
+              </a:rPr>
+              <a:t>Use the question mark to name predicates: </a:t>
+            </a:r>
+            <a:r>
+              <a:rPr lang="en-US" dirty="0" err="1">
+                <a:cs typeface="Consolas"/>
+              </a:rPr>
+              <a:t>eg</a:t>
+            </a:r>
+            <a:r>
+              <a:rPr lang="en-US" dirty="0">
+                <a:cs typeface="Consolas"/>
+              </a:rPr>
+              <a:t>, </a:t>
+            </a:r>
             <a:r>
               <a:rPr lang="en-US" b="1" dirty="0">
                 <a:latin typeface="Consolas" pitchFamily="49" charset="0"/>
                 <a:cs typeface="Consolas" pitchFamily="49" charset="0"/>
               </a:rPr>
-              <a:t>b</a:t>
-            </a:r>
-            <a:r>
-              <a:rPr lang="en-US" dirty="0"/>
-              <a:t> for a </a:t>
-            </a:r>
-            <a:r>
-              <a:rPr lang="en-US" b="1" dirty="0">
-                <a:latin typeface="Consolas" pitchFamily="49" charset="0"/>
-                <a:cs typeface="Consolas" pitchFamily="49" charset="0"/>
+              <a:t>square?</a:t>
+            </a:r>
+            <a:r>
+              <a:rPr lang="en-US" dirty="0">
+                <a:cs typeface="Consolas"/>
               </a:rPr>
-              <a:t>Book</a:t>
-            </a:r>
-          </a:p>
-          <a:p>
-            <a:r>
-              <a:rPr lang="en-US" dirty="0"/>
-              <a:t>Or mnemonic names:</a:t>
-            </a:r>
-          </a:p>
-          <a:p>
-            <a:pPr lvl="1"/>
-            <a:r>
-              <a:rPr lang="en-US" b="1" dirty="0">
-                <a:latin typeface="Consolas" pitchFamily="49" charset="0"/>
-                <a:cs typeface="Consolas" pitchFamily="49" charset="0"/>
+              <a:t> .</a:t>
+            </a:r>
+          </a:p>
+          <a:p>
+            <a:r>
+              <a:rPr lang="en-US" dirty="0">
+                <a:cs typeface="Consolas"/>
               </a:rPr>
-              <a:t>cost</a:t>
-            </a:r>
-            <a:r>
-              <a:rPr lang="en-US" dirty="0"/>
-              <a:t>, </a:t>
-            </a:r>
-            <a:r>
-              <a:rPr lang="en-US" b="1" dirty="0">
-                <a:latin typeface="Consolas" pitchFamily="49" charset="0"/>
-                <a:cs typeface="Consolas" pitchFamily="49" charset="0"/>
-              </a:rPr>
-              <a:t>price</a:t>
-            </a:r>
-          </a:p>
-          <a:p>
-            <a:r>
-              <a:rPr lang="en-US" dirty="0">
-                <a:cs typeface="Consolas" pitchFamily="49" charset="0"/>
-              </a:rPr>
-              <a:t>Qualified names:</a:t>
-            </a:r>
-          </a:p>
-          <a:p>
-            <a:pPr lvl="1"/>
-            <a:r>
-              <a:rPr lang="en-US" b="1" dirty="0">
-                <a:latin typeface="Consolas" pitchFamily="49" charset="0"/>
-                <a:cs typeface="Consolas" pitchFamily="49" charset="0"/>
-              </a:rPr>
-              <a:t>mouse-x</a:t>
-            </a:r>
-            <a:r>
-              <a:rPr lang="en-US" dirty="0">
-                <a:cs typeface="Consolas" pitchFamily="49" charset="0"/>
-              </a:rPr>
-              <a:t>, </a:t>
-            </a:r>
-            <a:r>
-              <a:rPr lang="en-US" b="1" dirty="0">
-                <a:latin typeface="Consolas" pitchFamily="49" charset="0"/>
-                <a:cs typeface="Consolas" pitchFamily="49" charset="0"/>
-              </a:rPr>
-              <a:t>bomb-x</a:t>
-            </a:r>
-          </a:p>
-          <a:p>
-            <a:r>
-              <a:rPr lang="en-US" dirty="0">
-                <a:latin typeface="+mj-lt"/>
-                <a:cs typeface="Consolas" pitchFamily="49" charset="0"/>
-              </a:rPr>
-              <a:t>Avoid lame names, like </a:t>
-            </a:r>
-            <a:r>
-              <a:rPr lang="en-US" b="1" dirty="0">
-                <a:latin typeface="+mj-lt"/>
-                <a:cs typeface="Consolas" pitchFamily="49" charset="0"/>
-              </a:rPr>
-              <a:t>list1</a:t>
-            </a:r>
-            <a:r>
-              <a:rPr lang="en-US" dirty="0">
-                <a:latin typeface="+mj-lt"/>
-                <a:cs typeface="Consolas" pitchFamily="49" charset="0"/>
-              </a:rPr>
-              <a:t> .  Names should refer to the information, not just the data type, whenever possible.</a:t>
-            </a:r>
-          </a:p>
-          <a:p>
-            <a:r>
-              <a:rPr lang="en-US" dirty="0"/>
-              <a:t>These are our conventions. Your workplace may have different conventions for argument names.</a:t>
-            </a:r>
-            <a:endParaRPr lang="en-US" b="1" dirty="0">
-              <a:latin typeface="Consolas" pitchFamily="49" charset="0"/>
-              <a:cs typeface="Consolas" pitchFamily="49" charset="0"/>
+              <a:t>These are our conventions.  Other languages have other conventions; you should follow them.</a:t>
+            </a:r>
+          </a:p>
+          <a:p>
+            <a:endParaRPr lang="en-US" dirty="0">
+              <a:cs typeface="Consolas"/>
+            </a:endParaRPr>
+          </a:p>
+          <a:p>
+            <a:endParaRPr lang="en-US" dirty="0">
+              <a:latin typeface="Consolas"/>
+              <a:cs typeface="Consolas"/>
             </a:endParaRPr>
           </a:p>
         </p:txBody>
@@ -6264,7 +10981,7 @@
     </p:spTree>
     <p:extLst>
       <p:ext uri="{BB962C8B-B14F-4D97-AF65-F5344CB8AC3E}">
-        <p14:creationId xmlns:p14="http://schemas.microsoft.com/office/powerpoint/2010/main" val="1032906262"/>
+        <p14:creationId xmlns:p14="http://schemas.microsoft.com/office/powerpoint/2010/main" val="4203782027"/>
       </p:ext>
     </p:extLst>
   </p:cSld>
@@ -6308,7 +11025,7 @@
           <a:p>
             <a:r>
               <a:rPr lang="en-US" dirty="0"/>
-              <a:t>Numeric Data Types</a:t>
+              <a:t>Argument Names</a:t>
             </a:r>
           </a:p>
         </p:txBody>
@@ -6326,112 +11043,133 @@
         <p:spPr/>
         <p:txBody>
           <a:bodyPr>
-            <a:normAutofit lnSpcReduction="10000"/>
+            <a:normAutofit fontScale="85000" lnSpcReduction="20000"/>
           </a:bodyPr>
           <a:lstStyle/>
           <a:p>
             <a:r>
               <a:rPr lang="en-US" dirty="0"/>
-              <a:t>In Racket, Number includes Complex numbers, so we'll hardly ever use Number.</a:t>
-            </a:r>
-          </a:p>
-          <a:p>
-            <a:r>
-              <a:rPr lang="en-US" b="1" dirty="0"/>
-              <a:t>Integer</a:t>
+              <a:t>We use short names for arguments:</a:t>
+            </a:r>
+          </a:p>
+          <a:p>
+            <a:pPr lvl="1"/>
+            <a:r>
+              <a:rPr lang="en-US" b="1" dirty="0">
+                <a:latin typeface="Consolas" pitchFamily="49" charset="0"/>
+                <a:cs typeface="Consolas" pitchFamily="49" charset="0"/>
+              </a:rPr>
+              <a:t>b</a:t>
             </a:r>
             <a:r>
               <a:rPr lang="en-US" dirty="0"/>
-              <a:t> vs. </a:t>
-            </a:r>
-            <a:r>
-              <a:rPr lang="en-US" b="1" dirty="0" err="1"/>
-              <a:t>NonNegReal</a:t>
-            </a:r>
+              <a:t> for a </a:t>
+            </a:r>
+            <a:r>
+              <a:rPr lang="en-US" b="1" dirty="0">
+                <a:latin typeface="Consolas" pitchFamily="49" charset="0"/>
+                <a:cs typeface="Consolas" pitchFamily="49" charset="0"/>
+              </a:rPr>
+              <a:t>Book</a:t>
+            </a:r>
+          </a:p>
+          <a:p>
             <a:r>
               <a:rPr lang="en-US" dirty="0"/>
-              <a:t> vs. </a:t>
-            </a:r>
-            <a:r>
-              <a:rPr lang="en-US" b="1" dirty="0" err="1"/>
-              <a:t>PosReal</a:t>
+              <a:t>Or mnemonic names:</a:t>
+            </a:r>
+          </a:p>
+          <a:p>
+            <a:pPr lvl="1"/>
+            <a:r>
+              <a:rPr lang="en-US" b="1" dirty="0">
+                <a:latin typeface="Consolas" pitchFamily="49" charset="0"/>
+                <a:cs typeface="Consolas" pitchFamily="49" charset="0"/>
+              </a:rPr>
+              <a:t>cost</a:t>
             </a:r>
             <a:r>
               <a:rPr lang="en-US" dirty="0"/>
-              <a:t> ?</a:t>
+              <a:t>, </a:t>
+            </a:r>
+            <a:r>
+              <a:rPr lang="en-US" b="1" dirty="0">
+                <a:latin typeface="Consolas" pitchFamily="49" charset="0"/>
+                <a:cs typeface="Consolas" pitchFamily="49" charset="0"/>
+              </a:rPr>
+              <a:t>price</a:t>
+            </a:r>
+          </a:p>
+          <a:p>
+            <a:r>
+              <a:rPr lang="en-US" dirty="0">
+                <a:cs typeface="Consolas" pitchFamily="49" charset="0"/>
+              </a:rPr>
+              <a:t>Qualified names:</a:t>
             </a:r>
           </a:p>
           <a:p>
             <a:pPr lvl="1"/>
             <a:r>
+              <a:rPr lang="en-US" b="1" dirty="0">
+                <a:latin typeface="Consolas" pitchFamily="49" charset="0"/>
+                <a:cs typeface="Consolas" pitchFamily="49" charset="0"/>
+              </a:rPr>
+              <a:t>mouse-x</a:t>
+            </a:r>
+            <a:r>
+              <a:rPr lang="en-US" dirty="0">
+                <a:cs typeface="Consolas" pitchFamily="49" charset="0"/>
+              </a:rPr>
+              <a:t>, </a:t>
+            </a:r>
+            <a:r>
+              <a:rPr lang="en-US" b="1" dirty="0">
+                <a:latin typeface="Consolas" pitchFamily="49" charset="0"/>
+                <a:cs typeface="Consolas" pitchFamily="49" charset="0"/>
+              </a:rPr>
+              <a:t>bomb-x</a:t>
+            </a:r>
+          </a:p>
+          <a:p>
+            <a:r>
+              <a:rPr lang="en-US" dirty="0">
+                <a:latin typeface="+mj-lt"/>
+                <a:cs typeface="Consolas" pitchFamily="49" charset="0"/>
+              </a:rPr>
+              <a:t>Avoid lame names, like </a:t>
+            </a:r>
+            <a:r>
+              <a:rPr lang="en-US" b="1" dirty="0">
+                <a:latin typeface="+mj-lt"/>
+                <a:cs typeface="Consolas" pitchFamily="49" charset="0"/>
+              </a:rPr>
+              <a:t>list1</a:t>
+            </a:r>
+            <a:r>
+              <a:rPr lang="en-US" dirty="0">
+                <a:latin typeface="+mj-lt"/>
+                <a:cs typeface="Consolas" pitchFamily="49" charset="0"/>
+              </a:rPr>
+              <a:t> .  Names should refer to the information, not just the data type, whenever possible.</a:t>
+            </a:r>
+          </a:p>
+          <a:p>
+            <a:r>
               <a:rPr lang="en-US" dirty="0"/>
-              <a:t>look to the data definition.  If your number represents a quantity that is always non-negative (say, a length or an area), then call it a </a:t>
-            </a:r>
-            <a:r>
-              <a:rPr lang="en-US" b="1" dirty="0" err="1"/>
-              <a:t>NonNegInt</a:t>
-            </a:r>
-            <a:r>
-              <a:rPr lang="en-US" dirty="0"/>
-              <a:t>.</a:t>
-            </a:r>
-          </a:p>
-          <a:p>
-            <a:pPr lvl="1"/>
-            <a:r>
-              <a:rPr lang="en-US" dirty="0"/>
-              <a:t>if we're not dealing with physical quantities, then we'll typically use </a:t>
-            </a:r>
-            <a:r>
-              <a:rPr lang="en-US" b="1" dirty="0"/>
-              <a:t>Integer</a:t>
-            </a:r>
-            <a:r>
-              <a:rPr lang="en-US" dirty="0"/>
-              <a:t>.</a:t>
-            </a:r>
-          </a:p>
-          <a:p>
-            <a:pPr lvl="1"/>
-            <a:r>
-              <a:rPr lang="en-US" i="1" dirty="0">
-                <a:solidFill>
-                  <a:srgbClr val="FF0000"/>
-                </a:solidFill>
-              </a:rPr>
-              <a:t>Your function has to handle any value of the type it says in the contract.</a:t>
-            </a:r>
-          </a:p>
-        </p:txBody>
-      </p:sp>
-      <p:sp>
-        <p:nvSpPr>
-          <p:cNvPr id="4" name="Slide Number Placeholder 3"/>
-          <p:cNvSpPr>
-            <a:spLocks noGrp="1"/>
-          </p:cNvSpPr>
-          <p:nvPr>
-            <p:ph type="sldNum" sz="quarter" idx="12"/>
-          </p:nvPr>
-        </p:nvSpPr>
-        <p:spPr/>
-        <p:txBody>
-          <a:bodyPr/>
-          <a:lstStyle/>
-          <a:p>
-            <a:fld id="{AB376464-0CAE-48CA-94A1-62F8E9374B4C}" type="slidenum">
-              <a:rPr lang="en-US" smtClean="0"/>
-              <a:pPr/>
-              <a:t>14</a:t>
-            </a:fld>
-            <a:endParaRPr lang="en-US"/>
+              <a:t>These are our conventions. Your workplace may have different conventions for argument names.</a:t>
+            </a:r>
+            <a:endParaRPr lang="en-US" b="1" dirty="0">
+              <a:latin typeface="Consolas" pitchFamily="49" charset="0"/>
+              <a:cs typeface="Consolas" pitchFamily="49" charset="0"/>
+            </a:endParaRPr>
           </a:p>
         </p:txBody>
       </p:sp>
     </p:spTree>
     <p:extLst>
       <p:ext uri="{BB962C8B-B14F-4D97-AF65-F5344CB8AC3E}">
-        <p14:creationId xmlns:p14="http://schemas.microsoft.com/office/powerpoint/2010/main" val="2979188651"/>
+        <p14:creationId xmlns:p14="http://schemas.microsoft.com/office/powerpoint/2010/main" val="1032906262"/>
       </p:ext>
     </p:extLst>
   </p:cSld>
@@ -6460,7 +11198,7 @@
       </p:grpSpPr>
       <p:sp>
         <p:nvSpPr>
-          <p:cNvPr id="4" name="Title 3"/>
+          <p:cNvPr id="2" name="Title 1"/>
           <p:cNvSpPr>
             <a:spLocks noGrp="1"/>
           </p:cNvSpPr>
@@ -6475,7 +11213,7 @@
           <a:p>
             <a:r>
               <a:rPr lang="en-US" dirty="0"/>
-              <a:t>FDR Step 3: Examples and Tests</a:t>
+              <a:t>Numeric Data Types</a:t>
             </a:r>
           </a:p>
         </p:txBody>
@@ -6488,6 +11226,97 @@
           </p:cNvSpPr>
           <p:nvPr>
             <p:ph idx="1"/>
+          </p:nvPr>
+        </p:nvSpPr>
+        <p:spPr/>
+        <p:txBody>
+          <a:bodyPr>
+            <a:normAutofit lnSpcReduction="10000"/>
+          </a:bodyPr>
+          <a:lstStyle/>
+          <a:p>
+            <a:r>
+              <a:rPr lang="en-US" dirty="0"/>
+              <a:t>In Racket, Number includes Complex numbers, so we'll hardly ever use Number.</a:t>
+            </a:r>
+          </a:p>
+          <a:p>
+            <a:r>
+              <a:rPr lang="en-US" b="1" dirty="0"/>
+              <a:t>Integer</a:t>
+            </a:r>
+            <a:r>
+              <a:rPr lang="en-US" dirty="0"/>
+              <a:t> vs. </a:t>
+            </a:r>
+            <a:r>
+              <a:rPr lang="en-US" b="1" dirty="0" err="1"/>
+              <a:t>NonNegReal</a:t>
+            </a:r>
+            <a:r>
+              <a:rPr lang="en-US" dirty="0"/>
+              <a:t> vs. </a:t>
+            </a:r>
+            <a:r>
+              <a:rPr lang="en-US" b="1" dirty="0" err="1"/>
+              <a:t>PosReal</a:t>
+            </a:r>
+            <a:r>
+              <a:rPr lang="en-US" dirty="0"/>
+              <a:t> ?</a:t>
+            </a:r>
+          </a:p>
+          <a:p>
+            <a:pPr lvl="1"/>
+            <a:r>
+              <a:rPr lang="en-US" dirty="0"/>
+              <a:t>look to the data definition.  If your number represents a quantity that is always non-negative (say, a length or an area), then call it a </a:t>
+            </a:r>
+            <a:r>
+              <a:rPr lang="en-US" b="1" dirty="0" err="1"/>
+              <a:t>NonNegInt</a:t>
+            </a:r>
+            <a:r>
+              <a:rPr lang="en-US" dirty="0"/>
+              <a:t>.</a:t>
+            </a:r>
+          </a:p>
+          <a:p>
+            <a:pPr lvl="1"/>
+            <a:r>
+              <a:rPr lang="en-US" dirty="0"/>
+              <a:t>if we're not dealing with physical quantities, then we'll typically use </a:t>
+            </a:r>
+            <a:r>
+              <a:rPr lang="en-US" b="1" dirty="0"/>
+              <a:t>Integer</a:t>
+            </a:r>
+            <a:r>
+              <a:rPr lang="en-US" dirty="0"/>
+              <a:t>.</a:t>
+            </a:r>
+          </a:p>
+          <a:p>
+            <a:pPr lvl="1"/>
+            <a:r>
+              <a:rPr lang="en-US" i="1" dirty="0">
+                <a:solidFill>
+                  <a:srgbClr val="FF0000"/>
+                </a:solidFill>
+              </a:rPr>
+              <a:t>Your function has to handle any value of the type it says in the contract.</a:t>
+            </a:r>
+          </a:p>
+        </p:txBody>
+      </p:sp>
+      <p:sp>
+        <p:nvSpPr>
+          <p:cNvPr id="4" name="Slide Number Placeholder 3"/>
+          <p:cNvSpPr>
+            <a:spLocks noGrp="1"/>
+          </p:cNvSpPr>
+          <p:nvPr>
+            <p:ph type="sldNum" sz="quarter" idx="12"/>
           </p:nvPr>
         </p:nvSpPr>
         <p:spPr/>
@@ -6495,77 +11324,19 @@
           <a:bodyPr/>
           <a:lstStyle/>
           <a:p>
-            <a:r>
-              <a:rPr lang="en-US" dirty="0">
-                <a:cs typeface="Courier New" pitchFamily="49" charset="0"/>
-              </a:rPr>
-              <a:t>Examples show sample arguments and results, to make clear what is intended.</a:t>
-            </a:r>
-          </a:p>
-          <a:p>
-            <a:r>
-              <a:rPr lang="en-US" dirty="0">
-                <a:cs typeface="Courier New" pitchFamily="49" charset="0"/>
-              </a:rPr>
-              <a:t>This may include showing how the function should be called.</a:t>
-            </a:r>
-          </a:p>
-          <a:p>
-            <a:r>
-              <a:rPr lang="en-US" dirty="0">
-                <a:cs typeface="Courier New" pitchFamily="49" charset="0"/>
-              </a:rPr>
-              <a:t>It should also illustrate the different behaviors of the function.</a:t>
-            </a:r>
-          </a:p>
-          <a:p>
-            <a:r>
-              <a:rPr lang="en-US" dirty="0">
-                <a:cs typeface="Courier New" pitchFamily="49" charset="0"/>
-              </a:rPr>
-              <a:t>How many examples, and what kind, will depend a lot on the function</a:t>
-            </a:r>
-          </a:p>
-          <a:p>
-            <a:pPr marL="0" indent="0">
-              <a:buNone/>
-            </a:pPr>
-            <a:endParaRPr lang="en-US" dirty="0"/>
-          </a:p>
-          <a:p>
-            <a:endParaRPr lang="en-US" dirty="0">
-              <a:cs typeface="Courier New" pitchFamily="49" charset="0"/>
-            </a:endParaRPr>
-          </a:p>
-          <a:p>
-            <a:endParaRPr lang="en-US" dirty="0">
-              <a:cs typeface="Courier New" pitchFamily="49" charset="0"/>
-            </a:endParaRPr>
-          </a:p>
-          <a:p>
-            <a:pPr marL="0" indent="0">
-              <a:buNone/>
-            </a:pPr>
-            <a:endParaRPr lang="en-US" dirty="0">
-              <a:latin typeface="Courier New" pitchFamily="49" charset="0"/>
-              <a:cs typeface="Courier New" pitchFamily="49" charset="0"/>
-            </a:endParaRPr>
-          </a:p>
-          <a:p>
-            <a:pPr marL="0" indent="0">
-              <a:buNone/>
-            </a:pPr>
-            <a:endParaRPr lang="en-US" dirty="0">
-              <a:latin typeface="Courier New" pitchFamily="49" charset="0"/>
-              <a:cs typeface="Courier New" pitchFamily="49" charset="0"/>
-            </a:endParaRPr>
+            <a:fld id="{AB376464-0CAE-48CA-94A1-62F8E9374B4C}" type="slidenum">
+              <a:rPr lang="en-US" smtClean="0"/>
+              <a:pPr/>
+              <a:t>15</a:t>
+            </a:fld>
+            <a:endParaRPr lang="en-US"/>
           </a:p>
         </p:txBody>
       </p:sp>
     </p:spTree>
     <p:extLst>
       <p:ext uri="{BB962C8B-B14F-4D97-AF65-F5344CB8AC3E}">
-        <p14:creationId xmlns:p14="http://schemas.microsoft.com/office/powerpoint/2010/main" val="1244398512"/>
+        <p14:creationId xmlns:p14="http://schemas.microsoft.com/office/powerpoint/2010/main" val="2979188651"/>
       </p:ext>
     </p:extLst>
   </p:cSld>
@@ -6594,7 +11365,7 @@
       </p:grpSpPr>
       <p:sp>
         <p:nvSpPr>
-          <p:cNvPr id="2" name="Title 1"/>
+          <p:cNvPr id="4" name="Title 3"/>
           <p:cNvSpPr>
             <a:spLocks noGrp="1"/>
           </p:cNvSpPr>
@@ -6609,7 +11380,7 @@
           <a:p>
             <a:r>
               <a:rPr lang="en-US" dirty="0"/>
-              <a:t>Examples of Examples (1)</a:t>
+              <a:t>FDR Step 3: Examples and Tests</a:t>
             </a:r>
           </a:p>
         </p:txBody>
@@ -6630,81 +11401,76 @@
           <a:lstStyle/>
           <a:p>
             <a:r>
-              <a:rPr lang="en-US" dirty="0"/>
-              <a:t>If the function is a linear function of a single input, two examples are sufficient to uniquely determine the function.</a:t>
-            </a:r>
-          </a:p>
-          <a:p>
-            <a:r>
-              <a:rPr lang="en-US" dirty="0"/>
-              <a:t>We saw this for </a:t>
-            </a:r>
-            <a:r>
-              <a:rPr lang="en-US" b="1" dirty="0">
-                <a:latin typeface="Consolas" pitchFamily="49" charset="0"/>
-                <a:cs typeface="Consolas" pitchFamily="49" charset="0"/>
+              <a:rPr lang="en-US" dirty="0">
+                <a:cs typeface="Courier New" pitchFamily="49" charset="0"/>
               </a:rPr>
-              <a:t>f2c</a:t>
-            </a:r>
-            <a:r>
-              <a:rPr lang="en-US" dirty="0"/>
-              <a:t> :</a:t>
+              <a:t>Examples show sample arguments and results, to make clear what is intended.</a:t>
+            </a:r>
+          </a:p>
+          <a:p>
+            <a:r>
+              <a:rPr lang="en-US" dirty="0">
+                <a:cs typeface="Courier New" pitchFamily="49" charset="0"/>
+              </a:rPr>
+              <a:t>This may include showing how the function should be called.</a:t>
+            </a:r>
+          </a:p>
+          <a:p>
+            <a:r>
+              <a:rPr lang="en-US" dirty="0">
+                <a:cs typeface="Courier New" pitchFamily="49" charset="0"/>
+              </a:rPr>
+              <a:t>It should also illustrate the different behaviors of the function.</a:t>
+            </a:r>
+          </a:p>
+          <a:p>
+            <a:r>
+              <a:rPr lang="en-US" dirty="0">
+                <a:cs typeface="Courier New" pitchFamily="49" charset="0"/>
+              </a:rPr>
+              <a:t>How many examples, and what kind, will depend a lot on the function</a:t>
             </a:r>
           </a:p>
           <a:p>
             <a:pPr marL="0" indent="0">
               <a:buNone/>
             </a:pPr>
-            <a:r>
-              <a:rPr lang="en-US" b="1" dirty="0">
-                <a:latin typeface="Consolas" pitchFamily="49" charset="0"/>
-                <a:cs typeface="Consolas" pitchFamily="49" charset="0"/>
-              </a:rPr>
-              <a:t>	;; (f2c 32) = 0</a:t>
-            </a:r>
+            <a:endParaRPr lang="en-US" dirty="0"/>
+          </a:p>
+          <a:p>
+            <a:endParaRPr lang="en-US" dirty="0">
+              <a:cs typeface="Courier New" pitchFamily="49" charset="0"/>
+            </a:endParaRPr>
+          </a:p>
+          <a:p>
+            <a:endParaRPr lang="en-US" dirty="0">
+              <a:cs typeface="Courier New" pitchFamily="49" charset="0"/>
+            </a:endParaRPr>
           </a:p>
           <a:p>
             <a:pPr marL="0" indent="0">
               <a:buNone/>
             </a:pPr>
-            <a:r>
-              <a:rPr lang="en-US" b="1" dirty="0">
-                <a:latin typeface="Consolas" pitchFamily="49" charset="0"/>
-                <a:cs typeface="Consolas" pitchFamily="49" charset="0"/>
-              </a:rPr>
-              <a:t>    ;; (f2c 212) = 100</a:t>
-            </a:r>
-          </a:p>
-        </p:txBody>
-      </p:sp>
-      <p:sp>
-        <p:nvSpPr>
-          <p:cNvPr id="4" name="Slide Number Placeholder 3"/>
-          <p:cNvSpPr>
-            <a:spLocks noGrp="1"/>
-          </p:cNvSpPr>
-          <p:nvPr>
-            <p:ph type="sldNum" sz="quarter" idx="12"/>
-          </p:nvPr>
-        </p:nvSpPr>
-        <p:spPr/>
-        <p:txBody>
-          <a:bodyPr/>
-          <a:lstStyle/>
-          <a:p>
-            <a:fld id="{AB376464-0CAE-48CA-94A1-62F8E9374B4C}" type="slidenum">
-              <a:rPr lang="en-US" smtClean="0"/>
-              <a:pPr/>
-              <a:t>16</a:t>
-            </a:fld>
-            <a:endParaRPr lang="en-US"/>
+            <a:endParaRPr lang="en-US" dirty="0">
+              <a:latin typeface="Courier New" pitchFamily="49" charset="0"/>
+              <a:cs typeface="Courier New" pitchFamily="49" charset="0"/>
+            </a:endParaRPr>
+          </a:p>
+          <a:p>
+            <a:pPr marL="0" indent="0">
+              <a:buNone/>
+            </a:pPr>
+            <a:endParaRPr lang="en-US" dirty="0">
+              <a:latin typeface="Courier New" pitchFamily="49" charset="0"/>
+              <a:cs typeface="Courier New" pitchFamily="49" charset="0"/>
+            </a:endParaRPr>
           </a:p>
         </p:txBody>
       </p:sp>
     </p:spTree>
     <p:extLst>
       <p:ext uri="{BB962C8B-B14F-4D97-AF65-F5344CB8AC3E}">
-        <p14:creationId xmlns:p14="http://schemas.microsoft.com/office/powerpoint/2010/main" val="2510411424"/>
+        <p14:creationId xmlns:p14="http://schemas.microsoft.com/office/powerpoint/2010/main" val="1244398512"/>
       </p:ext>
     </p:extLst>
   </p:cSld>
@@ -6748,7 +11514,7 @@
           <a:p>
             <a:r>
               <a:rPr lang="en-US" dirty="0"/>
-              <a:t>Examples of Examples (2)</a:t>
+              <a:t>Examples of Examples (1)</a:t>
             </a:r>
           </a:p>
         </p:txBody>
@@ -6765,32 +11531,29 @@
         </p:nvSpPr>
         <p:spPr/>
         <p:txBody>
-          <a:bodyPr>
-            <a:normAutofit fontScale="92500" lnSpcReduction="20000"/>
-          </a:bodyPr>
+          <a:bodyPr/>
           <a:lstStyle/>
           <a:p>
             <a:r>
               <a:rPr lang="en-US" dirty="0"/>
-              <a:t>If the function takes an argument that is itemization or mixed data, then choose examples from each subclass of the itemization.</a:t>
+              <a:t>If the function is a linear function of a single input, two examples are sufficient to uniquely determine the function.</a:t>
             </a:r>
           </a:p>
           <a:p>
             <a:r>
               <a:rPr lang="en-US" dirty="0"/>
-              <a:t>Example:</a:t>
-            </a:r>
-          </a:p>
-          <a:p>
-            <a:pPr marL="0" indent="0">
-              <a:buNone/>
-            </a:pPr>
+              <a:t>We saw this for </a:t>
+            </a:r>
             <a:r>
               <a:rPr lang="en-US" b="1" dirty="0">
                 <a:latin typeface="Consolas" pitchFamily="49" charset="0"/>
                 <a:cs typeface="Consolas" pitchFamily="49" charset="0"/>
               </a:rPr>
-              <a:t>;; (next-state "red") = "green"</a:t>
+              <a:t>f2c</a:t>
+            </a:r>
+            <a:r>
+              <a:rPr lang="en-US" dirty="0"/>
+              <a:t> :</a:t>
             </a:r>
           </a:p>
           <a:p>
@@ -6802,7 +11565,7 @@
                 <a:latin typeface="Consolas" pitchFamily="49" charset="0"/>
                 <a:cs typeface="Consolas" pitchFamily="49" charset="0"/>
               </a:rPr>
-              <a:t>;; (next-state "yellow") = "red"</a:t>
+              <a:t>	;; (f2c 32) = 0</a:t>
             </a:r>
           </a:p>
           <a:p>
@@ -6814,33 +11577,39 @@
                 <a:latin typeface="Consolas" pitchFamily="49" charset="0"/>
                 <a:cs typeface="Consolas" pitchFamily="49" charset="0"/>
               </a:rPr>
-              <a:t>;; (next-state "green") = "yellow"</a:t>
-            </a:r>
-          </a:p>
-          <a:p>
-            <a:r>
-              <a:rPr lang="en-US" dirty="0">
-                <a:cs typeface="Consolas" pitchFamily="49" charset="0"/>
-              </a:rPr>
-              <a:t>If your function uses a cond to divide its inputs  into classes, choose examples from each class.</a:t>
-            </a:r>
-          </a:p>
-          <a:p>
-            <a:pPr marL="0" indent="0">
-              <a:buNone/>
-            </a:pPr>
-            <a:r>
-              <a:rPr lang="en-US" dirty="0"/>
-              <a:t> 	</a:t>
-            </a:r>
-            <a:endParaRPr lang="en-US" sz="2100" dirty="0"/>
+              <a:t>    ;; (f2c 212) = 100</a:t>
+            </a:r>
+          </a:p>
+        </p:txBody>
+      </p:sp>
+      <p:sp>
+        <p:nvSpPr>
+          <p:cNvPr id="4" name="Slide Number Placeholder 3"/>
+          <p:cNvSpPr>
+            <a:spLocks noGrp="1"/>
+          </p:cNvSpPr>
+          <p:nvPr>
+            <p:ph type="sldNum" sz="quarter" idx="12"/>
+          </p:nvPr>
+        </p:nvSpPr>
+        <p:spPr/>
+        <p:txBody>
+          <a:bodyPr/>
+          <a:lstStyle/>
+          <a:p>
+            <a:fld id="{AB376464-0CAE-48CA-94A1-62F8E9374B4C}" type="slidenum">
+              <a:rPr lang="en-US" smtClean="0"/>
+              <a:pPr/>
+              <a:t>17</a:t>
+            </a:fld>
+            <a:endParaRPr lang="en-US"/>
           </a:p>
         </p:txBody>
       </p:sp>
     </p:spTree>
     <p:extLst>
       <p:ext uri="{BB962C8B-B14F-4D97-AF65-F5344CB8AC3E}">
-        <p14:creationId xmlns:p14="http://schemas.microsoft.com/office/powerpoint/2010/main" val="1970648453"/>
+        <p14:creationId xmlns:p14="http://schemas.microsoft.com/office/powerpoint/2010/main" val="2510411424"/>
       </p:ext>
     </p:extLst>
   </p:cSld>
@@ -6884,7 +11653,7 @@
           <a:p>
             <a:r>
               <a:rPr lang="en-US" dirty="0"/>
-              <a:t>Examples of Examples (3)</a:t>
+              <a:t>Examples of Examples (2)</a:t>
             </a:r>
           </a:p>
         </p:txBody>
@@ -6902,19 +11671,19 @@
         <p:spPr/>
         <p:txBody>
           <a:bodyPr>
-            <a:normAutofit fontScale="92500" lnSpcReduction="20000"/>
+            <a:normAutofit fontScale="85000" lnSpcReduction="20000"/>
           </a:bodyPr>
           <a:lstStyle/>
           <a:p>
             <a:r>
               <a:rPr lang="en-US" dirty="0"/>
-              <a:t>Avoid coincidences in your examples.</a:t>
+              <a:t>If the function takes an argument that is itemization or mixed data, then choose examples from each subclass of the itemization.</a:t>
             </a:r>
           </a:p>
           <a:p>
             <a:r>
               <a:rPr lang="en-US" dirty="0"/>
-              <a:t>This example is coincidental:</a:t>
+              <a:t>Example:</a:t>
             </a:r>
           </a:p>
           <a:p>
@@ -6922,11 +11691,11 @@
               <a:buNone/>
             </a:pPr>
             <a:r>
-              <a:rPr lang="en-US" sz="2000" b="1" dirty="0">
+              <a:rPr lang="en-US" b="1" dirty="0">
                 <a:latin typeface="Consolas" pitchFamily="49" charset="0"/>
                 <a:cs typeface="Consolas" pitchFamily="49" charset="0"/>
               </a:rPr>
-              <a:t>	(book-profit-margin </a:t>
+              <a:t>;; (next-state "red") = "green"</a:t>
             </a:r>
           </a:p>
           <a:p>
@@ -6934,11 +11703,11 @@
               <a:buNone/>
             </a:pPr>
             <a:r>
-              <a:rPr lang="en-US" sz="2000" b="1" dirty="0">
+              <a:rPr lang="en-US" b="1" dirty="0">
                 <a:latin typeface="Consolas" pitchFamily="49" charset="0"/>
                 <a:cs typeface="Consolas" pitchFamily="49" charset="0"/>
               </a:rPr>
-              <a:t> 	 (make-book "Little Lisper" "Friedman" 2.00 4.00)) </a:t>
+              <a:t>;; (next-state "yellow") = "red"</a:t>
             </a:r>
           </a:p>
           <a:p>
@@ -6946,27 +11715,24 @@
               <a:buNone/>
             </a:pPr>
             <a:r>
-              <a:rPr lang="en-US" sz="2000" b="1" dirty="0">
+              <a:rPr lang="en-US" b="1" dirty="0">
                 <a:latin typeface="Consolas" pitchFamily="49" charset="0"/>
                 <a:cs typeface="Consolas" pitchFamily="49" charset="0"/>
               </a:rPr>
-              <a:t>	= 2.00</a:t>
-            </a:r>
-          </a:p>
-          <a:p>
-            <a:pPr lvl="1"/>
-            <a:r>
-              <a:rPr lang="en-US" dirty="0"/>
-              <a:t>Is the answer 2 because we subtracted 2 from 4, or because it is the third field in the book? </a:t>
-            </a:r>
+              <a:t>;; (next-state "green") = "yellow"</a:t>
+            </a:r>
+          </a:p>
+          <a:p>
             <a:endParaRPr lang="en-US" dirty="0">
               <a:cs typeface="Consolas" pitchFamily="49" charset="0"/>
             </a:endParaRPr>
           </a:p>
           <a:p>
             <a:r>
-              <a:rPr lang="en-US" dirty="0"/>
-              <a:t>This example is not coincidental:</a:t>
+              <a:rPr lang="en-US" dirty="0">
+                <a:cs typeface="Consolas" pitchFamily="49" charset="0"/>
+              </a:rPr>
+              <a:t>If your function uses a cond to divide its inputs  into classes, choose examples from each class.</a:t>
             </a:r>
           </a:p>
           <a:p>
@@ -6974,61 +11740,17 @@
               <a:buNone/>
             </a:pPr>
             <a:r>
-              <a:rPr lang="en-US" sz="2200" b="1" dirty="0">
-                <a:latin typeface="Consolas" pitchFamily="49" charset="0"/>
-                <a:cs typeface="Consolas" pitchFamily="49" charset="0"/>
-              </a:rPr>
-              <a:t>	</a:t>
-            </a:r>
-            <a:r>
-              <a:rPr lang="en-US" sz="2000" b="1" dirty="0">
-                <a:latin typeface="Consolas" pitchFamily="49" charset="0"/>
-                <a:cs typeface="Consolas" pitchFamily="49" charset="0"/>
-              </a:rPr>
-              <a:t>(book-profit-margin </a:t>
-            </a:r>
-          </a:p>
-          <a:p>
-            <a:pPr marL="0" indent="0">
-              <a:buNone/>
-            </a:pPr>
-            <a:r>
-              <a:rPr lang="en-US" sz="2000" b="1" dirty="0">
-                <a:latin typeface="Consolas" pitchFamily="49" charset="0"/>
-                <a:cs typeface="Consolas" pitchFamily="49" charset="0"/>
-              </a:rPr>
-              <a:t>	 (make-book "Little Lisper" "Friedman" 2.00 5.00)) </a:t>
-            </a:r>
-          </a:p>
-          <a:p>
-            <a:pPr marL="0" indent="0">
-              <a:buNone/>
-            </a:pPr>
-            <a:r>
-              <a:rPr lang="en-US" sz="2000" b="1" dirty="0">
-                <a:latin typeface="Consolas" pitchFamily="49" charset="0"/>
-                <a:cs typeface="Consolas" pitchFamily="49" charset="0"/>
-              </a:rPr>
-              <a:t>	= 3.00</a:t>
-            </a:r>
-          </a:p>
-          <a:p>
-            <a:pPr lvl="1"/>
-            <a:r>
               <a:rPr lang="en-US" dirty="0"/>
-              <a:t>we must have subtracted 2 from 5 to get 3.</a:t>
-            </a:r>
-          </a:p>
-          <a:p>
-            <a:pPr lvl="1"/>
-            <a:endParaRPr lang="en-US" dirty="0"/>
+              <a:t> 	</a:t>
+            </a:r>
+            <a:endParaRPr lang="en-US" sz="2100" dirty="0"/>
           </a:p>
         </p:txBody>
       </p:sp>
     </p:spTree>
     <p:extLst>
       <p:ext uri="{BB962C8B-B14F-4D97-AF65-F5344CB8AC3E}">
-        <p14:creationId xmlns:p14="http://schemas.microsoft.com/office/powerpoint/2010/main" val="2380289396"/>
+        <p14:creationId xmlns:p14="http://schemas.microsoft.com/office/powerpoint/2010/main" val="1970648453"/>
       </p:ext>
     </p:extLst>
   </p:cSld>
@@ -7072,7 +11794,7 @@
           <a:p>
             <a:r>
               <a:rPr lang="en-US" dirty="0"/>
-              <a:t>Make your examples readable</a:t>
+              <a:t>Examples of Examples (3)</a:t>
             </a:r>
           </a:p>
         </p:txBody>
@@ -7090,114 +11812,133 @@
         <p:spPr/>
         <p:txBody>
           <a:bodyPr>
-            <a:normAutofit fontScale="62500" lnSpcReduction="20000"/>
+            <a:normAutofit fontScale="92500" lnSpcReduction="20000"/>
           </a:bodyPr>
           <a:lstStyle/>
           <a:p>
             <a:r>
               <a:rPr lang="en-US" dirty="0"/>
-              <a:t>;;; Here’s an example: a rocket simulation.  </a:t>
-            </a:r>
-          </a:p>
-          <a:p>
+              <a:t>Avoid coincidences in your examples.</a:t>
+            </a:r>
+          </a:p>
+          <a:p>
+            <a:r>
+              <a:rPr lang="en-US" dirty="0"/>
+              <a:t>This example is coincidental:</a:t>
+            </a:r>
+          </a:p>
+          <a:p>
+            <a:pPr marL="0" indent="0">
+              <a:buNone/>
+            </a:pPr>
+            <a:r>
+              <a:rPr lang="en-US" sz="2000" b="1" dirty="0">
+                <a:latin typeface="Consolas" pitchFamily="49" charset="0"/>
+                <a:cs typeface="Consolas" pitchFamily="49" charset="0"/>
+              </a:rPr>
+              <a:t>	(book-profit-margin </a:t>
+            </a:r>
+          </a:p>
+          <a:p>
+            <a:pPr marL="0" indent="0">
+              <a:buNone/>
+            </a:pPr>
+            <a:r>
+              <a:rPr lang="en-US" sz="2000" b="1" dirty="0">
+                <a:latin typeface="Consolas" pitchFamily="49" charset="0"/>
+                <a:cs typeface="Consolas" pitchFamily="49" charset="0"/>
+              </a:rPr>
+              <a:t> 	 (make-book "Little Lisper" "Friedman" 2.00 4.00)) </a:t>
+            </a:r>
+          </a:p>
+          <a:p>
+            <a:pPr marL="0" indent="0">
+              <a:buNone/>
+            </a:pPr>
+            <a:r>
+              <a:rPr lang="en-US" sz="2000" b="1" dirty="0">
+                <a:latin typeface="Consolas" pitchFamily="49" charset="0"/>
+                <a:cs typeface="Consolas" pitchFamily="49" charset="0"/>
+              </a:rPr>
+              <a:t>	= 2.00</a:t>
+            </a:r>
+          </a:p>
+          <a:p>
+            <a:pPr lvl="1"/>
+            <a:r>
+              <a:rPr lang="en-US" dirty="0"/>
+              <a:t>Is the answer 2 because we subtracted 2 from 4, or because it is the third field in the book? </a:t>
+            </a:r>
+            <a:endParaRPr lang="en-US" dirty="0">
+              <a:cs typeface="Consolas" pitchFamily="49" charset="0"/>
+            </a:endParaRPr>
+          </a:p>
+          <a:p>
+            <a:r>
+              <a:rPr lang="en-US" dirty="0"/>
+              <a:t>This example is not coincidental:</a:t>
+            </a:r>
+          </a:p>
+          <a:p>
+            <a:pPr marL="0" indent="0">
+              <a:buNone/>
+            </a:pPr>
+            <a:r>
+              <a:rPr lang="en-US" sz="2200" b="1" dirty="0">
+                <a:latin typeface="Consolas" pitchFamily="49" charset="0"/>
+                <a:cs typeface="Consolas" pitchFamily="49" charset="0"/>
+              </a:rPr>
+              <a:t>	</a:t>
+            </a:r>
+            <a:r>
+              <a:rPr lang="en-US" sz="2000" b="1" dirty="0">
+                <a:latin typeface="Consolas" pitchFamily="49" charset="0"/>
+                <a:cs typeface="Consolas" pitchFamily="49" charset="0"/>
+              </a:rPr>
+              <a:t>(book-profit-margin </a:t>
+            </a:r>
+          </a:p>
+          <a:p>
+            <a:pPr marL="0" indent="0">
+              <a:buNone/>
+            </a:pPr>
+            <a:r>
+              <a:rPr lang="en-US" sz="2000" b="1" dirty="0">
+                <a:latin typeface="Consolas" pitchFamily="49" charset="0"/>
+                <a:cs typeface="Consolas" pitchFamily="49" charset="0"/>
+              </a:rPr>
+              <a:t>	 (make-book "Little Lisper" "Friedman" 2.00 5.00)) </a:t>
+            </a:r>
+          </a:p>
+          <a:p>
+            <a:pPr marL="0" indent="0">
+              <a:buNone/>
+            </a:pPr>
+            <a:r>
+              <a:rPr lang="en-US" sz="2000" b="1" dirty="0">
+                <a:latin typeface="Consolas" pitchFamily="49" charset="0"/>
+                <a:cs typeface="Consolas" pitchFamily="49" charset="0"/>
+              </a:rPr>
+              <a:t>	= 3.00</a:t>
+            </a:r>
+          </a:p>
+          <a:p>
+            <a:pPr lvl="1"/>
+            <a:r>
+              <a:rPr lang="en-US" dirty="0"/>
+              <a:t>we must have subtracted 2 from 5 to get 3.</a:t>
+            </a:r>
+          </a:p>
+          <a:p>
+            <a:pPr lvl="1"/>
             <a:endParaRPr lang="en-US" dirty="0"/>
-          </a:p>
-          <a:p>
-            <a:r>
-              <a:rPr lang="en-US" dirty="0"/>
-              <a:t>;; Information Analysis:</a:t>
-            </a:r>
-          </a:p>
-          <a:p>
-            <a:r>
-              <a:rPr lang="en-US" dirty="0"/>
-              <a:t>;; We are simulating a rocket, which is at some altitude</a:t>
-            </a:r>
-          </a:p>
-          <a:p>
-            <a:r>
-              <a:rPr lang="en-US" dirty="0"/>
-              <a:t>;; and is travelling vertically at some velocity.</a:t>
-            </a:r>
-          </a:p>
-          <a:p>
-            <a:endParaRPr lang="en-US" dirty="0"/>
-          </a:p>
-          <a:p>
-            <a:r>
-              <a:rPr lang="en-US" dirty="0"/>
-              <a:t>;; a Rocket</a:t>
-            </a:r>
-          </a:p>
-          <a:p>
-            <a:r>
-              <a:rPr lang="en-US" dirty="0"/>
-              <a:t>(define-struct rocket (altitude velocity))</a:t>
-            </a:r>
-          </a:p>
-          <a:p>
-            <a:endParaRPr lang="en-US" dirty="0"/>
-          </a:p>
-          <a:p>
-            <a:r>
-              <a:rPr lang="en-US" dirty="0"/>
-              <a:t>;; A Rocket is a (make-rocket Real Real)</a:t>
-            </a:r>
-          </a:p>
-          <a:p>
-            <a:r>
-              <a:rPr lang="en-US" dirty="0"/>
-              <a:t>;; INTERPRETATION:</a:t>
-            </a:r>
-          </a:p>
-          <a:p>
-            <a:r>
-              <a:rPr lang="en-US" dirty="0"/>
-              <a:t>;; altitude   is the rocket's height, in meters</a:t>
-            </a:r>
-          </a:p>
-          <a:p>
-            <a:r>
-              <a:rPr lang="en-US" dirty="0"/>
-              <a:t>;; velocity   is the rocket's velocity, </a:t>
-            </a:r>
-          </a:p>
-          <a:p>
-            <a:r>
-              <a:rPr lang="en-US" dirty="0"/>
-              <a:t>;;               in meters/sec upward</a:t>
-            </a:r>
-          </a:p>
-        </p:txBody>
-      </p:sp>
-      <p:sp>
-        <p:nvSpPr>
-          <p:cNvPr id="4" name="Slide Number Placeholder 3"/>
-          <p:cNvSpPr>
-            <a:spLocks noGrp="1"/>
-          </p:cNvSpPr>
-          <p:nvPr>
-            <p:ph type="sldNum" sz="quarter" idx="12"/>
-          </p:nvPr>
-        </p:nvSpPr>
-        <p:spPr/>
-        <p:txBody>
-          <a:bodyPr/>
-          <a:lstStyle/>
-          <a:p>
-            <a:fld id="{AB376464-0CAE-48CA-94A1-62F8E9374B4C}" type="slidenum">
-              <a:rPr lang="en-US" smtClean="0"/>
-              <a:pPr/>
-              <a:t>19</a:t>
-            </a:fld>
-            <a:endParaRPr lang="en-US"/>
           </a:p>
         </p:txBody>
       </p:sp>
     </p:spTree>
     <p:extLst>
       <p:ext uri="{BB962C8B-B14F-4D97-AF65-F5344CB8AC3E}">
-        <p14:creationId xmlns:p14="http://schemas.microsoft.com/office/powerpoint/2010/main" val="2230186785"/>
+        <p14:creationId xmlns:p14="http://schemas.microsoft.com/office/powerpoint/2010/main" val="2380289396"/>
       </p:ext>
     </p:extLst>
   </p:cSld>
@@ -7241,19 +11982,19 @@
           <a:p>
             <a:r>
               <a:rPr lang="en-US" dirty="0"/>
-              <a:t>Insert course map</a:t>
-            </a:r>
-          </a:p>
-        </p:txBody>
-      </p:sp>
-      <p:sp>
-        <p:nvSpPr>
-          <p:cNvPr id="3" name="Content Placeholder 2"/>
-          <p:cNvSpPr>
-            <a:spLocks noGrp="1"/>
-          </p:cNvSpPr>
-          <p:nvPr>
-            <p:ph idx="1"/>
+              <a:t>Module 02</a:t>
+            </a:r>
+          </a:p>
+        </p:txBody>
+      </p:sp>
+      <p:sp>
+        <p:nvSpPr>
+          <p:cNvPr id="3" name="Slide Number Placeholder 2"/>
+          <p:cNvSpPr>
+            <a:spLocks noGrp="1"/>
+          </p:cNvSpPr>
+          <p:nvPr>
+            <p:ph type="sldNum" sz="quarter" idx="12"/>
           </p:nvPr>
         </p:nvSpPr>
         <p:spPr/>
@@ -7261,41 +12002,104 @@
           <a:bodyPr/>
           <a:lstStyle/>
           <a:p>
-            <a:r>
-              <a:rPr lang="en-US" dirty="0"/>
-              <a:t>Module outline</a:t>
-            </a:r>
-          </a:p>
-        </p:txBody>
-      </p:sp>
-      <p:sp>
-        <p:nvSpPr>
-          <p:cNvPr id="4" name="Slide Number Placeholder 3"/>
-          <p:cNvSpPr>
-            <a:spLocks noGrp="1"/>
-          </p:cNvSpPr>
-          <p:nvPr>
-            <p:ph type="sldNum" sz="quarter" idx="12"/>
-          </p:nvPr>
-        </p:nvSpPr>
-        <p:spPr/>
-        <p:txBody>
-          <a:bodyPr/>
-          <a:lstStyle/>
-          <a:p>
-            <a:fld id="{AB376464-0CAE-48CA-94A1-62F8E9374B4C}" type="slidenum">
-              <a:rPr lang="en-US" smtClean="0"/>
-              <a:pPr/>
+            <a:pPr marL="0" marR="0" lvl="0" indent="0" algn="r" defTabSz="914400" rtl="0" eaLnBrk="1" fontAlgn="auto" latinLnBrk="0" hangingPunct="1">
+              <a:lnSpc>
+                <a:spcPct val="100000"/>
+              </a:lnSpc>
+              <a:spcBef>
+                <a:spcPts val="0"/>
+              </a:spcBef>
+              <a:spcAft>
+                <a:spcPts val="0"/>
+              </a:spcAft>
+              <a:buClrTx/>
+              <a:buSzTx/>
+              <a:buFontTx/>
+              <a:buNone/>
+              <a:tabLst/>
+              <a:defRPr/>
+            </a:pPr>
+            <a:fld id="{2AF3B5EA-18B6-4040-9F78-6052AF49C681}" type="slidenum">
+              <a:rPr kumimoji="0" lang="en-US" sz="1200" b="0" i="0" u="none" strike="noStrike" kern="1200" cap="none" spc="0" normalizeH="0" baseline="0" noProof="0" smtClean="0">
+                <a:ln>
+                  <a:noFill/>
+                </a:ln>
+                <a:solidFill>
+                  <a:prstClr val="black">
+                    <a:tint val="75000"/>
+                  </a:prstClr>
+                </a:solidFill>
+                <a:effectLst/>
+                <a:uLnTx/>
+                <a:uFillTx/>
+                <a:latin typeface="Calibri"/>
+                <a:ea typeface="+mn-ea"/>
+                <a:cs typeface="+mn-cs"/>
+              </a:rPr>
+              <a:pPr marL="0" marR="0" lvl="0" indent="0" algn="r" defTabSz="914400" rtl="0" eaLnBrk="1" fontAlgn="auto" latinLnBrk="0" hangingPunct="1">
+                <a:lnSpc>
+                  <a:spcPct val="100000"/>
+                </a:lnSpc>
+                <a:spcBef>
+                  <a:spcPts val="0"/>
+                </a:spcBef>
+                <a:spcAft>
+                  <a:spcPts val="0"/>
+                </a:spcAft>
+                <a:buClrTx/>
+                <a:buSzTx/>
+                <a:buFontTx/>
+                <a:buNone/>
+                <a:tabLst/>
+                <a:defRPr/>
+              </a:pPr>
               <a:t>2</a:t>
             </a:fld>
-            <a:endParaRPr lang="en-US"/>
-          </a:p>
-        </p:txBody>
-      </p:sp>
+            <a:endParaRPr kumimoji="0" lang="en-US" sz="1200" b="0" i="0" u="none" strike="noStrike" kern="1200" cap="none" spc="0" normalizeH="0" baseline="0" noProof="0">
+              <a:ln>
+                <a:noFill/>
+              </a:ln>
+              <a:solidFill>
+                <a:prstClr val="black">
+                  <a:tint val="75000"/>
+                </a:prstClr>
+              </a:solidFill>
+              <a:effectLst/>
+              <a:uLnTx/>
+              <a:uFillTx/>
+              <a:latin typeface="Calibri"/>
+              <a:ea typeface="+mn-ea"/>
+              <a:cs typeface="+mn-cs"/>
+            </a:endParaRPr>
+          </a:p>
+        </p:txBody>
+      </p:sp>
+      <p:graphicFrame>
+        <p:nvGraphicFramePr>
+          <p:cNvPr id="4" name="Diagram 3"/>
+          <p:cNvGraphicFramePr/>
+          <p:nvPr>
+            <p:extLst>
+              <p:ext uri="{D42A27DB-BD31-4B8C-83A1-F6EECF244321}">
+                <p14:modId xmlns:p14="http://schemas.microsoft.com/office/powerpoint/2010/main" val="956293749"/>
+              </p:ext>
+            </p:extLst>
+          </p:nvPr>
+        </p:nvGraphicFramePr>
+        <p:xfrm>
+          <a:off x="1524000" y="1727994"/>
+          <a:ext cx="6096000" cy="4318000"/>
+        </p:xfrm>
+        <a:graphic>
+          <a:graphicData uri="http://schemas.openxmlformats.org/drawingml/2006/diagram">
+            <dgm:relIds xmlns:dgm="http://schemas.openxmlformats.org/drawingml/2006/diagram" xmlns:r="http://schemas.openxmlformats.org/officeDocument/2006/relationships" r:dm="rId2" r:lo="rId3" r:qs="rId4" r:cs="rId5"/>
+          </a:graphicData>
+        </a:graphic>
+      </p:graphicFrame>
     </p:spTree>
     <p:extLst>
       <p:ext uri="{BB962C8B-B14F-4D97-AF65-F5344CB8AC3E}">
-        <p14:creationId xmlns:p14="http://schemas.microsoft.com/office/powerpoint/2010/main" val="3839266373"/>
+        <p14:creationId xmlns:p14="http://schemas.microsoft.com/office/powerpoint/2010/main" val="1147616564"/>
       </p:ext>
     </p:extLst>
   </p:cSld>
@@ -7339,7 +12143,7 @@
           <a:p>
             <a:r>
               <a:rPr lang="en-US" dirty="0"/>
-              <a:t>Not-so-readable examples</a:t>
+              <a:t>Make your examples readable</a:t>
             </a:r>
           </a:p>
         </p:txBody>
@@ -7357,124 +12161,119 @@
         <p:spPr/>
         <p:txBody>
           <a:bodyPr>
-            <a:normAutofit fontScale="92500" lnSpcReduction="20000"/>
+            <a:normAutofit fontScale="40000" lnSpcReduction="20000"/>
           </a:bodyPr>
           <a:lstStyle/>
           <a:p>
             <a:r>
-              <a:rPr lang="en-US" sz="2000" dirty="0"/>
-              <a:t>;; EXAMPLE:</a:t>
-            </a:r>
-          </a:p>
-          <a:p>
-            <a:r>
-              <a:rPr lang="en-US" sz="2000" dirty="0"/>
-              <a:t>;; (rocket-after-</a:t>
-            </a:r>
-            <a:r>
-              <a:rPr lang="en-US" sz="2000" dirty="0" err="1"/>
-              <a:t>dt</a:t>
-            </a:r>
-            <a:r>
-              <a:rPr lang="en-US" sz="2000" dirty="0"/>
-              <a:t> (make-rocket 100 30) 0) </a:t>
-            </a:r>
-          </a:p>
-          <a:p>
-            <a:r>
-              <a:rPr lang="en-US" sz="2000" dirty="0"/>
-              <a:t>;;  = (make-rocket 100 30)</a:t>
-            </a:r>
-          </a:p>
-          <a:p>
-            <a:r>
-              <a:rPr lang="en-US" sz="2000" dirty="0"/>
-              <a:t>;; (rocket-after-</a:t>
-            </a:r>
-            <a:r>
-              <a:rPr lang="en-US" sz="2000" dirty="0" err="1"/>
-              <a:t>dt</a:t>
-            </a:r>
-            <a:r>
-              <a:rPr lang="en-US" sz="2000" dirty="0"/>
-              <a:t> (make-rocket 100 30) 2) </a:t>
-            </a:r>
-          </a:p>
-          <a:p>
-            <a:r>
-              <a:rPr lang="en-US" sz="2000" dirty="0"/>
-              <a:t>;;  = (make-rocket 160 30)</a:t>
-            </a:r>
-          </a:p>
-          <a:p>
-            <a:endParaRPr lang="en-US" sz="2000" dirty="0"/>
-          </a:p>
-          <a:p>
-            <a:pPr marL="457200" indent="-457200">
-              <a:buFont typeface="Arial" pitchFamily="34" charset="0"/>
-              <a:buChar char="•"/>
-            </a:pPr>
-            <a:r>
-              <a:rPr lang="en-US" sz="2800" b="0" dirty="0">
-                <a:latin typeface="+mn-lt"/>
-              </a:rPr>
-              <a:t>What do these examples illustrate?  Where did those values come from?</a:t>
-            </a:r>
-          </a:p>
-          <a:p>
-            <a:pPr marL="457200" indent="-457200">
-              <a:buFont typeface="Arial" pitchFamily="34" charset="0"/>
-              <a:buChar char="•"/>
-            </a:pPr>
-            <a:r>
-              <a:rPr lang="en-US" sz="2800" b="0" dirty="0">
-                <a:latin typeface="+mn-lt"/>
-              </a:rPr>
-              <a:t>These are very simple structures, but for more complicated structures you’d have a hard time telling.</a:t>
-            </a:r>
-          </a:p>
-          <a:p>
-            <a:pPr marL="1085850" lvl="1" indent="-342900"/>
-            <a:r>
-              <a:rPr lang="en-US" sz="2400" dirty="0"/>
-              <a:t>and so would your grader, or boss!</a:t>
-            </a:r>
-          </a:p>
-          <a:p>
-            <a:pPr marL="457200" indent="-457200">
-              <a:buFont typeface="Arial" pitchFamily="34" charset="0"/>
-              <a:buChar char="•"/>
-            </a:pPr>
-            <a:r>
-              <a:rPr lang="en-US" sz="2800" b="0" dirty="0">
-                <a:latin typeface="+mj-lt"/>
-              </a:rPr>
-              <a:t>And if you change the representation of rockets, you’ll have to change all your examples, too!</a:t>
-            </a:r>
-          </a:p>
-          <a:p>
-            <a:pPr marL="342900" indent="-342900"/>
-            <a:endParaRPr lang="en-US" b="0" dirty="0">
-              <a:latin typeface="+mn-lt"/>
-            </a:endParaRPr>
-          </a:p>
-          <a:p>
-            <a:pPr marL="1200150" lvl="1" indent="-457200">
-              <a:buFont typeface="Arial" pitchFamily="34" charset="0"/>
-              <a:buChar char="•"/>
-            </a:pPr>
-            <a:endParaRPr lang="en-US" sz="2400" b="0" dirty="0">
-              <a:latin typeface="+mn-lt"/>
-            </a:endParaRPr>
-          </a:p>
-          <a:p>
-            <a:pPr marL="1200150" lvl="1" indent="-457200">
-              <a:buFont typeface="Arial" pitchFamily="34" charset="0"/>
-              <a:buChar char="•"/>
-            </a:pPr>
-            <a:endParaRPr lang="en-US" sz="2400" b="0" dirty="0">
-              <a:latin typeface="+mn-lt"/>
-            </a:endParaRPr>
+              <a:rPr lang="en-US" dirty="0"/>
+              <a:t>;;; Here’s an example: a rocket simulation.  </a:t>
+            </a:r>
+          </a:p>
+          <a:p>
+            <a:r>
+              <a:rPr lang="en-US" dirty="0"/>
+              <a:t>;; INFORMATION ANALYSIS:</a:t>
+            </a:r>
+          </a:p>
+          <a:p>
+            <a:endParaRPr lang="en-US" dirty="0"/>
+          </a:p>
+          <a:p>
+            <a:r>
+              <a:rPr lang="en-US" dirty="0"/>
+              <a:t>;; An Altitude is represented as a Real, measured in meters</a:t>
+            </a:r>
+          </a:p>
+          <a:p>
+            <a:endParaRPr lang="en-US" dirty="0"/>
+          </a:p>
+          <a:p>
+            <a:r>
+              <a:rPr lang="en-US" dirty="0"/>
+              <a:t>;; A Velocity is represented as Real, measured in meters/sec upward</a:t>
+            </a:r>
+          </a:p>
+          <a:p>
+            <a:endParaRPr lang="en-US" dirty="0"/>
+          </a:p>
+          <a:p>
+            <a:r>
+              <a:rPr lang="en-US" dirty="0"/>
+              <a:t>;; We have a single rocket, which is at some altitude and is</a:t>
+            </a:r>
+          </a:p>
+          <a:p>
+            <a:r>
+              <a:rPr lang="en-US" dirty="0"/>
+              <a:t>;; travelling vertically at some velocity.</a:t>
+            </a:r>
+          </a:p>
+          <a:p>
+            <a:endParaRPr lang="en-US" dirty="0"/>
+          </a:p>
+          <a:p>
+            <a:r>
+              <a:rPr lang="en-US" dirty="0"/>
+              <a:t>;; REPRESENTATION:</a:t>
+            </a:r>
+          </a:p>
+          <a:p>
+            <a:r>
+              <a:rPr lang="en-US" dirty="0"/>
+              <a:t>;; A Rocket is represented as a struct (make-rocket altitude velocity)</a:t>
+            </a:r>
+          </a:p>
+          <a:p>
+            <a:r>
+              <a:rPr lang="en-US" dirty="0"/>
+              <a:t>;; with the following fields:</a:t>
+            </a:r>
+          </a:p>
+          <a:p>
+            <a:r>
+              <a:rPr lang="en-US" dirty="0"/>
+              <a:t>;; altitude : Altitude  is the rocket's altitude</a:t>
+            </a:r>
+          </a:p>
+          <a:p>
+            <a:r>
+              <a:rPr lang="en-US" dirty="0"/>
+              <a:t>;; velocity : Velocity  is the rocket's velocity</a:t>
+            </a:r>
+          </a:p>
+          <a:p>
+            <a:endParaRPr lang="en-US" dirty="0"/>
+          </a:p>
+          <a:p>
+            <a:r>
+              <a:rPr lang="en-US" dirty="0"/>
+              <a:t>;; IMPLEMENTATION:</a:t>
+            </a:r>
+          </a:p>
+          <a:p>
+            <a:r>
+              <a:rPr lang="en-US" dirty="0"/>
+              <a:t>(define-struct rocket (altitude velocity))</a:t>
+            </a:r>
+          </a:p>
+          <a:p>
+            <a:endParaRPr lang="en-US" dirty="0"/>
+          </a:p>
+          <a:p>
+            <a:r>
+              <a:rPr lang="en-US" dirty="0"/>
+              <a:t>;; CONSTRUCTOR TEMPLATE:</a:t>
+            </a:r>
+          </a:p>
+          <a:p>
+            <a:r>
+              <a:rPr lang="en-US" dirty="0"/>
+              <a:t>;; (make-rocket Real Real)</a:t>
+            </a:r>
+          </a:p>
+          <a:p>
+            <a:endParaRPr lang="en-US" dirty="0"/>
           </a:p>
         </p:txBody>
       </p:sp>
@@ -7505,7 +12304,7 @@
     </p:spTree>
     <p:extLst>
       <p:ext uri="{BB962C8B-B14F-4D97-AF65-F5344CB8AC3E}">
-        <p14:creationId xmlns:p14="http://schemas.microsoft.com/office/powerpoint/2010/main" val="3010718685"/>
+        <p14:creationId xmlns:p14="http://schemas.microsoft.com/office/powerpoint/2010/main" val="2230186785"/>
       </p:ext>
     </p:extLst>
   </p:cSld>
@@ -7549,7 +12348,7 @@
           <a:p>
             <a:r>
               <a:rPr lang="en-US" dirty="0"/>
-              <a:t>Better Examples</a:t>
+              <a:t>Not-so-readable examples</a:t>
             </a:r>
           </a:p>
         </p:txBody>
@@ -7567,23 +12366,14 @@
         <p:spPr/>
         <p:txBody>
           <a:bodyPr>
-            <a:normAutofit fontScale="85000" lnSpcReduction="20000"/>
+            <a:normAutofit fontScale="92500" lnSpcReduction="20000"/>
           </a:bodyPr>
           <a:lstStyle/>
           <a:p>
             <a:r>
               <a:rPr lang="en-US" sz="2000" dirty="0"/>
-              <a:t>(define rocket-at-100 (make-rocket 100 30))</a:t>
-            </a:r>
-          </a:p>
-          <a:p>
-            <a:r>
-              <a:rPr lang="en-US" sz="2000" dirty="0"/>
-              <a:t>(define rocket-at-160 (make-rocket 160 30))</a:t>
-            </a:r>
-          </a:p>
-          <a:p>
-            <a:endParaRPr lang="en-US" sz="2000" dirty="0"/>
+              <a:t>;; EXAMPLE:</a:t>
+            </a:r>
           </a:p>
           <a:p>
             <a:r>
@@ -7596,7 +12386,13 @@
             </a:r>
             <a:r>
               <a:rPr lang="en-US" sz="2000" dirty="0"/>
-              <a:t> rocket-at-100 0) = rocket-at-100</a:t>
+              <a:t> (make-rocket 100 30) 0) </a:t>
+            </a:r>
+          </a:p>
+          <a:p>
+            <a:r>
+              <a:rPr lang="en-US" sz="2000" dirty="0"/>
+              <a:t>;;  = (make-rocket 100 30)</a:t>
             </a:r>
           </a:p>
           <a:p>
@@ -7610,38 +12406,51 @@
             </a:r>
             <a:r>
               <a:rPr lang="en-US" sz="2000" dirty="0"/>
-              <a:t> rocket-at-100 2) = rocket-at-160</a:t>
+              <a:t> (make-rocket 100 30) 2) </a:t>
+            </a:r>
+          </a:p>
+          <a:p>
+            <a:r>
+              <a:rPr lang="en-US" sz="2000" dirty="0"/>
+              <a:t>;;  = (make-rocket 160 30)</a:t>
             </a:r>
           </a:p>
           <a:p>
             <a:endParaRPr lang="en-US" sz="2000" dirty="0"/>
           </a:p>
           <a:p>
-            <a:pPr marL="342900" indent="-342900">
+            <a:pPr marL="457200" indent="-457200">
               <a:buFont typeface="Arial" pitchFamily="34" charset="0"/>
               <a:buChar char="•"/>
             </a:pPr>
             <a:r>
               <a:rPr lang="en-US" sz="2800" b="0" dirty="0">
-                <a:latin typeface="+mj-lt"/>
+                <a:latin typeface="+mn-lt"/>
               </a:rPr>
-              <a:t>Here we’ve introduced mnemonic names for each of the example values. These could serve as examples for the data definitions, too.</a:t>
-            </a:r>
-          </a:p>
-          <a:p>
-            <a:pPr marL="342900" indent="-342900">
+              <a:t>What do these examples illustrate?  Where did those values come from?</a:t>
+            </a:r>
+          </a:p>
+          <a:p>
+            <a:pPr marL="457200" indent="-457200">
               <a:buFont typeface="Arial" pitchFamily="34" charset="0"/>
               <a:buChar char="•"/>
             </a:pPr>
             <a:r>
               <a:rPr lang="en-US" sz="2800" b="0" dirty="0">
-                <a:latin typeface="+mj-lt"/>
+                <a:latin typeface="+mn-lt"/>
               </a:rPr>
-              <a:t>You can inspect those definitions to check whether they represent the rocket they are supposed to represent.</a:t>
-            </a:r>
-          </a:p>
-          <a:p>
-            <a:pPr marL="342900" indent="-342900">
+              <a:t>These are very simple structures, but for more complicated structures you’d have a hard time telling.</a:t>
+            </a:r>
+          </a:p>
+          <a:p>
+            <a:pPr marL="1085850" lvl="1" indent="-342900"/>
+            <a:r>
+              <a:rPr lang="en-US" sz="2400" dirty="0"/>
+              <a:t>and so would your grader, or boss!</a:t>
+            </a:r>
+          </a:p>
+          <a:p>
+            <a:pPr marL="457200" indent="-457200">
               <a:buFont typeface="Arial" pitchFamily="34" charset="0"/>
               <a:buChar char="•"/>
             </a:pPr>
@@ -7649,20 +12458,32 @@
               <a:rPr lang="en-US" sz="2800" b="0" dirty="0">
                 <a:latin typeface="+mj-lt"/>
               </a:rPr>
-              <a:t>The example is in terms of information, not data.</a:t>
-            </a:r>
-          </a:p>
-          <a:p>
-            <a:pPr marL="342900" indent="-342900">
+              <a:t>And if you change the representation of rockets, you’ll have to change all your examples, too!</a:t>
+            </a:r>
+          </a:p>
+          <a:p>
+            <a:pPr marL="342900" indent="-342900"/>
+            <a:endParaRPr lang="en-US" b="0" dirty="0">
+              <a:latin typeface="+mn-lt"/>
+            </a:endParaRPr>
+          </a:p>
+          <a:p>
+            <a:pPr marL="1200150" lvl="1" indent="-457200">
               <a:buFont typeface="Arial" pitchFamily="34" charset="0"/>
               <a:buChar char="•"/>
             </a:pPr>
-            <a:r>
-              <a:rPr lang="en-US" sz="2800" b="0" dirty="0">
-                <a:latin typeface="+mj-lt"/>
-              </a:rPr>
-              <a:t>If you decide later to change the representation, you can still use the examples.</a:t>
-            </a:r>
+            <a:endParaRPr lang="en-US" sz="2400" b="0" dirty="0">
+              <a:latin typeface="+mn-lt"/>
+            </a:endParaRPr>
+          </a:p>
+          <a:p>
+            <a:pPr marL="1200150" lvl="1" indent="-457200">
+              <a:buFont typeface="Arial" pitchFamily="34" charset="0"/>
+              <a:buChar char="•"/>
+            </a:pPr>
+            <a:endParaRPr lang="en-US" sz="2400" b="0" dirty="0">
+              <a:latin typeface="+mn-lt"/>
+            </a:endParaRPr>
           </a:p>
         </p:txBody>
       </p:sp>
@@ -7693,7 +12514,7 @@
     </p:spTree>
     <p:extLst>
       <p:ext uri="{BB962C8B-B14F-4D97-AF65-F5344CB8AC3E}">
-        <p14:creationId xmlns:p14="http://schemas.microsoft.com/office/powerpoint/2010/main" val="3798337069"/>
+        <p14:creationId xmlns:p14="http://schemas.microsoft.com/office/powerpoint/2010/main" val="3010718685"/>
       </p:ext>
     </p:extLst>
   </p:cSld>
@@ -7737,7 +12558,7 @@
           <a:p>
             <a:r>
               <a:rPr lang="en-US" dirty="0"/>
-              <a:t>Turn your examples into tests</a:t>
+              <a:t>Better Examples</a:t>
             </a:r>
           </a:p>
         </p:txBody>
@@ -7755,65 +12576,102 @@
         <p:spPr/>
         <p:txBody>
           <a:bodyPr>
-            <a:normAutofit fontScale="92500" lnSpcReduction="10000"/>
+            <a:normAutofit fontScale="85000" lnSpcReduction="20000"/>
           </a:bodyPr>
           <a:lstStyle/>
           <a:p>
             <a:r>
-              <a:rPr lang="en-US" dirty="0"/>
-              <a:t>(begin-for-test</a:t>
-            </a:r>
-          </a:p>
-          <a:p>
-            <a:r>
-              <a:rPr lang="en-US" dirty="0"/>
-              <a:t>  (check-equal? (f2c 32) 0)</a:t>
-            </a:r>
-          </a:p>
-          <a:p>
-            <a:r>
-              <a:rPr lang="en-US" dirty="0"/>
-              <a:t>  (check-equal? (f2c 212) 100))</a:t>
-            </a:r>
-          </a:p>
-          <a:p>
-            <a:pPr marL="457200" indent="-457200">
-              <a:buFont typeface="Arial" panose="020B0604020202020204" pitchFamily="34" charset="0"/>
+              <a:rPr lang="en-US" sz="2000" dirty="0"/>
+              <a:t>(define rocket-at-100 (make-rocket 100 30))</a:t>
+            </a:r>
+          </a:p>
+          <a:p>
+            <a:r>
+              <a:rPr lang="en-US" sz="2000" dirty="0"/>
+              <a:t>(define rocket-at-160 (make-rocket 160 30))</a:t>
+            </a:r>
+          </a:p>
+          <a:p>
+            <a:endParaRPr lang="en-US" sz="2000" dirty="0"/>
+          </a:p>
+          <a:p>
+            <a:r>
+              <a:rPr lang="en-US" sz="2000" dirty="0"/>
+              <a:t>;; (rocket-after-</a:t>
+            </a:r>
+            <a:r>
+              <a:rPr lang="en-US" sz="2000" dirty="0" err="1"/>
+              <a:t>dt</a:t>
+            </a:r>
+            <a:r>
+              <a:rPr lang="en-US" sz="2000" dirty="0"/>
+              <a:t> rocket-at-100 0) = rocket-at-100</a:t>
+            </a:r>
+          </a:p>
+          <a:p>
+            <a:r>
+              <a:rPr lang="en-US" sz="2000" dirty="0"/>
+              <a:t>;; (rocket-after-</a:t>
+            </a:r>
+            <a:r>
+              <a:rPr lang="en-US" sz="2000" dirty="0" err="1"/>
+              <a:t>dt</a:t>
+            </a:r>
+            <a:r>
+              <a:rPr lang="en-US" sz="2000" dirty="0"/>
+              <a:t> rocket-at-100 2) = rocket-at-160</a:t>
+            </a:r>
+          </a:p>
+          <a:p>
+            <a:endParaRPr lang="en-US" sz="2000" dirty="0"/>
+          </a:p>
+          <a:p>
+            <a:pPr marL="342900" indent="-342900">
+              <a:buFont typeface="Arial" pitchFamily="34" charset="0"/>
               <a:buChar char="•"/>
             </a:pPr>
             <a:r>
-              <a:rPr lang="en-US" b="0" dirty="0">
-                <a:latin typeface="+mn-lt"/>
+              <a:rPr lang="en-US" sz="2800" b="0" dirty="0">
+                <a:latin typeface="+mj-lt"/>
               </a:rPr>
-              <a:t>Tests live in your file, so they are checked every time your file is loaded</a:t>
-            </a:r>
-          </a:p>
-          <a:p>
-            <a:pPr marL="457200" indent="-457200">
-              <a:buFont typeface="Arial" panose="020B0604020202020204" pitchFamily="34" charset="0"/>
+              <a:t>Here we’ve introduced mnemonic names for each of the example values. These could serve as examples for the data definitions, too.</a:t>
+            </a:r>
+          </a:p>
+          <a:p>
+            <a:pPr marL="342900" indent="-342900">
+              <a:buFont typeface="Arial" pitchFamily="34" charset="0"/>
               <a:buChar char="•"/>
             </a:pPr>
             <a:r>
-              <a:rPr lang="en-US" b="0" dirty="0">
-                <a:latin typeface="+mn-lt"/>
+              <a:rPr lang="en-US" sz="2800" b="0" dirty="0">
+                <a:latin typeface="+mj-lt"/>
               </a:rPr>
-              <a:t>Exact technology for tests may change; see the example files for current technology</a:t>
-            </a:r>
-          </a:p>
-          <a:p>
-            <a:pPr marL="457200" indent="-457200">
-              <a:buFont typeface="Arial" panose="020B0604020202020204" pitchFamily="34" charset="0"/>
+              <a:t>You can inspect those definitions to check whether they represent the rocket they are supposed to represent.</a:t>
+            </a:r>
+          </a:p>
+          <a:p>
+            <a:pPr marL="342900" indent="-342900">
+              <a:buFont typeface="Arial" pitchFamily="34" charset="0"/>
               <a:buChar char="•"/>
             </a:pPr>
             <a:r>
-              <a:rPr lang="en-US" b="0" dirty="0">
-                <a:latin typeface="+mn-lt"/>
+              <a:rPr lang="en-US" sz="2800" b="0" dirty="0">
+                <a:latin typeface="+mj-lt"/>
               </a:rPr>
-              <a:t>LOTS more to say about testing, but this is enough for now.</a:t>
-            </a:r>
-          </a:p>
-          <a:p>
-            <a:endParaRPr lang="en-US" dirty="0"/>
+              <a:t>The example is in terms of information, not data.</a:t>
+            </a:r>
+          </a:p>
+          <a:p>
+            <a:pPr marL="342900" indent="-342900">
+              <a:buFont typeface="Arial" pitchFamily="34" charset="0"/>
+              <a:buChar char="•"/>
+            </a:pPr>
+            <a:r>
+              <a:rPr lang="en-US" sz="2800" b="0" dirty="0">
+                <a:latin typeface="+mj-lt"/>
+              </a:rPr>
+              <a:t>If you decide later to change the representation, you can still use the examples.</a:t>
+            </a:r>
           </a:p>
         </p:txBody>
       </p:sp>
@@ -7844,7 +12702,7 @@
     </p:spTree>
     <p:extLst>
       <p:ext uri="{BB962C8B-B14F-4D97-AF65-F5344CB8AC3E}">
-        <p14:creationId xmlns:p14="http://schemas.microsoft.com/office/powerpoint/2010/main" val="2672999280"/>
+        <p14:creationId xmlns:p14="http://schemas.microsoft.com/office/powerpoint/2010/main" val="3798337069"/>
       </p:ext>
     </p:extLst>
   </p:cSld>
@@ -7888,7 +12746,7 @@
           <a:p>
             <a:r>
               <a:rPr lang="en-US" dirty="0"/>
-              <a:t>Summary</a:t>
+              <a:t>Turn your examples into tests</a:t>
             </a:r>
           </a:p>
         </p:txBody>
@@ -7905,44 +12763,65 @@
         </p:nvSpPr>
         <p:spPr/>
         <p:txBody>
-          <a:bodyPr/>
+          <a:bodyPr>
+            <a:normAutofit fontScale="92500" lnSpcReduction="10000"/>
+          </a:bodyPr>
           <a:lstStyle/>
           <a:p>
             <a:r>
               <a:rPr lang="en-US" dirty="0"/>
-              <a:t>In this lesson, you have learned how to:</a:t>
-            </a:r>
-          </a:p>
-          <a:p>
-            <a:pPr lvl="1"/>
+              <a:t>(begin-for-test</a:t>
+            </a:r>
+          </a:p>
+          <a:p>
             <a:r>
               <a:rPr lang="en-US" dirty="0"/>
-              <a:t>Write a contract and purpose statements for simple functions.</a:t>
-            </a:r>
-          </a:p>
-          <a:p>
-            <a:pPr lvl="1"/>
+              <a:t>  (check-equal? (f2c 32) 0)</a:t>
+            </a:r>
+          </a:p>
+          <a:p>
             <a:r>
               <a:rPr lang="en-US" dirty="0"/>
-              <a:t>Provide examples showing sample arguments and  intended results.</a:t>
-            </a:r>
-          </a:p>
-          <a:p>
-            <a:pPr lvl="1"/>
-            <a:r>
-              <a:rPr lang="en-US" dirty="0"/>
-              <a:t>Write down those examples as human readable comments within the program.</a:t>
-            </a:r>
-          </a:p>
-          <a:p>
-            <a:pPr lvl="1"/>
-            <a:r>
-              <a:rPr lang="en-US" dirty="0"/>
-              <a:t>Turn your examples into executable tests.</a:t>
-            </a:r>
-          </a:p>
-          <a:p>
-            <a:pPr lvl="1"/>
+              <a:t>  (check-equal? (f2c 212) 100))</a:t>
+            </a:r>
+          </a:p>
+          <a:p>
+            <a:pPr marL="457200" indent="-457200">
+              <a:buFont typeface="Arial" panose="020B0604020202020204" pitchFamily="34" charset="0"/>
+              <a:buChar char="•"/>
+            </a:pPr>
+            <a:r>
+              <a:rPr lang="en-US" b="0" dirty="0">
+                <a:latin typeface="+mn-lt"/>
+              </a:rPr>
+              <a:t>Tests live in your file, so they are checked every time your file is loaded</a:t>
+            </a:r>
+          </a:p>
+          <a:p>
+            <a:pPr marL="457200" indent="-457200">
+              <a:buFont typeface="Arial" panose="020B0604020202020204" pitchFamily="34" charset="0"/>
+              <a:buChar char="•"/>
+            </a:pPr>
+            <a:r>
+              <a:rPr lang="en-US" b="0" dirty="0">
+                <a:latin typeface="+mn-lt"/>
+              </a:rPr>
+              <a:t>Exact technology for tests may change; see the example files for current technology</a:t>
+            </a:r>
+          </a:p>
+          <a:p>
+            <a:pPr marL="457200" indent="-457200">
+              <a:buFont typeface="Arial" panose="020B0604020202020204" pitchFamily="34" charset="0"/>
+              <a:buChar char="•"/>
+            </a:pPr>
+            <a:r>
+              <a:rPr lang="en-US" b="0" dirty="0">
+                <a:latin typeface="+mn-lt"/>
+              </a:rPr>
+              <a:t>LOTS more to say about testing, but this is enough for now.</a:t>
+            </a:r>
+          </a:p>
+          <a:p>
             <a:endParaRPr lang="en-US" dirty="0"/>
           </a:p>
         </p:txBody>
@@ -7971,33 +12850,12 @@
           </a:p>
         </p:txBody>
       </p:sp>
-      <p:sp>
-        <p:nvSpPr>
-          <p:cNvPr id="5" name="TextBox 4"/>
-          <p:cNvSpPr txBox="1"/>
-          <p:nvPr/>
-        </p:nvSpPr>
-        <p:spPr>
-          <a:xfrm>
-            <a:off x="6019800" y="609600"/>
-            <a:ext cx="4572000" cy="369332"/>
-          </a:xfrm>
-          <a:prstGeom prst="rect">
-            <a:avLst/>
-          </a:prstGeom>
-          <a:noFill/>
-        </p:spPr>
-        <p:txBody>
-          <a:bodyPr wrap="square" rtlCol="0">
-            <a:spAutoFit/>
-          </a:bodyPr>
-          <a:lstStyle/>
-          <a:p>
-            <a:endParaRPr lang="en-US" dirty="0"/>
-          </a:p>
-        </p:txBody>
-      </p:sp>
     </p:spTree>
+    <p:extLst>
+      <p:ext uri="{BB962C8B-B14F-4D97-AF65-F5344CB8AC3E}">
+        <p14:creationId xmlns:p14="http://schemas.microsoft.com/office/powerpoint/2010/main" val="2672999280"/>
+      </p:ext>
+    </p:extLst>
   </p:cSld>
   <p:clrMapOvr>
     <a:masterClrMapping/>
@@ -8039,7 +12897,7 @@
           <a:p>
             <a:r>
               <a:rPr lang="en-US" dirty="0"/>
-              <a:t>Next Steps</a:t>
+              <a:t>Summary</a:t>
             </a:r>
           </a:p>
         </p:txBody>
@@ -8061,32 +12919,40 @@
           <a:p>
             <a:r>
               <a:rPr lang="en-US" dirty="0"/>
-              <a:t>Study the </a:t>
-            </a:r>
-            <a:r>
-              <a:rPr lang="en-US"/>
-              <a:t>file 02-1-1-rocket-examples</a:t>
-            </a:r>
-            <a:r>
-              <a:rPr lang="en-US" dirty="0" err="1"/>
-              <a:t>.rkt</a:t>
-            </a:r>
+              <a:t>In this lesson, you have learned how to:</a:t>
+            </a:r>
+          </a:p>
+          <a:p>
+            <a:pPr lvl="1"/>
             <a:r>
               <a:rPr lang="en-US" dirty="0"/>
-              <a:t> in the Examples folder.</a:t>
-            </a:r>
-          </a:p>
-          <a:p>
+              <a:t>Write a contract and purpose statements for simple functions.</a:t>
+            </a:r>
+          </a:p>
+          <a:p>
+            <a:pPr lvl="1"/>
             <a:r>
               <a:rPr lang="en-US" dirty="0"/>
-              <a:t>If you have questions about this lesson, post them on the discussion board.</a:t>
-            </a:r>
-          </a:p>
-          <a:p>
+              <a:t>Provide examples showing sample arguments and  intended results.</a:t>
+            </a:r>
+          </a:p>
+          <a:p>
+            <a:pPr lvl="1"/>
             <a:r>
               <a:rPr lang="en-US" dirty="0"/>
-              <a:t>Go on to the next lesson.</a:t>
-            </a:r>
+              <a:t>Write down those examples as human readable comments within the program.</a:t>
+            </a:r>
+          </a:p>
+          <a:p>
+            <a:pPr lvl="1"/>
+            <a:r>
+              <a:rPr lang="en-US" dirty="0"/>
+              <a:t>Turn your examples into executable tests.</a:t>
+            </a:r>
+          </a:p>
+          <a:p>
+            <a:pPr lvl="1"/>
+            <a:endParaRPr lang="en-US" dirty="0"/>
           </a:p>
         </p:txBody>
       </p:sp>
@@ -8109,6 +12975,149 @@
               <a:rPr lang="en-US" smtClean="0"/>
               <a:pPr/>
               <a:t>24</a:t>
+            </a:fld>
+            <a:endParaRPr lang="en-US"/>
+          </a:p>
+        </p:txBody>
+      </p:sp>
+      <p:sp>
+        <p:nvSpPr>
+          <p:cNvPr id="5" name="TextBox 4"/>
+          <p:cNvSpPr txBox="1"/>
+          <p:nvPr/>
+        </p:nvSpPr>
+        <p:spPr>
+          <a:xfrm>
+            <a:off x="6019800" y="609600"/>
+            <a:ext cx="4572000" cy="369332"/>
+          </a:xfrm>
+          <a:prstGeom prst="rect">
+            <a:avLst/>
+          </a:prstGeom>
+          <a:noFill/>
+        </p:spPr>
+        <p:txBody>
+          <a:bodyPr wrap="square" rtlCol="0">
+            <a:spAutoFit/>
+          </a:bodyPr>
+          <a:lstStyle/>
+          <a:p>
+            <a:endParaRPr lang="en-US" dirty="0"/>
+          </a:p>
+        </p:txBody>
+      </p:sp>
+    </p:spTree>
+  </p:cSld>
+  <p:clrMapOvr>
+    <a:masterClrMapping/>
+  </p:clrMapOvr>
+</p:sld>
+</file>
+
+<file path=ppt/slides/slide25.xml><?xml version="1.0" encoding="utf-8"?>
+<p:sld xmlns:a="http://schemas.openxmlformats.org/drawingml/2006/main" xmlns:r="http://schemas.openxmlformats.org/officeDocument/2006/relationships" xmlns:p="http://schemas.openxmlformats.org/presentationml/2006/main">
+  <p:cSld>
+    <p:spTree>
+      <p:nvGrpSpPr>
+        <p:cNvPr id="1" name=""/>
+        <p:cNvGrpSpPr/>
+        <p:nvPr/>
+      </p:nvGrpSpPr>
+      <p:grpSpPr>
+        <a:xfrm>
+          <a:off x="0" y="0"/>
+          <a:ext cx="0" cy="0"/>
+          <a:chOff x="0" y="0"/>
+          <a:chExt cx="0" cy="0"/>
+        </a:xfrm>
+      </p:grpSpPr>
+      <p:sp>
+        <p:nvSpPr>
+          <p:cNvPr id="2" name="Title 1"/>
+          <p:cNvSpPr>
+            <a:spLocks noGrp="1"/>
+          </p:cNvSpPr>
+          <p:nvPr>
+            <p:ph type="title"/>
+          </p:nvPr>
+        </p:nvSpPr>
+        <p:spPr/>
+        <p:txBody>
+          <a:bodyPr/>
+          <a:lstStyle/>
+          <a:p>
+            <a:r>
+              <a:rPr lang="en-US" dirty="0"/>
+              <a:t>Next Steps</a:t>
+            </a:r>
+          </a:p>
+        </p:txBody>
+      </p:sp>
+      <p:sp>
+        <p:nvSpPr>
+          <p:cNvPr id="3" name="Content Placeholder 2"/>
+          <p:cNvSpPr>
+            <a:spLocks noGrp="1"/>
+          </p:cNvSpPr>
+          <p:nvPr>
+            <p:ph idx="1"/>
+          </p:nvPr>
+        </p:nvSpPr>
+        <p:spPr/>
+        <p:txBody>
+          <a:bodyPr/>
+          <a:lstStyle/>
+          <a:p>
+            <a:r>
+              <a:rPr lang="en-US" dirty="0"/>
+              <a:t>Study the </a:t>
+            </a:r>
+            <a:r>
+              <a:rPr lang="en-US"/>
+              <a:t>file 02-1-1-rocket-examples</a:t>
+            </a:r>
+            <a:r>
+              <a:rPr lang="en-US" dirty="0" err="1"/>
+              <a:t>.rkt</a:t>
+            </a:r>
+            <a:r>
+              <a:rPr lang="en-US" dirty="0"/>
+              <a:t> in the Examples folder.</a:t>
+            </a:r>
+          </a:p>
+          <a:p>
+            <a:r>
+              <a:rPr lang="en-US" dirty="0"/>
+              <a:t>If you have questions about this lesson, post them on the discussion board.</a:t>
+            </a:r>
+          </a:p>
+          <a:p>
+            <a:r>
+              <a:rPr lang="en-US" dirty="0"/>
+              <a:t>Go on to the next lesson.</a:t>
+            </a:r>
+          </a:p>
+        </p:txBody>
+      </p:sp>
+      <p:sp>
+        <p:nvSpPr>
+          <p:cNvPr id="4" name="Slide Number Placeholder 3"/>
+          <p:cNvSpPr>
+            <a:spLocks noGrp="1"/>
+          </p:cNvSpPr>
+          <p:nvPr>
+            <p:ph type="sldNum" sz="quarter" idx="12"/>
+          </p:nvPr>
+        </p:nvSpPr>
+        <p:spPr/>
+        <p:txBody>
+          <a:bodyPr/>
+          <a:lstStyle/>
+          <a:p>
+            <a:fld id="{AB376464-0CAE-48CA-94A1-62F8E9374B4C}" type="slidenum">
+              <a:rPr lang="en-US" smtClean="0"/>
+              <a:pPr/>
+              <a:t>25</a:t>
             </a:fld>
             <a:endParaRPr lang="en-US"/>
           </a:p>
@@ -8146,7 +13155,7 @@
       </p:grpSpPr>
       <p:sp>
         <p:nvSpPr>
-          <p:cNvPr id="5" name="Title 4"/>
+          <p:cNvPr id="2" name="Title 1"/>
           <p:cNvSpPr>
             <a:spLocks noGrp="1"/>
           </p:cNvSpPr>
@@ -8156,73 +13165,80 @@
         </p:nvSpPr>
         <p:spPr/>
         <p:txBody>
+          <a:bodyPr/>
+          <a:lstStyle/>
+          <a:p>
+            <a:r>
+              <a:rPr lang="en-US" dirty="0"/>
+              <a:t>Module Objectives</a:t>
+            </a:r>
+          </a:p>
+        </p:txBody>
+      </p:sp>
+      <p:sp>
+        <p:nvSpPr>
+          <p:cNvPr id="3" name="Content Placeholder 2"/>
+          <p:cNvSpPr>
+            <a:spLocks noGrp="1"/>
+          </p:cNvSpPr>
+          <p:nvPr>
+            <p:ph idx="1"/>
+          </p:nvPr>
+        </p:nvSpPr>
+        <p:spPr/>
+        <p:txBody>
           <a:bodyPr>
-            <a:noAutofit/>
+            <a:normAutofit lnSpcReduction="10000"/>
           </a:bodyPr>
           <a:lstStyle/>
           <a:p>
             <a:r>
               <a:rPr lang="en-US" dirty="0"/>
-              <a:t>Objectives</a:t>
-            </a:r>
-          </a:p>
-        </p:txBody>
-      </p:sp>
-      <p:sp>
-        <p:nvSpPr>
-          <p:cNvPr id="3" name="Content Placeholder 2"/>
-          <p:cNvSpPr>
-            <a:spLocks noGrp="1"/>
-          </p:cNvSpPr>
-          <p:nvPr>
-            <p:ph idx="1"/>
+              <a:t>Last week, we introduced the Function Design Recipe, and examined the first step, Data Design, in detail.</a:t>
+            </a:r>
+          </a:p>
+          <a:p>
+            <a:r>
+              <a:rPr lang="en-US" dirty="0"/>
+              <a:t>This week we will talk in more detail about the rest of the steps in the Function Design Recipe.</a:t>
+            </a:r>
+          </a:p>
+          <a:p>
+            <a:r>
+              <a:rPr lang="en-US" dirty="0"/>
+              <a:t>We will also talk about the kinds of bugs you might encounter while running your programs and how to fix them.</a:t>
+            </a:r>
+          </a:p>
+        </p:txBody>
+      </p:sp>
+      <p:sp>
+        <p:nvSpPr>
+          <p:cNvPr id="4" name="Slide Number Placeholder 3"/>
+          <p:cNvSpPr>
+            <a:spLocks noGrp="1"/>
+          </p:cNvSpPr>
+          <p:nvPr>
+            <p:ph type="sldNum" sz="quarter" idx="12"/>
           </p:nvPr>
         </p:nvSpPr>
         <p:spPr/>
         <p:txBody>
-          <a:bodyPr>
-            <a:normAutofit/>
-          </a:bodyPr>
+          <a:bodyPr/>
           <a:lstStyle/>
           <a:p>
-            <a:pPr marL="0" indent="0">
-              <a:buNone/>
-            </a:pPr>
-            <a:r>
-              <a:rPr lang="en-US" dirty="0"/>
-              <a:t>At the end of this lesson, students will be able to:</a:t>
-            </a:r>
-          </a:p>
-          <a:p>
-            <a:pPr lvl="0"/>
-            <a:r>
-              <a:rPr lang="en-US" dirty="0"/>
-              <a:t>Write a contract and purpose statements for simple functions.</a:t>
-            </a:r>
-          </a:p>
-          <a:p>
-            <a:pPr lvl="0"/>
-            <a:r>
-              <a:rPr lang="en-US" dirty="0"/>
-              <a:t>Provide examples showing sample arguments and  intended results.</a:t>
-            </a:r>
-          </a:p>
-          <a:p>
-            <a:pPr lvl="0"/>
-            <a:r>
-              <a:rPr lang="en-US" dirty="0"/>
-              <a:t>Write down the examples as human readable comments within the program.</a:t>
-            </a:r>
-          </a:p>
-          <a:p>
-            <a:endParaRPr lang="en-US" dirty="0"/>
+            <a:fld id="{AB376464-0CAE-48CA-94A1-62F8E9374B4C}" type="slidenum">
+              <a:rPr lang="en-US" smtClean="0"/>
+              <a:pPr/>
+              <a:t>3</a:t>
+            </a:fld>
+            <a:endParaRPr lang="en-US"/>
           </a:p>
         </p:txBody>
       </p:sp>
     </p:spTree>
     <p:extLst>
       <p:ext uri="{BB962C8B-B14F-4D97-AF65-F5344CB8AC3E}">
-        <p14:creationId xmlns:p14="http://schemas.microsoft.com/office/powerpoint/2010/main" val="388172440"/>
+        <p14:creationId xmlns:p14="http://schemas.microsoft.com/office/powerpoint/2010/main" val="3839266373"/>
       </p:ext>
     </p:extLst>
   </p:cSld>
@@ -8251,6 +13267,111 @@
       </p:grpSpPr>
       <p:sp>
         <p:nvSpPr>
+          <p:cNvPr id="5" name="Title 4"/>
+          <p:cNvSpPr>
+            <a:spLocks noGrp="1"/>
+          </p:cNvSpPr>
+          <p:nvPr>
+            <p:ph type="title"/>
+          </p:nvPr>
+        </p:nvSpPr>
+        <p:spPr/>
+        <p:txBody>
+          <a:bodyPr>
+            <a:noAutofit/>
+          </a:bodyPr>
+          <a:lstStyle/>
+          <a:p>
+            <a:r>
+              <a:rPr lang="en-US" dirty="0"/>
+              <a:t>Lesson Objectives</a:t>
+            </a:r>
+          </a:p>
+        </p:txBody>
+      </p:sp>
+      <p:sp>
+        <p:nvSpPr>
+          <p:cNvPr id="3" name="Content Placeholder 2"/>
+          <p:cNvSpPr>
+            <a:spLocks noGrp="1"/>
+          </p:cNvSpPr>
+          <p:nvPr>
+            <p:ph idx="1"/>
+          </p:nvPr>
+        </p:nvSpPr>
+        <p:spPr/>
+        <p:txBody>
+          <a:bodyPr>
+            <a:normAutofit/>
+          </a:bodyPr>
+          <a:lstStyle/>
+          <a:p>
+            <a:pPr marL="0" indent="0">
+              <a:buNone/>
+            </a:pPr>
+            <a:r>
+              <a:rPr lang="en-US" dirty="0"/>
+              <a:t>At the end of this lesson, students will be able to:</a:t>
+            </a:r>
+          </a:p>
+          <a:p>
+            <a:pPr lvl="0"/>
+            <a:r>
+              <a:rPr lang="en-US" dirty="0"/>
+              <a:t>Write a contract and purpose statements for simple functions.</a:t>
+            </a:r>
+          </a:p>
+          <a:p>
+            <a:pPr lvl="0"/>
+            <a:r>
+              <a:rPr lang="en-US" dirty="0"/>
+              <a:t>Provide examples showing sample arguments and  intended results.</a:t>
+            </a:r>
+          </a:p>
+          <a:p>
+            <a:pPr lvl="0"/>
+            <a:r>
+              <a:rPr lang="en-US" dirty="0"/>
+              <a:t>Write down the examples as human readable comments within the program.</a:t>
+            </a:r>
+          </a:p>
+          <a:p>
+            <a:endParaRPr lang="en-US" dirty="0"/>
+          </a:p>
+        </p:txBody>
+      </p:sp>
+    </p:spTree>
+    <p:extLst>
+      <p:ext uri="{BB962C8B-B14F-4D97-AF65-F5344CB8AC3E}">
+        <p14:creationId xmlns:p14="http://schemas.microsoft.com/office/powerpoint/2010/main" val="388172440"/>
+      </p:ext>
+    </p:extLst>
+  </p:cSld>
+  <p:clrMapOvr>
+    <a:masterClrMapping/>
+  </p:clrMapOvr>
+</p:sld>
+</file>
+
+<file path=ppt/slides/slide5.xml><?xml version="1.0" encoding="utf-8"?>
+<p:sld xmlns:a="http://schemas.openxmlformats.org/drawingml/2006/main" xmlns:r="http://schemas.openxmlformats.org/officeDocument/2006/relationships" xmlns:p="http://schemas.openxmlformats.org/presentationml/2006/main">
+  <p:cSld>
+    <p:spTree>
+      <p:nvGrpSpPr>
+        <p:cNvPr id="1" name=""/>
+        <p:cNvGrpSpPr/>
+        <p:nvPr/>
+      </p:nvGrpSpPr>
+      <p:grpSpPr>
+        <a:xfrm>
+          <a:off x="0" y="0"/>
+          <a:ext cx="0" cy="0"/>
+          <a:chOff x="0" y="0"/>
+          <a:chExt cx="0" cy="0"/>
+        </a:xfrm>
+      </p:grpSpPr>
+      <p:sp>
+        <p:nvSpPr>
           <p:cNvPr id="2" name="Title 1"/>
           <p:cNvSpPr>
             <a:spLocks noGrp="1"/>
@@ -8334,7 +13455,7 @@
 </p:sld>
 </file>
 
-<file path=ppt/slides/slide5.xml><?xml version="1.0" encoding="utf-8"?>
+<file path=ppt/slides/slide6.xml><?xml version="1.0" encoding="utf-8"?>
 <p:sld xmlns:a="http://schemas.openxmlformats.org/drawingml/2006/main" xmlns:r="http://schemas.openxmlformats.org/officeDocument/2006/relationships" xmlns:p="http://schemas.openxmlformats.org/presentationml/2006/main">
   <p:cSld>
     <p:spTree>
@@ -8619,159 +13740,6 @@
 </p:sld>
 </file>
 
-<file path=ppt/slides/slide6.xml><?xml version="1.0" encoding="utf-8"?>
-<p:sld xmlns:a="http://schemas.openxmlformats.org/drawingml/2006/main" xmlns:r="http://schemas.openxmlformats.org/officeDocument/2006/relationships" xmlns:p="http://schemas.openxmlformats.org/presentationml/2006/main">
-  <p:cSld>
-    <p:spTree>
-      <p:nvGrpSpPr>
-        <p:cNvPr id="1" name=""/>
-        <p:cNvGrpSpPr/>
-        <p:nvPr/>
-      </p:nvGrpSpPr>
-      <p:grpSpPr>
-        <a:xfrm>
-          <a:off x="0" y="0"/>
-          <a:ext cx="0" cy="0"/>
-          <a:chOff x="0" y="0"/>
-          <a:chExt cx="0" cy="0"/>
-        </a:xfrm>
-      </p:grpSpPr>
-      <p:sp>
-        <p:nvSpPr>
-          <p:cNvPr id="2" name="Title 1"/>
-          <p:cNvSpPr>
-            <a:spLocks noGrp="1"/>
-          </p:cNvSpPr>
-          <p:nvPr>
-            <p:ph type="title"/>
-          </p:nvPr>
-        </p:nvSpPr>
-        <p:spPr/>
-        <p:txBody>
-          <a:bodyPr>
-            <a:normAutofit fontScale="90000"/>
-          </a:bodyPr>
-          <a:lstStyle/>
-          <a:p>
-            <a:r>
-              <a:rPr lang="en-US" dirty="0"/>
-              <a:t>FDR Step 2: Contract and Purpose Statement</a:t>
-            </a:r>
-          </a:p>
-        </p:txBody>
-      </p:sp>
-      <p:sp>
-        <p:nvSpPr>
-          <p:cNvPr id="3" name="Content Placeholder 2"/>
-          <p:cNvSpPr>
-            <a:spLocks noGrp="1"/>
-          </p:cNvSpPr>
-          <p:nvPr>
-            <p:ph idx="1"/>
-          </p:nvPr>
-        </p:nvSpPr>
-        <p:spPr/>
-        <p:txBody>
-          <a:bodyPr>
-            <a:normAutofit fontScale="92500" lnSpcReduction="20000"/>
-          </a:bodyPr>
-          <a:lstStyle/>
-          <a:p>
-            <a:r>
-              <a:rPr lang="en-US" i="1" dirty="0">
-                <a:solidFill>
-                  <a:srgbClr val="FF0000"/>
-                </a:solidFill>
-              </a:rPr>
-              <a:t>Contract:</a:t>
-            </a:r>
-            <a:r>
-              <a:rPr lang="en-US" dirty="0"/>
-              <a:t> specifies the kind of input data and the kind of output data</a:t>
-            </a:r>
-          </a:p>
-          <a:p>
-            <a:r>
-              <a:rPr lang="en-US" i="1" dirty="0">
-                <a:solidFill>
-                  <a:srgbClr val="FF0000"/>
-                </a:solidFill>
-              </a:rPr>
-              <a:t>Purpose Statement:</a:t>
-            </a:r>
-            <a:r>
-              <a:rPr lang="en-US" dirty="0"/>
-              <a:t> A set of short noun phrases describing </a:t>
-            </a:r>
-            <a:r>
-              <a:rPr lang="en-US" i="1" dirty="0"/>
-              <a:t>what</a:t>
-            </a:r>
-            <a:r>
-              <a:rPr lang="en-US" dirty="0"/>
-              <a:t> the function is supposed to return. These are typically phrased in terms of information, not data. </a:t>
-            </a:r>
-          </a:p>
-          <a:p>
-            <a:pPr lvl="1"/>
-            <a:r>
-              <a:rPr lang="en-US"/>
-              <a:t>They </a:t>
-            </a:r>
-            <a:r>
-              <a:rPr lang="en-US" dirty="0"/>
-              <a:t>generally take the form GIVEN/RETURNS, where each of these keywords is followed by a short noun phrase.</a:t>
-            </a:r>
-          </a:p>
-          <a:p>
-            <a:pPr lvl="1"/>
-            <a:r>
-              <a:rPr lang="en-US" dirty="0"/>
-              <a:t>When possible, they are phrased in terms of information, not data.</a:t>
-            </a:r>
-          </a:p>
-          <a:p>
-            <a:endParaRPr lang="en-US" dirty="0"/>
-          </a:p>
-        </p:txBody>
-      </p:sp>
-      <p:sp>
-        <p:nvSpPr>
-          <p:cNvPr id="4" name="Slide Number Placeholder 3"/>
-          <p:cNvSpPr>
-            <a:spLocks noGrp="1"/>
-          </p:cNvSpPr>
-          <p:nvPr>
-            <p:ph type="sldNum" sz="quarter" idx="12"/>
-          </p:nvPr>
-        </p:nvSpPr>
-        <p:spPr/>
-        <p:txBody>
-          <a:bodyPr/>
-          <a:lstStyle/>
-          <a:p>
-            <a:fld id="{AB376464-0CAE-48CA-94A1-62F8E9374B4C}" type="slidenum">
-              <a:rPr lang="en-US" smtClean="0"/>
-              <a:pPr/>
-              <a:t>6</a:t>
-            </a:fld>
-            <a:endParaRPr lang="en-US"/>
-          </a:p>
-        </p:txBody>
-      </p:sp>
-    </p:spTree>
-    <p:extLst>
-      <p:ext uri="{BB962C8B-B14F-4D97-AF65-F5344CB8AC3E}">
-        <p14:creationId xmlns:p14="http://schemas.microsoft.com/office/powerpoint/2010/main" val="1784961422"/>
-      </p:ext>
-    </p:extLst>
-  </p:cSld>
-  <p:clrMapOvr>
-    <a:masterClrMapping/>
-  </p:clrMapOvr>
-</p:sld>
-</file>
-
 <file path=ppt/slides/slide7.xml><?xml version="1.0" encoding="utf-8"?>
 <p:sld xmlns:a="http://schemas.openxmlformats.org/drawingml/2006/main" xmlns:r="http://schemas.openxmlformats.org/officeDocument/2006/relationships" xmlns:p="http://schemas.openxmlformats.org/presentationml/2006/main">
   <p:cSld>
@@ -8799,22 +13767,16 @@
             <p:ph type="title"/>
           </p:nvPr>
         </p:nvSpPr>
-        <p:spPr>
-          <a:ln w="28575">
-            <a:solidFill>
-              <a:schemeClr val="accent1"/>
-            </a:solidFill>
-          </a:ln>
-        </p:spPr>
-        <p:txBody>
-          <a:bodyPr vert="horz" lIns="91440" tIns="45720" rIns="91440" bIns="45720" rtlCol="0" anchor="ctr">
+        <p:spPr/>
+        <p:txBody>
+          <a:bodyPr>
             <a:normAutofit fontScale="90000"/>
           </a:bodyPr>
           <a:lstStyle/>
           <a:p>
             <a:r>
               <a:rPr lang="en-US" dirty="0"/>
-              <a:t>Examples of Contract and Purpose Statements</a:t>
+              <a:t>FDR Step 2: Contract and Purpose Statement</a:t>
             </a:r>
           </a:p>
         </p:txBody>
@@ -8832,133 +13794,65 @@
         <p:spPr/>
         <p:txBody>
           <a:bodyPr>
-            <a:normAutofit/>
+            <a:normAutofit fontScale="92500" lnSpcReduction="20000"/>
           </a:bodyPr>
           <a:lstStyle/>
           <a:p>
-            <a:pPr>
-              <a:spcBef>
-                <a:spcPts val="0"/>
-              </a:spcBef>
-            </a:pPr>
-            <a:r>
-              <a:rPr lang="en-US" sz="2400" dirty="0"/>
-              <a:t>;; f2c: </a:t>
-            </a:r>
-            <a:r>
-              <a:rPr lang="en-US" sz="2400" dirty="0" err="1"/>
-              <a:t>FarenTemp</a:t>
-            </a:r>
-            <a:r>
-              <a:rPr lang="en-US" sz="2400" dirty="0"/>
-              <a:t> -&gt; </a:t>
-            </a:r>
-            <a:r>
-              <a:rPr lang="en-US" sz="2400" dirty="0" err="1"/>
-              <a:t>CelsiusTemp</a:t>
-            </a:r>
-            <a:r>
-              <a:rPr lang="en-US" sz="2400" dirty="0"/>
-              <a:t>         </a:t>
-            </a:r>
-          </a:p>
-          <a:p>
-            <a:pPr>
-              <a:spcBef>
-                <a:spcPts val="0"/>
-              </a:spcBef>
-            </a:pPr>
-            <a:r>
-              <a:rPr lang="en-US" sz="2400" dirty="0"/>
-              <a:t>;; GIVEN: a temperature in Fahrenheit, </a:t>
-            </a:r>
-          </a:p>
-          <a:p>
-            <a:pPr>
-              <a:spcBef>
-                <a:spcPts val="0"/>
-              </a:spcBef>
-            </a:pPr>
-            <a:r>
-              <a:rPr lang="en-US" sz="2400" dirty="0"/>
-              <a:t>;; RETURNS: the equivalent temperature in </a:t>
-            </a:r>
-          </a:p>
-          <a:p>
-            <a:pPr>
-              <a:spcBef>
-                <a:spcPts val="0"/>
-              </a:spcBef>
-            </a:pPr>
-            <a:r>
-              <a:rPr lang="en-US" sz="2400" dirty="0"/>
-              <a:t>;;   Celsius</a:t>
-            </a:r>
-          </a:p>
-          <a:p>
-            <a:pPr>
-              <a:spcBef>
-                <a:spcPts val="0"/>
-              </a:spcBef>
-            </a:pPr>
-            <a:endParaRPr lang="en-US" sz="2400" dirty="0"/>
-          </a:p>
-          <a:p>
-            <a:pPr>
-              <a:spcBef>
-                <a:spcPts val="0"/>
-              </a:spcBef>
-            </a:pPr>
-            <a:r>
-              <a:rPr lang="en-US" sz="2400" dirty="0"/>
-              <a:t>;; f2mars : </a:t>
-            </a:r>
-            <a:r>
-              <a:rPr lang="en-US" sz="2400" dirty="0" err="1"/>
-              <a:t>FarenTemp</a:t>
-            </a:r>
-            <a:r>
-              <a:rPr lang="en-US" sz="2400" dirty="0"/>
-              <a:t> -&gt; </a:t>
-            </a:r>
-            <a:r>
-              <a:rPr lang="en-US" sz="2400" dirty="0" err="1"/>
-              <a:t>CelsiusTemp</a:t>
-            </a:r>
-            <a:endParaRPr lang="en-US" sz="2400" dirty="0"/>
-          </a:p>
-          <a:p>
-            <a:pPr>
-              <a:spcBef>
-                <a:spcPts val="0"/>
-              </a:spcBef>
-            </a:pPr>
-            <a:r>
-              <a:rPr lang="en-US" sz="2400" dirty="0"/>
-              <a:t>;; GIVEN: Any temperature in Fahrenheit</a:t>
-            </a:r>
-          </a:p>
-          <a:p>
-            <a:pPr>
-              <a:spcBef>
-                <a:spcPts val="0"/>
-              </a:spcBef>
-            </a:pPr>
-            <a:r>
-              <a:rPr lang="en-US" sz="2400" dirty="0"/>
-              <a:t>;; RETURNS: The mean temperature on the surface</a:t>
-            </a:r>
-          </a:p>
-          <a:p>
-            <a:pPr>
-              <a:spcBef>
-                <a:spcPts val="0"/>
-              </a:spcBef>
-            </a:pPr>
-            <a:r>
-              <a:rPr lang="en-US" sz="2400" dirty="0"/>
-              <a:t>;;   of Mars, in Celsius</a:t>
-            </a:r>
+            <a:r>
+              <a:rPr lang="en-US" i="1" dirty="0">
+                <a:solidFill>
+                  <a:srgbClr val="FF0000"/>
+                </a:solidFill>
+              </a:rPr>
+              <a:t>Contract:</a:t>
+            </a:r>
+            <a:r>
+              <a:rPr lang="en-US" dirty="0"/>
+              <a:t> specifies the kind of input data and the kind of output data</a:t>
+            </a:r>
+          </a:p>
+          <a:p>
+            <a:r>
+              <a:rPr lang="en-US" i="1" dirty="0">
+                <a:solidFill>
+                  <a:srgbClr val="FF0000"/>
+                </a:solidFill>
+              </a:rPr>
+              <a:t>Purpose Statement:</a:t>
+            </a:r>
+            <a:r>
+              <a:rPr lang="en-US" dirty="0"/>
+              <a:t> A set of short noun phrases describing </a:t>
+            </a:r>
+            <a:r>
+              <a:rPr lang="en-US" i="1" dirty="0"/>
+              <a:t>what</a:t>
+            </a:r>
+            <a:r>
+              <a:rPr lang="en-US" dirty="0"/>
+              <a:t> the function is supposed to return. These are typically phrased in terms of information, not data. </a:t>
+            </a:r>
+          </a:p>
+          <a:p>
+            <a:pPr lvl="1"/>
+            <a:r>
+              <a:rPr lang="en-US"/>
+              <a:t>They </a:t>
+            </a:r>
+            <a:r>
+              <a:rPr lang="en-US" dirty="0"/>
+              <a:t>generally take the form GIVEN/RETURNS, where each of these keywords is followed by a short noun phrase.</a:t>
+            </a:r>
+          </a:p>
+          <a:p>
+            <a:pPr lvl="1"/>
+            <a:r>
+              <a:rPr lang="en-US" dirty="0"/>
+              <a:t>When possible, they are phrased in terms of information, not data.</a:t>
+            </a:r>
+          </a:p>
+          <a:p>
+            <a:endParaRPr lang="en-US" dirty="0"/>
           </a:p>
         </p:txBody>
       </p:sp>
@@ -8989,7 +13883,7 @@
     </p:spTree>
     <p:extLst>
       <p:ext uri="{BB962C8B-B14F-4D97-AF65-F5344CB8AC3E}">
-        <p14:creationId xmlns:p14="http://schemas.microsoft.com/office/powerpoint/2010/main" val="2697758340"/>
+        <p14:creationId xmlns:p14="http://schemas.microsoft.com/office/powerpoint/2010/main" val="1784961422"/>
       </p:ext>
     </p:extLst>
   </p:cSld>
@@ -9041,7 +13935,7 @@
           <a:p>
             <a:r>
               <a:rPr lang="en-US" dirty="0"/>
-              <a:t>Examples of Contract and Purpose Statements (2)</a:t>
+              <a:t>Examples of Contract and Purpose Statements</a:t>
             </a:r>
           </a:p>
         </p:txBody>
@@ -9064,29 +13958,127 @@
           <a:lstStyle/>
           <a:p>
             <a:pPr>
-              <a:buNone/>
+              <a:spcBef>
+                <a:spcPts val="0"/>
+              </a:spcBef>
             </a:pPr>
             <a:r>
               <a:rPr lang="en-US" sz="2400" dirty="0"/>
-              <a:t>scene-with-cat : Cat Scene -&gt; Scene</a:t>
+              <a:t>;; f2c: </a:t>
+            </a:r>
+            <a:r>
+              <a:rPr lang="en-US" sz="2400" dirty="0" err="1"/>
+              <a:t>FarenTemp</a:t>
+            </a:r>
+            <a:r>
+              <a:rPr lang="en-US" sz="2400" dirty="0"/>
+              <a:t> -&gt; </a:t>
+            </a:r>
+            <a:r>
+              <a:rPr lang="en-US" sz="2400" dirty="0" err="1"/>
+              <a:t>CelsiusTemp</a:t>
+            </a:r>
+            <a:r>
+              <a:rPr lang="en-US" sz="2400" dirty="0"/>
+              <a:t>         </a:t>
             </a:r>
           </a:p>
           <a:p>
             <a:pPr>
-              <a:buNone/>
+              <a:spcBef>
+                <a:spcPts val="0"/>
+              </a:spcBef>
             </a:pPr>
             <a:r>
               <a:rPr lang="en-US" sz="2400" dirty="0"/>
-              <a:t>GIVEN: a Cat c and a Scene s </a:t>
+              <a:t>;; GIVEN: a temperature in Fahrenheit, </a:t>
             </a:r>
           </a:p>
           <a:p>
             <a:pPr>
-              <a:buNone/>
+              <a:spcBef>
+                <a:spcPts val="0"/>
+              </a:spcBef>
             </a:pPr>
             <a:r>
               <a:rPr lang="en-US" sz="2400" dirty="0"/>
-              <a:t>RETURNS: A Scene like s, except that the Cat c has been painted on it. </a:t>
+              <a:t>;; RETURNS: the equivalent temperature in </a:t>
+            </a:r>
+          </a:p>
+          <a:p>
+            <a:pPr>
+              <a:spcBef>
+                <a:spcPts val="0"/>
+              </a:spcBef>
+            </a:pPr>
+            <a:r>
+              <a:rPr lang="en-US" sz="2400" dirty="0"/>
+              <a:t>;;   Celsius</a:t>
+            </a:r>
+          </a:p>
+          <a:p>
+            <a:pPr>
+              <a:spcBef>
+                <a:spcPts val="0"/>
+              </a:spcBef>
+            </a:pPr>
+            <a:endParaRPr lang="en-US" sz="2400" dirty="0"/>
+          </a:p>
+          <a:p>
+            <a:pPr>
+              <a:spcBef>
+                <a:spcPts val="0"/>
+              </a:spcBef>
+            </a:pPr>
+            <a:r>
+              <a:rPr lang="en-US" sz="2400" dirty="0"/>
+              <a:t>;; f2mars : </a:t>
+            </a:r>
+            <a:r>
+              <a:rPr lang="en-US" sz="2400" dirty="0" err="1"/>
+              <a:t>FarenTemp</a:t>
+            </a:r>
+            <a:r>
+              <a:rPr lang="en-US" sz="2400" dirty="0"/>
+              <a:t> -&gt; </a:t>
+            </a:r>
+            <a:r>
+              <a:rPr lang="en-US" sz="2400" dirty="0" err="1"/>
+              <a:t>CelsiusTemp</a:t>
+            </a:r>
+            <a:endParaRPr lang="en-US" sz="2400" dirty="0"/>
+          </a:p>
+          <a:p>
+            <a:pPr>
+              <a:spcBef>
+                <a:spcPts val="0"/>
+              </a:spcBef>
+            </a:pPr>
+            <a:r>
+              <a:rPr lang="en-US" sz="2400" dirty="0"/>
+              <a:t>;; GIVEN: Any temperature in Fahrenheit</a:t>
+            </a:r>
+          </a:p>
+          <a:p>
+            <a:pPr>
+              <a:spcBef>
+                <a:spcPts val="0"/>
+              </a:spcBef>
+            </a:pPr>
+            <a:r>
+              <a:rPr lang="en-US" sz="2400" dirty="0"/>
+              <a:t>;; RETURNS: The mean temperature on the surface</a:t>
+            </a:r>
+          </a:p>
+          <a:p>
+            <a:pPr>
+              <a:spcBef>
+                <a:spcPts val="0"/>
+              </a:spcBef>
+            </a:pPr>
+            <a:r>
+              <a:rPr lang="en-US" sz="2400" dirty="0"/>
+              <a:t>;;   of Mars, in Celsius</a:t>
             </a:r>
           </a:p>
         </p:txBody>
@@ -9118,7 +14110,7 @@
     </p:spTree>
     <p:extLst>
       <p:ext uri="{BB962C8B-B14F-4D97-AF65-F5344CB8AC3E}">
-        <p14:creationId xmlns:p14="http://schemas.microsoft.com/office/powerpoint/2010/main" val="4142504285"/>
+        <p14:creationId xmlns:p14="http://schemas.microsoft.com/office/powerpoint/2010/main" val="2697758340"/>
       </p:ext>
     </p:extLst>
   </p:cSld>
@@ -9155,16 +14147,22 @@
             <p:ph type="title"/>
           </p:nvPr>
         </p:nvSpPr>
-        <p:spPr/>
-        <p:txBody>
-          <a:bodyPr>
+        <p:spPr>
+          <a:ln w="28575">
+            <a:solidFill>
+              <a:schemeClr val="accent1"/>
+            </a:solidFill>
+          </a:ln>
+        </p:spPr>
+        <p:txBody>
+          <a:bodyPr vert="horz" lIns="91440" tIns="45720" rIns="91440" bIns="45720" rtlCol="0" anchor="ctr">
             <a:normAutofit fontScale="90000"/>
           </a:bodyPr>
           <a:lstStyle/>
           <a:p>
             <a:r>
               <a:rPr lang="en-US" dirty="0"/>
-              <a:t>What makes a good purpose statement?</a:t>
+              <a:t>Examples of Contract and Purpose Statements (2)</a:t>
             </a:r>
           </a:p>
         </p:txBody>
@@ -9182,119 +14180,66 @@
         <p:spPr/>
         <p:txBody>
           <a:bodyPr>
-            <a:normAutofit fontScale="92500" lnSpcReduction="20000"/>
+            <a:normAutofit/>
           </a:bodyPr>
           <a:lstStyle/>
           <a:p>
-            <a:r>
-              <a:rPr lang="en-US" dirty="0"/>
-              <a:t>It gives more information than just the contract.  For example</a:t>
-            </a:r>
-          </a:p>
-          <a:p>
-            <a:pPr marL="800100" lvl="2" indent="0">
+            <a:pPr>
               <a:buNone/>
             </a:pPr>
             <a:r>
-              <a:rPr lang="en-US" sz="2000" b="1" dirty="0">
-                <a:latin typeface="Consolas" pitchFamily="49" charset="0"/>
-                <a:cs typeface="Consolas" pitchFamily="49" charset="0"/>
-              </a:rPr>
-              <a:t>GIVEN: an Integer and a Boolean</a:t>
-            </a:r>
-          </a:p>
-          <a:p>
-            <a:pPr marL="800100" lvl="2" indent="0">
+              <a:rPr lang="en-US" sz="2400" dirty="0"/>
+              <a:t>scene-with-cat : Cat Scene -&gt; Scene</a:t>
+            </a:r>
+          </a:p>
+          <a:p>
+            <a:pPr>
               <a:buNone/>
             </a:pPr>
             <a:r>
-              <a:rPr lang="en-US" sz="2000" b="1" dirty="0">
-                <a:latin typeface="Consolas" pitchFamily="49" charset="0"/>
-                <a:cs typeface="Consolas" pitchFamily="49" charset="0"/>
-              </a:rPr>
-              <a:t>RETURNS: an Integer</a:t>
-            </a:r>
-          </a:p>
-          <a:p>
-            <a:pPr marL="400050" lvl="1" indent="0">
+              <a:rPr lang="en-US" sz="2400" dirty="0"/>
+              <a:t>GIVEN: a Cat c and a Scene s </a:t>
+            </a:r>
+          </a:p>
+          <a:p>
+            <a:pPr>
               <a:buNone/>
             </a:pPr>
             <a:r>
-              <a:rPr lang="en-US" dirty="0">
-                <a:cs typeface="Consolas" pitchFamily="49" charset="0"/>
-              </a:rPr>
-              <a:t>is </a:t>
-            </a:r>
-            <a:r>
-              <a:rPr lang="en-US" dirty="0">
-                <a:solidFill>
-                  <a:srgbClr val="FF0000"/>
-                </a:solidFill>
-                <a:cs typeface="Consolas" pitchFamily="49" charset="0"/>
-              </a:rPr>
-              <a:t>not</a:t>
-            </a:r>
-            <a:r>
-              <a:rPr lang="en-US" dirty="0">
-                <a:cs typeface="Consolas" pitchFamily="49" charset="0"/>
-              </a:rPr>
-              <a:t> a good purpose statement</a:t>
-            </a:r>
-          </a:p>
-          <a:p>
-            <a:pPr marL="457200" indent="-457200"/>
-            <a:r>
-              <a:rPr lang="en-US" dirty="0">
-                <a:cs typeface="Consolas" pitchFamily="49" charset="0"/>
-              </a:rPr>
-              <a:t>It is </a:t>
-            </a:r>
-            <a:r>
-              <a:rPr lang="en-US" i="1" dirty="0">
-                <a:solidFill>
-                  <a:srgbClr val="FF0000"/>
-                </a:solidFill>
-                <a:cs typeface="Consolas" pitchFamily="49" charset="0"/>
-              </a:rPr>
-              <a:t>specific</a:t>
-            </a:r>
-            <a:r>
-              <a:rPr lang="en-US" i="1" dirty="0">
-                <a:cs typeface="Consolas" pitchFamily="49" charset="0"/>
-              </a:rPr>
-              <a:t>. </a:t>
-            </a:r>
-            <a:r>
-              <a:rPr lang="en-US" dirty="0">
-                <a:cs typeface="Consolas" pitchFamily="49" charset="0"/>
-              </a:rPr>
-              <a:t>Ideally, a reader should be able to figure out what a function returns just by reading the purpose statement</a:t>
-            </a:r>
-          </a:p>
-          <a:p>
-            <a:pPr marL="857250" lvl="1" indent="-457200"/>
-            <a:r>
-              <a:rPr lang="en-US" dirty="0">
-                <a:cs typeface="Consolas" pitchFamily="49" charset="0"/>
-              </a:rPr>
-              <a:t>perhaps along with examples, other documentation, etc.</a:t>
-            </a:r>
-          </a:p>
-          <a:p>
-            <a:pPr marL="857250" lvl="1" indent="-457200"/>
-            <a:r>
-              <a:rPr lang="en-US" dirty="0">
-                <a:cs typeface="Consolas" pitchFamily="49" charset="0"/>
-              </a:rPr>
-              <a:t>but WITHOUT reading the code!</a:t>
-            </a:r>
+              <a:rPr lang="en-US" sz="2400" dirty="0"/>
+              <a:t>RETURNS: A Scene like s, except that the Cat c has been painted on it. </a:t>
+            </a:r>
+          </a:p>
+        </p:txBody>
+      </p:sp>
+      <p:sp>
+        <p:nvSpPr>
+          <p:cNvPr id="4" name="Slide Number Placeholder 3"/>
+          <p:cNvSpPr>
+            <a:spLocks noGrp="1"/>
+          </p:cNvSpPr>
+          <p:nvPr>
+            <p:ph type="sldNum" sz="quarter" idx="12"/>
+          </p:nvPr>
+        </p:nvSpPr>
+        <p:spPr/>
+        <p:txBody>
+          <a:bodyPr/>
+          <a:lstStyle/>
+          <a:p>
+            <a:fld id="{AB376464-0CAE-48CA-94A1-62F8E9374B4C}" type="slidenum">
+              <a:rPr lang="en-US" smtClean="0"/>
+              <a:pPr/>
+              <a:t>9</a:t>
+            </a:fld>
+            <a:endParaRPr lang="en-US"/>
           </a:p>
         </p:txBody>
       </p:sp>
     </p:spTree>
     <p:extLst>
       <p:ext uri="{BB962C8B-B14F-4D97-AF65-F5344CB8AC3E}">
-        <p14:creationId xmlns:p14="http://schemas.microsoft.com/office/powerpoint/2010/main" val="2836450553"/>
+        <p14:creationId xmlns:p14="http://schemas.microsoft.com/office/powerpoint/2010/main" val="4142504285"/>
       </p:ext>
     </p:extLst>
   </p:cSld>

--- a/Slides/Lesson 2.1 Contracts, Purpose Statements, and Examples.pptx
+++ b/Slides/Lesson 2.1 Contracts, Purpose Statements, and Examples.pptx
@@ -41,7 +41,7 @@
   <p:notesSz cx="6858000" cy="9296400"/>
   <p:embeddedFontLst>
     <p:embeddedFont>
-      <p:font typeface="CMR10" panose="020B0604020202020204"/>
+      <p:font typeface="CMMI10" panose="020B0604020202020204"/>
       <p:regular r:id="rId29"/>
     </p:embeddedFont>
     <p:embeddedFont>
@@ -56,11 +56,11 @@
       <p:boldItalic r:id="rId34"/>
     </p:embeddedFont>
     <p:embeddedFont>
-      <p:font typeface="Arial Unicode MS" panose="020B0604020202020204" pitchFamily="34" charset="-128"/>
+      <p:font typeface="Arial Unicode MS" panose="020B0604020202020204" charset="-128"/>
       <p:regular r:id="rId35"/>
     </p:embeddedFont>
     <p:embeddedFont>
-      <p:font typeface="CMMI10" panose="020B0604020202020204"/>
+      <p:font typeface="CMR10" panose="020B0604020202020204"/>
       <p:regular r:id="rId36"/>
     </p:embeddedFont>
     <p:embeddedFont>
@@ -5005,7 +5005,7 @@
             <a:fld id="{F428509D-A83E-4130-9123-C9B4F5E9EE37}" type="datetimeFigureOut">
               <a:rPr lang="en-US" smtClean="0"/>
               <a:pPr/>
-              <a:t>7/25/2017</a:t>
+              <a:t>7/26/2017</a:t>
             </a:fld>
             <a:endParaRPr lang="en-US"/>
           </a:p>
@@ -5172,7 +5172,7 @@
             <a:fld id="{ACC16E80-119B-43B5-8043-B652C91D44CD}" type="datetimeFigureOut">
               <a:rPr lang="en-US" smtClean="0"/>
               <a:pPr/>
-              <a:t>7/25/2017</a:t>
+              <a:t>7/26/2017</a:t>
             </a:fld>
             <a:endParaRPr lang="en-US"/>
           </a:p>
@@ -7000,7 +7000,7 @@
             <a:fld id="{995A3EAA-2ADF-4730-8F37-D322F0FCA6F7}" type="datetime1">
               <a:rPr lang="en-US" smtClean="0"/>
               <a:pPr/>
-              <a:t>7/25/2017</a:t>
+              <a:t>7/26/2017</a:t>
             </a:fld>
             <a:endParaRPr lang="en-US"/>
           </a:p>
@@ -7249,7 +7249,7 @@
             <a:fld id="{9A46249C-EA92-4608-8FCA-65260396BA27}" type="datetime1">
               <a:rPr lang="en-US" smtClean="0"/>
               <a:pPr/>
-              <a:t>7/25/2017</a:t>
+              <a:t>7/26/2017</a:t>
             </a:fld>
             <a:endParaRPr lang="en-US"/>
           </a:p>
@@ -7414,7 +7414,7 @@
             <a:fld id="{E98573EB-F81F-45A8-8502-B7F241F6310C}" type="datetime1">
               <a:rPr lang="en-US" smtClean="0"/>
               <a:pPr/>
-              <a:t>7/25/2017</a:t>
+              <a:t>7/26/2017</a:t>
             </a:fld>
             <a:endParaRPr lang="en-US"/>
           </a:p>
@@ -7589,7 +7589,7 @@
             <a:fld id="{D3B68F27-4D23-4B43-9126-090EEA2632D9}" type="datetime1">
               <a:rPr lang="en-US" smtClean="0"/>
               <a:pPr/>
-              <a:t>7/25/2017</a:t>
+              <a:t>7/26/2017</a:t>
             </a:fld>
             <a:endParaRPr lang="en-US"/>
           </a:p>
@@ -7766,7 +7766,7 @@
             <a:fld id="{AF79D0BF-EDA9-4C0D-B5C1-D01FE3C9392D}" type="datetime1">
               <a:rPr lang="en-US" smtClean="0"/>
               <a:pPr/>
-              <a:t>7/25/2017</a:t>
+              <a:t>7/26/2017</a:t>
             </a:fld>
             <a:endParaRPr lang="en-US"/>
           </a:p>
@@ -7958,7 +7958,7 @@
             <a:fld id="{AF79D0BF-EDA9-4C0D-B5C1-D01FE3C9392D}" type="datetime1">
               <a:rPr lang="en-US" smtClean="0"/>
               <a:pPr/>
-              <a:t>7/25/2017</a:t>
+              <a:t>7/26/2017</a:t>
             </a:fld>
             <a:endParaRPr lang="en-US"/>
           </a:p>
@@ -8205,7 +8205,7 @@
             <a:fld id="{D69015D0-49B0-4059-80BB-AF092C6CC282}" type="datetime1">
               <a:rPr lang="en-US" smtClean="0"/>
               <a:pPr/>
-              <a:t>7/25/2017</a:t>
+              <a:t>7/26/2017</a:t>
             </a:fld>
             <a:endParaRPr lang="en-US"/>
           </a:p>
@@ -8487,7 +8487,7 @@
             <a:fld id="{6CFAE174-28EF-4C23-BFDE-B69E139D8EE0}" type="datetime1">
               <a:rPr lang="en-US" smtClean="0"/>
               <a:pPr/>
-              <a:t>7/25/2017</a:t>
+              <a:t>7/26/2017</a:t>
             </a:fld>
             <a:endParaRPr lang="en-US"/>
           </a:p>
@@ -8918,7 +8918,7 @@
             <a:fld id="{3C4735FC-F3F4-4930-AD2E-C703D7636E65}" type="datetime1">
               <a:rPr lang="en-US" smtClean="0"/>
               <a:pPr/>
-              <a:t>7/25/2017</a:t>
+              <a:t>7/26/2017</a:t>
             </a:fld>
             <a:endParaRPr lang="en-US"/>
           </a:p>
@@ -9051,7 +9051,7 @@
             <a:fld id="{37087D82-BB00-4296-AA4E-C167745A82DE}" type="datetime1">
               <a:rPr lang="en-US" smtClean="0"/>
               <a:pPr/>
-              <a:t>7/25/2017</a:t>
+              <a:t>7/26/2017</a:t>
             </a:fld>
             <a:endParaRPr lang="en-US"/>
           </a:p>
@@ -9143,7 +9143,7 @@
             <a:fld id="{E416393F-B669-482B-BFD6-501DDE1069A2}" type="datetime1">
               <a:rPr lang="en-US" smtClean="0"/>
               <a:pPr/>
-              <a:t>7/25/2017</a:t>
+              <a:t>7/26/2017</a:t>
             </a:fld>
             <a:endParaRPr lang="en-US"/>
           </a:p>
@@ -9415,7 +9415,7 @@
             <a:fld id="{8FFF435E-64AB-44BA-AD31-EDF4E3683DDC}" type="datetime1">
               <a:rPr lang="en-US" smtClean="0"/>
               <a:pPr/>
-              <a:t>7/25/2017</a:t>
+              <a:t>7/26/2017</a:t>
             </a:fld>
             <a:endParaRPr lang="en-US"/>
           </a:p>
@@ -9623,7 +9623,7 @@
             <a:fld id="{9FD4D3D6-E918-4CCA-AF93-9744A928CB26}" type="datetime1">
               <a:rPr lang="en-US" smtClean="0"/>
               <a:pPr/>
-              <a:t>7/25/2017</a:t>
+              <a:t>7/26/2017</a:t>
             </a:fld>
             <a:endParaRPr lang="en-US"/>
           </a:p>

--- a/Slides/Lesson 2.1 Contracts, Purpose Statements, and Examples.pptx
+++ b/Slides/Lesson 2.1 Contracts, Purpose Statements, and Examples.pptx
@@ -12,7 +12,7 @@
   </p:handoutMasterIdLst>
   <p:sldIdLst>
     <p:sldId id="257" r:id="rId2"/>
-    <p:sldId id="330" r:id="rId3"/>
+    <p:sldId id="331" r:id="rId3"/>
     <p:sldId id="325" r:id="rId4"/>
     <p:sldId id="299" r:id="rId5"/>
     <p:sldId id="298" r:id="rId6"/>
@@ -41,34 +41,34 @@
   <p:notesSz cx="6858000" cy="9296400"/>
   <p:embeddedFontLst>
     <p:embeddedFont>
+      <p:font typeface="Calibri" panose="020F0502020204030204" pitchFamily="34" charset="0"/>
+      <p:regular r:id="rId29"/>
+      <p:bold r:id="rId30"/>
+      <p:italic r:id="rId31"/>
+      <p:boldItalic r:id="rId32"/>
+    </p:embeddedFont>
+    <p:embeddedFont>
+      <p:font typeface="Consolas" panose="020B0609020204030204" pitchFamily="49" charset="0"/>
+      <p:regular r:id="rId33"/>
+      <p:bold r:id="rId34"/>
+      <p:italic r:id="rId35"/>
+      <p:boldItalic r:id="rId36"/>
+    </p:embeddedFont>
+    <p:embeddedFont>
       <p:font typeface="CMMI10" panose="020B0604020202020204"/>
-      <p:regular r:id="rId29"/>
+      <p:regular r:id="rId37"/>
+    </p:embeddedFont>
+    <p:embeddedFont>
+      <p:font typeface="Arial Unicode MS" panose="020B0604020202020204" charset="-128"/>
+      <p:regular r:id="rId38"/>
+    </p:embeddedFont>
+    <p:embeddedFont>
+      <p:font typeface="CMR10" panose="020B0604020202020204"/>
+      <p:regular r:id="rId39"/>
     </p:embeddedFont>
     <p:embeddedFont>
       <p:font typeface="CMSY10ORIG" panose="020B0604020202020204"/>
-      <p:regular r:id="rId30"/>
-    </p:embeddedFont>
-    <p:embeddedFont>
-      <p:font typeface="Calibri" panose="020F0502020204030204" pitchFamily="34" charset="0"/>
-      <p:regular r:id="rId31"/>
-      <p:bold r:id="rId32"/>
-      <p:italic r:id="rId33"/>
-      <p:boldItalic r:id="rId34"/>
-    </p:embeddedFont>
-    <p:embeddedFont>
-      <p:font typeface="Arial Unicode MS" panose="020B0604020202020204" charset="-128"/>
-      <p:regular r:id="rId35"/>
-    </p:embeddedFont>
-    <p:embeddedFont>
-      <p:font typeface="CMR10" panose="020B0604020202020204"/>
-      <p:regular r:id="rId36"/>
-    </p:embeddedFont>
-    <p:embeddedFont>
-      <p:font typeface="Consolas" panose="020B0609020204030204" pitchFamily="49" charset="0"/>
-      <p:regular r:id="rId37"/>
-      <p:bold r:id="rId38"/>
-      <p:italic r:id="rId39"/>
-      <p:boldItalic r:id="rId40"/>
+      <p:regular r:id="rId40"/>
     </p:embeddedFont>
   </p:embeddedFontLst>
   <p:custDataLst>
@@ -1028,68 +1028,15 @@
       </dgm:t>
     </dgm:pt>
     <dgm:pt modelId="{DDB8B436-9528-434E-BD0F-6EB4D2ACB929}">
-      <dgm:prSet phldrT="[Text]" custT="1">
-        <dgm:style>
-          <a:lnRef idx="0">
-            <a:scrgbClr r="0" g="0" b="0"/>
-          </a:lnRef>
-          <a:fillRef idx="0">
-            <a:scrgbClr r="0" g="0" b="0"/>
-          </a:fillRef>
-          <a:effectRef idx="0">
-            <a:scrgbClr r="0" g="0" b="0"/>
-          </a:effectRef>
-          <a:fontRef idx="minor">
-            <a:schemeClr val="lt1"/>
-          </a:fontRef>
-        </dgm:style>
-      </dgm:prSet>
-      <dgm:spPr>
-        <a:solidFill>
-          <a:prstClr val="white">
-            <a:alpha val="90000"/>
-            <a:hueOff val="0"/>
-            <a:satOff val="0"/>
-            <a:lumOff val="0"/>
-            <a:alphaOff val="0"/>
-          </a:prstClr>
-        </a:solidFill>
-        <a:ln w="25400" cap="flat" cmpd="sng" algn="ctr">
-          <a:solidFill>
-            <a:srgbClr val="4F81BD">
-              <a:hueOff val="0"/>
-              <a:satOff val="0"/>
-              <a:lumOff val="0"/>
-              <a:alphaOff val="0"/>
-            </a:srgbClr>
-          </a:solidFill>
-          <a:prstDash val="solid"/>
-        </a:ln>
-        <a:effectLst/>
-      </dgm:spPr>
+      <dgm:prSet phldrT="[Text]"/>
+      <dgm:spPr/>
       <dgm:t>
-        <a:bodyPr spcFirstLastPara="0" vert="horz" wrap="square" lIns="28575" tIns="19050" rIns="28575" bIns="19050" numCol="1" spcCol="1270" anchor="ctr" anchorCtr="0"/>
+        <a:bodyPr/>
         <a:lstStyle/>
         <a:p>
           <a:r>
-            <a:rPr lang="en-US" sz="1500" kern="1200" dirty="0">
-              <a:solidFill>
-                <a:prstClr val="black">
-                  <a:hueOff val="0"/>
-                  <a:satOff val="0"/>
-                  <a:lumOff val="0"/>
-                  <a:alphaOff val="0"/>
-                </a:prstClr>
-              </a:solidFill>
-              <a:latin typeface="Calibri"/>
-              <a:ea typeface="+mn-ea"/>
-              <a:cs typeface="+mn-cs"/>
-            </a:rPr>
-            <a:t>Designing</a:t>
-          </a:r>
-          <a:r>
-            <a:rPr lang="en-US" sz="1500" kern="1200" dirty="0"/>
-            <a:t> Data</a:t>
+            <a:rPr lang="en-US" dirty="0"/>
+            <a:t>Designing Data</a:t>
           </a:r>
         </a:p>
       </dgm:t>
@@ -1117,26 +1064,13 @@
       </dgm:t>
     </dgm:pt>
     <dgm:pt modelId="{F221EA58-7488-4550-B7A5-965344CA7EAE}">
-      <dgm:prSet phldrT="[Text]">
-        <dgm:style>
-          <a:lnRef idx="0">
-            <a:scrgbClr r="0" g="0" b="0"/>
-          </a:lnRef>
-          <a:fillRef idx="0">
-            <a:scrgbClr r="0" g="0" b="0"/>
-          </a:fillRef>
-          <a:effectRef idx="0">
-            <a:scrgbClr r="0" g="0" b="0"/>
-          </a:effectRef>
-          <a:fontRef idx="minor">
-            <a:schemeClr val="lt1"/>
-          </a:fontRef>
-        </dgm:style>
-      </dgm:prSet>
+      <dgm:prSet phldrT="[Text]"/>
       <dgm:spPr>
         <a:solidFill>
           <a:schemeClr val="accent2">
-            <a:alpha val="50000"/>
+            <a:lumMod val="60000"/>
+            <a:lumOff val="40000"/>
+            <a:alpha val="90000"/>
           </a:schemeClr>
         </a:solidFill>
         <a:ln>
@@ -1536,6 +1470,42 @@
         </a:p>
       </dgm:t>
     </dgm:pt>
+    <dgm:pt modelId="{21C8EE31-AEBF-47B2-ADDE-34FDFA6BF6DC}">
+      <dgm:prSet phldrT="[Text]"/>
+      <dgm:spPr/>
+      <dgm:t>
+        <a:bodyPr/>
+        <a:lstStyle/>
+        <a:p>
+          <a:r>
+            <a:rPr lang="en-US" dirty="0"/>
+            <a:t>Computing with Higher-Order Functions</a:t>
+          </a:r>
+        </a:p>
+      </dgm:t>
+    </dgm:pt>
+    <dgm:pt modelId="{08DF2FDD-3A60-4E03-8D9E-10C265EC9121}" type="parTrans" cxnId="{62C2F0F4-284D-4D02-8F32-BB76663AFA1F}">
+      <dgm:prSet/>
+      <dgm:spPr/>
+      <dgm:t>
+        <a:bodyPr/>
+        <a:lstStyle/>
+        <a:p>
+          <a:endParaRPr lang="en-US"/>
+        </a:p>
+      </dgm:t>
+    </dgm:pt>
+    <dgm:pt modelId="{FFC06923-B3D1-4430-8195-28C90DC2D93A}" type="sibTrans" cxnId="{62C2F0F4-284D-4D02-8F32-BB76663AFA1F}">
+      <dgm:prSet/>
+      <dgm:spPr/>
+      <dgm:t>
+        <a:bodyPr/>
+        <a:lstStyle/>
+        <a:p>
+          <a:endParaRPr lang="en-US"/>
+        </a:p>
+      </dgm:t>
+    </dgm:pt>
     <dgm:pt modelId="{5EAC0F1C-8135-499C-A050-8951C4D4D68B}" type="pres">
       <dgm:prSet presAssocID="{D4ADF4FB-6626-4BAA-8170-1AB86830E7EB}" presName="diagram" presStyleCnt="0">
         <dgm:presLayoutVars>
@@ -1569,33 +1539,23 @@
       <dgm:spPr/>
     </dgm:pt>
     <dgm:pt modelId="{360B229B-0F55-45E5-A55A-DDDBDBD1C921}" type="pres">
-      <dgm:prSet presAssocID="{9E647244-45B2-496C-B687-01576FEABEC4}" presName="Name13" presStyleLbl="parChTrans1D2" presStyleIdx="0" presStyleCnt="11"/>
+      <dgm:prSet presAssocID="{9E647244-45B2-496C-B687-01576FEABEC4}" presName="Name13" presStyleLbl="parChTrans1D2" presStyleIdx="0" presStyleCnt="12"/>
       <dgm:spPr/>
     </dgm:pt>
     <dgm:pt modelId="{7E3D7089-292B-46E8-B4F0-ADC3733C52BD}" type="pres">
-      <dgm:prSet presAssocID="{DDB8B436-9528-434E-BD0F-6EB4D2ACB929}" presName="childText" presStyleLbl="bgAcc1" presStyleIdx="0" presStyleCnt="11">
+      <dgm:prSet presAssocID="{DDB8B436-9528-434E-BD0F-6EB4D2ACB929}" presName="childText" presStyleLbl="bgAcc1" presStyleIdx="0" presStyleCnt="12">
         <dgm:presLayoutVars>
           <dgm:bulletEnabled val="1"/>
         </dgm:presLayoutVars>
       </dgm:prSet>
-      <dgm:spPr>
-        <a:xfrm>
-          <a:off x="817289" y="899728"/>
-          <a:ext cx="1151334" cy="719583"/>
-        </a:xfrm>
-        <a:prstGeom prst="roundRect">
-          <a:avLst>
-            <a:gd name="adj" fmla="val 10000"/>
-          </a:avLst>
-        </a:prstGeom>
-      </dgm:spPr>
+      <dgm:spPr/>
     </dgm:pt>
     <dgm:pt modelId="{BC1B1EA4-129C-44F6-935B-BA646A7A2AA3}" type="pres">
-      <dgm:prSet presAssocID="{03056A9D-BCBF-4181-B8D6-7E4ECCBD4D9E}" presName="Name13" presStyleLbl="parChTrans1D2" presStyleIdx="1" presStyleCnt="11"/>
+      <dgm:prSet presAssocID="{03056A9D-BCBF-4181-B8D6-7E4ECCBD4D9E}" presName="Name13" presStyleLbl="parChTrans1D2" presStyleIdx="1" presStyleCnt="12"/>
       <dgm:spPr/>
     </dgm:pt>
     <dgm:pt modelId="{CF0B1CD2-0FC3-49A4-A520-B01A6C3CCB95}" type="pres">
-      <dgm:prSet presAssocID="{F221EA58-7488-4550-B7A5-965344CA7EAE}" presName="childText" presStyleLbl="bgAcc1" presStyleIdx="1" presStyleCnt="11">
+      <dgm:prSet presAssocID="{F221EA58-7488-4550-B7A5-965344CA7EAE}" presName="childText" presStyleLbl="bgAcc1" presStyleIdx="1" presStyleCnt="12">
         <dgm:presLayoutVars>
           <dgm:bulletEnabled val="1"/>
         </dgm:presLayoutVars>
@@ -1603,11 +1563,11 @@
       <dgm:spPr/>
     </dgm:pt>
     <dgm:pt modelId="{F5AE7053-0C33-481C-8BFB-D2DAFB4C4294}" type="pres">
-      <dgm:prSet presAssocID="{08AACE21-5FAD-4460-B120-67387C8F0F32}" presName="Name13" presStyleLbl="parChTrans1D2" presStyleIdx="2" presStyleCnt="11"/>
+      <dgm:prSet presAssocID="{08AACE21-5FAD-4460-B120-67387C8F0F32}" presName="Name13" presStyleLbl="parChTrans1D2" presStyleIdx="2" presStyleCnt="12"/>
       <dgm:spPr/>
     </dgm:pt>
     <dgm:pt modelId="{C5878689-67F2-4E3D-8C9B-392F50C32024}" type="pres">
-      <dgm:prSet presAssocID="{B1CEE35E-20B6-4A0B-B1E8-D4F40E3162E1}" presName="childText" presStyleLbl="bgAcc1" presStyleIdx="2" presStyleCnt="11">
+      <dgm:prSet presAssocID="{B1CEE35E-20B6-4A0B-B1E8-D4F40E3162E1}" presName="childText" presStyleLbl="bgAcc1" presStyleIdx="2" presStyleCnt="12">
         <dgm:presLayoutVars>
           <dgm:bulletEnabled val="1"/>
         </dgm:presLayoutVars>
@@ -1635,11 +1595,11 @@
       <dgm:spPr/>
     </dgm:pt>
     <dgm:pt modelId="{2564A6E5-875B-4BC6-B983-AA12C064A019}" type="pres">
-      <dgm:prSet presAssocID="{1EC30C20-D36E-4265-85EE-C210CE02F892}" presName="Name13" presStyleLbl="parChTrans1D2" presStyleIdx="3" presStyleCnt="11"/>
+      <dgm:prSet presAssocID="{1EC30C20-D36E-4265-85EE-C210CE02F892}" presName="Name13" presStyleLbl="parChTrans1D2" presStyleIdx="3" presStyleCnt="12"/>
       <dgm:spPr/>
     </dgm:pt>
     <dgm:pt modelId="{3B0CF9DF-CC55-47FF-BECE-903E70F9D2DE}" type="pres">
-      <dgm:prSet presAssocID="{1CBBDDB5-026A-42BF-8805-ACAC57AA5DC3}" presName="childText" presStyleLbl="bgAcc1" presStyleIdx="3" presStyleCnt="11">
+      <dgm:prSet presAssocID="{1CBBDDB5-026A-42BF-8805-ACAC57AA5DC3}" presName="childText" presStyleLbl="bgAcc1" presStyleIdx="3" presStyleCnt="12">
         <dgm:presLayoutVars>
           <dgm:bulletEnabled val="1"/>
         </dgm:presLayoutVars>
@@ -1647,11 +1607,23 @@
       <dgm:spPr/>
     </dgm:pt>
     <dgm:pt modelId="{7DFA9A08-1F84-4CF2-9E63-7F6E7C219F76}" type="pres">
-      <dgm:prSet presAssocID="{D39C6496-6307-4FC4-9D55-DB6DA94D051F}" presName="Name13" presStyleLbl="parChTrans1D2" presStyleIdx="4" presStyleCnt="11"/>
+      <dgm:prSet presAssocID="{D39C6496-6307-4FC4-9D55-DB6DA94D051F}" presName="Name13" presStyleLbl="parChTrans1D2" presStyleIdx="4" presStyleCnt="12"/>
       <dgm:spPr/>
     </dgm:pt>
     <dgm:pt modelId="{9C3E65C4-9266-43CB-B08F-79811ABF047A}" type="pres">
-      <dgm:prSet presAssocID="{A7945ECA-2D01-4C03-9AED-9E3EEAAF0F2C}" presName="childText" presStyleLbl="bgAcc1" presStyleIdx="4" presStyleCnt="11">
+      <dgm:prSet presAssocID="{A7945ECA-2D01-4C03-9AED-9E3EEAAF0F2C}" presName="childText" presStyleLbl="bgAcc1" presStyleIdx="4" presStyleCnt="12">
+        <dgm:presLayoutVars>
+          <dgm:bulletEnabled val="1"/>
+        </dgm:presLayoutVars>
+      </dgm:prSet>
+      <dgm:spPr/>
+    </dgm:pt>
+    <dgm:pt modelId="{35FE4D4C-3CA0-4CCA-8F9D-1668C574961B}" type="pres">
+      <dgm:prSet presAssocID="{08DF2FDD-3A60-4E03-8D9E-10C265EC9121}" presName="Name13" presStyleLbl="parChTrans1D2" presStyleIdx="5" presStyleCnt="12"/>
+      <dgm:spPr/>
+    </dgm:pt>
+    <dgm:pt modelId="{375B2884-C079-4ABC-AF46-CC7B31EF2123}" type="pres">
+      <dgm:prSet presAssocID="{21C8EE31-AEBF-47B2-ADDE-34FDFA6BF6DC}" presName="childText" presStyleLbl="bgAcc1" presStyleIdx="5" presStyleCnt="12">
         <dgm:presLayoutVars>
           <dgm:bulletEnabled val="1"/>
         </dgm:presLayoutVars>
@@ -1659,11 +1631,11 @@
       <dgm:spPr/>
     </dgm:pt>
     <dgm:pt modelId="{16CFAB30-3E6A-44D7-A45D-E3066E142053}" type="pres">
-      <dgm:prSet presAssocID="{FD74BA91-6D78-44B3-BF01-4D49723F4718}" presName="Name13" presStyleLbl="parChTrans1D2" presStyleIdx="5" presStyleCnt="11"/>
+      <dgm:prSet presAssocID="{FD74BA91-6D78-44B3-BF01-4D49723F4718}" presName="Name13" presStyleLbl="parChTrans1D2" presStyleIdx="6" presStyleCnt="12"/>
       <dgm:spPr/>
     </dgm:pt>
     <dgm:pt modelId="{5F9726AA-E8AD-4C5C-A0CA-2350C4F8CAFA}" type="pres">
-      <dgm:prSet presAssocID="{B0B0FACC-C24A-4552-82AB-C8FE8246DEF8}" presName="childText" presStyleLbl="bgAcc1" presStyleIdx="5" presStyleCnt="11">
+      <dgm:prSet presAssocID="{B0B0FACC-C24A-4552-82AB-C8FE8246DEF8}" presName="childText" presStyleLbl="bgAcc1" presStyleIdx="6" presStyleCnt="12">
         <dgm:presLayoutVars>
           <dgm:bulletEnabled val="1"/>
         </dgm:presLayoutVars>
@@ -1671,11 +1643,11 @@
       <dgm:spPr/>
     </dgm:pt>
     <dgm:pt modelId="{0ECF28DA-9925-4B5B-97B1-BDA459502114}" type="pres">
-      <dgm:prSet presAssocID="{FA010E1E-46BF-40DE-B386-14C19C329E38}" presName="Name13" presStyleLbl="parChTrans1D2" presStyleIdx="6" presStyleCnt="11"/>
+      <dgm:prSet presAssocID="{FA010E1E-46BF-40DE-B386-14C19C329E38}" presName="Name13" presStyleLbl="parChTrans1D2" presStyleIdx="7" presStyleCnt="12"/>
       <dgm:spPr/>
     </dgm:pt>
     <dgm:pt modelId="{5A2BB121-DDEE-46A8-AC09-18496F773E62}" type="pres">
-      <dgm:prSet presAssocID="{3C02419B-DA6A-4FDB-972F-4F8DC3AD08E3}" presName="childText" presStyleLbl="bgAcc1" presStyleIdx="6" presStyleCnt="11">
+      <dgm:prSet presAssocID="{3C02419B-DA6A-4FDB-972F-4F8DC3AD08E3}" presName="childText" presStyleLbl="bgAcc1" presStyleIdx="7" presStyleCnt="12" custScaleY="115691">
         <dgm:presLayoutVars>
           <dgm:bulletEnabled val="1"/>
         </dgm:presLayoutVars>
@@ -1703,11 +1675,11 @@
       <dgm:spPr/>
     </dgm:pt>
     <dgm:pt modelId="{278D3975-9588-4A95-85BD-D062BB0AE1A4}" type="pres">
-      <dgm:prSet presAssocID="{109F41A6-1D40-4F81-903A-8B0CB1E442DB}" presName="Name13" presStyleLbl="parChTrans1D2" presStyleIdx="7" presStyleCnt="11"/>
+      <dgm:prSet presAssocID="{109F41A6-1D40-4F81-903A-8B0CB1E442DB}" presName="Name13" presStyleLbl="parChTrans1D2" presStyleIdx="8" presStyleCnt="12"/>
       <dgm:spPr/>
     </dgm:pt>
     <dgm:pt modelId="{EDB6085A-8F2B-4B84-887D-9DD4BEC6E4E1}" type="pres">
-      <dgm:prSet presAssocID="{C217CF6C-69F6-4F1F-BFEF-F03F51825445}" presName="childText" presStyleLbl="bgAcc1" presStyleIdx="7" presStyleCnt="11">
+      <dgm:prSet presAssocID="{C217CF6C-69F6-4F1F-BFEF-F03F51825445}" presName="childText" presStyleLbl="bgAcc1" presStyleIdx="8" presStyleCnt="12">
         <dgm:presLayoutVars>
           <dgm:bulletEnabled val="1"/>
         </dgm:presLayoutVars>
@@ -1715,11 +1687,11 @@
       <dgm:spPr/>
     </dgm:pt>
     <dgm:pt modelId="{FF100697-267A-4BC5-8DA9-B1F7321DFE84}" type="pres">
-      <dgm:prSet presAssocID="{4B64BF35-F3DD-46FA-A74B-C8F1391BB234}" presName="Name13" presStyleLbl="parChTrans1D2" presStyleIdx="8" presStyleCnt="11"/>
+      <dgm:prSet presAssocID="{4B64BF35-F3DD-46FA-A74B-C8F1391BB234}" presName="Name13" presStyleLbl="parChTrans1D2" presStyleIdx="9" presStyleCnt="12"/>
       <dgm:spPr/>
     </dgm:pt>
     <dgm:pt modelId="{291D5A65-BA4D-4BF4-8D0F-050F9D81FBB6}" type="pres">
-      <dgm:prSet presAssocID="{D6553791-8532-4952-AC46-957A80E6F455}" presName="childText" presStyleLbl="bgAcc1" presStyleIdx="8" presStyleCnt="11">
+      <dgm:prSet presAssocID="{D6553791-8532-4952-AC46-957A80E6F455}" presName="childText" presStyleLbl="bgAcc1" presStyleIdx="9" presStyleCnt="12">
         <dgm:presLayoutVars>
           <dgm:bulletEnabled val="1"/>
         </dgm:presLayoutVars>
@@ -1727,11 +1699,11 @@
       <dgm:spPr/>
     </dgm:pt>
     <dgm:pt modelId="{6B27DFF3-3021-4E99-BF73-829A6255425D}" type="pres">
-      <dgm:prSet presAssocID="{E8807DF0-38BE-4236-AFC9-03DFA18007AA}" presName="Name13" presStyleLbl="parChTrans1D2" presStyleIdx="9" presStyleCnt="11"/>
+      <dgm:prSet presAssocID="{E8807DF0-38BE-4236-AFC9-03DFA18007AA}" presName="Name13" presStyleLbl="parChTrans1D2" presStyleIdx="10" presStyleCnt="12"/>
       <dgm:spPr/>
     </dgm:pt>
     <dgm:pt modelId="{88C17E61-7A2A-46D7-AC95-5E562286A33E}" type="pres">
-      <dgm:prSet presAssocID="{23FBFCAF-D268-4C4D-8359-092F33A19BD5}" presName="childText" presStyleLbl="bgAcc1" presStyleIdx="9" presStyleCnt="11">
+      <dgm:prSet presAssocID="{23FBFCAF-D268-4C4D-8359-092F33A19BD5}" presName="childText" presStyleLbl="bgAcc1" presStyleIdx="10" presStyleCnt="12">
         <dgm:presLayoutVars>
           <dgm:bulletEnabled val="1"/>
         </dgm:presLayoutVars>
@@ -1739,11 +1711,11 @@
       <dgm:spPr/>
     </dgm:pt>
     <dgm:pt modelId="{E8A2D34D-9B35-4804-BD08-DC4453907292}" type="pres">
-      <dgm:prSet presAssocID="{E61F56D0-9360-46BF-8251-561CA9F726E8}" presName="Name13" presStyleLbl="parChTrans1D2" presStyleIdx="10" presStyleCnt="11"/>
+      <dgm:prSet presAssocID="{E61F56D0-9360-46BF-8251-561CA9F726E8}" presName="Name13" presStyleLbl="parChTrans1D2" presStyleIdx="11" presStyleCnt="12"/>
       <dgm:spPr/>
     </dgm:pt>
     <dgm:pt modelId="{1B267FF2-7D4F-4C45-AA7C-4EA638A9F1C5}" type="pres">
-      <dgm:prSet presAssocID="{BE7D634C-5542-4AE8-B044-37802A6A19BF}" presName="childText" presStyleLbl="bgAcc1" presStyleIdx="10" presStyleCnt="11">
+      <dgm:prSet presAssocID="{BE7D634C-5542-4AE8-B044-37802A6A19BF}" presName="childText" presStyleLbl="bgAcc1" presStyleIdx="11" presStyleCnt="12">
         <dgm:presLayoutVars>
           <dgm:bulletEnabled val="1"/>
         </dgm:presLayoutVars>
@@ -1755,11 +1727,13 @@
     <dgm:cxn modelId="{F8F3D917-317B-4A80-B606-277A7F6170C2}" srcId="{9AAB3432-E203-4861-9A1F-5A18DE81A0E0}" destId="{F221EA58-7488-4550-B7A5-965344CA7EAE}" srcOrd="1" destOrd="0" parTransId="{03056A9D-BCBF-4181-B8D6-7E4ECCBD4D9E}" sibTransId="{50012D0E-39A9-4FB4-832D-C4D74BE598A6}"/>
     <dgm:cxn modelId="{B7B8BE25-1D3D-41C1-B2BB-252CA3FFFABF}" srcId="{5D17C516-2319-40FE-8748-E184C6D71444}" destId="{C217CF6C-69F6-4F1F-BFEF-F03F51825445}" srcOrd="0" destOrd="0" parTransId="{109F41A6-1D40-4F81-903A-8B0CB1E442DB}" sibTransId="{727D2815-3763-49AC-8FA5-B78975C6E255}"/>
     <dgm:cxn modelId="{918F4E28-6C57-4EFF-80BA-F57AC436CDC9}" type="presOf" srcId="{08AACE21-5FAD-4460-B120-67387C8F0F32}" destId="{F5AE7053-0C33-481C-8BFB-D2DAFB4C4294}" srcOrd="0" destOrd="0" presId="urn:microsoft.com/office/officeart/2005/8/layout/hierarchy3"/>
+    <dgm:cxn modelId="{052CFA2E-CA41-4AC1-AB22-4D2537CA2312}" type="presOf" srcId="{21C8EE31-AEBF-47B2-ADDE-34FDFA6BF6DC}" destId="{375B2884-C079-4ABC-AF46-CC7B31EF2123}" srcOrd="0" destOrd="0" presId="urn:microsoft.com/office/officeart/2005/8/layout/hierarchy3"/>
     <dgm:cxn modelId="{C679C12F-0D37-4771-853C-9B6A72F3F8AB}" srcId="{5D17C516-2319-40FE-8748-E184C6D71444}" destId="{23FBFCAF-D268-4C4D-8359-092F33A19BD5}" srcOrd="2" destOrd="0" parTransId="{E8807DF0-38BE-4236-AFC9-03DFA18007AA}" sibTransId="{49424D88-7251-4F7F-9D61-B03F29AB2536}"/>
     <dgm:cxn modelId="{372E1130-8A4A-4006-A020-34030B0410C9}" srcId="{ED0B78BF-E006-4732-B48C-2ADC9E2EF39A}" destId="{A7945ECA-2D01-4C03-9AED-9E3EEAAF0F2C}" srcOrd="1" destOrd="0" parTransId="{D39C6496-6307-4FC4-9D55-DB6DA94D051F}" sibTransId="{4FF7D82F-ECB8-4560-8324-4D22393C300C}"/>
     <dgm:cxn modelId="{7156E032-39F7-4DCF-A095-E4906170ABD1}" type="presOf" srcId="{C217CF6C-69F6-4F1F-BFEF-F03F51825445}" destId="{EDB6085A-8F2B-4B84-887D-9DD4BEC6E4E1}" srcOrd="0" destOrd="0" presId="urn:microsoft.com/office/officeart/2005/8/layout/hierarchy3"/>
     <dgm:cxn modelId="{77C2803F-5DCB-40EC-8837-BEA44757C328}" type="presOf" srcId="{B1CEE35E-20B6-4A0B-B1E8-D4F40E3162E1}" destId="{C5878689-67F2-4E3D-8C9B-392F50C32024}" srcOrd="0" destOrd="0" presId="urn:microsoft.com/office/officeart/2005/8/layout/hierarchy3"/>
     <dgm:cxn modelId="{3C31933F-6B34-49D4-B2D3-FA6BA454BF0B}" type="presOf" srcId="{3C02419B-DA6A-4FDB-972F-4F8DC3AD08E3}" destId="{5A2BB121-DDEE-46A8-AC09-18496F773E62}" srcOrd="0" destOrd="0" presId="urn:microsoft.com/office/officeart/2005/8/layout/hierarchy3"/>
+    <dgm:cxn modelId="{91710C5C-CFE2-4A9F-AAD2-9CA95718FBE0}" type="presOf" srcId="{08DF2FDD-3A60-4E03-8D9E-10C265EC9121}" destId="{35FE4D4C-3CA0-4CCA-8F9D-1668C574961B}" srcOrd="0" destOrd="0" presId="urn:microsoft.com/office/officeart/2005/8/layout/hierarchy3"/>
     <dgm:cxn modelId="{C906736A-EECE-4919-9DAA-28FE9DCB5675}" type="presOf" srcId="{5D17C516-2319-40FE-8748-E184C6D71444}" destId="{3DB7ADFA-DCAB-4034-9F43-B860EBE864E8}" srcOrd="0" destOrd="0" presId="urn:microsoft.com/office/officeart/2005/8/layout/hierarchy3"/>
     <dgm:cxn modelId="{0DEC854C-4194-43A5-8929-DF87D63D4D63}" type="presOf" srcId="{E61F56D0-9360-46BF-8251-561CA9F726E8}" destId="{E8A2D34D-9B35-4804-BD08-DC4453907292}" srcOrd="0" destOrd="0" presId="urn:microsoft.com/office/officeart/2005/8/layout/hierarchy3"/>
     <dgm:cxn modelId="{658D4F50-D710-4AB9-8265-F6A1451ABDAD}" type="presOf" srcId="{E8807DF0-38BE-4236-AFC9-03DFA18007AA}" destId="{6B27DFF3-3021-4E99-BF73-829A6255425D}" srcOrd="0" destOrd="0" presId="urn:microsoft.com/office/officeart/2005/8/layout/hierarchy3"/>
@@ -1775,7 +1749,7 @@
     <dgm:cxn modelId="{FAC6949B-B633-43AF-9BCB-483138B18D3F}" type="presOf" srcId="{FA010E1E-46BF-40DE-B386-14C19C329E38}" destId="{0ECF28DA-9925-4B5B-97B1-BDA459502114}" srcOrd="0" destOrd="0" presId="urn:microsoft.com/office/officeart/2005/8/layout/hierarchy3"/>
     <dgm:cxn modelId="{8B495D9D-5B75-4B97-8FE7-54F24CED5860}" type="presOf" srcId="{1CBBDDB5-026A-42BF-8805-ACAC57AA5DC3}" destId="{3B0CF9DF-CC55-47FF-BECE-903E70F9D2DE}" srcOrd="0" destOrd="0" presId="urn:microsoft.com/office/officeart/2005/8/layout/hierarchy3"/>
     <dgm:cxn modelId="{F9A2BA9E-B30D-4948-A3E9-A634F6BE47FD}" srcId="{D4ADF4FB-6626-4BAA-8170-1AB86830E7EB}" destId="{5D17C516-2319-40FE-8748-E184C6D71444}" srcOrd="2" destOrd="0" parTransId="{EA441DC7-A30D-47EC-A5C8-C50834D06E30}" sibTransId="{636B54D7-340F-4600-82E5-F2E670443C91}"/>
-    <dgm:cxn modelId="{B2581BA3-7711-4B4F-895A-5C4A1A23D07A}" srcId="{ED0B78BF-E006-4732-B48C-2ADC9E2EF39A}" destId="{3C02419B-DA6A-4FDB-972F-4F8DC3AD08E3}" srcOrd="3" destOrd="0" parTransId="{FA010E1E-46BF-40DE-B386-14C19C329E38}" sibTransId="{ABE6B4B2-8044-42FC-8EBA-A2B2927B372D}"/>
+    <dgm:cxn modelId="{B2581BA3-7711-4B4F-895A-5C4A1A23D07A}" srcId="{ED0B78BF-E006-4732-B48C-2ADC9E2EF39A}" destId="{3C02419B-DA6A-4FDB-972F-4F8DC3AD08E3}" srcOrd="4" destOrd="0" parTransId="{FA010E1E-46BF-40DE-B386-14C19C329E38}" sibTransId="{ABE6B4B2-8044-42FC-8EBA-A2B2927B372D}"/>
     <dgm:cxn modelId="{17D275A3-9BBB-4EF7-8582-F13F0E98BB5D}" type="presOf" srcId="{ED0B78BF-E006-4732-B48C-2ADC9E2EF39A}" destId="{F1C18E15-3E91-476D-8B13-25AD56BC4B13}" srcOrd="0" destOrd="0" presId="urn:microsoft.com/office/officeart/2005/8/layout/hierarchy3"/>
     <dgm:cxn modelId="{29461AA4-85D3-4C91-9D68-226BD6D7500F}" type="presOf" srcId="{DDB8B436-9528-434E-BD0F-6EB4D2ACB929}" destId="{7E3D7089-292B-46E8-B4F0-ADC3733C52BD}" srcOrd="0" destOrd="0" presId="urn:microsoft.com/office/officeart/2005/8/layout/hierarchy3"/>
     <dgm:cxn modelId="{6F0A8CA4-3728-4E60-8471-7CAB7A834900}" type="presOf" srcId="{F221EA58-7488-4550-B7A5-965344CA7EAE}" destId="{CF0B1CD2-0FC3-49A4-A520-B01A6C3CCB95}" srcOrd="0" destOrd="0" presId="urn:microsoft.com/office/officeart/2005/8/layout/hierarchy3"/>
@@ -1793,8 +1767,9 @@
     <dgm:cxn modelId="{E630B7D1-EF42-4E29-A586-EDEEAFD22353}" srcId="{5D17C516-2319-40FE-8748-E184C6D71444}" destId="{D6553791-8532-4952-AC46-957A80E6F455}" srcOrd="1" destOrd="0" parTransId="{4B64BF35-F3DD-46FA-A74B-C8F1391BB234}" sibTransId="{C19A1F15-CCAA-4226-B7DD-F2CD4049A9B3}"/>
     <dgm:cxn modelId="{B80BDAD5-1DB9-4ED8-AD7A-F59F92E4D26B}" type="presOf" srcId="{D4ADF4FB-6626-4BAA-8170-1AB86830E7EB}" destId="{5EAC0F1C-8135-499C-A050-8951C4D4D68B}" srcOrd="0" destOrd="0" presId="urn:microsoft.com/office/officeart/2005/8/layout/hierarchy3"/>
     <dgm:cxn modelId="{05392EDD-3032-43C3-BA79-A1347D6D727C}" srcId="{9AAB3432-E203-4861-9A1F-5A18DE81A0E0}" destId="{DDB8B436-9528-434E-BD0F-6EB4D2ACB929}" srcOrd="0" destOrd="0" parTransId="{9E647244-45B2-496C-B687-01576FEABEC4}" sibTransId="{EE60868F-7BA4-434D-84FC-89FFDDF05FC3}"/>
+    <dgm:cxn modelId="{62C2F0F4-284D-4D02-8F32-BB76663AFA1F}" srcId="{ED0B78BF-E006-4732-B48C-2ADC9E2EF39A}" destId="{21C8EE31-AEBF-47B2-ADDE-34FDFA6BF6DC}" srcOrd="2" destOrd="0" parTransId="{08DF2FDD-3A60-4E03-8D9E-10C265EC9121}" sibTransId="{FFC06923-B3D1-4430-8195-28C90DC2D93A}"/>
     <dgm:cxn modelId="{13013BF6-3A96-443E-9540-BE81022B503E}" type="presOf" srcId="{9AAB3432-E203-4861-9A1F-5A18DE81A0E0}" destId="{D42C5353-2F91-4910-9E62-259C884C47C8}" srcOrd="0" destOrd="0" presId="urn:microsoft.com/office/officeart/2005/8/layout/hierarchy3"/>
-    <dgm:cxn modelId="{FCD83CF7-A1CD-455F-A466-CFFA01A2A6C9}" srcId="{ED0B78BF-E006-4732-B48C-2ADC9E2EF39A}" destId="{B0B0FACC-C24A-4552-82AB-C8FE8246DEF8}" srcOrd="2" destOrd="0" parTransId="{FD74BA91-6D78-44B3-BF01-4D49723F4718}" sibTransId="{E6264341-6F1C-4A60-9081-A5335333D714}"/>
+    <dgm:cxn modelId="{FCD83CF7-A1CD-455F-A466-CFFA01A2A6C9}" srcId="{ED0B78BF-E006-4732-B48C-2ADC9E2EF39A}" destId="{B0B0FACC-C24A-4552-82AB-C8FE8246DEF8}" srcOrd="3" destOrd="0" parTransId="{FD74BA91-6D78-44B3-BF01-4D49723F4718}" sibTransId="{E6264341-6F1C-4A60-9081-A5335333D714}"/>
     <dgm:cxn modelId="{D1AD12C1-70FD-4640-8165-4E8A414F3C3C}" type="presParOf" srcId="{5EAC0F1C-8135-499C-A050-8951C4D4D68B}" destId="{E9A360F5-905C-4B1F-87BD-8099DBD7826B}" srcOrd="0" destOrd="0" presId="urn:microsoft.com/office/officeart/2005/8/layout/hierarchy3"/>
     <dgm:cxn modelId="{EA767C94-0C36-4B1E-B0CE-249521D515D9}" type="presParOf" srcId="{E9A360F5-905C-4B1F-87BD-8099DBD7826B}" destId="{770F0FD6-A664-4D0A-A016-FBEA3DBC5EF2}" srcOrd="0" destOrd="0" presId="urn:microsoft.com/office/officeart/2005/8/layout/hierarchy3"/>
     <dgm:cxn modelId="{99E9EA2F-D216-4B5B-BB7F-3561383CB3E9}" type="presParOf" srcId="{770F0FD6-A664-4D0A-A016-FBEA3DBC5EF2}" destId="{D42C5353-2F91-4910-9E62-259C884C47C8}" srcOrd="0" destOrd="0" presId="urn:microsoft.com/office/officeart/2005/8/layout/hierarchy3"/>
@@ -1815,10 +1790,12 @@
     <dgm:cxn modelId="{8BDD8554-2C29-4FFE-BD1A-F208CC31C2A1}" type="presParOf" srcId="{5E7F2D45-2508-495B-A708-02E0FD5F2314}" destId="{3B0CF9DF-CC55-47FF-BECE-903E70F9D2DE}" srcOrd="1" destOrd="0" presId="urn:microsoft.com/office/officeart/2005/8/layout/hierarchy3"/>
     <dgm:cxn modelId="{875A6F76-A845-47E2-9FD3-19114F777D75}" type="presParOf" srcId="{5E7F2D45-2508-495B-A708-02E0FD5F2314}" destId="{7DFA9A08-1F84-4CF2-9E63-7F6E7C219F76}" srcOrd="2" destOrd="0" presId="urn:microsoft.com/office/officeart/2005/8/layout/hierarchy3"/>
     <dgm:cxn modelId="{D1011F87-5E28-4D3F-8118-4BA6A4FEA06E}" type="presParOf" srcId="{5E7F2D45-2508-495B-A708-02E0FD5F2314}" destId="{9C3E65C4-9266-43CB-B08F-79811ABF047A}" srcOrd="3" destOrd="0" presId="urn:microsoft.com/office/officeart/2005/8/layout/hierarchy3"/>
-    <dgm:cxn modelId="{B64B3C35-7E92-47FF-A43C-7E75EABB7DE0}" type="presParOf" srcId="{5E7F2D45-2508-495B-A708-02E0FD5F2314}" destId="{16CFAB30-3E6A-44D7-A45D-E3066E142053}" srcOrd="4" destOrd="0" presId="urn:microsoft.com/office/officeart/2005/8/layout/hierarchy3"/>
-    <dgm:cxn modelId="{86D49351-D3C9-48A1-88EA-44A93353F587}" type="presParOf" srcId="{5E7F2D45-2508-495B-A708-02E0FD5F2314}" destId="{5F9726AA-E8AD-4C5C-A0CA-2350C4F8CAFA}" srcOrd="5" destOrd="0" presId="urn:microsoft.com/office/officeart/2005/8/layout/hierarchy3"/>
-    <dgm:cxn modelId="{91C1DB7D-DADE-48E1-9C3F-D33F6FC84386}" type="presParOf" srcId="{5E7F2D45-2508-495B-A708-02E0FD5F2314}" destId="{0ECF28DA-9925-4B5B-97B1-BDA459502114}" srcOrd="6" destOrd="0" presId="urn:microsoft.com/office/officeart/2005/8/layout/hierarchy3"/>
-    <dgm:cxn modelId="{7A09BA7C-9EDC-496E-8A6D-4B0744B8C88D}" type="presParOf" srcId="{5E7F2D45-2508-495B-A708-02E0FD5F2314}" destId="{5A2BB121-DDEE-46A8-AC09-18496F773E62}" srcOrd="7" destOrd="0" presId="urn:microsoft.com/office/officeart/2005/8/layout/hierarchy3"/>
+    <dgm:cxn modelId="{1C9EC978-49C4-44B1-B7F0-A80918C3CC4C}" type="presParOf" srcId="{5E7F2D45-2508-495B-A708-02E0FD5F2314}" destId="{35FE4D4C-3CA0-4CCA-8F9D-1668C574961B}" srcOrd="4" destOrd="0" presId="urn:microsoft.com/office/officeart/2005/8/layout/hierarchy3"/>
+    <dgm:cxn modelId="{B79D566C-42D9-42A8-9C46-AA22B87D15A7}" type="presParOf" srcId="{5E7F2D45-2508-495B-A708-02E0FD5F2314}" destId="{375B2884-C079-4ABC-AF46-CC7B31EF2123}" srcOrd="5" destOrd="0" presId="urn:microsoft.com/office/officeart/2005/8/layout/hierarchy3"/>
+    <dgm:cxn modelId="{B64B3C35-7E92-47FF-A43C-7E75EABB7DE0}" type="presParOf" srcId="{5E7F2D45-2508-495B-A708-02E0FD5F2314}" destId="{16CFAB30-3E6A-44D7-A45D-E3066E142053}" srcOrd="6" destOrd="0" presId="urn:microsoft.com/office/officeart/2005/8/layout/hierarchy3"/>
+    <dgm:cxn modelId="{86D49351-D3C9-48A1-88EA-44A93353F587}" type="presParOf" srcId="{5E7F2D45-2508-495B-A708-02E0FD5F2314}" destId="{5F9726AA-E8AD-4C5C-A0CA-2350C4F8CAFA}" srcOrd="7" destOrd="0" presId="urn:microsoft.com/office/officeart/2005/8/layout/hierarchy3"/>
+    <dgm:cxn modelId="{91C1DB7D-DADE-48E1-9C3F-D33F6FC84386}" type="presParOf" srcId="{5E7F2D45-2508-495B-A708-02E0FD5F2314}" destId="{0ECF28DA-9925-4B5B-97B1-BDA459502114}" srcOrd="8" destOrd="0" presId="urn:microsoft.com/office/officeart/2005/8/layout/hierarchy3"/>
+    <dgm:cxn modelId="{7A09BA7C-9EDC-496E-8A6D-4B0744B8C88D}" type="presParOf" srcId="{5E7F2D45-2508-495B-A708-02E0FD5F2314}" destId="{5A2BB121-DDEE-46A8-AC09-18496F773E62}" srcOrd="9" destOrd="0" presId="urn:microsoft.com/office/officeart/2005/8/layout/hierarchy3"/>
     <dgm:cxn modelId="{F5B8C0DF-97A3-423B-9A5D-53FC91FEE07D}" type="presParOf" srcId="{5EAC0F1C-8135-499C-A050-8951C4D4D68B}" destId="{59FB6EFF-035B-4901-8C84-3BDEA8130465}" srcOrd="2" destOrd="0" presId="urn:microsoft.com/office/officeart/2005/8/layout/hierarchy3"/>
     <dgm:cxn modelId="{2C3BEA50-80F2-41C7-A82B-5C3E16FC0BD9}" type="presParOf" srcId="{59FB6EFF-035B-4901-8C84-3BDEA8130465}" destId="{DFAAFD62-220C-47EA-B1FF-1D698C1D9D0C}" srcOrd="0" destOrd="0" presId="urn:microsoft.com/office/officeart/2005/8/layout/hierarchy3"/>
     <dgm:cxn modelId="{5783CD70-7213-4FC1-AF68-237D5BC3062A}" type="presParOf" srcId="{DFAAFD62-220C-47EA-B1FF-1D698C1D9D0C}" destId="{3DB7ADFA-DCAB-4034-9F43-B860EBE864E8}" srcOrd="0" destOrd="0" presId="urn:microsoft.com/office/officeart/2005/8/layout/hierarchy3"/>
@@ -1858,8 +1835,8 @@
       </dsp:nvSpPr>
       <dsp:spPr>
         <a:xfrm>
-          <a:off x="529456" y="248"/>
-          <a:ext cx="1439167" cy="719583"/>
+          <a:off x="912316" y="372"/>
+          <a:ext cx="1220390" cy="610195"/>
         </a:xfrm>
         <a:prstGeom prst="roundRect">
           <a:avLst>
@@ -1902,12 +1879,12 @@
         </a:fontRef>
       </dsp:style>
       <dsp:txBody>
-        <a:bodyPr spcFirstLastPara="0" vert="horz" wrap="square" lIns="28575" tIns="19050" rIns="28575" bIns="19050" numCol="1" spcCol="1270" anchor="ctr" anchorCtr="0">
+        <a:bodyPr spcFirstLastPara="0" vert="horz" wrap="square" lIns="24765" tIns="16510" rIns="24765" bIns="16510" numCol="1" spcCol="1270" anchor="ctr" anchorCtr="0">
           <a:noAutofit/>
         </a:bodyPr>
         <a:lstStyle/>
         <a:p>
-          <a:pPr marL="0" lvl="0" indent="0" algn="ctr" defTabSz="666750">
+          <a:pPr marL="0" lvl="0" indent="0" algn="ctr" defTabSz="577850">
             <a:lnSpc>
               <a:spcPct val="90000"/>
             </a:lnSpc>
@@ -1920,14 +1897,14 @@
             <a:buNone/>
           </a:pPr>
           <a:r>
-            <a:rPr lang="en-US" sz="1500" kern="1200" dirty="0"/>
+            <a:rPr lang="en-US" sz="1300" kern="1200" dirty="0"/>
             <a:t>Basic Principles</a:t>
           </a:r>
         </a:p>
       </dsp:txBody>
       <dsp:txXfrm>
-        <a:off x="550532" y="21324"/>
-        <a:ext cx="1397015" cy="677431"/>
+        <a:off x="930188" y="18244"/>
+        <a:ext cx="1184646" cy="574451"/>
       </dsp:txXfrm>
     </dsp:sp>
     <dsp:sp modelId="{360B229B-0F55-45E5-A55A-DDDBDBD1C921}">
@@ -1937,8 +1914,8 @@
       </dsp:nvSpPr>
       <dsp:spPr>
         <a:xfrm>
-          <a:off x="673372" y="719832"/>
-          <a:ext cx="143916" cy="539687"/>
+          <a:off x="1034355" y="610567"/>
+          <a:ext cx="122039" cy="457646"/>
         </a:xfrm>
         <a:custGeom>
           <a:avLst/>
@@ -1952,10 +1929,10 @@
                 <a:pt x="0" y="0"/>
               </a:moveTo>
               <a:lnTo>
-                <a:pt x="0" y="539687"/>
+                <a:pt x="0" y="457646"/>
               </a:lnTo>
               <a:lnTo>
-                <a:pt x="143916" y="539687"/>
+                <a:pt x="122039" y="457646"/>
               </a:lnTo>
             </a:path>
           </a:pathLst>
@@ -1995,288 +1972,8 @@
       </dsp:nvSpPr>
       <dsp:spPr>
         <a:xfrm>
-          <a:off x="817289" y="899728"/>
-          <a:ext cx="1151334" cy="719583"/>
-        </a:xfrm>
-        <a:prstGeom prst="roundRect">
-          <a:avLst>
-            <a:gd name="adj" fmla="val 10000"/>
-          </a:avLst>
-        </a:prstGeom>
-        <a:solidFill>
-          <a:prstClr val="white">
-            <a:alpha val="90000"/>
-            <a:hueOff val="0"/>
-            <a:satOff val="0"/>
-            <a:lumOff val="0"/>
-            <a:alphaOff val="0"/>
-          </a:prstClr>
-        </a:solidFill>
-        <a:ln w="25400" cap="flat" cmpd="sng" algn="ctr">
-          <a:solidFill>
-            <a:srgbClr val="4F81BD">
-              <a:hueOff val="0"/>
-              <a:satOff val="0"/>
-              <a:lumOff val="0"/>
-              <a:alphaOff val="0"/>
-            </a:srgbClr>
-          </a:solidFill>
-          <a:prstDash val="solid"/>
-        </a:ln>
-        <a:effectLst/>
-      </dsp:spPr>
-      <dsp:style>
-        <a:lnRef idx="0">
-          <a:scrgbClr r="0" g="0" b="0"/>
-        </a:lnRef>
-        <a:fillRef idx="0">
-          <a:scrgbClr r="0" g="0" b="0"/>
-        </a:fillRef>
-        <a:effectRef idx="0">
-          <a:scrgbClr r="0" g="0" b="0"/>
-        </a:effectRef>
-        <a:fontRef idx="minor">
-          <a:schemeClr val="lt1"/>
-        </a:fontRef>
-      </dsp:style>
-      <dsp:txBody>
-        <a:bodyPr spcFirstLastPara="0" vert="horz" wrap="square" lIns="28575" tIns="19050" rIns="28575" bIns="19050" numCol="1" spcCol="1270" anchor="ctr" anchorCtr="0">
-          <a:noAutofit/>
-        </a:bodyPr>
-        <a:lstStyle/>
-        <a:p>
-          <a:pPr marL="0" lvl="0" indent="0" algn="ctr" defTabSz="666750">
-            <a:lnSpc>
-              <a:spcPct val="90000"/>
-            </a:lnSpc>
-            <a:spcBef>
-              <a:spcPct val="0"/>
-            </a:spcBef>
-            <a:spcAft>
-              <a:spcPct val="35000"/>
-            </a:spcAft>
-            <a:buNone/>
-          </a:pPr>
-          <a:r>
-            <a:rPr lang="en-US" sz="1500" kern="1200" dirty="0">
-              <a:solidFill>
-                <a:prstClr val="black">
-                  <a:hueOff val="0"/>
-                  <a:satOff val="0"/>
-                  <a:lumOff val="0"/>
-                  <a:alphaOff val="0"/>
-                </a:prstClr>
-              </a:solidFill>
-              <a:latin typeface="Calibri"/>
-              <a:ea typeface="+mn-ea"/>
-              <a:cs typeface="+mn-cs"/>
-            </a:rPr>
-            <a:t>Designing</a:t>
-          </a:r>
-          <a:r>
-            <a:rPr lang="en-US" sz="1500" kern="1200" dirty="0"/>
-            <a:t> Data</a:t>
-          </a:r>
-        </a:p>
-      </dsp:txBody>
-      <dsp:txXfrm>
-        <a:off x="838365" y="920804"/>
-        <a:ext cx="1109182" cy="677431"/>
-      </dsp:txXfrm>
-    </dsp:sp>
-    <dsp:sp modelId="{BC1B1EA4-129C-44F6-935B-BA646A7A2AA3}">
-      <dsp:nvSpPr>
-        <dsp:cNvPr id="0" name=""/>
-        <dsp:cNvSpPr/>
-      </dsp:nvSpPr>
-      <dsp:spPr>
-        <a:xfrm>
-          <a:off x="673372" y="719832"/>
-          <a:ext cx="143916" cy="1439167"/>
-        </a:xfrm>
-        <a:custGeom>
-          <a:avLst/>
-          <a:gdLst/>
-          <a:ahLst/>
-          <a:cxnLst/>
-          <a:rect l="0" t="0" r="0" b="0"/>
-          <a:pathLst>
-            <a:path>
-              <a:moveTo>
-                <a:pt x="0" y="0"/>
-              </a:moveTo>
-              <a:lnTo>
-                <a:pt x="0" y="1439167"/>
-              </a:lnTo>
-              <a:lnTo>
-                <a:pt x="143916" y="1439167"/>
-              </a:lnTo>
-            </a:path>
-          </a:pathLst>
-        </a:custGeom>
-        <a:noFill/>
-        <a:ln w="25400" cap="flat" cmpd="sng" algn="ctr">
-          <a:solidFill>
-            <a:schemeClr val="accent1">
-              <a:shade val="60000"/>
-              <a:hueOff val="0"/>
-              <a:satOff val="0"/>
-              <a:lumOff val="0"/>
-              <a:alphaOff val="0"/>
-            </a:schemeClr>
-          </a:solidFill>
-          <a:prstDash val="solid"/>
-        </a:ln>
-        <a:effectLst/>
-      </dsp:spPr>
-      <dsp:style>
-        <a:lnRef idx="2">
-          <a:scrgbClr r="0" g="0" b="0"/>
-        </a:lnRef>
-        <a:fillRef idx="0">
-          <a:scrgbClr r="0" g="0" b="0"/>
-        </a:fillRef>
-        <a:effectRef idx="0">
-          <a:scrgbClr r="0" g="0" b="0"/>
-        </a:effectRef>
-        <a:fontRef idx="minor"/>
-      </dsp:style>
-    </dsp:sp>
-    <dsp:sp modelId="{CF0B1CD2-0FC3-49A4-A520-B01A6C3CCB95}">
-      <dsp:nvSpPr>
-        <dsp:cNvPr id="0" name=""/>
-        <dsp:cNvSpPr/>
-      </dsp:nvSpPr>
-      <dsp:spPr>
-        <a:xfrm>
-          <a:off x="817289" y="1799208"/>
-          <a:ext cx="1151334" cy="719583"/>
-        </a:xfrm>
-        <a:prstGeom prst="roundRect">
-          <a:avLst>
-            <a:gd name="adj" fmla="val 10000"/>
-          </a:avLst>
-        </a:prstGeom>
-        <a:solidFill>
-          <a:schemeClr val="accent2">
-            <a:alpha val="50000"/>
-          </a:schemeClr>
-        </a:solidFill>
-        <a:ln>
-          <a:noFill/>
-        </a:ln>
-        <a:effectLst/>
-      </dsp:spPr>
-      <dsp:style>
-        <a:lnRef idx="0">
-          <a:scrgbClr r="0" g="0" b="0"/>
-        </a:lnRef>
-        <a:fillRef idx="0">
-          <a:scrgbClr r="0" g="0" b="0"/>
-        </a:fillRef>
-        <a:effectRef idx="0">
-          <a:scrgbClr r="0" g="0" b="0"/>
-        </a:effectRef>
-        <a:fontRef idx="minor">
-          <a:schemeClr val="lt1"/>
-        </a:fontRef>
-      </dsp:style>
-      <dsp:txBody>
-        <a:bodyPr spcFirstLastPara="0" vert="horz" wrap="square" lIns="28575" tIns="19050" rIns="28575" bIns="19050" numCol="1" spcCol="1270" anchor="ctr" anchorCtr="0">
-          <a:noAutofit/>
-        </a:bodyPr>
-        <a:lstStyle/>
-        <a:p>
-          <a:pPr marL="0" lvl="0" indent="0" algn="ctr" defTabSz="666750">
-            <a:lnSpc>
-              <a:spcPct val="90000"/>
-            </a:lnSpc>
-            <a:spcBef>
-              <a:spcPct val="0"/>
-            </a:spcBef>
-            <a:spcAft>
-              <a:spcPct val="35000"/>
-            </a:spcAft>
-            <a:buNone/>
-          </a:pPr>
-          <a:r>
-            <a:rPr lang="en-US" sz="1500" kern="1200" dirty="0"/>
-            <a:t>Designing Functions</a:t>
-          </a:r>
-        </a:p>
-      </dsp:txBody>
-      <dsp:txXfrm>
-        <a:off x="838365" y="1820284"/>
-        <a:ext cx="1109182" cy="677431"/>
-      </dsp:txXfrm>
-    </dsp:sp>
-    <dsp:sp modelId="{F5AE7053-0C33-481C-8BFB-D2DAFB4C4294}">
-      <dsp:nvSpPr>
-        <dsp:cNvPr id="0" name=""/>
-        <dsp:cNvSpPr/>
-      </dsp:nvSpPr>
-      <dsp:spPr>
-        <a:xfrm>
-          <a:off x="673372" y="719832"/>
-          <a:ext cx="143916" cy="2338647"/>
-        </a:xfrm>
-        <a:custGeom>
-          <a:avLst/>
-          <a:gdLst/>
-          <a:ahLst/>
-          <a:cxnLst/>
-          <a:rect l="0" t="0" r="0" b="0"/>
-          <a:pathLst>
-            <a:path>
-              <a:moveTo>
-                <a:pt x="0" y="0"/>
-              </a:moveTo>
-              <a:lnTo>
-                <a:pt x="0" y="2338647"/>
-              </a:lnTo>
-              <a:lnTo>
-                <a:pt x="143916" y="2338647"/>
-              </a:lnTo>
-            </a:path>
-          </a:pathLst>
-        </a:custGeom>
-        <a:noFill/>
-        <a:ln w="25400" cap="flat" cmpd="sng" algn="ctr">
-          <a:solidFill>
-            <a:schemeClr val="accent1">
-              <a:shade val="60000"/>
-              <a:hueOff val="0"/>
-              <a:satOff val="0"/>
-              <a:lumOff val="0"/>
-              <a:alphaOff val="0"/>
-            </a:schemeClr>
-          </a:solidFill>
-          <a:prstDash val="solid"/>
-        </a:ln>
-        <a:effectLst/>
-      </dsp:spPr>
-      <dsp:style>
-        <a:lnRef idx="2">
-          <a:scrgbClr r="0" g="0" b="0"/>
-        </a:lnRef>
-        <a:fillRef idx="0">
-          <a:scrgbClr r="0" g="0" b="0"/>
-        </a:fillRef>
-        <a:effectRef idx="0">
-          <a:scrgbClr r="0" g="0" b="0"/>
-        </a:effectRef>
-        <a:fontRef idx="minor"/>
-      </dsp:style>
-    </dsp:sp>
-    <dsp:sp modelId="{C5878689-67F2-4E3D-8C9B-392F50C32024}">
-      <dsp:nvSpPr>
-        <dsp:cNvPr id="0" name=""/>
-        <dsp:cNvSpPr/>
-      </dsp:nvSpPr>
-      <dsp:spPr>
-        <a:xfrm>
-          <a:off x="817289" y="2698687"/>
-          <a:ext cx="1151334" cy="719583"/>
+          <a:off x="1156394" y="763116"/>
+          <a:ext cx="976312" cy="610195"/>
         </a:xfrm>
         <a:prstGeom prst="roundRect">
           <a:avLst>
@@ -2318,12 +2015,12 @@
         <a:fontRef idx="minor"/>
       </dsp:style>
       <dsp:txBody>
-        <a:bodyPr spcFirstLastPara="0" vert="horz" wrap="square" lIns="28575" tIns="19050" rIns="28575" bIns="19050" numCol="1" spcCol="1270" anchor="ctr" anchorCtr="0">
+        <a:bodyPr spcFirstLastPara="0" vert="horz" wrap="square" lIns="19050" tIns="12700" rIns="19050" bIns="12700" numCol="1" spcCol="1270" anchor="ctr" anchorCtr="0">
           <a:noAutofit/>
         </a:bodyPr>
         <a:lstStyle/>
         <a:p>
-          <a:pPr marL="0" lvl="0" indent="0" algn="ctr" defTabSz="666750">
+          <a:pPr marL="0" lvl="0" indent="0" algn="ctr" defTabSz="444500">
             <a:lnSpc>
               <a:spcPct val="90000"/>
             </a:lnSpc>
@@ -2336,14 +2033,277 @@
             <a:buNone/>
           </a:pPr>
           <a:r>
-            <a:rPr lang="en-US" sz="1500" kern="1200" dirty="0"/>
+            <a:rPr lang="en-US" sz="1000" kern="1200" dirty="0"/>
+            <a:t>Designing Data</a:t>
+          </a:r>
+        </a:p>
+      </dsp:txBody>
+      <dsp:txXfrm>
+        <a:off x="1174266" y="780988"/>
+        <a:ext cx="940568" cy="574451"/>
+      </dsp:txXfrm>
+    </dsp:sp>
+    <dsp:sp modelId="{BC1B1EA4-129C-44F6-935B-BA646A7A2AA3}">
+      <dsp:nvSpPr>
+        <dsp:cNvPr id="0" name=""/>
+        <dsp:cNvSpPr/>
+      </dsp:nvSpPr>
+      <dsp:spPr>
+        <a:xfrm>
+          <a:off x="1034355" y="610567"/>
+          <a:ext cx="122039" cy="1220390"/>
+        </a:xfrm>
+        <a:custGeom>
+          <a:avLst/>
+          <a:gdLst/>
+          <a:ahLst/>
+          <a:cxnLst/>
+          <a:rect l="0" t="0" r="0" b="0"/>
+          <a:pathLst>
+            <a:path>
+              <a:moveTo>
+                <a:pt x="0" y="0"/>
+              </a:moveTo>
+              <a:lnTo>
+                <a:pt x="0" y="1220390"/>
+              </a:lnTo>
+              <a:lnTo>
+                <a:pt x="122039" y="1220390"/>
+              </a:lnTo>
+            </a:path>
+          </a:pathLst>
+        </a:custGeom>
+        <a:noFill/>
+        <a:ln w="25400" cap="flat" cmpd="sng" algn="ctr">
+          <a:solidFill>
+            <a:schemeClr val="accent1">
+              <a:shade val="60000"/>
+              <a:hueOff val="0"/>
+              <a:satOff val="0"/>
+              <a:lumOff val="0"/>
+              <a:alphaOff val="0"/>
+            </a:schemeClr>
+          </a:solidFill>
+          <a:prstDash val="solid"/>
+        </a:ln>
+        <a:effectLst/>
+      </dsp:spPr>
+      <dsp:style>
+        <a:lnRef idx="2">
+          <a:scrgbClr r="0" g="0" b="0"/>
+        </a:lnRef>
+        <a:fillRef idx="0">
+          <a:scrgbClr r="0" g="0" b="0"/>
+        </a:fillRef>
+        <a:effectRef idx="0">
+          <a:scrgbClr r="0" g="0" b="0"/>
+        </a:effectRef>
+        <a:fontRef idx="minor"/>
+      </dsp:style>
+    </dsp:sp>
+    <dsp:sp modelId="{CF0B1CD2-0FC3-49A4-A520-B01A6C3CCB95}">
+      <dsp:nvSpPr>
+        <dsp:cNvPr id="0" name=""/>
+        <dsp:cNvSpPr/>
+      </dsp:nvSpPr>
+      <dsp:spPr>
+        <a:xfrm>
+          <a:off x="1156394" y="1525860"/>
+          <a:ext cx="976312" cy="610195"/>
+        </a:xfrm>
+        <a:prstGeom prst="roundRect">
+          <a:avLst>
+            <a:gd name="adj" fmla="val 10000"/>
+          </a:avLst>
+        </a:prstGeom>
+        <a:solidFill>
+          <a:schemeClr val="accent2">
+            <a:lumMod val="60000"/>
+            <a:lumOff val="40000"/>
+            <a:alpha val="90000"/>
+          </a:schemeClr>
+        </a:solidFill>
+        <a:ln w="25400" cap="flat" cmpd="sng" algn="ctr">
+          <a:noFill/>
+          <a:prstDash val="solid"/>
+        </a:ln>
+        <a:effectLst/>
+      </dsp:spPr>
+      <dsp:style>
+        <a:lnRef idx="2">
+          <a:scrgbClr r="0" g="0" b="0"/>
+        </a:lnRef>
+        <a:fillRef idx="1">
+          <a:scrgbClr r="0" g="0" b="0"/>
+        </a:fillRef>
+        <a:effectRef idx="0">
+          <a:scrgbClr r="0" g="0" b="0"/>
+        </a:effectRef>
+        <a:fontRef idx="minor"/>
+      </dsp:style>
+      <dsp:txBody>
+        <a:bodyPr spcFirstLastPara="0" vert="horz" wrap="square" lIns="19050" tIns="12700" rIns="19050" bIns="12700" numCol="1" spcCol="1270" anchor="ctr" anchorCtr="0">
+          <a:noAutofit/>
+        </a:bodyPr>
+        <a:lstStyle/>
+        <a:p>
+          <a:pPr marL="0" lvl="0" indent="0" algn="ctr" defTabSz="444500">
+            <a:lnSpc>
+              <a:spcPct val="90000"/>
+            </a:lnSpc>
+            <a:spcBef>
+              <a:spcPct val="0"/>
+            </a:spcBef>
+            <a:spcAft>
+              <a:spcPct val="35000"/>
+            </a:spcAft>
+            <a:buNone/>
+          </a:pPr>
+          <a:r>
+            <a:rPr lang="en-US" sz="1000" kern="1200" dirty="0"/>
+            <a:t>Designing Functions</a:t>
+          </a:r>
+        </a:p>
+      </dsp:txBody>
+      <dsp:txXfrm>
+        <a:off x="1174266" y="1543732"/>
+        <a:ext cx="940568" cy="574451"/>
+      </dsp:txXfrm>
+    </dsp:sp>
+    <dsp:sp modelId="{F5AE7053-0C33-481C-8BFB-D2DAFB4C4294}">
+      <dsp:nvSpPr>
+        <dsp:cNvPr id="0" name=""/>
+        <dsp:cNvSpPr/>
+      </dsp:nvSpPr>
+      <dsp:spPr>
+        <a:xfrm>
+          <a:off x="1034355" y="610567"/>
+          <a:ext cx="122039" cy="1983134"/>
+        </a:xfrm>
+        <a:custGeom>
+          <a:avLst/>
+          <a:gdLst/>
+          <a:ahLst/>
+          <a:cxnLst/>
+          <a:rect l="0" t="0" r="0" b="0"/>
+          <a:pathLst>
+            <a:path>
+              <a:moveTo>
+                <a:pt x="0" y="0"/>
+              </a:moveTo>
+              <a:lnTo>
+                <a:pt x="0" y="1983134"/>
+              </a:lnTo>
+              <a:lnTo>
+                <a:pt x="122039" y="1983134"/>
+              </a:lnTo>
+            </a:path>
+          </a:pathLst>
+        </a:custGeom>
+        <a:noFill/>
+        <a:ln w="25400" cap="flat" cmpd="sng" algn="ctr">
+          <a:solidFill>
+            <a:schemeClr val="accent1">
+              <a:shade val="60000"/>
+              <a:hueOff val="0"/>
+              <a:satOff val="0"/>
+              <a:lumOff val="0"/>
+              <a:alphaOff val="0"/>
+            </a:schemeClr>
+          </a:solidFill>
+          <a:prstDash val="solid"/>
+        </a:ln>
+        <a:effectLst/>
+      </dsp:spPr>
+      <dsp:style>
+        <a:lnRef idx="2">
+          <a:scrgbClr r="0" g="0" b="0"/>
+        </a:lnRef>
+        <a:fillRef idx="0">
+          <a:scrgbClr r="0" g="0" b="0"/>
+        </a:fillRef>
+        <a:effectRef idx="0">
+          <a:scrgbClr r="0" g="0" b="0"/>
+        </a:effectRef>
+        <a:fontRef idx="minor"/>
+      </dsp:style>
+    </dsp:sp>
+    <dsp:sp modelId="{C5878689-67F2-4E3D-8C9B-392F50C32024}">
+      <dsp:nvSpPr>
+        <dsp:cNvPr id="0" name=""/>
+        <dsp:cNvSpPr/>
+      </dsp:nvSpPr>
+      <dsp:spPr>
+        <a:xfrm>
+          <a:off x="1156394" y="2288604"/>
+          <a:ext cx="976312" cy="610195"/>
+        </a:xfrm>
+        <a:prstGeom prst="roundRect">
+          <a:avLst>
+            <a:gd name="adj" fmla="val 10000"/>
+          </a:avLst>
+        </a:prstGeom>
+        <a:solidFill>
+          <a:schemeClr val="lt1">
+            <a:alpha val="90000"/>
+            <a:hueOff val="0"/>
+            <a:satOff val="0"/>
+            <a:lumOff val="0"/>
+            <a:alphaOff val="0"/>
+          </a:schemeClr>
+        </a:solidFill>
+        <a:ln w="25400" cap="flat" cmpd="sng" algn="ctr">
+          <a:solidFill>
+            <a:schemeClr val="accent1">
+              <a:hueOff val="0"/>
+              <a:satOff val="0"/>
+              <a:lumOff val="0"/>
+              <a:alphaOff val="0"/>
+            </a:schemeClr>
+          </a:solidFill>
+          <a:prstDash val="solid"/>
+        </a:ln>
+        <a:effectLst/>
+      </dsp:spPr>
+      <dsp:style>
+        <a:lnRef idx="2">
+          <a:scrgbClr r="0" g="0" b="0"/>
+        </a:lnRef>
+        <a:fillRef idx="1">
+          <a:scrgbClr r="0" g="0" b="0"/>
+        </a:fillRef>
+        <a:effectRef idx="0">
+          <a:scrgbClr r="0" g="0" b="0"/>
+        </a:effectRef>
+        <a:fontRef idx="minor"/>
+      </dsp:style>
+      <dsp:txBody>
+        <a:bodyPr spcFirstLastPara="0" vert="horz" wrap="square" lIns="19050" tIns="12700" rIns="19050" bIns="12700" numCol="1" spcCol="1270" anchor="ctr" anchorCtr="0">
+          <a:noAutofit/>
+        </a:bodyPr>
+        <a:lstStyle/>
+        <a:p>
+          <a:pPr marL="0" lvl="0" indent="0" algn="ctr" defTabSz="444500">
+            <a:lnSpc>
+              <a:spcPct val="90000"/>
+            </a:lnSpc>
+            <a:spcBef>
+              <a:spcPct val="0"/>
+            </a:spcBef>
+            <a:spcAft>
+              <a:spcPct val="35000"/>
+            </a:spcAft>
+            <a:buNone/>
+          </a:pPr>
+          <a:r>
+            <a:rPr lang="en-US" sz="1000" kern="1200" dirty="0"/>
             <a:t>Designing Systems</a:t>
           </a:r>
         </a:p>
       </dsp:txBody>
       <dsp:txXfrm>
-        <a:off x="838365" y="2719763"/>
-        <a:ext cx="1109182" cy="677431"/>
+        <a:off x="1174266" y="2306476"/>
+        <a:ext cx="940568" cy="574451"/>
       </dsp:txXfrm>
     </dsp:sp>
     <dsp:sp modelId="{F1C18E15-3E91-476D-8B13-25AD56BC4B13}">
@@ -2353,8 +2313,8 @@
       </dsp:nvSpPr>
       <dsp:spPr>
         <a:xfrm>
-          <a:off x="2328416" y="248"/>
-          <a:ext cx="1439167" cy="719583"/>
+          <a:off x="2437804" y="372"/>
+          <a:ext cx="1220390" cy="610195"/>
         </a:xfrm>
         <a:prstGeom prst="roundRect">
           <a:avLst>
@@ -2397,12 +2357,12 @@
         </a:fontRef>
       </dsp:style>
       <dsp:txBody>
-        <a:bodyPr spcFirstLastPara="0" vert="horz" wrap="square" lIns="28575" tIns="19050" rIns="28575" bIns="19050" numCol="1" spcCol="1270" anchor="ctr" anchorCtr="0">
+        <a:bodyPr spcFirstLastPara="0" vert="horz" wrap="square" lIns="24765" tIns="16510" rIns="24765" bIns="16510" numCol="1" spcCol="1270" anchor="ctr" anchorCtr="0">
           <a:noAutofit/>
         </a:bodyPr>
         <a:lstStyle/>
         <a:p>
-          <a:pPr marL="0" lvl="0" indent="0" algn="ctr" defTabSz="666750">
+          <a:pPr marL="0" lvl="0" indent="0" algn="ctr" defTabSz="577850">
             <a:lnSpc>
               <a:spcPct val="90000"/>
             </a:lnSpc>
@@ -2415,14 +2375,14 @@
             <a:buNone/>
           </a:pPr>
           <a:r>
-            <a:rPr lang="en-US" sz="1500" kern="1200" dirty="0"/>
+            <a:rPr lang="en-US" sz="1300" kern="1200" dirty="0"/>
             <a:t>Tools and Techniques</a:t>
           </a:r>
         </a:p>
       </dsp:txBody>
       <dsp:txXfrm>
-        <a:off x="2349492" y="21324"/>
-        <a:ext cx="1397015" cy="677431"/>
+        <a:off x="2455676" y="18244"/>
+        <a:ext cx="1184646" cy="574451"/>
       </dsp:txXfrm>
     </dsp:sp>
     <dsp:sp modelId="{2564A6E5-875B-4BC6-B983-AA12C064A019}">
@@ -2432,8 +2392,8 @@
       </dsp:nvSpPr>
       <dsp:spPr>
         <a:xfrm>
-          <a:off x="2472332" y="719832"/>
-          <a:ext cx="143916" cy="539687"/>
+          <a:off x="2559843" y="610567"/>
+          <a:ext cx="122039" cy="457646"/>
         </a:xfrm>
         <a:custGeom>
           <a:avLst/>
@@ -2447,10 +2407,10 @@
                 <a:pt x="0" y="0"/>
               </a:moveTo>
               <a:lnTo>
-                <a:pt x="0" y="539687"/>
+                <a:pt x="0" y="457646"/>
               </a:lnTo>
               <a:lnTo>
-                <a:pt x="143916" y="539687"/>
+                <a:pt x="122039" y="457646"/>
               </a:lnTo>
             </a:path>
           </a:pathLst>
@@ -2490,8 +2450,8 @@
       </dsp:nvSpPr>
       <dsp:spPr>
         <a:xfrm>
-          <a:off x="2616249" y="899728"/>
-          <a:ext cx="1151334" cy="719583"/>
+          <a:off x="2681882" y="763116"/>
+          <a:ext cx="976312" cy="610195"/>
         </a:xfrm>
         <a:prstGeom prst="roundRect">
           <a:avLst>
@@ -2533,12 +2493,12 @@
         <a:fontRef idx="minor"/>
       </dsp:style>
       <dsp:txBody>
-        <a:bodyPr spcFirstLastPara="0" vert="horz" wrap="square" lIns="28575" tIns="19050" rIns="28575" bIns="19050" numCol="1" spcCol="1270" anchor="ctr" anchorCtr="0">
+        <a:bodyPr spcFirstLastPara="0" vert="horz" wrap="square" lIns="19050" tIns="12700" rIns="19050" bIns="12700" numCol="1" spcCol="1270" anchor="ctr" anchorCtr="0">
           <a:noAutofit/>
         </a:bodyPr>
         <a:lstStyle/>
         <a:p>
-          <a:pPr marL="0" lvl="0" indent="0" algn="ctr" defTabSz="666750">
+          <a:pPr marL="0" lvl="0" indent="0" algn="ctr" defTabSz="444500">
             <a:lnSpc>
               <a:spcPct val="90000"/>
             </a:lnSpc>
@@ -2551,14 +2511,14 @@
             <a:buNone/>
           </a:pPr>
           <a:r>
-            <a:rPr lang="en-US" sz="1500" kern="1200" dirty="0"/>
+            <a:rPr lang="en-US" sz="1000" kern="1200" dirty="0"/>
             <a:t>Computing with Lists</a:t>
           </a:r>
         </a:p>
       </dsp:txBody>
       <dsp:txXfrm>
-        <a:off x="2637325" y="920804"/>
-        <a:ext cx="1109182" cy="677431"/>
+        <a:off x="2699754" y="780988"/>
+        <a:ext cx="940568" cy="574451"/>
       </dsp:txXfrm>
     </dsp:sp>
     <dsp:sp modelId="{7DFA9A08-1F84-4CF2-9E63-7F6E7C219F76}">
@@ -2568,8 +2528,8 @@
       </dsp:nvSpPr>
       <dsp:spPr>
         <a:xfrm>
-          <a:off x="2472332" y="719832"/>
-          <a:ext cx="143916" cy="1439167"/>
+          <a:off x="2559843" y="610567"/>
+          <a:ext cx="122039" cy="1220390"/>
         </a:xfrm>
         <a:custGeom>
           <a:avLst/>
@@ -2583,10 +2543,10 @@
                 <a:pt x="0" y="0"/>
               </a:moveTo>
               <a:lnTo>
-                <a:pt x="0" y="1439167"/>
+                <a:pt x="0" y="1220390"/>
               </a:lnTo>
               <a:lnTo>
-                <a:pt x="143916" y="1439167"/>
+                <a:pt x="122039" y="1220390"/>
               </a:lnTo>
             </a:path>
           </a:pathLst>
@@ -2626,8 +2586,8 @@
       </dsp:nvSpPr>
       <dsp:spPr>
         <a:xfrm>
-          <a:off x="2616249" y="1799208"/>
-          <a:ext cx="1151334" cy="719583"/>
+          <a:off x="2681882" y="1525860"/>
+          <a:ext cx="976312" cy="610195"/>
         </a:xfrm>
         <a:prstGeom prst="roundRect">
           <a:avLst>
@@ -2669,12 +2629,12 @@
         <a:fontRef idx="minor"/>
       </dsp:style>
       <dsp:txBody>
-        <a:bodyPr spcFirstLastPara="0" vert="horz" wrap="square" lIns="28575" tIns="19050" rIns="28575" bIns="19050" numCol="1" spcCol="1270" anchor="ctr" anchorCtr="0">
+        <a:bodyPr spcFirstLastPara="0" vert="horz" wrap="square" lIns="19050" tIns="12700" rIns="19050" bIns="12700" numCol="1" spcCol="1270" anchor="ctr" anchorCtr="0">
           <a:noAutofit/>
         </a:bodyPr>
         <a:lstStyle/>
         <a:p>
-          <a:pPr marL="0" lvl="0" indent="0" algn="ctr" defTabSz="666750">
+          <a:pPr marL="0" lvl="0" indent="0" algn="ctr" defTabSz="444500">
             <a:lnSpc>
               <a:spcPct val="90000"/>
             </a:lnSpc>
@@ -2687,25 +2647,25 @@
             <a:buNone/>
           </a:pPr>
           <a:r>
-            <a:rPr lang="en-US" sz="1500" kern="1200" dirty="0"/>
+            <a:rPr lang="en-US" sz="1000" kern="1200" dirty="0"/>
             <a:t>Computing with Trees and Graphs</a:t>
           </a:r>
         </a:p>
       </dsp:txBody>
       <dsp:txXfrm>
-        <a:off x="2637325" y="1820284"/>
-        <a:ext cx="1109182" cy="677431"/>
+        <a:off x="2699754" y="1543732"/>
+        <a:ext cx="940568" cy="574451"/>
       </dsp:txXfrm>
     </dsp:sp>
-    <dsp:sp modelId="{16CFAB30-3E6A-44D7-A45D-E3066E142053}">
+    <dsp:sp modelId="{35FE4D4C-3CA0-4CCA-8F9D-1668C574961B}">
       <dsp:nvSpPr>
         <dsp:cNvPr id="0" name=""/>
         <dsp:cNvSpPr/>
       </dsp:nvSpPr>
       <dsp:spPr>
         <a:xfrm>
-          <a:off x="2472332" y="719832"/>
-          <a:ext cx="143916" cy="2338647"/>
+          <a:off x="2559843" y="610567"/>
+          <a:ext cx="122039" cy="1983134"/>
         </a:xfrm>
         <a:custGeom>
           <a:avLst/>
@@ -2719,10 +2679,10 @@
                 <a:pt x="0" y="0"/>
               </a:moveTo>
               <a:lnTo>
-                <a:pt x="0" y="2338647"/>
+                <a:pt x="0" y="1983134"/>
               </a:lnTo>
               <a:lnTo>
-                <a:pt x="143916" y="2338647"/>
+                <a:pt x="122039" y="1983134"/>
               </a:lnTo>
             </a:path>
           </a:pathLst>
@@ -2755,15 +2715,15 @@
         <a:fontRef idx="minor"/>
       </dsp:style>
     </dsp:sp>
-    <dsp:sp modelId="{5F9726AA-E8AD-4C5C-A0CA-2350C4F8CAFA}">
+    <dsp:sp modelId="{375B2884-C079-4ABC-AF46-CC7B31EF2123}">
       <dsp:nvSpPr>
         <dsp:cNvPr id="0" name=""/>
         <dsp:cNvSpPr/>
       </dsp:nvSpPr>
       <dsp:spPr>
         <a:xfrm>
-          <a:off x="2616249" y="2698687"/>
-          <a:ext cx="1151334" cy="719583"/>
+          <a:off x="2681882" y="2288604"/>
+          <a:ext cx="976312" cy="610195"/>
         </a:xfrm>
         <a:prstGeom prst="roundRect">
           <a:avLst>
@@ -2805,12 +2765,12 @@
         <a:fontRef idx="minor"/>
       </dsp:style>
       <dsp:txBody>
-        <a:bodyPr spcFirstLastPara="0" vert="horz" wrap="square" lIns="28575" tIns="19050" rIns="28575" bIns="19050" numCol="1" spcCol="1270" anchor="ctr" anchorCtr="0">
+        <a:bodyPr spcFirstLastPara="0" vert="horz" wrap="square" lIns="19050" tIns="12700" rIns="19050" bIns="12700" numCol="1" spcCol="1270" anchor="ctr" anchorCtr="0">
           <a:noAutofit/>
         </a:bodyPr>
         <a:lstStyle/>
         <a:p>
-          <a:pPr marL="0" lvl="0" indent="0" algn="ctr" defTabSz="666750">
+          <a:pPr marL="0" lvl="0" indent="0" algn="ctr" defTabSz="444500">
             <a:lnSpc>
               <a:spcPct val="90000"/>
             </a:lnSpc>
@@ -2823,25 +2783,25 @@
             <a:buNone/>
           </a:pPr>
           <a:r>
-            <a:rPr lang="en-US" sz="1500" kern="1200" dirty="0"/>
-            <a:t>Designing with Invariants</a:t>
+            <a:rPr lang="en-US" sz="1000" kern="1200" dirty="0"/>
+            <a:t>Computing with Higher-Order Functions</a:t>
           </a:r>
         </a:p>
       </dsp:txBody>
       <dsp:txXfrm>
-        <a:off x="2637325" y="2719763"/>
-        <a:ext cx="1109182" cy="677431"/>
+        <a:off x="2699754" y="2306476"/>
+        <a:ext cx="940568" cy="574451"/>
       </dsp:txXfrm>
     </dsp:sp>
-    <dsp:sp modelId="{0ECF28DA-9925-4B5B-97B1-BDA459502114}">
+    <dsp:sp modelId="{16CFAB30-3E6A-44D7-A45D-E3066E142053}">
       <dsp:nvSpPr>
         <dsp:cNvPr id="0" name=""/>
         <dsp:cNvSpPr/>
       </dsp:nvSpPr>
       <dsp:spPr>
         <a:xfrm>
-          <a:off x="2472332" y="719832"/>
-          <a:ext cx="143916" cy="3238127"/>
+          <a:off x="2559843" y="610567"/>
+          <a:ext cx="122039" cy="2745878"/>
         </a:xfrm>
         <a:custGeom>
           <a:avLst/>
@@ -2855,10 +2815,10 @@
                 <a:pt x="0" y="0"/>
               </a:moveTo>
               <a:lnTo>
-                <a:pt x="0" y="3238127"/>
+                <a:pt x="0" y="2745878"/>
               </a:lnTo>
               <a:lnTo>
-                <a:pt x="143916" y="3238127"/>
+                <a:pt x="122039" y="2745878"/>
               </a:lnTo>
             </a:path>
           </a:pathLst>
@@ -2891,15 +2851,15 @@
         <a:fontRef idx="minor"/>
       </dsp:style>
     </dsp:sp>
-    <dsp:sp modelId="{5A2BB121-DDEE-46A8-AC09-18496F773E62}">
+    <dsp:sp modelId="{5F9726AA-E8AD-4C5C-A0CA-2350C4F8CAFA}">
       <dsp:nvSpPr>
         <dsp:cNvPr id="0" name=""/>
         <dsp:cNvSpPr/>
       </dsp:nvSpPr>
       <dsp:spPr>
         <a:xfrm>
-          <a:off x="2616249" y="3598167"/>
-          <a:ext cx="1151334" cy="719583"/>
+          <a:off x="2681882" y="3051348"/>
+          <a:ext cx="976312" cy="610195"/>
         </a:xfrm>
         <a:prstGeom prst="roundRect">
           <a:avLst>
@@ -2941,12 +2901,12 @@
         <a:fontRef idx="minor"/>
       </dsp:style>
       <dsp:txBody>
-        <a:bodyPr spcFirstLastPara="0" vert="horz" wrap="square" lIns="28575" tIns="19050" rIns="28575" bIns="19050" numCol="1" spcCol="1270" anchor="ctr" anchorCtr="0">
+        <a:bodyPr spcFirstLastPara="0" vert="horz" wrap="square" lIns="19050" tIns="12700" rIns="19050" bIns="12700" numCol="1" spcCol="1270" anchor="ctr" anchorCtr="0">
           <a:noAutofit/>
         </a:bodyPr>
         <a:lstStyle/>
         <a:p>
-          <a:pPr marL="0" lvl="0" indent="0" algn="ctr" defTabSz="666750">
+          <a:pPr marL="0" lvl="0" indent="0" algn="ctr" defTabSz="444500">
             <a:lnSpc>
               <a:spcPct val="90000"/>
             </a:lnSpc>
@@ -2959,14 +2919,150 @@
             <a:buNone/>
           </a:pPr>
           <a:r>
-            <a:rPr lang="en-US" sz="1500" kern="1200" dirty="0"/>
+            <a:rPr lang="en-US" sz="1000" kern="1200" dirty="0"/>
+            <a:t>Designing with Invariants</a:t>
+          </a:r>
+        </a:p>
+      </dsp:txBody>
+      <dsp:txXfrm>
+        <a:off x="2699754" y="3069220"/>
+        <a:ext cx="940568" cy="574451"/>
+      </dsp:txXfrm>
+    </dsp:sp>
+    <dsp:sp modelId="{0ECF28DA-9925-4B5B-97B1-BDA459502114}">
+      <dsp:nvSpPr>
+        <dsp:cNvPr id="0" name=""/>
+        <dsp:cNvSpPr/>
+      </dsp:nvSpPr>
+      <dsp:spPr>
+        <a:xfrm>
+          <a:off x="2559843" y="610567"/>
+          <a:ext cx="122039" cy="3556495"/>
+        </a:xfrm>
+        <a:custGeom>
+          <a:avLst/>
+          <a:gdLst/>
+          <a:ahLst/>
+          <a:cxnLst/>
+          <a:rect l="0" t="0" r="0" b="0"/>
+          <a:pathLst>
+            <a:path>
+              <a:moveTo>
+                <a:pt x="0" y="0"/>
+              </a:moveTo>
+              <a:lnTo>
+                <a:pt x="0" y="3556495"/>
+              </a:lnTo>
+              <a:lnTo>
+                <a:pt x="122039" y="3556495"/>
+              </a:lnTo>
+            </a:path>
+          </a:pathLst>
+        </a:custGeom>
+        <a:noFill/>
+        <a:ln w="25400" cap="flat" cmpd="sng" algn="ctr">
+          <a:solidFill>
+            <a:schemeClr val="accent1">
+              <a:shade val="60000"/>
+              <a:hueOff val="0"/>
+              <a:satOff val="0"/>
+              <a:lumOff val="0"/>
+              <a:alphaOff val="0"/>
+            </a:schemeClr>
+          </a:solidFill>
+          <a:prstDash val="solid"/>
+        </a:ln>
+        <a:effectLst/>
+      </dsp:spPr>
+      <dsp:style>
+        <a:lnRef idx="2">
+          <a:scrgbClr r="0" g="0" b="0"/>
+        </a:lnRef>
+        <a:fillRef idx="0">
+          <a:scrgbClr r="0" g="0" b="0"/>
+        </a:fillRef>
+        <a:effectRef idx="0">
+          <a:scrgbClr r="0" g="0" b="0"/>
+        </a:effectRef>
+        <a:fontRef idx="minor"/>
+      </dsp:style>
+    </dsp:sp>
+    <dsp:sp modelId="{5A2BB121-DDEE-46A8-AC09-18496F773E62}">
+      <dsp:nvSpPr>
+        <dsp:cNvPr id="0" name=""/>
+        <dsp:cNvSpPr/>
+      </dsp:nvSpPr>
+      <dsp:spPr>
+        <a:xfrm>
+          <a:off x="2681882" y="3814092"/>
+          <a:ext cx="976312" cy="705941"/>
+        </a:xfrm>
+        <a:prstGeom prst="roundRect">
+          <a:avLst>
+            <a:gd name="adj" fmla="val 10000"/>
+          </a:avLst>
+        </a:prstGeom>
+        <a:solidFill>
+          <a:schemeClr val="lt1">
+            <a:alpha val="90000"/>
+            <a:hueOff val="0"/>
+            <a:satOff val="0"/>
+            <a:lumOff val="0"/>
+            <a:alphaOff val="0"/>
+          </a:schemeClr>
+        </a:solidFill>
+        <a:ln w="25400" cap="flat" cmpd="sng" algn="ctr">
+          <a:solidFill>
+            <a:schemeClr val="accent1">
+              <a:hueOff val="0"/>
+              <a:satOff val="0"/>
+              <a:lumOff val="0"/>
+              <a:alphaOff val="0"/>
+            </a:schemeClr>
+          </a:solidFill>
+          <a:prstDash val="solid"/>
+        </a:ln>
+        <a:effectLst/>
+      </dsp:spPr>
+      <dsp:style>
+        <a:lnRef idx="2">
+          <a:scrgbClr r="0" g="0" b="0"/>
+        </a:lnRef>
+        <a:fillRef idx="1">
+          <a:scrgbClr r="0" g="0" b="0"/>
+        </a:fillRef>
+        <a:effectRef idx="0">
+          <a:scrgbClr r="0" g="0" b="0"/>
+        </a:effectRef>
+        <a:fontRef idx="minor"/>
+      </dsp:style>
+      <dsp:txBody>
+        <a:bodyPr spcFirstLastPara="0" vert="horz" wrap="square" lIns="19050" tIns="12700" rIns="19050" bIns="12700" numCol="1" spcCol="1270" anchor="ctr" anchorCtr="0">
+          <a:noAutofit/>
+        </a:bodyPr>
+        <a:lstStyle/>
+        <a:p>
+          <a:pPr marL="0" lvl="0" indent="0" algn="ctr" defTabSz="444500">
+            <a:lnSpc>
+              <a:spcPct val="90000"/>
+            </a:lnSpc>
+            <a:spcBef>
+              <a:spcPct val="0"/>
+            </a:spcBef>
+            <a:spcAft>
+              <a:spcPct val="35000"/>
+            </a:spcAft>
+            <a:buNone/>
+          </a:pPr>
+          <a:r>
+            <a:rPr lang="en-US" sz="1000" kern="1200" dirty="0"/>
             <a:t>Thinking about Efficiency</a:t>
           </a:r>
         </a:p>
       </dsp:txBody>
       <dsp:txXfrm>
-        <a:off x="2637325" y="3619243"/>
-        <a:ext cx="1109182" cy="677431"/>
+        <a:off x="2702558" y="3834768"/>
+        <a:ext cx="934960" cy="664589"/>
       </dsp:txXfrm>
     </dsp:sp>
     <dsp:sp modelId="{3DB7ADFA-DCAB-4034-9F43-B860EBE864E8}">
@@ -2976,8 +3072,8 @@
       </dsp:nvSpPr>
       <dsp:spPr>
         <a:xfrm>
-          <a:off x="4127375" y="248"/>
-          <a:ext cx="1439167" cy="719583"/>
+          <a:off x="3963292" y="372"/>
+          <a:ext cx="1220390" cy="610195"/>
         </a:xfrm>
         <a:prstGeom prst="roundRect">
           <a:avLst>
@@ -3020,12 +3116,12 @@
         </a:fontRef>
       </dsp:style>
       <dsp:txBody>
-        <a:bodyPr spcFirstLastPara="0" vert="horz" wrap="square" lIns="28575" tIns="19050" rIns="28575" bIns="19050" numCol="1" spcCol="1270" anchor="ctr" anchorCtr="0">
+        <a:bodyPr spcFirstLastPara="0" vert="horz" wrap="square" lIns="24765" tIns="16510" rIns="24765" bIns="16510" numCol="1" spcCol="1270" anchor="ctr" anchorCtr="0">
           <a:noAutofit/>
         </a:bodyPr>
         <a:lstStyle/>
         <a:p>
-          <a:pPr marL="0" lvl="0" indent="0" algn="ctr" defTabSz="666750">
+          <a:pPr marL="0" lvl="0" indent="0" algn="ctr" defTabSz="577850">
             <a:lnSpc>
               <a:spcPct val="90000"/>
             </a:lnSpc>
@@ -3038,14 +3134,14 @@
             <a:buNone/>
           </a:pPr>
           <a:r>
-            <a:rPr lang="en-US" sz="1500" kern="1200" dirty="0"/>
+            <a:rPr lang="en-US" sz="1300" kern="1200" dirty="0"/>
             <a:t>Object-Oriented Programming</a:t>
           </a:r>
         </a:p>
       </dsp:txBody>
       <dsp:txXfrm>
-        <a:off x="4148451" y="21324"/>
-        <a:ext cx="1397015" cy="677431"/>
+        <a:off x="3981164" y="18244"/>
+        <a:ext cx="1184646" cy="574451"/>
       </dsp:txXfrm>
     </dsp:sp>
     <dsp:sp modelId="{278D3975-9588-4A95-85BD-D062BB0AE1A4}">
@@ -3055,8 +3151,8 @@
       </dsp:nvSpPr>
       <dsp:spPr>
         <a:xfrm>
-          <a:off x="4271292" y="719832"/>
-          <a:ext cx="143916" cy="539687"/>
+          <a:off x="4085332" y="610567"/>
+          <a:ext cx="122039" cy="457646"/>
         </a:xfrm>
         <a:custGeom>
           <a:avLst/>
@@ -3070,10 +3166,10 @@
                 <a:pt x="0" y="0"/>
               </a:moveTo>
               <a:lnTo>
-                <a:pt x="0" y="539687"/>
+                <a:pt x="0" y="457646"/>
               </a:lnTo>
               <a:lnTo>
-                <a:pt x="143916" y="539687"/>
+                <a:pt x="122039" y="457646"/>
               </a:lnTo>
             </a:path>
           </a:pathLst>
@@ -3113,8 +3209,8 @@
       </dsp:nvSpPr>
       <dsp:spPr>
         <a:xfrm>
-          <a:off x="4415209" y="899728"/>
-          <a:ext cx="1151334" cy="719583"/>
+          <a:off x="4207371" y="763116"/>
+          <a:ext cx="976312" cy="610195"/>
         </a:xfrm>
         <a:prstGeom prst="roundRect">
           <a:avLst>
@@ -3156,12 +3252,12 @@
         <a:fontRef idx="minor"/>
       </dsp:style>
       <dsp:txBody>
-        <a:bodyPr spcFirstLastPara="0" vert="horz" wrap="square" lIns="28575" tIns="19050" rIns="28575" bIns="19050" numCol="1" spcCol="1270" anchor="ctr" anchorCtr="0">
+        <a:bodyPr spcFirstLastPara="0" vert="horz" wrap="square" lIns="19050" tIns="12700" rIns="19050" bIns="12700" numCol="1" spcCol="1270" anchor="ctr" anchorCtr="0">
           <a:noAutofit/>
         </a:bodyPr>
         <a:lstStyle/>
         <a:p>
-          <a:pPr marL="0" lvl="0" indent="0" algn="ctr" defTabSz="666750">
+          <a:pPr marL="0" lvl="0" indent="0" algn="ctr" defTabSz="444500">
             <a:lnSpc>
               <a:spcPct val="90000"/>
             </a:lnSpc>
@@ -3174,14 +3270,14 @@
             <a:buNone/>
           </a:pPr>
           <a:r>
-            <a:rPr lang="en-US" sz="1500" kern="1200" dirty="0"/>
+            <a:rPr lang="en-US" sz="1000" kern="1200" dirty="0"/>
             <a:t>Interfaces and Classes</a:t>
           </a:r>
         </a:p>
       </dsp:txBody>
       <dsp:txXfrm>
-        <a:off x="4436285" y="920804"/>
-        <a:ext cx="1109182" cy="677431"/>
+        <a:off x="4225243" y="780988"/>
+        <a:ext cx="940568" cy="574451"/>
       </dsp:txXfrm>
     </dsp:sp>
     <dsp:sp modelId="{FF100697-267A-4BC5-8DA9-B1F7321DFE84}">
@@ -3191,8 +3287,8 @@
       </dsp:nvSpPr>
       <dsp:spPr>
         <a:xfrm>
-          <a:off x="4271292" y="719832"/>
-          <a:ext cx="143916" cy="1439167"/>
+          <a:off x="4085332" y="610567"/>
+          <a:ext cx="122039" cy="1220390"/>
         </a:xfrm>
         <a:custGeom>
           <a:avLst/>
@@ -3206,10 +3302,10 @@
                 <a:pt x="0" y="0"/>
               </a:moveTo>
               <a:lnTo>
-                <a:pt x="0" y="1439167"/>
+                <a:pt x="0" y="1220390"/>
               </a:lnTo>
               <a:lnTo>
-                <a:pt x="143916" y="1439167"/>
+                <a:pt x="122039" y="1220390"/>
               </a:lnTo>
             </a:path>
           </a:pathLst>
@@ -3249,8 +3345,8 @@
       </dsp:nvSpPr>
       <dsp:spPr>
         <a:xfrm>
-          <a:off x="4415209" y="1799208"/>
-          <a:ext cx="1151334" cy="719583"/>
+          <a:off x="4207371" y="1525860"/>
+          <a:ext cx="976312" cy="610195"/>
         </a:xfrm>
         <a:prstGeom prst="roundRect">
           <a:avLst>
@@ -3292,12 +3388,12 @@
         <a:fontRef idx="minor"/>
       </dsp:style>
       <dsp:txBody>
-        <a:bodyPr spcFirstLastPara="0" vert="horz" wrap="square" lIns="28575" tIns="19050" rIns="28575" bIns="19050" numCol="1" spcCol="1270" anchor="ctr" anchorCtr="0">
+        <a:bodyPr spcFirstLastPara="0" vert="horz" wrap="square" lIns="19050" tIns="12700" rIns="19050" bIns="12700" numCol="1" spcCol="1270" anchor="ctr" anchorCtr="0">
           <a:noAutofit/>
         </a:bodyPr>
         <a:lstStyle/>
         <a:p>
-          <a:pPr marL="0" lvl="0" indent="0" algn="ctr" defTabSz="666750">
+          <a:pPr marL="0" lvl="0" indent="0" algn="ctr" defTabSz="444500">
             <a:lnSpc>
               <a:spcPct val="90000"/>
             </a:lnSpc>
@@ -3310,14 +3406,14 @@
             <a:buNone/>
           </a:pPr>
           <a:r>
-            <a:rPr lang="en-US" sz="1500" kern="1200" dirty="0"/>
+            <a:rPr lang="en-US" sz="1000" kern="1200" dirty="0"/>
             <a:t>Inheritance</a:t>
           </a:r>
         </a:p>
       </dsp:txBody>
       <dsp:txXfrm>
-        <a:off x="4436285" y="1820284"/>
-        <a:ext cx="1109182" cy="677431"/>
+        <a:off x="4225243" y="1543732"/>
+        <a:ext cx="940568" cy="574451"/>
       </dsp:txXfrm>
     </dsp:sp>
     <dsp:sp modelId="{6B27DFF3-3021-4E99-BF73-829A6255425D}">
@@ -3327,8 +3423,8 @@
       </dsp:nvSpPr>
       <dsp:spPr>
         <a:xfrm>
-          <a:off x="4271292" y="719832"/>
-          <a:ext cx="143916" cy="2338647"/>
+          <a:off x="4085332" y="610567"/>
+          <a:ext cx="122039" cy="1983134"/>
         </a:xfrm>
         <a:custGeom>
           <a:avLst/>
@@ -3342,10 +3438,10 @@
                 <a:pt x="0" y="0"/>
               </a:moveTo>
               <a:lnTo>
-                <a:pt x="0" y="2338647"/>
+                <a:pt x="0" y="1983134"/>
               </a:lnTo>
               <a:lnTo>
-                <a:pt x="143916" y="2338647"/>
+                <a:pt x="122039" y="1983134"/>
               </a:lnTo>
             </a:path>
           </a:pathLst>
@@ -3385,8 +3481,8 @@
       </dsp:nvSpPr>
       <dsp:spPr>
         <a:xfrm>
-          <a:off x="4415209" y="2698687"/>
-          <a:ext cx="1151334" cy="719583"/>
+          <a:off x="4207371" y="2288604"/>
+          <a:ext cx="976312" cy="610195"/>
         </a:xfrm>
         <a:prstGeom prst="roundRect">
           <a:avLst>
@@ -3428,12 +3524,12 @@
         <a:fontRef idx="minor"/>
       </dsp:style>
       <dsp:txBody>
-        <a:bodyPr spcFirstLastPara="0" vert="horz" wrap="square" lIns="28575" tIns="19050" rIns="28575" bIns="19050" numCol="1" spcCol="1270" anchor="ctr" anchorCtr="0">
+        <a:bodyPr spcFirstLastPara="0" vert="horz" wrap="square" lIns="19050" tIns="12700" rIns="19050" bIns="12700" numCol="1" spcCol="1270" anchor="ctr" anchorCtr="0">
           <a:noAutofit/>
         </a:bodyPr>
         <a:lstStyle/>
         <a:p>
-          <a:pPr marL="0" lvl="0" indent="0" algn="ctr" defTabSz="666750">
+          <a:pPr marL="0" lvl="0" indent="0" algn="ctr" defTabSz="444500">
             <a:lnSpc>
               <a:spcPct val="90000"/>
             </a:lnSpc>
@@ -3446,14 +3542,14 @@
             <a:buNone/>
           </a:pPr>
           <a:r>
-            <a:rPr lang="en-US" sz="1500" kern="1200" dirty="0"/>
+            <a:rPr lang="en-US" sz="1000" kern="1200" dirty="0"/>
             <a:t>Objects with Mutable State</a:t>
           </a:r>
         </a:p>
       </dsp:txBody>
       <dsp:txXfrm>
-        <a:off x="4436285" y="2719763"/>
-        <a:ext cx="1109182" cy="677431"/>
+        <a:off x="4225243" y="2306476"/>
+        <a:ext cx="940568" cy="574451"/>
       </dsp:txXfrm>
     </dsp:sp>
     <dsp:sp modelId="{E8A2D34D-9B35-4804-BD08-DC4453907292}">
@@ -3463,8 +3559,8 @@
       </dsp:nvSpPr>
       <dsp:spPr>
         <a:xfrm>
-          <a:off x="4271292" y="719832"/>
-          <a:ext cx="143916" cy="3238127"/>
+          <a:off x="4085332" y="610567"/>
+          <a:ext cx="122039" cy="2745878"/>
         </a:xfrm>
         <a:custGeom>
           <a:avLst/>
@@ -3478,10 +3574,10 @@
                 <a:pt x="0" y="0"/>
               </a:moveTo>
               <a:lnTo>
-                <a:pt x="0" y="3238127"/>
+                <a:pt x="0" y="2745878"/>
               </a:lnTo>
               <a:lnTo>
-                <a:pt x="143916" y="3238127"/>
+                <a:pt x="122039" y="2745878"/>
               </a:lnTo>
             </a:path>
           </a:pathLst>
@@ -3521,8 +3617,8 @@
       </dsp:nvSpPr>
       <dsp:spPr>
         <a:xfrm>
-          <a:off x="4415209" y="3598167"/>
-          <a:ext cx="1151334" cy="719583"/>
+          <a:off x="4207371" y="3051348"/>
+          <a:ext cx="976312" cy="610195"/>
         </a:xfrm>
         <a:prstGeom prst="roundRect">
           <a:avLst>
@@ -3564,12 +3660,12 @@
         <a:fontRef idx="minor"/>
       </dsp:style>
       <dsp:txBody>
-        <a:bodyPr spcFirstLastPara="0" vert="horz" wrap="square" lIns="28575" tIns="19050" rIns="28575" bIns="19050" numCol="1" spcCol="1270" anchor="ctr" anchorCtr="0">
+        <a:bodyPr spcFirstLastPara="0" vert="horz" wrap="square" lIns="19050" tIns="12700" rIns="19050" bIns="12700" numCol="1" spcCol="1270" anchor="ctr" anchorCtr="0">
           <a:noAutofit/>
         </a:bodyPr>
         <a:lstStyle/>
         <a:p>
-          <a:pPr marL="0" lvl="0" indent="0" algn="ctr" defTabSz="666750">
+          <a:pPr marL="0" lvl="0" indent="0" algn="ctr" defTabSz="444500">
             <a:lnSpc>
               <a:spcPct val="90000"/>
             </a:lnSpc>
@@ -3582,14 +3678,14 @@
             <a:buNone/>
           </a:pPr>
           <a:r>
-            <a:rPr lang="en-US" sz="1500" kern="1200" dirty="0"/>
+            <a:rPr lang="en-US" sz="1000" kern="1200" dirty="0"/>
             <a:t>Efficiency, Part 2</a:t>
           </a:r>
         </a:p>
       </dsp:txBody>
       <dsp:txXfrm>
-        <a:off x="4436285" y="3619243"/>
-        <a:ext cx="1109182" cy="677431"/>
+        <a:off x="4225243" y="3069220"/>
+        <a:ext cx="940568" cy="574451"/>
       </dsp:txXfrm>
     </dsp:sp>
   </dsp:spTree>
@@ -5005,7 +5101,7 @@
             <a:fld id="{F428509D-A83E-4130-9123-C9B4F5E9EE37}" type="datetimeFigureOut">
               <a:rPr lang="en-US" smtClean="0"/>
               <a:pPr/>
-              <a:t>7/26/2017</a:t>
+              <a:t>8/28/2017</a:t>
             </a:fld>
             <a:endParaRPr lang="en-US"/>
           </a:p>
@@ -5172,7 +5268,7 @@
             <a:fld id="{ACC16E80-119B-43B5-8043-B652C91D44CD}" type="datetimeFigureOut">
               <a:rPr lang="en-US" smtClean="0"/>
               <a:pPr/>
-              <a:t>7/26/2017</a:t>
+              <a:t>8/28/2017</a:t>
             </a:fld>
             <a:endParaRPr lang="en-US"/>
           </a:p>
@@ -7000,7 +7096,7 @@
             <a:fld id="{995A3EAA-2ADF-4730-8F37-D322F0FCA6F7}" type="datetime1">
               <a:rPr lang="en-US" smtClean="0"/>
               <a:pPr/>
-              <a:t>7/26/2017</a:t>
+              <a:t>8/28/2017</a:t>
             </a:fld>
             <a:endParaRPr lang="en-US"/>
           </a:p>
@@ -7249,7 +7345,7 @@
             <a:fld id="{9A46249C-EA92-4608-8FCA-65260396BA27}" type="datetime1">
               <a:rPr lang="en-US" smtClean="0"/>
               <a:pPr/>
-              <a:t>7/26/2017</a:t>
+              <a:t>8/28/2017</a:t>
             </a:fld>
             <a:endParaRPr lang="en-US"/>
           </a:p>
@@ -7414,7 +7510,7 @@
             <a:fld id="{E98573EB-F81F-45A8-8502-B7F241F6310C}" type="datetime1">
               <a:rPr lang="en-US" smtClean="0"/>
               <a:pPr/>
-              <a:t>7/26/2017</a:t>
+              <a:t>8/28/2017</a:t>
             </a:fld>
             <a:endParaRPr lang="en-US"/>
           </a:p>
@@ -7589,7 +7685,7 @@
             <a:fld id="{D3B68F27-4D23-4B43-9126-090EEA2632D9}" type="datetime1">
               <a:rPr lang="en-US" smtClean="0"/>
               <a:pPr/>
-              <a:t>7/26/2017</a:t>
+              <a:t>8/28/2017</a:t>
             </a:fld>
             <a:endParaRPr lang="en-US"/>
           </a:p>
@@ -7766,7 +7862,7 @@
             <a:fld id="{AF79D0BF-EDA9-4C0D-B5C1-D01FE3C9392D}" type="datetime1">
               <a:rPr lang="en-US" smtClean="0"/>
               <a:pPr/>
-              <a:t>7/26/2017</a:t>
+              <a:t>8/28/2017</a:t>
             </a:fld>
             <a:endParaRPr lang="en-US"/>
           </a:p>
@@ -7958,7 +8054,7 @@
             <a:fld id="{AF79D0BF-EDA9-4C0D-B5C1-D01FE3C9392D}" type="datetime1">
               <a:rPr lang="en-US" smtClean="0"/>
               <a:pPr/>
-              <a:t>7/26/2017</a:t>
+              <a:t>8/28/2017</a:t>
             </a:fld>
             <a:endParaRPr lang="en-US"/>
           </a:p>
@@ -8205,7 +8301,7 @@
             <a:fld id="{D69015D0-49B0-4059-80BB-AF092C6CC282}" type="datetime1">
               <a:rPr lang="en-US" smtClean="0"/>
               <a:pPr/>
-              <a:t>7/26/2017</a:t>
+              <a:t>8/28/2017</a:t>
             </a:fld>
             <a:endParaRPr lang="en-US"/>
           </a:p>
@@ -8487,7 +8583,7 @@
             <a:fld id="{6CFAE174-28EF-4C23-BFDE-B69E139D8EE0}" type="datetime1">
               <a:rPr lang="en-US" smtClean="0"/>
               <a:pPr/>
-              <a:t>7/26/2017</a:t>
+              <a:t>8/28/2017</a:t>
             </a:fld>
             <a:endParaRPr lang="en-US"/>
           </a:p>
@@ -8918,7 +9014,7 @@
             <a:fld id="{3C4735FC-F3F4-4930-AD2E-C703D7636E65}" type="datetime1">
               <a:rPr lang="en-US" smtClean="0"/>
               <a:pPr/>
-              <a:t>7/26/2017</a:t>
+              <a:t>8/28/2017</a:t>
             </a:fld>
             <a:endParaRPr lang="en-US"/>
           </a:p>
@@ -9051,7 +9147,7 @@
             <a:fld id="{37087D82-BB00-4296-AA4E-C167745A82DE}" type="datetime1">
               <a:rPr lang="en-US" smtClean="0"/>
               <a:pPr/>
-              <a:t>7/26/2017</a:t>
+              <a:t>8/28/2017</a:t>
             </a:fld>
             <a:endParaRPr lang="en-US"/>
           </a:p>
@@ -9143,7 +9239,7 @@
             <a:fld id="{E416393F-B669-482B-BFD6-501DDE1069A2}" type="datetime1">
               <a:rPr lang="en-US" smtClean="0"/>
               <a:pPr/>
-              <a:t>7/26/2017</a:t>
+              <a:t>8/28/2017</a:t>
             </a:fld>
             <a:endParaRPr lang="en-US"/>
           </a:p>
@@ -9415,7 +9511,7 @@
             <a:fld id="{8FFF435E-64AB-44BA-AD31-EDF4E3683DDC}" type="datetime1">
               <a:rPr lang="en-US" smtClean="0"/>
               <a:pPr/>
-              <a:t>7/26/2017</a:t>
+              <a:t>8/28/2017</a:t>
             </a:fld>
             <a:endParaRPr lang="en-US"/>
           </a:p>
@@ -9623,7 +9719,7 @@
             <a:fld id="{9FD4D3D6-E918-4CCA-AF93-9744A928CB26}" type="datetime1">
               <a:rPr lang="en-US" smtClean="0"/>
               <a:pPr/>
-              <a:t>7/26/2017</a:t>
+              <a:t>8/28/2017</a:t>
             </a:fld>
             <a:endParaRPr lang="en-US"/>
           </a:p>
@@ -12081,14 +12177,14 @@
           <p:nvPr>
             <p:extLst>
               <p:ext uri="{D42A27DB-BD31-4B8C-83A1-F6EECF244321}">
-                <p14:modId xmlns:p14="http://schemas.microsoft.com/office/powerpoint/2010/main" val="956293749"/>
+                <p14:modId xmlns:p14="http://schemas.microsoft.com/office/powerpoint/2010/main" val="1173496951"/>
               </p:ext>
             </p:extLst>
           </p:nvPr>
         </p:nvGraphicFramePr>
         <p:xfrm>
           <a:off x="1524000" y="1727994"/>
-          <a:ext cx="6096000" cy="4318000"/>
+          <a:ext cx="6096000" cy="4520406"/>
         </p:xfrm>
         <a:graphic>
           <a:graphicData uri="http://schemas.openxmlformats.org/drawingml/2006/diagram">
@@ -12099,7 +12195,7 @@
     </p:spTree>
     <p:extLst>
       <p:ext uri="{BB962C8B-B14F-4D97-AF65-F5344CB8AC3E}">
-        <p14:creationId xmlns:p14="http://schemas.microsoft.com/office/powerpoint/2010/main" val="1147616564"/>
+        <p14:creationId xmlns:p14="http://schemas.microsoft.com/office/powerpoint/2010/main" val="3375243708"/>
       </p:ext>
     </p:extLst>
   </p:cSld>
